--- a/Presentation/Presentation.pptx
+++ b/Presentation/Presentation.pptx
@@ -9133,7 +9133,7 @@
       </p:grpSpPr>
       <p:pic>
         <p:nvPicPr>
-          <p:cNvPr id="6" name="Picture 5"/>
+          <p:cNvPr id="2" name="Picture 1"/>
           <p:cNvPicPr>
             <a:picLocks noChangeAspect="1"/>
           </p:cNvPicPr>
@@ -9147,14 +9147,525 @@
         </p:blipFill>
         <p:spPr>
           <a:xfrm>
-            <a:off x="1076324" y="188393"/>
-            <a:ext cx="10448926" cy="6542177"/>
+            <a:off x="263999" y="2577326"/>
+            <a:ext cx="1184396" cy="1847302"/>
           </a:xfrm>
           <a:prstGeom prst="rect">
             <a:avLst/>
           </a:prstGeom>
         </p:spPr>
       </p:pic>
+      <p:cxnSp>
+        <p:nvCxnSpPr>
+          <p:cNvPr id="4" name="Straight Arrow Connector 3"/>
+          <p:cNvCxnSpPr>
+            <a:stCxn id="2" idx="3"/>
+            <a:endCxn id="5" idx="1"/>
+          </p:cNvCxnSpPr>
+          <p:nvPr/>
+        </p:nvCxnSpPr>
+        <p:spPr>
+          <a:xfrm flipV="1">
+            <a:off x="1448395" y="3499014"/>
+            <a:ext cx="1546265" cy="1963"/>
+          </a:xfrm>
+          <a:prstGeom prst="straightConnector1">
+            <a:avLst/>
+          </a:prstGeom>
+          <a:ln w="53975" cmpd="sng">
+            <a:solidFill>
+              <a:schemeClr val="bg1">
+                <a:lumMod val="65000"/>
+              </a:schemeClr>
+            </a:solidFill>
+            <a:tailEnd type="triangle"/>
+          </a:ln>
+        </p:spPr>
+        <p:style>
+          <a:lnRef idx="1">
+            <a:schemeClr val="accent1"/>
+          </a:lnRef>
+          <a:fillRef idx="0">
+            <a:schemeClr val="accent1"/>
+          </a:fillRef>
+          <a:effectRef idx="0">
+            <a:schemeClr val="accent1"/>
+          </a:effectRef>
+          <a:fontRef idx="minor">
+            <a:schemeClr val="tx1"/>
+          </a:fontRef>
+        </p:style>
+      </p:cxnSp>
+      <p:pic>
+        <p:nvPicPr>
+          <p:cNvPr id="5" name="Picture 4"/>
+          <p:cNvPicPr>
+            <a:picLocks noChangeAspect="1"/>
+          </p:cNvPicPr>
+          <p:nvPr/>
+        </p:nvPicPr>
+        <p:blipFill>
+          <a:blip r:embed="rId3"/>
+          <a:stretch>
+            <a:fillRect/>
+          </a:stretch>
+        </p:blipFill>
+        <p:spPr>
+          <a:xfrm>
+            <a:off x="2994660" y="2497684"/>
+            <a:ext cx="1915345" cy="2002659"/>
+          </a:xfrm>
+          <a:prstGeom prst="rect">
+            <a:avLst/>
+          </a:prstGeom>
+        </p:spPr>
+      </p:pic>
+      <p:pic>
+        <p:nvPicPr>
+          <p:cNvPr id="7" name="Picture 6"/>
+          <p:cNvPicPr>
+            <a:picLocks noChangeAspect="1"/>
+          </p:cNvPicPr>
+          <p:nvPr/>
+        </p:nvPicPr>
+        <p:blipFill>
+          <a:blip r:embed="rId4"/>
+          <a:stretch>
+            <a:fillRect/>
+          </a:stretch>
+        </p:blipFill>
+        <p:spPr>
+          <a:xfrm>
+            <a:off x="4980018" y="161170"/>
+            <a:ext cx="2394817" cy="1789723"/>
+          </a:xfrm>
+          <a:prstGeom prst="rect">
+            <a:avLst/>
+          </a:prstGeom>
+        </p:spPr>
+      </p:pic>
+      <p:pic>
+        <p:nvPicPr>
+          <p:cNvPr id="9" name="Picture 8"/>
+          <p:cNvPicPr>
+            <a:picLocks noChangeAspect="1"/>
+          </p:cNvPicPr>
+          <p:nvPr/>
+        </p:nvPicPr>
+        <p:blipFill>
+          <a:blip r:embed="rId5"/>
+          <a:stretch>
+            <a:fillRect/>
+          </a:stretch>
+        </p:blipFill>
+        <p:spPr>
+          <a:xfrm>
+            <a:off x="6373622" y="4942022"/>
+            <a:ext cx="2610479" cy="1682341"/>
+          </a:xfrm>
+          <a:prstGeom prst="rect">
+            <a:avLst/>
+          </a:prstGeom>
+        </p:spPr>
+      </p:pic>
+      <p:pic>
+        <p:nvPicPr>
+          <p:cNvPr id="10" name="Picture 9"/>
+          <p:cNvPicPr>
+            <a:picLocks noChangeAspect="1"/>
+          </p:cNvPicPr>
+          <p:nvPr/>
+        </p:nvPicPr>
+        <p:blipFill>
+          <a:blip r:embed="rId6"/>
+          <a:stretch>
+            <a:fillRect/>
+          </a:stretch>
+        </p:blipFill>
+        <p:spPr>
+          <a:xfrm>
+            <a:off x="10259712" y="2481282"/>
+            <a:ext cx="1932288" cy="2035461"/>
+          </a:xfrm>
+          <a:prstGeom prst="rect">
+            <a:avLst/>
+          </a:prstGeom>
+        </p:spPr>
+      </p:pic>
+      <p:cxnSp>
+        <p:nvCxnSpPr>
+          <p:cNvPr id="17" name="Curved Connector 16"/>
+          <p:cNvCxnSpPr>
+            <a:stCxn id="5" idx="0"/>
+            <a:endCxn id="7" idx="1"/>
+          </p:cNvCxnSpPr>
+          <p:nvPr/>
+        </p:nvCxnSpPr>
+        <p:spPr>
+          <a:xfrm rot="5400000" flipH="1" flipV="1">
+            <a:off x="3745349" y="1263016"/>
+            <a:ext cx="1441652" cy="1027685"/>
+          </a:xfrm>
+          <a:prstGeom prst="curvedConnector2">
+            <a:avLst/>
+          </a:prstGeom>
+          <a:ln w="57150">
+            <a:solidFill>
+              <a:schemeClr val="bg1">
+                <a:lumMod val="65000"/>
+              </a:schemeClr>
+            </a:solidFill>
+            <a:tailEnd type="triangle"/>
+          </a:ln>
+        </p:spPr>
+        <p:style>
+          <a:lnRef idx="1">
+            <a:schemeClr val="accent1"/>
+          </a:lnRef>
+          <a:fillRef idx="0">
+            <a:schemeClr val="accent1"/>
+          </a:fillRef>
+          <a:effectRef idx="0">
+            <a:schemeClr val="accent1"/>
+          </a:effectRef>
+          <a:fontRef idx="minor">
+            <a:schemeClr val="tx1"/>
+          </a:fontRef>
+        </p:style>
+      </p:cxnSp>
+      <p:cxnSp>
+        <p:nvCxnSpPr>
+          <p:cNvPr id="20" name="Straight Arrow Connector 19"/>
+          <p:cNvCxnSpPr>
+            <a:stCxn id="5" idx="3"/>
+          </p:cNvCxnSpPr>
+          <p:nvPr/>
+        </p:nvCxnSpPr>
+        <p:spPr>
+          <a:xfrm flipV="1">
+            <a:off x="4910005" y="3498049"/>
+            <a:ext cx="1936728" cy="965"/>
+          </a:xfrm>
+          <a:prstGeom prst="straightConnector1">
+            <a:avLst/>
+          </a:prstGeom>
+          <a:ln w="53975" cmpd="sng">
+            <a:solidFill>
+              <a:schemeClr val="bg1">
+                <a:lumMod val="65000"/>
+              </a:schemeClr>
+            </a:solidFill>
+            <a:tailEnd type="triangle"/>
+          </a:ln>
+        </p:spPr>
+        <p:style>
+          <a:lnRef idx="1">
+            <a:schemeClr val="accent1"/>
+          </a:lnRef>
+          <a:fillRef idx="0">
+            <a:schemeClr val="accent1"/>
+          </a:fillRef>
+          <a:effectRef idx="0">
+            <a:schemeClr val="accent1"/>
+          </a:effectRef>
+          <a:fontRef idx="minor">
+            <a:schemeClr val="tx1"/>
+          </a:fontRef>
+        </p:style>
+      </p:cxnSp>
+      <p:cxnSp>
+        <p:nvCxnSpPr>
+          <p:cNvPr id="29" name="Curved Connector 28"/>
+          <p:cNvCxnSpPr>
+            <a:stCxn id="5" idx="3"/>
+            <a:endCxn id="9" idx="1"/>
+          </p:cNvCxnSpPr>
+          <p:nvPr/>
+        </p:nvCxnSpPr>
+        <p:spPr>
+          <a:xfrm>
+            <a:off x="4910005" y="3499014"/>
+            <a:ext cx="1463617" cy="2284179"/>
+          </a:xfrm>
+          <a:prstGeom prst="curvedConnector3">
+            <a:avLst/>
+          </a:prstGeom>
+          <a:ln w="57150">
+            <a:solidFill>
+              <a:schemeClr val="bg1">
+                <a:lumMod val="65000"/>
+              </a:schemeClr>
+            </a:solidFill>
+            <a:tailEnd type="triangle"/>
+          </a:ln>
+        </p:spPr>
+        <p:style>
+          <a:lnRef idx="1">
+            <a:schemeClr val="accent1"/>
+          </a:lnRef>
+          <a:fillRef idx="0">
+            <a:schemeClr val="accent1"/>
+          </a:fillRef>
+          <a:effectRef idx="0">
+            <a:schemeClr val="accent1"/>
+          </a:effectRef>
+          <a:fontRef idx="minor">
+            <a:schemeClr val="tx1"/>
+          </a:fontRef>
+        </p:style>
+      </p:cxnSp>
+      <p:cxnSp>
+        <p:nvCxnSpPr>
+          <p:cNvPr id="30" name="Straight Arrow Connector 29"/>
+          <p:cNvCxnSpPr>
+            <a:endCxn id="10" idx="1"/>
+          </p:cNvCxnSpPr>
+          <p:nvPr/>
+        </p:nvCxnSpPr>
+        <p:spPr>
+          <a:xfrm>
+            <a:off x="8663940" y="3499012"/>
+            <a:ext cx="1595772" cy="1"/>
+          </a:xfrm>
+          <a:prstGeom prst="straightConnector1">
+            <a:avLst/>
+          </a:prstGeom>
+          <a:ln w="53975" cmpd="sng">
+            <a:solidFill>
+              <a:schemeClr val="bg1">
+                <a:lumMod val="65000"/>
+              </a:schemeClr>
+            </a:solidFill>
+            <a:tailEnd type="triangle"/>
+          </a:ln>
+        </p:spPr>
+        <p:style>
+          <a:lnRef idx="1">
+            <a:schemeClr val="accent1"/>
+          </a:lnRef>
+          <a:fillRef idx="0">
+            <a:schemeClr val="accent1"/>
+          </a:fillRef>
+          <a:effectRef idx="0">
+            <a:schemeClr val="accent1"/>
+          </a:effectRef>
+          <a:fontRef idx="minor">
+            <a:schemeClr val="tx1"/>
+          </a:fontRef>
+        </p:style>
+      </p:cxnSp>
+      <p:pic>
+        <p:nvPicPr>
+          <p:cNvPr id="34" name="Picture 33"/>
+          <p:cNvPicPr>
+            <a:picLocks noChangeAspect="1"/>
+          </p:cNvPicPr>
+          <p:nvPr/>
+        </p:nvPicPr>
+        <p:blipFill>
+          <a:blip r:embed="rId7"/>
+          <a:stretch>
+            <a:fillRect/>
+          </a:stretch>
+        </p:blipFill>
+        <p:spPr>
+          <a:xfrm>
+            <a:off x="6456270" y="2533708"/>
+            <a:ext cx="2445185" cy="1934472"/>
+          </a:xfrm>
+          <a:prstGeom prst="rect">
+            <a:avLst/>
+          </a:prstGeom>
+        </p:spPr>
+      </p:pic>
+      <p:sp>
+        <p:nvSpPr>
+          <p:cNvPr id="53" name="TextBox 52"/>
+          <p:cNvSpPr txBox="1"/>
+          <p:nvPr/>
+        </p:nvSpPr>
+        <p:spPr>
+          <a:xfrm>
+            <a:off x="1827830" y="3066222"/>
+            <a:ext cx="853119" cy="400110"/>
+          </a:xfrm>
+          <a:prstGeom prst="rect">
+            <a:avLst/>
+          </a:prstGeom>
+          <a:noFill/>
+        </p:spPr>
+        <p:txBody>
+          <a:bodyPr wrap="none" rtlCol="0">
+            <a:spAutoFit/>
+          </a:bodyPr>
+          <a:lstStyle/>
+          <a:p>
+            <a:r>
+              <a:rPr lang="en-US" sz="2000" dirty="0" smtClean="0">
+                <a:latin typeface="Segoe UI Light" panose="020B0502040204020203" pitchFamily="34" charset="0"/>
+                <a:cs typeface="Segoe UI Light" panose="020B0502040204020203" pitchFamily="34" charset="0"/>
+              </a:rPr>
+              <a:t>Image</a:t>
+            </a:r>
+            <a:endParaRPr lang="en-US" sz="2000" dirty="0">
+              <a:latin typeface="Segoe UI Light" panose="020B0502040204020203" pitchFamily="34" charset="0"/>
+              <a:cs typeface="Segoe UI Light" panose="020B0502040204020203" pitchFamily="34" charset="0"/>
+            </a:endParaRPr>
+          </a:p>
+        </p:txBody>
+      </p:sp>
+      <p:sp>
+        <p:nvSpPr>
+          <p:cNvPr id="54" name="TextBox 53"/>
+          <p:cNvSpPr txBox="1"/>
+          <p:nvPr/>
+        </p:nvSpPr>
+        <p:spPr>
+          <a:xfrm>
+            <a:off x="3770930" y="1376748"/>
+            <a:ext cx="824265" cy="400110"/>
+          </a:xfrm>
+          <a:prstGeom prst="rect">
+            <a:avLst/>
+          </a:prstGeom>
+          <a:solidFill>
+            <a:schemeClr val="bg1"/>
+          </a:solidFill>
+        </p:spPr>
+        <p:txBody>
+          <a:bodyPr wrap="none" rtlCol="0">
+            <a:spAutoFit/>
+          </a:bodyPr>
+          <a:lstStyle/>
+          <a:p>
+            <a:r>
+              <a:rPr lang="en-US" sz="2000" dirty="0" smtClean="0">
+                <a:latin typeface="Segoe UI Light" panose="020B0502040204020203" pitchFamily="34" charset="0"/>
+                <a:cs typeface="Segoe UI Light" panose="020B0502040204020203" pitchFamily="34" charset="0"/>
+              </a:rPr>
+              <a:t>Sends</a:t>
+            </a:r>
+            <a:endParaRPr lang="en-US" sz="2000" dirty="0">
+              <a:latin typeface="Segoe UI Light" panose="020B0502040204020203" pitchFamily="34" charset="0"/>
+              <a:cs typeface="Segoe UI Light" panose="020B0502040204020203" pitchFamily="34" charset="0"/>
+            </a:endParaRPr>
+          </a:p>
+        </p:txBody>
+      </p:sp>
+      <p:sp>
+        <p:nvSpPr>
+          <p:cNvPr id="55" name="TextBox 54"/>
+          <p:cNvSpPr txBox="1"/>
+          <p:nvPr/>
+        </p:nvSpPr>
+        <p:spPr>
+          <a:xfrm>
+            <a:off x="5223716" y="4441604"/>
+            <a:ext cx="843180" cy="400110"/>
+          </a:xfrm>
+          <a:prstGeom prst="rect">
+            <a:avLst/>
+          </a:prstGeom>
+          <a:solidFill>
+            <a:schemeClr val="bg1"/>
+          </a:solidFill>
+        </p:spPr>
+        <p:txBody>
+          <a:bodyPr wrap="none" rtlCol="0">
+            <a:spAutoFit/>
+          </a:bodyPr>
+          <a:lstStyle/>
+          <a:p>
+            <a:r>
+              <a:rPr lang="en-US" sz="2000" dirty="0" smtClean="0">
+                <a:latin typeface="Segoe UI Light" panose="020B0502040204020203" pitchFamily="34" charset="0"/>
+                <a:cs typeface="Segoe UI Light" panose="020B0502040204020203" pitchFamily="34" charset="0"/>
+              </a:rPr>
+              <a:t>Stores</a:t>
+            </a:r>
+            <a:endParaRPr lang="en-US" sz="2000" dirty="0">
+              <a:latin typeface="Segoe UI Light" panose="020B0502040204020203" pitchFamily="34" charset="0"/>
+              <a:cs typeface="Segoe UI Light" panose="020B0502040204020203" pitchFamily="34" charset="0"/>
+            </a:endParaRPr>
+          </a:p>
+        </p:txBody>
+      </p:sp>
+      <p:sp>
+        <p:nvSpPr>
+          <p:cNvPr id="58" name="TextBox 57"/>
+          <p:cNvSpPr txBox="1"/>
+          <p:nvPr/>
+        </p:nvSpPr>
+        <p:spPr>
+          <a:xfrm>
+            <a:off x="8901455" y="3007550"/>
+            <a:ext cx="1025409" cy="400110"/>
+          </a:xfrm>
+          <a:prstGeom prst="rect">
+            <a:avLst/>
+          </a:prstGeom>
+          <a:solidFill>
+            <a:schemeClr val="bg1"/>
+          </a:solidFill>
+        </p:spPr>
+        <p:txBody>
+          <a:bodyPr wrap="none" rtlCol="0">
+            <a:spAutoFit/>
+          </a:bodyPr>
+          <a:lstStyle/>
+          <a:p>
+            <a:r>
+              <a:rPr lang="en-US" sz="2000" dirty="0" smtClean="0">
+                <a:latin typeface="Segoe UI Light" panose="020B0502040204020203" pitchFamily="34" charset="0"/>
+                <a:cs typeface="Segoe UI Light" panose="020B0502040204020203" pitchFamily="34" charset="0"/>
+              </a:rPr>
+              <a:t>Triggers</a:t>
+            </a:r>
+            <a:endParaRPr lang="en-US" sz="2000" dirty="0">
+              <a:latin typeface="Segoe UI Light" panose="020B0502040204020203" pitchFamily="34" charset="0"/>
+              <a:cs typeface="Segoe UI Light" panose="020B0502040204020203" pitchFamily="34" charset="0"/>
+            </a:endParaRPr>
+          </a:p>
+        </p:txBody>
+      </p:sp>
+      <p:sp>
+        <p:nvSpPr>
+          <p:cNvPr id="61" name="TextBox 60"/>
+          <p:cNvSpPr txBox="1"/>
+          <p:nvPr/>
+        </p:nvSpPr>
+        <p:spPr>
+          <a:xfrm>
+            <a:off x="5465581" y="3007550"/>
+            <a:ext cx="824265" cy="400110"/>
+          </a:xfrm>
+          <a:prstGeom prst="rect">
+            <a:avLst/>
+          </a:prstGeom>
+          <a:solidFill>
+            <a:schemeClr val="bg1"/>
+          </a:solidFill>
+        </p:spPr>
+        <p:txBody>
+          <a:bodyPr wrap="none" rtlCol="0">
+            <a:spAutoFit/>
+          </a:bodyPr>
+          <a:lstStyle/>
+          <a:p>
+            <a:r>
+              <a:rPr lang="en-US" sz="2000" dirty="0" smtClean="0">
+                <a:latin typeface="Segoe UI Light" panose="020B0502040204020203" pitchFamily="34" charset="0"/>
+                <a:cs typeface="Segoe UI Light" panose="020B0502040204020203" pitchFamily="34" charset="0"/>
+              </a:rPr>
+              <a:t>Sends</a:t>
+            </a:r>
+            <a:endParaRPr lang="en-US" sz="2000" dirty="0">
+              <a:latin typeface="Segoe UI Light" panose="020B0502040204020203" pitchFamily="34" charset="0"/>
+              <a:cs typeface="Segoe UI Light" panose="020B0502040204020203" pitchFamily="34" charset="0"/>
+            </a:endParaRPr>
+          </a:p>
+        </p:txBody>
+      </p:sp>
     </p:spTree>
     <p:extLst>
       <p:ext uri="{BB962C8B-B14F-4D97-AF65-F5344CB8AC3E}">
@@ -9168,9 +9679,621 @@
   <p:timing>
     <p:tnLst>
       <p:par>
-        <p:cTn id="1" dur="indefinite" restart="never" nodeType="tmRoot"/>
+        <p:cTn id="1" dur="indefinite" restart="never" nodeType="tmRoot">
+          <p:childTnLst>
+            <p:seq concurrent="1" nextAc="seek">
+              <p:cTn id="2" dur="indefinite" nodeType="mainSeq">
+                <p:childTnLst>
+                  <p:par>
+                    <p:cTn id="3" fill="hold">
+                      <p:stCondLst>
+                        <p:cond delay="indefinite"/>
+                        <p:cond evt="onBegin" delay="0">
+                          <p:tn val="2"/>
+                        </p:cond>
+                      </p:stCondLst>
+                      <p:childTnLst>
+                        <p:par>
+                          <p:cTn id="4" fill="hold">
+                            <p:stCondLst>
+                              <p:cond delay="0"/>
+                            </p:stCondLst>
+                            <p:childTnLst>
+                              <p:par>
+                                <p:cTn id="5" presetID="10" presetClass="entr" presetSubtype="0" fill="hold" grpId="0" nodeType="afterEffect">
+                                  <p:stCondLst>
+                                    <p:cond delay="500"/>
+                                  </p:stCondLst>
+                                  <p:childTnLst>
+                                    <p:set>
+                                      <p:cBhvr>
+                                        <p:cTn id="6" dur="1" fill="hold">
+                                          <p:stCondLst>
+                                            <p:cond delay="0"/>
+                                          </p:stCondLst>
+                                        </p:cTn>
+                                        <p:tgtEl>
+                                          <p:spTgt spid="53"/>
+                                        </p:tgtEl>
+                                        <p:attrNameLst>
+                                          <p:attrName>style.visibility</p:attrName>
+                                        </p:attrNameLst>
+                                      </p:cBhvr>
+                                      <p:to>
+                                        <p:strVal val="visible"/>
+                                      </p:to>
+                                    </p:set>
+                                    <p:animEffect transition="in" filter="fade">
+                                      <p:cBhvr>
+                                        <p:cTn id="7" dur="500"/>
+                                        <p:tgtEl>
+                                          <p:spTgt spid="53"/>
+                                        </p:tgtEl>
+                                      </p:cBhvr>
+                                    </p:animEffect>
+                                  </p:childTnLst>
+                                </p:cTn>
+                              </p:par>
+                              <p:par>
+                                <p:cTn id="8" presetID="10" presetClass="entr" presetSubtype="0" fill="hold" nodeType="withEffect">
+                                  <p:stCondLst>
+                                    <p:cond delay="500"/>
+                                  </p:stCondLst>
+                                  <p:childTnLst>
+                                    <p:set>
+                                      <p:cBhvr>
+                                        <p:cTn id="9" dur="1" fill="hold">
+                                          <p:stCondLst>
+                                            <p:cond delay="0"/>
+                                          </p:stCondLst>
+                                        </p:cTn>
+                                        <p:tgtEl>
+                                          <p:spTgt spid="4"/>
+                                        </p:tgtEl>
+                                        <p:attrNameLst>
+                                          <p:attrName>style.visibility</p:attrName>
+                                        </p:attrNameLst>
+                                      </p:cBhvr>
+                                      <p:to>
+                                        <p:strVal val="visible"/>
+                                      </p:to>
+                                    </p:set>
+                                    <p:animEffect transition="in" filter="fade">
+                                      <p:cBhvr>
+                                        <p:cTn id="10" dur="500"/>
+                                        <p:tgtEl>
+                                          <p:spTgt spid="4"/>
+                                        </p:tgtEl>
+                                      </p:cBhvr>
+                                    </p:animEffect>
+                                  </p:childTnLst>
+                                </p:cTn>
+                              </p:par>
+                              <p:par>
+                                <p:cTn id="11" presetID="10" presetClass="entr" presetSubtype="0" fill="hold" nodeType="withEffect">
+                                  <p:stCondLst>
+                                    <p:cond delay="500"/>
+                                  </p:stCondLst>
+                                  <p:childTnLst>
+                                    <p:set>
+                                      <p:cBhvr>
+                                        <p:cTn id="12" dur="1" fill="hold">
+                                          <p:stCondLst>
+                                            <p:cond delay="0"/>
+                                          </p:stCondLst>
+                                        </p:cTn>
+                                        <p:tgtEl>
+                                          <p:spTgt spid="5"/>
+                                        </p:tgtEl>
+                                        <p:attrNameLst>
+                                          <p:attrName>style.visibility</p:attrName>
+                                        </p:attrNameLst>
+                                      </p:cBhvr>
+                                      <p:to>
+                                        <p:strVal val="visible"/>
+                                      </p:to>
+                                    </p:set>
+                                    <p:animEffect transition="in" filter="fade">
+                                      <p:cBhvr>
+                                        <p:cTn id="13" dur="500"/>
+                                        <p:tgtEl>
+                                          <p:spTgt spid="5"/>
+                                        </p:tgtEl>
+                                      </p:cBhvr>
+                                    </p:animEffect>
+                                  </p:childTnLst>
+                                </p:cTn>
+                              </p:par>
+                            </p:childTnLst>
+                          </p:cTn>
+                        </p:par>
+                        <p:par>
+                          <p:cTn id="14" fill="hold">
+                            <p:stCondLst>
+                              <p:cond delay="1000"/>
+                            </p:stCondLst>
+                            <p:childTnLst>
+                              <p:par>
+                                <p:cTn id="15" presetID="10" presetClass="entr" presetSubtype="0" fill="hold" grpId="0" nodeType="afterEffect">
+                                  <p:stCondLst>
+                                    <p:cond delay="500"/>
+                                  </p:stCondLst>
+                                  <p:childTnLst>
+                                    <p:set>
+                                      <p:cBhvr>
+                                        <p:cTn id="16" dur="1" fill="hold">
+                                          <p:stCondLst>
+                                            <p:cond delay="0"/>
+                                          </p:stCondLst>
+                                        </p:cTn>
+                                        <p:tgtEl>
+                                          <p:spTgt spid="54"/>
+                                        </p:tgtEl>
+                                        <p:attrNameLst>
+                                          <p:attrName>style.visibility</p:attrName>
+                                        </p:attrNameLst>
+                                      </p:cBhvr>
+                                      <p:to>
+                                        <p:strVal val="visible"/>
+                                      </p:to>
+                                    </p:set>
+                                    <p:animEffect transition="in" filter="fade">
+                                      <p:cBhvr>
+                                        <p:cTn id="17" dur="500"/>
+                                        <p:tgtEl>
+                                          <p:spTgt spid="54"/>
+                                        </p:tgtEl>
+                                      </p:cBhvr>
+                                    </p:animEffect>
+                                  </p:childTnLst>
+                                </p:cTn>
+                              </p:par>
+                              <p:par>
+                                <p:cTn id="18" presetID="10" presetClass="entr" presetSubtype="0" fill="hold" nodeType="withEffect">
+                                  <p:stCondLst>
+                                    <p:cond delay="500"/>
+                                  </p:stCondLst>
+                                  <p:childTnLst>
+                                    <p:set>
+                                      <p:cBhvr>
+                                        <p:cTn id="19" dur="1" fill="hold">
+                                          <p:stCondLst>
+                                            <p:cond delay="0"/>
+                                          </p:stCondLst>
+                                        </p:cTn>
+                                        <p:tgtEl>
+                                          <p:spTgt spid="17"/>
+                                        </p:tgtEl>
+                                        <p:attrNameLst>
+                                          <p:attrName>style.visibility</p:attrName>
+                                        </p:attrNameLst>
+                                      </p:cBhvr>
+                                      <p:to>
+                                        <p:strVal val="visible"/>
+                                      </p:to>
+                                    </p:set>
+                                    <p:animEffect transition="in" filter="fade">
+                                      <p:cBhvr>
+                                        <p:cTn id="20" dur="500"/>
+                                        <p:tgtEl>
+                                          <p:spTgt spid="17"/>
+                                        </p:tgtEl>
+                                      </p:cBhvr>
+                                    </p:animEffect>
+                                  </p:childTnLst>
+                                </p:cTn>
+                              </p:par>
+                              <p:par>
+                                <p:cTn id="21" presetID="10" presetClass="entr" presetSubtype="0" fill="hold" nodeType="withEffect">
+                                  <p:stCondLst>
+                                    <p:cond delay="500"/>
+                                  </p:stCondLst>
+                                  <p:childTnLst>
+                                    <p:set>
+                                      <p:cBhvr>
+                                        <p:cTn id="22" dur="1" fill="hold">
+                                          <p:stCondLst>
+                                            <p:cond delay="0"/>
+                                          </p:stCondLst>
+                                        </p:cTn>
+                                        <p:tgtEl>
+                                          <p:spTgt spid="7"/>
+                                        </p:tgtEl>
+                                        <p:attrNameLst>
+                                          <p:attrName>style.visibility</p:attrName>
+                                        </p:attrNameLst>
+                                      </p:cBhvr>
+                                      <p:to>
+                                        <p:strVal val="visible"/>
+                                      </p:to>
+                                    </p:set>
+                                    <p:animEffect transition="in" filter="fade">
+                                      <p:cBhvr>
+                                        <p:cTn id="23" dur="500"/>
+                                        <p:tgtEl>
+                                          <p:spTgt spid="7"/>
+                                        </p:tgtEl>
+                                      </p:cBhvr>
+                                    </p:animEffect>
+                                  </p:childTnLst>
+                                </p:cTn>
+                              </p:par>
+                            </p:childTnLst>
+                          </p:cTn>
+                        </p:par>
+                        <p:par>
+                          <p:cTn id="24" fill="hold">
+                            <p:stCondLst>
+                              <p:cond delay="2000"/>
+                            </p:stCondLst>
+                            <p:childTnLst>
+                              <p:par>
+                                <p:cTn id="25" presetID="10" presetClass="entr" presetSubtype="0" fill="hold" nodeType="afterEffect">
+                                  <p:stCondLst>
+                                    <p:cond delay="500"/>
+                                  </p:stCondLst>
+                                  <p:childTnLst>
+                                    <p:set>
+                                      <p:cBhvr>
+                                        <p:cTn id="26" dur="1" fill="hold">
+                                          <p:stCondLst>
+                                            <p:cond delay="0"/>
+                                          </p:stCondLst>
+                                        </p:cTn>
+                                        <p:tgtEl>
+                                          <p:spTgt spid="9"/>
+                                        </p:tgtEl>
+                                        <p:attrNameLst>
+                                          <p:attrName>style.visibility</p:attrName>
+                                        </p:attrNameLst>
+                                      </p:cBhvr>
+                                      <p:to>
+                                        <p:strVal val="visible"/>
+                                      </p:to>
+                                    </p:set>
+                                    <p:animEffect transition="in" filter="fade">
+                                      <p:cBhvr>
+                                        <p:cTn id="27" dur="500"/>
+                                        <p:tgtEl>
+                                          <p:spTgt spid="9"/>
+                                        </p:tgtEl>
+                                      </p:cBhvr>
+                                    </p:animEffect>
+                                  </p:childTnLst>
+                                </p:cTn>
+                              </p:par>
+                              <p:par>
+                                <p:cTn id="28" presetID="10" presetClass="entr" presetSubtype="0" fill="hold" grpId="0" nodeType="withEffect">
+                                  <p:stCondLst>
+                                    <p:cond delay="500"/>
+                                  </p:stCondLst>
+                                  <p:childTnLst>
+                                    <p:set>
+                                      <p:cBhvr>
+                                        <p:cTn id="29" dur="1" fill="hold">
+                                          <p:stCondLst>
+                                            <p:cond delay="0"/>
+                                          </p:stCondLst>
+                                        </p:cTn>
+                                        <p:tgtEl>
+                                          <p:spTgt spid="55"/>
+                                        </p:tgtEl>
+                                        <p:attrNameLst>
+                                          <p:attrName>style.visibility</p:attrName>
+                                        </p:attrNameLst>
+                                      </p:cBhvr>
+                                      <p:to>
+                                        <p:strVal val="visible"/>
+                                      </p:to>
+                                    </p:set>
+                                    <p:animEffect transition="in" filter="fade">
+                                      <p:cBhvr>
+                                        <p:cTn id="30" dur="500"/>
+                                        <p:tgtEl>
+                                          <p:spTgt spid="55"/>
+                                        </p:tgtEl>
+                                      </p:cBhvr>
+                                    </p:animEffect>
+                                  </p:childTnLst>
+                                </p:cTn>
+                              </p:par>
+                              <p:par>
+                                <p:cTn id="31" presetID="10" presetClass="entr" presetSubtype="0" fill="hold" nodeType="withEffect">
+                                  <p:stCondLst>
+                                    <p:cond delay="500"/>
+                                  </p:stCondLst>
+                                  <p:childTnLst>
+                                    <p:set>
+                                      <p:cBhvr>
+                                        <p:cTn id="32" dur="1" fill="hold">
+                                          <p:stCondLst>
+                                            <p:cond delay="0"/>
+                                          </p:stCondLst>
+                                        </p:cTn>
+                                        <p:tgtEl>
+                                          <p:spTgt spid="29"/>
+                                        </p:tgtEl>
+                                        <p:attrNameLst>
+                                          <p:attrName>style.visibility</p:attrName>
+                                        </p:attrNameLst>
+                                      </p:cBhvr>
+                                      <p:to>
+                                        <p:strVal val="visible"/>
+                                      </p:to>
+                                    </p:set>
+                                    <p:animEffect transition="in" filter="fade">
+                                      <p:cBhvr>
+                                        <p:cTn id="33" dur="500"/>
+                                        <p:tgtEl>
+                                          <p:spTgt spid="29"/>
+                                        </p:tgtEl>
+                                      </p:cBhvr>
+                                    </p:animEffect>
+                                  </p:childTnLst>
+                                </p:cTn>
+                              </p:par>
+                            </p:childTnLst>
+                          </p:cTn>
+                        </p:par>
+                        <p:par>
+                          <p:cTn id="34" fill="hold">
+                            <p:stCondLst>
+                              <p:cond delay="3000"/>
+                            </p:stCondLst>
+                            <p:childTnLst>
+                              <p:par>
+                                <p:cTn id="35" presetID="10" presetClass="entr" presetSubtype="0" fill="hold" nodeType="afterEffect">
+                                  <p:stCondLst>
+                                    <p:cond delay="500"/>
+                                  </p:stCondLst>
+                                  <p:childTnLst>
+                                    <p:set>
+                                      <p:cBhvr>
+                                        <p:cTn id="36" dur="1" fill="hold">
+                                          <p:stCondLst>
+                                            <p:cond delay="0"/>
+                                          </p:stCondLst>
+                                        </p:cTn>
+                                        <p:tgtEl>
+                                          <p:spTgt spid="20"/>
+                                        </p:tgtEl>
+                                        <p:attrNameLst>
+                                          <p:attrName>style.visibility</p:attrName>
+                                        </p:attrNameLst>
+                                      </p:cBhvr>
+                                      <p:to>
+                                        <p:strVal val="visible"/>
+                                      </p:to>
+                                    </p:set>
+                                    <p:animEffect transition="in" filter="fade">
+                                      <p:cBhvr>
+                                        <p:cTn id="37" dur="500"/>
+                                        <p:tgtEl>
+                                          <p:spTgt spid="20"/>
+                                        </p:tgtEl>
+                                      </p:cBhvr>
+                                    </p:animEffect>
+                                  </p:childTnLst>
+                                </p:cTn>
+                              </p:par>
+                              <p:par>
+                                <p:cTn id="38" presetID="10" presetClass="entr" presetSubtype="0" fill="hold" grpId="0" nodeType="withEffect">
+                                  <p:stCondLst>
+                                    <p:cond delay="500"/>
+                                  </p:stCondLst>
+                                  <p:childTnLst>
+                                    <p:set>
+                                      <p:cBhvr>
+                                        <p:cTn id="39" dur="1" fill="hold">
+                                          <p:stCondLst>
+                                            <p:cond delay="0"/>
+                                          </p:stCondLst>
+                                        </p:cTn>
+                                        <p:tgtEl>
+                                          <p:spTgt spid="61"/>
+                                        </p:tgtEl>
+                                        <p:attrNameLst>
+                                          <p:attrName>style.visibility</p:attrName>
+                                        </p:attrNameLst>
+                                      </p:cBhvr>
+                                      <p:to>
+                                        <p:strVal val="visible"/>
+                                      </p:to>
+                                    </p:set>
+                                    <p:animEffect transition="in" filter="fade">
+                                      <p:cBhvr>
+                                        <p:cTn id="40" dur="500"/>
+                                        <p:tgtEl>
+                                          <p:spTgt spid="61"/>
+                                        </p:tgtEl>
+                                      </p:cBhvr>
+                                    </p:animEffect>
+                                  </p:childTnLst>
+                                </p:cTn>
+                              </p:par>
+                              <p:par>
+                                <p:cTn id="41" presetID="10" presetClass="entr" presetSubtype="0" fill="hold" nodeType="withEffect">
+                                  <p:stCondLst>
+                                    <p:cond delay="500"/>
+                                  </p:stCondLst>
+                                  <p:childTnLst>
+                                    <p:set>
+                                      <p:cBhvr>
+                                        <p:cTn id="42" dur="1" fill="hold">
+                                          <p:stCondLst>
+                                            <p:cond delay="0"/>
+                                          </p:stCondLst>
+                                        </p:cTn>
+                                        <p:tgtEl>
+                                          <p:spTgt spid="34"/>
+                                        </p:tgtEl>
+                                        <p:attrNameLst>
+                                          <p:attrName>style.visibility</p:attrName>
+                                        </p:attrNameLst>
+                                      </p:cBhvr>
+                                      <p:to>
+                                        <p:strVal val="visible"/>
+                                      </p:to>
+                                    </p:set>
+                                    <p:animEffect transition="in" filter="fade">
+                                      <p:cBhvr>
+                                        <p:cTn id="43" dur="500"/>
+                                        <p:tgtEl>
+                                          <p:spTgt spid="34"/>
+                                        </p:tgtEl>
+                                      </p:cBhvr>
+                                    </p:animEffect>
+                                  </p:childTnLst>
+                                </p:cTn>
+                              </p:par>
+                            </p:childTnLst>
+                          </p:cTn>
+                        </p:par>
+                        <p:par>
+                          <p:cTn id="44" fill="hold">
+                            <p:stCondLst>
+                              <p:cond delay="4000"/>
+                            </p:stCondLst>
+                            <p:childTnLst>
+                              <p:par>
+                                <p:cTn id="45" presetID="10" presetClass="entr" presetSubtype="0" fill="hold" grpId="0" nodeType="afterEffect">
+                                  <p:stCondLst>
+                                    <p:cond delay="500"/>
+                                  </p:stCondLst>
+                                  <p:childTnLst>
+                                    <p:set>
+                                      <p:cBhvr>
+                                        <p:cTn id="46" dur="1" fill="hold">
+                                          <p:stCondLst>
+                                            <p:cond delay="0"/>
+                                          </p:stCondLst>
+                                        </p:cTn>
+                                        <p:tgtEl>
+                                          <p:spTgt spid="58"/>
+                                        </p:tgtEl>
+                                        <p:attrNameLst>
+                                          <p:attrName>style.visibility</p:attrName>
+                                        </p:attrNameLst>
+                                      </p:cBhvr>
+                                      <p:to>
+                                        <p:strVal val="visible"/>
+                                      </p:to>
+                                    </p:set>
+                                    <p:animEffect transition="in" filter="fade">
+                                      <p:cBhvr>
+                                        <p:cTn id="47" dur="500"/>
+                                        <p:tgtEl>
+                                          <p:spTgt spid="58"/>
+                                        </p:tgtEl>
+                                      </p:cBhvr>
+                                    </p:animEffect>
+                                  </p:childTnLst>
+                                </p:cTn>
+                              </p:par>
+                              <p:par>
+                                <p:cTn id="48" presetID="10" presetClass="entr" presetSubtype="0" fill="hold" nodeType="withEffect">
+                                  <p:stCondLst>
+                                    <p:cond delay="500"/>
+                                  </p:stCondLst>
+                                  <p:childTnLst>
+                                    <p:set>
+                                      <p:cBhvr>
+                                        <p:cTn id="49" dur="1" fill="hold">
+                                          <p:stCondLst>
+                                            <p:cond delay="0"/>
+                                          </p:stCondLst>
+                                        </p:cTn>
+                                        <p:tgtEl>
+                                          <p:spTgt spid="30"/>
+                                        </p:tgtEl>
+                                        <p:attrNameLst>
+                                          <p:attrName>style.visibility</p:attrName>
+                                        </p:attrNameLst>
+                                      </p:cBhvr>
+                                      <p:to>
+                                        <p:strVal val="visible"/>
+                                      </p:to>
+                                    </p:set>
+                                    <p:animEffect transition="in" filter="fade">
+                                      <p:cBhvr>
+                                        <p:cTn id="50" dur="500"/>
+                                        <p:tgtEl>
+                                          <p:spTgt spid="30"/>
+                                        </p:tgtEl>
+                                      </p:cBhvr>
+                                    </p:animEffect>
+                                  </p:childTnLst>
+                                </p:cTn>
+                              </p:par>
+                              <p:par>
+                                <p:cTn id="51" presetID="10" presetClass="entr" presetSubtype="0" fill="hold" nodeType="withEffect">
+                                  <p:stCondLst>
+                                    <p:cond delay="500"/>
+                                  </p:stCondLst>
+                                  <p:childTnLst>
+                                    <p:set>
+                                      <p:cBhvr>
+                                        <p:cTn id="52" dur="1" fill="hold">
+                                          <p:stCondLst>
+                                            <p:cond delay="0"/>
+                                          </p:stCondLst>
+                                        </p:cTn>
+                                        <p:tgtEl>
+                                          <p:spTgt spid="10"/>
+                                        </p:tgtEl>
+                                        <p:attrNameLst>
+                                          <p:attrName>style.visibility</p:attrName>
+                                        </p:attrNameLst>
+                                      </p:cBhvr>
+                                      <p:to>
+                                        <p:strVal val="visible"/>
+                                      </p:to>
+                                    </p:set>
+                                    <p:animEffect transition="in" filter="fade">
+                                      <p:cBhvr>
+                                        <p:cTn id="53" dur="500"/>
+                                        <p:tgtEl>
+                                          <p:spTgt spid="10"/>
+                                        </p:tgtEl>
+                                      </p:cBhvr>
+                                    </p:animEffect>
+                                  </p:childTnLst>
+                                </p:cTn>
+                              </p:par>
+                            </p:childTnLst>
+                          </p:cTn>
+                        </p:par>
+                      </p:childTnLst>
+                    </p:cTn>
+                  </p:par>
+                </p:childTnLst>
+              </p:cTn>
+              <p:prevCondLst>
+                <p:cond evt="onPrev" delay="0">
+                  <p:tgtEl>
+                    <p:sldTgt/>
+                  </p:tgtEl>
+                </p:cond>
+              </p:prevCondLst>
+              <p:nextCondLst>
+                <p:cond evt="onNext" delay="0">
+                  <p:tgtEl>
+                    <p:sldTgt/>
+                  </p:tgtEl>
+                </p:cond>
+              </p:nextCondLst>
+            </p:seq>
+          </p:childTnLst>
+        </p:cTn>
       </p:par>
     </p:tnLst>
+    <p:bldLst>
+      <p:bldP spid="53" grpId="0"/>
+      <p:bldP spid="54" grpId="0" animBg="1"/>
+      <p:bldP spid="55" grpId="0" animBg="1"/>
+      <p:bldP spid="58" grpId="0" animBg="1"/>
+      <p:bldP spid="61" grpId="0" animBg="1"/>
+    </p:bldLst>
   </p:timing>
 </p:sld>
 </file>
@@ -9737,7 +10860,7 @@
       </p:grpSpPr>
       <p:pic>
         <p:nvPicPr>
-          <p:cNvPr id="3" name="Picture 2"/>
+          <p:cNvPr id="6" name="Picture 5"/>
           <p:cNvPicPr>
             <a:picLocks noChangeAspect="1"/>
           </p:cNvPicPr>
@@ -9751,32 +10874,8 @@
         </p:blipFill>
         <p:spPr>
           <a:xfrm>
-            <a:off x="763949" y="119237"/>
-            <a:ext cx="10304101" cy="6738763"/>
-          </a:xfrm>
-          <a:prstGeom prst="rect">
-            <a:avLst/>
-          </a:prstGeom>
-        </p:spPr>
-      </p:pic>
-      <p:pic>
-        <p:nvPicPr>
-          <p:cNvPr id="2" name="Picture 2"/>
-          <p:cNvPicPr>
-            <a:picLocks noChangeAspect="1"/>
-          </p:cNvPicPr>
-          <p:nvPr/>
-        </p:nvPicPr>
-        <p:blipFill>
-          <a:blip r:embed="rId2"/>
-          <a:stretch>
-            <a:fillRect/>
-          </a:stretch>
-        </p:blipFill>
-        <p:spPr>
-          <a:xfrm>
-            <a:off x="763949" y="119237"/>
-            <a:ext cx="10304101" cy="6738763"/>
+            <a:off x="1108659" y="225710"/>
+            <a:ext cx="9419524" cy="6498555"/>
           </a:xfrm>
           <a:prstGeom prst="rect">
             <a:avLst/>
@@ -11403,7 +12502,7 @@
         </p:nvSpPr>
         <p:spPr>
           <a:xfrm>
-            <a:off x="276836" y="349915"/>
+            <a:off x="226502" y="73770"/>
             <a:ext cx="10238763" cy="956345"/>
           </a:xfrm>
           <a:prstGeom prst="rect">

--- a/Presentation/Presentation.pptx
+++ b/Presentation/Presentation.pptx
@@ -34,22 +34,22 @@
     <p:sldId id="422" r:id="rId25"/>
     <p:sldId id="418" r:id="rId26"/>
     <p:sldId id="413" r:id="rId27"/>
-    <p:sldId id="450" r:id="rId28"/>
-    <p:sldId id="430" r:id="rId29"/>
-    <p:sldId id="449" r:id="rId30"/>
-    <p:sldId id="431" r:id="rId31"/>
-    <p:sldId id="423" r:id="rId32"/>
-    <p:sldId id="424" r:id="rId33"/>
-    <p:sldId id="425" r:id="rId34"/>
-    <p:sldId id="426" r:id="rId35"/>
-    <p:sldId id="432" r:id="rId36"/>
-    <p:sldId id="434" r:id="rId37"/>
-    <p:sldId id="433" r:id="rId38"/>
-    <p:sldId id="427" r:id="rId39"/>
-    <p:sldId id="463" r:id="rId40"/>
-    <p:sldId id="428" r:id="rId41"/>
-    <p:sldId id="451" r:id="rId42"/>
-    <p:sldId id="452" r:id="rId43"/>
+    <p:sldId id="430" r:id="rId28"/>
+    <p:sldId id="449" r:id="rId29"/>
+    <p:sldId id="431" r:id="rId30"/>
+    <p:sldId id="423" r:id="rId31"/>
+    <p:sldId id="424" r:id="rId32"/>
+    <p:sldId id="425" r:id="rId33"/>
+    <p:sldId id="426" r:id="rId34"/>
+    <p:sldId id="432" r:id="rId35"/>
+    <p:sldId id="434" r:id="rId36"/>
+    <p:sldId id="433" r:id="rId37"/>
+    <p:sldId id="427" r:id="rId38"/>
+    <p:sldId id="463" r:id="rId39"/>
+    <p:sldId id="428" r:id="rId40"/>
+    <p:sldId id="451" r:id="rId41"/>
+    <p:sldId id="452" r:id="rId42"/>
+    <p:sldId id="450" r:id="rId43"/>
     <p:sldId id="417" r:id="rId44"/>
     <p:sldId id="416" r:id="rId45"/>
   </p:sldIdLst>
@@ -240,7 +240,7 @@
           <a:p>
             <a:fld id="{18E3B14B-A991-4B7D-87D2-534C72B4DD1E}" type="datetimeFigureOut">
               <a:rPr lang="en-US" smtClean="0"/>
-              <a:t>16/11/2016</a:t>
+              <a:t>20/11/2016</a:t>
             </a:fld>
             <a:endParaRPr lang="en-US"/>
           </a:p>
@@ -639,7 +639,7 @@
           <a:p>
             <a:fld id="{F6CA6145-69E7-472E-B21C-39D67529C392}" type="datetimeFigureOut">
               <a:rPr lang="en-US" smtClean="0"/>
-              <a:t>16/11/2016</a:t>
+              <a:t>20/11/2016</a:t>
             </a:fld>
             <a:endParaRPr lang="en-US"/>
           </a:p>
@@ -809,7 +809,7 @@
           <a:p>
             <a:fld id="{F6CA6145-69E7-472E-B21C-39D67529C392}" type="datetimeFigureOut">
               <a:rPr lang="en-US" smtClean="0"/>
-              <a:t>16/11/2016</a:t>
+              <a:t>20/11/2016</a:t>
             </a:fld>
             <a:endParaRPr lang="en-US"/>
           </a:p>
@@ -989,7 +989,7 @@
           <a:p>
             <a:fld id="{F6CA6145-69E7-472E-B21C-39D67529C392}" type="datetimeFigureOut">
               <a:rPr lang="en-US" smtClean="0"/>
-              <a:t>16/11/2016</a:t>
+              <a:t>20/11/2016</a:t>
             </a:fld>
             <a:endParaRPr lang="en-US"/>
           </a:p>
@@ -1159,7 +1159,7 @@
           <a:p>
             <a:fld id="{F6CA6145-69E7-472E-B21C-39D67529C392}" type="datetimeFigureOut">
               <a:rPr lang="en-US" smtClean="0"/>
-              <a:t>16/11/2016</a:t>
+              <a:t>20/11/2016</a:t>
             </a:fld>
             <a:endParaRPr lang="en-US"/>
           </a:p>
@@ -1405,7 +1405,7 @@
           <a:p>
             <a:fld id="{F6CA6145-69E7-472E-B21C-39D67529C392}" type="datetimeFigureOut">
               <a:rPr lang="en-US" smtClean="0"/>
-              <a:t>16/11/2016</a:t>
+              <a:t>20/11/2016</a:t>
             </a:fld>
             <a:endParaRPr lang="en-US"/>
           </a:p>
@@ -1637,7 +1637,7 @@
           <a:p>
             <a:fld id="{F6CA6145-69E7-472E-B21C-39D67529C392}" type="datetimeFigureOut">
               <a:rPr lang="en-US" smtClean="0"/>
-              <a:t>16/11/2016</a:t>
+              <a:t>20/11/2016</a:t>
             </a:fld>
             <a:endParaRPr lang="en-US"/>
           </a:p>
@@ -2004,7 +2004,7 @@
           <a:p>
             <a:fld id="{F6CA6145-69E7-472E-B21C-39D67529C392}" type="datetimeFigureOut">
               <a:rPr lang="en-US" smtClean="0"/>
-              <a:t>16/11/2016</a:t>
+              <a:t>20/11/2016</a:t>
             </a:fld>
             <a:endParaRPr lang="en-US"/>
           </a:p>
@@ -2122,7 +2122,7 @@
           <a:p>
             <a:fld id="{F6CA6145-69E7-472E-B21C-39D67529C392}" type="datetimeFigureOut">
               <a:rPr lang="en-US" smtClean="0"/>
-              <a:t>16/11/2016</a:t>
+              <a:t>20/11/2016</a:t>
             </a:fld>
             <a:endParaRPr lang="en-US"/>
           </a:p>
@@ -2217,7 +2217,7 @@
           <a:p>
             <a:fld id="{F6CA6145-69E7-472E-B21C-39D67529C392}" type="datetimeFigureOut">
               <a:rPr lang="en-US" smtClean="0"/>
-              <a:t>16/11/2016</a:t>
+              <a:t>20/11/2016</a:t>
             </a:fld>
             <a:endParaRPr lang="en-US"/>
           </a:p>
@@ -2494,7 +2494,7 @@
           <a:p>
             <a:fld id="{F6CA6145-69E7-472E-B21C-39D67529C392}" type="datetimeFigureOut">
               <a:rPr lang="en-US" smtClean="0"/>
-              <a:t>16/11/2016</a:t>
+              <a:t>20/11/2016</a:t>
             </a:fld>
             <a:endParaRPr lang="en-US"/>
           </a:p>
@@ -2747,7 +2747,7 @@
           <a:p>
             <a:fld id="{F6CA6145-69E7-472E-B21C-39D67529C392}" type="datetimeFigureOut">
               <a:rPr lang="en-US" smtClean="0"/>
-              <a:t>16/11/2016</a:t>
+              <a:t>20/11/2016</a:t>
             </a:fld>
             <a:endParaRPr lang="en-US"/>
           </a:p>
@@ -2960,7 +2960,7 @@
           <a:p>
             <a:fld id="{F6CA6145-69E7-472E-B21C-39D67529C392}" type="datetimeFigureOut">
               <a:rPr lang="en-US" smtClean="0"/>
-              <a:t>16/11/2016</a:t>
+              <a:t>20/11/2016</a:t>
             </a:fld>
             <a:endParaRPr lang="en-US"/>
           </a:p>
@@ -3560,11 +3560,11 @@
   <p:clrMapOvr>
     <a:masterClrMapping/>
   </p:clrMapOvr>
-  <mc:AlternateContent xmlns:mc="http://schemas.openxmlformats.org/markup-compatibility/2006">
-    <mc:Choice xmlns:p14="http://schemas.microsoft.com/office/powerpoint/2010/main" Requires="p14">
+  <mc:AlternateContent xmlns:mc="http://schemas.openxmlformats.org/markup-compatibility/2006" xmlns:p14="http://schemas.microsoft.com/office/powerpoint/2010/main">
+    <mc:Choice Requires="p14">
       <p:transition spd="slow" p14:dur="2000"/>
     </mc:Choice>
-    <mc:Fallback>
+    <mc:Fallback xmlns="">
       <p:transition spd="slow"/>
     </mc:Fallback>
   </mc:AlternateContent>
@@ -6276,11 +6276,11 @@
   <p:clrMapOvr>
     <a:masterClrMapping/>
   </p:clrMapOvr>
-  <mc:AlternateContent xmlns:mc="http://schemas.openxmlformats.org/markup-compatibility/2006">
-    <mc:Choice xmlns:p14="http://schemas.microsoft.com/office/powerpoint/2010/main" Requires="p14">
+  <mc:AlternateContent xmlns:mc="http://schemas.openxmlformats.org/markup-compatibility/2006" xmlns:p14="http://schemas.microsoft.com/office/powerpoint/2010/main">
+    <mc:Choice Requires="p14">
       <p:transition spd="slow" p14:dur="2000"/>
     </mc:Choice>
-    <mc:Fallback>
+    <mc:Fallback xmlns="">
       <p:transition spd="slow"/>
     </mc:Fallback>
   </mc:AlternateContent>
@@ -6689,11 +6689,11 @@
   <p:clrMapOvr>
     <a:masterClrMapping/>
   </p:clrMapOvr>
-  <mc:AlternateContent xmlns:mc="http://schemas.openxmlformats.org/markup-compatibility/2006">
-    <mc:Choice xmlns:p14="http://schemas.microsoft.com/office/powerpoint/2010/main" Requires="p14">
+  <mc:AlternateContent xmlns:mc="http://schemas.openxmlformats.org/markup-compatibility/2006" xmlns:p14="http://schemas.microsoft.com/office/powerpoint/2010/main">
+    <mc:Choice Requires="p14">
       <p:transition spd="slow" p14:dur="2000"/>
     </mc:Choice>
-    <mc:Fallback>
+    <mc:Fallback xmlns="">
       <p:transition spd="slow"/>
     </mc:Fallback>
   </mc:AlternateContent>
@@ -6758,11 +6758,11 @@
   <p:clrMapOvr>
     <a:masterClrMapping/>
   </p:clrMapOvr>
-  <mc:AlternateContent xmlns:mc="http://schemas.openxmlformats.org/markup-compatibility/2006">
-    <mc:Choice xmlns:p14="http://schemas.microsoft.com/office/powerpoint/2010/main" Requires="p14">
+  <mc:AlternateContent xmlns:mc="http://schemas.openxmlformats.org/markup-compatibility/2006" xmlns:p14="http://schemas.microsoft.com/office/powerpoint/2010/main">
+    <mc:Choice Requires="p14">
       <p:transition spd="slow" p14:dur="2000"/>
     </mc:Choice>
-    <mc:Fallback>
+    <mc:Fallback xmlns="">
       <p:transition spd="slow"/>
     </mc:Fallback>
   </mc:AlternateContent>
@@ -7524,1541 +7524,6 @@
       </p:grpSpPr>
       <p:sp>
         <p:nvSpPr>
-          <p:cNvPr id="24" name="TextBox 23"/>
-          <p:cNvSpPr txBox="1"/>
-          <p:nvPr/>
-        </p:nvSpPr>
-        <p:spPr>
-          <a:xfrm>
-            <a:off x="1" y="-7575"/>
-            <a:ext cx="12191999" cy="923330"/>
-          </a:xfrm>
-          <a:prstGeom prst="rect">
-            <a:avLst/>
-          </a:prstGeom>
-          <a:noFill/>
-        </p:spPr>
-        <p:txBody>
-          <a:bodyPr wrap="square" rtlCol="0">
-            <a:spAutoFit/>
-          </a:bodyPr>
-          <a:lstStyle/>
-          <a:p>
-            <a:pPr algn="ctr"/>
-            <a:r>
-              <a:rPr lang="en-US" sz="5400" dirty="0" smtClean="0">
-                <a:latin typeface="Segoe UI Light" panose="020B0502040204020203" pitchFamily="34" charset="0"/>
-                <a:cs typeface="Segoe UI Light" panose="020B0502040204020203" pitchFamily="34" charset="0"/>
-              </a:rPr>
-              <a:t>Features comparison</a:t>
-            </a:r>
-            <a:endParaRPr lang="en-US" sz="5400" dirty="0">
-              <a:latin typeface="Segoe UI Light" panose="020B0502040204020203" pitchFamily="34" charset="0"/>
-              <a:cs typeface="Segoe UI Light" panose="020B0502040204020203" pitchFamily="34" charset="0"/>
-            </a:endParaRPr>
-          </a:p>
-        </p:txBody>
-      </p:sp>
-      <p:graphicFrame>
-        <p:nvGraphicFramePr>
-          <p:cNvPr id="4" name="Table 3"/>
-          <p:cNvGraphicFramePr>
-            <a:graphicFrameLocks noGrp="1"/>
-          </p:cNvGraphicFramePr>
-          <p:nvPr>
-            <p:extLst>
-              <p:ext uri="{D42A27DB-BD31-4B8C-83A1-F6EECF244321}">
-                <p14:modId xmlns:p14="http://schemas.microsoft.com/office/powerpoint/2010/main" val="343948706"/>
-              </p:ext>
-            </p:extLst>
-          </p:nvPr>
-        </p:nvGraphicFramePr>
-        <p:xfrm>
-          <a:off x="278702" y="967061"/>
-          <a:ext cx="11499442" cy="5671863"/>
-        </p:xfrm>
-        <a:graphic>
-          <a:graphicData uri="http://schemas.openxmlformats.org/drawingml/2006/table">
-            <a:tbl>
-              <a:tblPr firstRow="1" bandRow="1">
-                <a:tableStyleId>{5C22544A-7EE6-4342-B048-85BDC9FD1C3A}</a:tableStyleId>
-              </a:tblPr>
-              <a:tblGrid>
-                <a:gridCol w="6572619">
-                  <a:extLst>
-                    <a:ext uri="{9D8B030D-6E8A-4147-A177-3AD203B41FA5}">
-                      <a16:colId xmlns:a16="http://schemas.microsoft.com/office/drawing/2014/main" val="3304647566"/>
-                    </a:ext>
-                  </a:extLst>
-                </a:gridCol>
-                <a:gridCol w="2504293">
-                  <a:extLst>
-                    <a:ext uri="{9D8B030D-6E8A-4147-A177-3AD203B41FA5}">
-                      <a16:colId xmlns:a16="http://schemas.microsoft.com/office/drawing/2014/main" val="2843535823"/>
-                    </a:ext>
-                  </a:extLst>
-                </a:gridCol>
-                <a:gridCol w="2422530">
-                  <a:extLst>
-                    <a:ext uri="{9D8B030D-6E8A-4147-A177-3AD203B41FA5}">
-                      <a16:colId xmlns:a16="http://schemas.microsoft.com/office/drawing/2014/main" val="309433460"/>
-                    </a:ext>
-                  </a:extLst>
-                </a:gridCol>
-              </a:tblGrid>
-              <a:tr h="474480">
-                <a:tc>
-                  <a:txBody>
-                    <a:bodyPr/>
-                    <a:lstStyle/>
-                    <a:p>
-                      <a:endParaRPr lang="en-US" sz="1600" dirty="0"/>
-                    </a:p>
-                  </a:txBody>
-                  <a:tcPr/>
-                </a:tc>
-                <a:tc>
-                  <a:txBody>
-                    <a:bodyPr/>
-                    <a:lstStyle/>
-                    <a:p>
-                      <a:pPr algn="ctr"/>
-                      <a:r>
-                        <a:rPr lang="en-US" sz="2000" dirty="0" smtClean="0"/>
-                        <a:t>Azure Functions</a:t>
-                      </a:r>
-                      <a:endParaRPr lang="en-US" sz="2000" dirty="0"/>
-                    </a:p>
-                  </a:txBody>
-                  <a:tcPr/>
-                </a:tc>
-                <a:tc>
-                  <a:txBody>
-                    <a:bodyPr/>
-                    <a:lstStyle/>
-                    <a:p>
-                      <a:pPr algn="ctr"/>
-                      <a:r>
-                        <a:rPr lang="en-US" sz="2000" dirty="0" smtClean="0"/>
-                        <a:t>AWS Lambda</a:t>
-                      </a:r>
-                      <a:endParaRPr lang="en-US" sz="2000" dirty="0"/>
-                    </a:p>
-                  </a:txBody>
-                  <a:tcPr/>
-                </a:tc>
-                <a:extLst>
-                  <a:ext uri="{0D108BD9-81ED-4DB2-BD59-A6C34878D82A}">
-                    <a16:rowId xmlns:a16="http://schemas.microsoft.com/office/drawing/2014/main" val="1286652462"/>
-                  </a:ext>
-                </a:extLst>
-              </a:tr>
-              <a:tr h="459492">
-                <a:tc>
-                  <a:txBody>
-                    <a:bodyPr/>
-                    <a:lstStyle/>
-                    <a:p>
-                      <a:r>
-                        <a:rPr lang="en-US" sz="2000" dirty="0" err="1" smtClean="0">
-                          <a:latin typeface="Segoe UI Light" panose="020B0502040204020203" pitchFamily="34" charset="0"/>
-                          <a:cs typeface="Segoe UI Light" panose="020B0502040204020203" pitchFamily="34" charset="0"/>
-                        </a:rPr>
-                        <a:t>Input</a:t>
-                      </a:r>
-                      <a:r>
-                        <a:rPr lang="en-US" sz="2000" baseline="0" dirty="0" err="1" smtClean="0">
-                          <a:latin typeface="Segoe UI Light" panose="020B0502040204020203" pitchFamily="34" charset="0"/>
-                          <a:cs typeface="Segoe UI Light" panose="020B0502040204020203" pitchFamily="34" charset="0"/>
-                        </a:rPr>
-                        <a:t>/Output</a:t>
-                      </a:r>
-                      <a:r>
-                        <a:rPr lang="en-US" sz="2000" baseline="0" dirty="0" smtClean="0">
-                          <a:latin typeface="Segoe UI Light" panose="020B0502040204020203" pitchFamily="34" charset="0"/>
-                          <a:cs typeface="Segoe UI Light" panose="020B0502040204020203" pitchFamily="34" charset="0"/>
-                        </a:rPr>
-                        <a:t> binding</a:t>
-                      </a:r>
-                      <a:endParaRPr lang="en-US" sz="2000" dirty="0">
-                        <a:latin typeface="Segoe UI Light" panose="020B0502040204020203" pitchFamily="34" charset="0"/>
-                        <a:cs typeface="Segoe UI Light" panose="020B0502040204020203" pitchFamily="34" charset="0"/>
-                      </a:endParaRPr>
-                    </a:p>
-                  </a:txBody>
-                  <a:tcPr/>
-                </a:tc>
-                <a:tc>
-                  <a:txBody>
-                    <a:bodyPr/>
-                    <a:lstStyle/>
-                    <a:p>
-                      <a:pPr algn="ctr"/>
-                      <a:endParaRPr lang="en-US" sz="2400" dirty="0">
-                        <a:latin typeface="Segoe UI Light" panose="020B0502040204020203" pitchFamily="34" charset="0"/>
-                        <a:cs typeface="Segoe UI Light" panose="020B0502040204020203" pitchFamily="34" charset="0"/>
-                      </a:endParaRPr>
-                    </a:p>
-                  </a:txBody>
-                  <a:tcPr/>
-                </a:tc>
-                <a:tc>
-                  <a:txBody>
-                    <a:bodyPr/>
-                    <a:lstStyle/>
-                    <a:p>
-                      <a:pPr algn="ctr"/>
-                      <a:r>
-                        <a:rPr lang="en-US" sz="2400" dirty="0" smtClean="0">
-                          <a:latin typeface="Segoe UI Light" panose="020B0502040204020203" pitchFamily="34" charset="0"/>
-                          <a:cs typeface="Segoe UI Light" panose="020B0502040204020203" pitchFamily="34" charset="0"/>
-                        </a:rPr>
-                        <a:t>-</a:t>
-                      </a:r>
-                      <a:endParaRPr lang="en-US" sz="2400" dirty="0">
-                        <a:latin typeface="Segoe UI Light" panose="020B0502040204020203" pitchFamily="34" charset="0"/>
-                        <a:cs typeface="Segoe UI Light" panose="020B0502040204020203" pitchFamily="34" charset="0"/>
-                      </a:endParaRPr>
-                    </a:p>
-                  </a:txBody>
-                  <a:tcPr/>
-                </a:tc>
-                <a:extLst>
-                  <a:ext uri="{0D108BD9-81ED-4DB2-BD59-A6C34878D82A}">
-                    <a16:rowId xmlns:a16="http://schemas.microsoft.com/office/drawing/2014/main" val="766900583"/>
-                  </a:ext>
-                </a:extLst>
-              </a:tr>
-              <a:tr h="459492">
-                <a:tc>
-                  <a:txBody>
-                    <a:bodyPr/>
-                    <a:lstStyle/>
-                    <a:p>
-                      <a:r>
-                        <a:rPr lang="en-US" sz="2000" dirty="0" smtClean="0">
-                          <a:latin typeface="Segoe UI Light" panose="020B0502040204020203" pitchFamily="34" charset="0"/>
-                          <a:cs typeface="Segoe UI Light" panose="020B0502040204020203" pitchFamily="34" charset="0"/>
-                        </a:rPr>
-                        <a:t>Deep</a:t>
-                      </a:r>
-                      <a:r>
-                        <a:rPr lang="en-US" sz="2000" baseline="0" dirty="0" smtClean="0">
-                          <a:latin typeface="Segoe UI Light" panose="020B0502040204020203" pitchFamily="34" charset="0"/>
-                          <a:cs typeface="Segoe UI Light" panose="020B0502040204020203" pitchFamily="34" charset="0"/>
-                        </a:rPr>
-                        <a:t> integration with other services</a:t>
-                      </a:r>
-                      <a:endParaRPr lang="en-US" sz="2000" dirty="0">
-                        <a:latin typeface="Segoe UI Light" panose="020B0502040204020203" pitchFamily="34" charset="0"/>
-                        <a:cs typeface="Segoe UI Light" panose="020B0502040204020203" pitchFamily="34" charset="0"/>
-                      </a:endParaRPr>
-                    </a:p>
-                  </a:txBody>
-                  <a:tcPr/>
-                </a:tc>
-                <a:tc>
-                  <a:txBody>
-                    <a:bodyPr/>
-                    <a:lstStyle/>
-                    <a:p>
-                      <a:pPr algn="ctr"/>
-                      <a:endParaRPr lang="en-US" sz="2400" dirty="0">
-                        <a:latin typeface="Segoe UI Light" panose="020B0502040204020203" pitchFamily="34" charset="0"/>
-                        <a:cs typeface="Segoe UI Light" panose="020B0502040204020203" pitchFamily="34" charset="0"/>
-                      </a:endParaRPr>
-                    </a:p>
-                  </a:txBody>
-                  <a:tcPr/>
-                </a:tc>
-                <a:tc>
-                  <a:txBody>
-                    <a:bodyPr/>
-                    <a:lstStyle/>
-                    <a:p>
-                      <a:pPr algn="ctr"/>
-                      <a:endParaRPr lang="en-US" sz="2400" dirty="0">
-                        <a:latin typeface="Segoe UI Light" panose="020B0502040204020203" pitchFamily="34" charset="0"/>
-                        <a:cs typeface="Segoe UI Light" panose="020B0502040204020203" pitchFamily="34" charset="0"/>
-                      </a:endParaRPr>
-                    </a:p>
-                  </a:txBody>
-                  <a:tcPr/>
-                </a:tc>
-                <a:extLst>
-                  <a:ext uri="{0D108BD9-81ED-4DB2-BD59-A6C34878D82A}">
-                    <a16:rowId xmlns:a16="http://schemas.microsoft.com/office/drawing/2014/main" val="3850091329"/>
-                  </a:ext>
-                </a:extLst>
-              </a:tr>
-              <a:tr h="459492">
-                <a:tc>
-                  <a:txBody>
-                    <a:bodyPr/>
-                    <a:lstStyle/>
-                    <a:p>
-                      <a:r>
-                        <a:rPr lang="en-US" sz="2000" dirty="0" smtClean="0">
-                          <a:latin typeface="Segoe UI Light" panose="020B0502040204020203" pitchFamily="34" charset="0"/>
-                          <a:cs typeface="Segoe UI Light" panose="020B0502040204020203" pitchFamily="34" charset="0"/>
-                        </a:rPr>
-                        <a:t>Multiple</a:t>
-                      </a:r>
-                      <a:r>
-                        <a:rPr lang="en-US" sz="2000" baseline="0" dirty="0" smtClean="0">
-                          <a:latin typeface="Segoe UI Light" panose="020B0502040204020203" pitchFamily="34" charset="0"/>
-                          <a:cs typeface="Segoe UI Light" panose="020B0502040204020203" pitchFamily="34" charset="0"/>
-                        </a:rPr>
-                        <a:t> trigger source</a:t>
-                      </a:r>
-                      <a:endParaRPr lang="en-US" sz="2000" dirty="0">
-                        <a:latin typeface="Segoe UI Light" panose="020B0502040204020203" pitchFamily="34" charset="0"/>
-                        <a:cs typeface="Segoe UI Light" panose="020B0502040204020203" pitchFamily="34" charset="0"/>
-                      </a:endParaRPr>
-                    </a:p>
-                  </a:txBody>
-                  <a:tcPr/>
-                </a:tc>
-                <a:tc>
-                  <a:txBody>
-                    <a:bodyPr/>
-                    <a:lstStyle/>
-                    <a:p>
-                      <a:pPr algn="ctr"/>
-                      <a:endParaRPr lang="en-US" sz="2400" dirty="0">
-                        <a:latin typeface="Segoe UI Light" panose="020B0502040204020203" pitchFamily="34" charset="0"/>
-                        <a:cs typeface="Segoe UI Light" panose="020B0502040204020203" pitchFamily="34" charset="0"/>
-                      </a:endParaRPr>
-                    </a:p>
-                  </a:txBody>
-                  <a:tcPr/>
-                </a:tc>
-                <a:tc>
-                  <a:txBody>
-                    <a:bodyPr/>
-                    <a:lstStyle/>
-                    <a:p>
-                      <a:pPr algn="ctr"/>
-                      <a:endParaRPr lang="en-US" sz="2400" dirty="0">
-                        <a:latin typeface="Segoe UI Light" panose="020B0502040204020203" pitchFamily="34" charset="0"/>
-                        <a:cs typeface="Segoe UI Light" panose="020B0502040204020203" pitchFamily="34" charset="0"/>
-                      </a:endParaRPr>
-                    </a:p>
-                  </a:txBody>
-                  <a:tcPr/>
-                </a:tc>
-                <a:extLst>
-                  <a:ext uri="{0D108BD9-81ED-4DB2-BD59-A6C34878D82A}">
-                    <a16:rowId xmlns:a16="http://schemas.microsoft.com/office/drawing/2014/main" val="4051771774"/>
-                  </a:ext>
-                </a:extLst>
-              </a:tr>
-              <a:tr h="424323">
-                <a:tc>
-                  <a:txBody>
-                    <a:bodyPr/>
-                    <a:lstStyle/>
-                    <a:p>
-                      <a:r>
-                        <a:rPr lang="en-US" sz="2000" dirty="0" smtClean="0">
-                          <a:latin typeface="Segoe UI Light" panose="020B0502040204020203" pitchFamily="34" charset="0"/>
-                          <a:cs typeface="Segoe UI Light" panose="020B0502040204020203" pitchFamily="34" charset="0"/>
-                        </a:rPr>
-                        <a:t>HTTP functions</a:t>
-                      </a:r>
-                      <a:r>
-                        <a:rPr lang="en-US" sz="2000" baseline="0" dirty="0" smtClean="0">
-                          <a:latin typeface="Segoe UI Light" panose="020B0502040204020203" pitchFamily="34" charset="0"/>
-                          <a:cs typeface="Segoe UI Light" panose="020B0502040204020203" pitchFamily="34" charset="0"/>
-                        </a:rPr>
-                        <a:t> out-of-the box</a:t>
-                      </a:r>
-                    </a:p>
-                  </a:txBody>
-                  <a:tcPr/>
-                </a:tc>
-                <a:tc>
-                  <a:txBody>
-                    <a:bodyPr/>
-                    <a:lstStyle/>
-                    <a:p>
-                      <a:pPr algn="ctr"/>
-                      <a:endParaRPr lang="en-US" sz="1000" dirty="0">
-                        <a:latin typeface="Segoe UI Light" panose="020B0502040204020203" pitchFamily="34" charset="0"/>
-                        <a:cs typeface="Segoe UI Light" panose="020B0502040204020203" pitchFamily="34" charset="0"/>
-                      </a:endParaRPr>
-                    </a:p>
-                  </a:txBody>
-                  <a:tcPr/>
-                </a:tc>
-                <a:tc>
-                  <a:txBody>
-                    <a:bodyPr/>
-                    <a:lstStyle/>
-                    <a:p>
-                      <a:pPr algn="ctr"/>
-                      <a:endParaRPr lang="en-US" sz="1000" dirty="0">
-                        <a:latin typeface="Segoe UI Light" panose="020B0502040204020203" pitchFamily="34" charset="0"/>
-                        <a:cs typeface="Segoe UI Light" panose="020B0502040204020203" pitchFamily="34" charset="0"/>
-                      </a:endParaRPr>
-                    </a:p>
-                  </a:txBody>
-                  <a:tcPr/>
-                </a:tc>
-                <a:extLst>
-                  <a:ext uri="{0D108BD9-81ED-4DB2-BD59-A6C34878D82A}">
-                    <a16:rowId xmlns:a16="http://schemas.microsoft.com/office/drawing/2014/main" val="931529504"/>
-                  </a:ext>
-                </a:extLst>
-              </a:tr>
-              <a:tr h="424323">
-                <a:tc>
-                  <a:txBody>
-                    <a:bodyPr/>
-                    <a:lstStyle/>
-                    <a:p>
-                      <a:r>
-                        <a:rPr lang="en-US" sz="2000" dirty="0" smtClean="0">
-                          <a:latin typeface="Segoe UI Light" panose="020B0502040204020203" pitchFamily="34" charset="0"/>
-                          <a:cs typeface="Segoe UI Light" panose="020B0502040204020203" pitchFamily="34" charset="0"/>
-                        </a:rPr>
-                        <a:t>Automatic package restore</a:t>
-                      </a:r>
-                      <a:r>
-                        <a:rPr lang="en-US" sz="2000" baseline="0" dirty="0" smtClean="0">
-                          <a:latin typeface="Segoe UI Light" panose="020B0502040204020203" pitchFamily="34" charset="0"/>
-                          <a:cs typeface="Segoe UI Light" panose="020B0502040204020203" pitchFamily="34" charset="0"/>
-                        </a:rPr>
-                        <a:t> support</a:t>
-                      </a:r>
-                      <a:endParaRPr lang="en-US" sz="2000" dirty="0">
-                        <a:latin typeface="Segoe UI Light" panose="020B0502040204020203" pitchFamily="34" charset="0"/>
-                        <a:cs typeface="Segoe UI Light" panose="020B0502040204020203" pitchFamily="34" charset="0"/>
-                      </a:endParaRPr>
-                    </a:p>
-                  </a:txBody>
-                  <a:tcPr/>
-                </a:tc>
-                <a:tc>
-                  <a:txBody>
-                    <a:bodyPr/>
-                    <a:lstStyle/>
-                    <a:p>
-                      <a:pPr algn="ctr"/>
-                      <a:endParaRPr lang="en-US" sz="1000" dirty="0">
-                        <a:latin typeface="Segoe UI Light" panose="020B0502040204020203" pitchFamily="34" charset="0"/>
-                        <a:cs typeface="Segoe UI Light" panose="020B0502040204020203" pitchFamily="34" charset="0"/>
-                      </a:endParaRPr>
-                    </a:p>
-                  </a:txBody>
-                  <a:tcPr/>
-                </a:tc>
-                <a:tc>
-                  <a:txBody>
-                    <a:bodyPr/>
-                    <a:lstStyle/>
-                    <a:p>
-                      <a:pPr algn="ctr"/>
-                      <a:endParaRPr lang="en-US" sz="1000" dirty="0">
-                        <a:latin typeface="Segoe UI Light" panose="020B0502040204020203" pitchFamily="34" charset="0"/>
-                        <a:cs typeface="Segoe UI Light" panose="020B0502040204020203" pitchFamily="34" charset="0"/>
-                      </a:endParaRPr>
-                    </a:p>
-                  </a:txBody>
-                  <a:tcPr/>
-                </a:tc>
-                <a:extLst>
-                  <a:ext uri="{0D108BD9-81ED-4DB2-BD59-A6C34878D82A}">
-                    <a16:rowId xmlns:a16="http://schemas.microsoft.com/office/drawing/2014/main" val="1962715313"/>
-                  </a:ext>
-                </a:extLst>
-              </a:tr>
-              <a:tr h="424323">
-                <a:tc>
-                  <a:txBody>
-                    <a:bodyPr/>
-                    <a:lstStyle/>
-                    <a:p>
-                      <a:r>
-                        <a:rPr lang="en-US" sz="2000" dirty="0" smtClean="0">
-                          <a:latin typeface="Segoe UI Light" panose="020B0502040204020203" pitchFamily="34" charset="0"/>
-                          <a:cs typeface="Segoe UI Light" panose="020B0502040204020203" pitchFamily="34" charset="0"/>
-                        </a:rPr>
-                        <a:t>Code sharing</a:t>
-                      </a:r>
-                      <a:endParaRPr lang="en-US" sz="2000" dirty="0">
-                        <a:latin typeface="Segoe UI Light" panose="020B0502040204020203" pitchFamily="34" charset="0"/>
-                        <a:cs typeface="Segoe UI Light" panose="020B0502040204020203" pitchFamily="34" charset="0"/>
-                      </a:endParaRPr>
-                    </a:p>
-                  </a:txBody>
-                  <a:tcPr/>
-                </a:tc>
-                <a:tc>
-                  <a:txBody>
-                    <a:bodyPr/>
-                    <a:lstStyle/>
-                    <a:p>
-                      <a:pPr algn="ctr"/>
-                      <a:endParaRPr lang="en-US" sz="1000" dirty="0">
-                        <a:latin typeface="Segoe UI Light" panose="020B0502040204020203" pitchFamily="34" charset="0"/>
-                        <a:cs typeface="Segoe UI Light" panose="020B0502040204020203" pitchFamily="34" charset="0"/>
-                      </a:endParaRPr>
-                    </a:p>
-                  </a:txBody>
-                  <a:tcPr/>
-                </a:tc>
-                <a:tc>
-                  <a:txBody>
-                    <a:bodyPr/>
-                    <a:lstStyle/>
-                    <a:p>
-                      <a:pPr algn="ctr"/>
-                      <a:endParaRPr lang="en-US" sz="1000" dirty="0">
-                        <a:latin typeface="Segoe UI Light" panose="020B0502040204020203" pitchFamily="34" charset="0"/>
-                        <a:cs typeface="Segoe UI Light" panose="020B0502040204020203" pitchFamily="34" charset="0"/>
-                      </a:endParaRPr>
-                    </a:p>
-                  </a:txBody>
-                  <a:tcPr/>
-                </a:tc>
-                <a:extLst>
-                  <a:ext uri="{0D108BD9-81ED-4DB2-BD59-A6C34878D82A}">
-                    <a16:rowId xmlns:a16="http://schemas.microsoft.com/office/drawing/2014/main" val="841386853"/>
-                  </a:ext>
-                </a:extLst>
-              </a:tr>
-              <a:tr h="424323">
-                <a:tc>
-                  <a:txBody>
-                    <a:bodyPr/>
-                    <a:lstStyle/>
-                    <a:p>
-                      <a:r>
-                        <a:rPr lang="en-US" sz="2000" dirty="0" smtClean="0">
-                          <a:latin typeface="Segoe UI Light" panose="020B0502040204020203" pitchFamily="34" charset="0"/>
-                          <a:cs typeface="Segoe UI Light" panose="020B0502040204020203" pitchFamily="34" charset="0"/>
-                        </a:rPr>
-                        <a:t>Per-Function monitoring</a:t>
-                      </a:r>
-                      <a:endParaRPr lang="en-US" sz="2000" dirty="0">
-                        <a:latin typeface="Segoe UI Light" panose="020B0502040204020203" pitchFamily="34" charset="0"/>
-                        <a:cs typeface="Segoe UI Light" panose="020B0502040204020203" pitchFamily="34" charset="0"/>
-                      </a:endParaRPr>
-                    </a:p>
-                  </a:txBody>
-                  <a:tcPr/>
-                </a:tc>
-                <a:tc>
-                  <a:txBody>
-                    <a:bodyPr/>
-                    <a:lstStyle/>
-                    <a:p>
-                      <a:pPr algn="ctr"/>
-                      <a:endParaRPr lang="en-US" sz="1000" dirty="0">
-                        <a:latin typeface="Segoe UI Light" panose="020B0502040204020203" pitchFamily="34" charset="0"/>
-                        <a:cs typeface="Segoe UI Light" panose="020B0502040204020203" pitchFamily="34" charset="0"/>
-                      </a:endParaRPr>
-                    </a:p>
-                  </a:txBody>
-                  <a:tcPr/>
-                </a:tc>
-                <a:tc>
-                  <a:txBody>
-                    <a:bodyPr/>
-                    <a:lstStyle/>
-                    <a:p>
-                      <a:pPr algn="ctr"/>
-                      <a:r>
-                        <a:rPr lang="en-US" sz="1000" dirty="0" smtClean="0">
-                          <a:latin typeface="Segoe UI Light" panose="020B0502040204020203" pitchFamily="34" charset="0"/>
-                          <a:cs typeface="Segoe UI Light" panose="020B0502040204020203" pitchFamily="34" charset="0"/>
-                        </a:rPr>
-                        <a:t>+</a:t>
-                      </a:r>
-                      <a:endParaRPr lang="en-US" sz="1000" dirty="0">
-                        <a:latin typeface="Segoe UI Light" panose="020B0502040204020203" pitchFamily="34" charset="0"/>
-                        <a:cs typeface="Segoe UI Light" panose="020B0502040204020203" pitchFamily="34" charset="0"/>
-                      </a:endParaRPr>
-                    </a:p>
-                  </a:txBody>
-                  <a:tcPr/>
-                </a:tc>
-                <a:extLst>
-                  <a:ext uri="{0D108BD9-81ED-4DB2-BD59-A6C34878D82A}">
-                    <a16:rowId xmlns:a16="http://schemas.microsoft.com/office/drawing/2014/main" val="3754963662"/>
-                  </a:ext>
-                </a:extLst>
-              </a:tr>
-              <a:tr h="424323">
-                <a:tc>
-                  <a:txBody>
-                    <a:bodyPr/>
-                    <a:lstStyle/>
-                    <a:p>
-                      <a:r>
-                        <a:rPr lang="en-US" sz="2000" dirty="0" smtClean="0">
-                          <a:latin typeface="Segoe UI Light" panose="020B0502040204020203" pitchFamily="34" charset="0"/>
-                          <a:cs typeface="Segoe UI Light" panose="020B0502040204020203" pitchFamily="34" charset="0"/>
-                        </a:rPr>
-                        <a:t>IDE support</a:t>
-                      </a:r>
-                      <a:endParaRPr lang="en-US" sz="2000" dirty="0">
-                        <a:latin typeface="Segoe UI Light" panose="020B0502040204020203" pitchFamily="34" charset="0"/>
-                        <a:cs typeface="Segoe UI Light" panose="020B0502040204020203" pitchFamily="34" charset="0"/>
-                      </a:endParaRPr>
-                    </a:p>
-                  </a:txBody>
-                  <a:tcPr/>
-                </a:tc>
-                <a:tc>
-                  <a:txBody>
-                    <a:bodyPr/>
-                    <a:lstStyle/>
-                    <a:p>
-                      <a:pPr algn="ctr"/>
-                      <a:r>
-                        <a:rPr lang="en-US" sz="1000" dirty="0" smtClean="0">
-                          <a:latin typeface="Segoe UI Light" panose="020B0502040204020203" pitchFamily="34" charset="0"/>
-                          <a:cs typeface="Segoe UI Light" panose="020B0502040204020203" pitchFamily="34" charset="0"/>
-                        </a:rPr>
-                        <a:t>-</a:t>
-                      </a:r>
-                      <a:endParaRPr lang="en-US" sz="1000" dirty="0">
-                        <a:latin typeface="Segoe UI Light" panose="020B0502040204020203" pitchFamily="34" charset="0"/>
-                        <a:cs typeface="Segoe UI Light" panose="020B0502040204020203" pitchFamily="34" charset="0"/>
-                      </a:endParaRPr>
-                    </a:p>
-                  </a:txBody>
-                  <a:tcPr/>
-                </a:tc>
-                <a:tc>
-                  <a:txBody>
-                    <a:bodyPr/>
-                    <a:lstStyle/>
-                    <a:p>
-                      <a:pPr algn="ctr"/>
-                      <a:r>
-                        <a:rPr lang="en-US" sz="1000" dirty="0" smtClean="0">
-                          <a:latin typeface="Segoe UI Light" panose="020B0502040204020203" pitchFamily="34" charset="0"/>
-                          <a:cs typeface="Segoe UI Light" panose="020B0502040204020203" pitchFamily="34" charset="0"/>
-                        </a:rPr>
-                        <a:t>+</a:t>
-                      </a:r>
-                      <a:endParaRPr lang="en-US" sz="1000" dirty="0">
-                        <a:latin typeface="Segoe UI Light" panose="020B0502040204020203" pitchFamily="34" charset="0"/>
-                        <a:cs typeface="Segoe UI Light" panose="020B0502040204020203" pitchFamily="34" charset="0"/>
-                      </a:endParaRPr>
-                    </a:p>
-                  </a:txBody>
-                  <a:tcPr/>
-                </a:tc>
-                <a:extLst>
-                  <a:ext uri="{0D108BD9-81ED-4DB2-BD59-A6C34878D82A}">
-                    <a16:rowId xmlns:a16="http://schemas.microsoft.com/office/drawing/2014/main" val="2795056940"/>
-                  </a:ext>
-                </a:extLst>
-              </a:tr>
-              <a:tr h="424323">
-                <a:tc>
-                  <a:txBody>
-                    <a:bodyPr/>
-                    <a:lstStyle/>
-                    <a:p>
-                      <a:r>
-                        <a:rPr lang="en-US" sz="2000" dirty="0" smtClean="0">
-                          <a:latin typeface="Segoe UI Light" panose="020B0502040204020203" pitchFamily="34" charset="0"/>
-                          <a:cs typeface="Segoe UI Light" panose="020B0502040204020203" pitchFamily="34" charset="0"/>
-                        </a:rPr>
-                        <a:t>Number</a:t>
-                      </a:r>
-                      <a:r>
-                        <a:rPr lang="en-US" sz="2000" baseline="0" dirty="0" smtClean="0">
-                          <a:latin typeface="Segoe UI Light" panose="020B0502040204020203" pitchFamily="34" charset="0"/>
-                          <a:cs typeface="Segoe UI Light" panose="020B0502040204020203" pitchFamily="34" charset="0"/>
-                        </a:rPr>
-                        <a:t> of supported languages</a:t>
-                      </a:r>
-                      <a:endParaRPr lang="en-US" sz="2000" dirty="0">
-                        <a:latin typeface="Segoe UI Light" panose="020B0502040204020203" pitchFamily="34" charset="0"/>
-                        <a:cs typeface="Segoe UI Light" panose="020B0502040204020203" pitchFamily="34" charset="0"/>
-                      </a:endParaRPr>
-                    </a:p>
-                  </a:txBody>
-                  <a:tcPr/>
-                </a:tc>
-                <a:tc>
-                  <a:txBody>
-                    <a:bodyPr/>
-                    <a:lstStyle/>
-                    <a:p>
-                      <a:pPr algn="ctr"/>
-                      <a:r>
-                        <a:rPr lang="en-US" sz="2000" dirty="0" smtClean="0">
-                          <a:latin typeface="Segoe UI Light" panose="020B0502040204020203" pitchFamily="34" charset="0"/>
-                          <a:cs typeface="Segoe UI Light" panose="020B0502040204020203" pitchFamily="34" charset="0"/>
-                        </a:rPr>
-                        <a:t>7</a:t>
-                      </a:r>
-                      <a:endParaRPr lang="en-US" sz="2000" dirty="0">
-                        <a:latin typeface="Segoe UI Light" panose="020B0502040204020203" pitchFamily="34" charset="0"/>
-                        <a:cs typeface="Segoe UI Light" panose="020B0502040204020203" pitchFamily="34" charset="0"/>
-                      </a:endParaRPr>
-                    </a:p>
-                  </a:txBody>
-                  <a:tcPr/>
-                </a:tc>
-                <a:tc>
-                  <a:txBody>
-                    <a:bodyPr/>
-                    <a:lstStyle/>
-                    <a:p>
-                      <a:pPr algn="ctr"/>
-                      <a:r>
-                        <a:rPr lang="en-US" sz="2000" dirty="0" smtClean="0">
-                          <a:latin typeface="Segoe UI Light" panose="020B0502040204020203" pitchFamily="34" charset="0"/>
-                          <a:cs typeface="Segoe UI Light" panose="020B0502040204020203" pitchFamily="34" charset="0"/>
-                        </a:rPr>
-                        <a:t>3</a:t>
-                      </a:r>
-                      <a:endParaRPr lang="en-US" sz="2000" dirty="0">
-                        <a:latin typeface="Segoe UI Light" panose="020B0502040204020203" pitchFamily="34" charset="0"/>
-                        <a:cs typeface="Segoe UI Light" panose="020B0502040204020203" pitchFamily="34" charset="0"/>
-                      </a:endParaRPr>
-                    </a:p>
-                  </a:txBody>
-                  <a:tcPr/>
-                </a:tc>
-                <a:extLst>
-                  <a:ext uri="{0D108BD9-81ED-4DB2-BD59-A6C34878D82A}">
-                    <a16:rowId xmlns:a16="http://schemas.microsoft.com/office/drawing/2014/main" val="2216276280"/>
-                  </a:ext>
-                </a:extLst>
-              </a:tr>
-              <a:tr h="424323">
-                <a:tc>
-                  <a:txBody>
-                    <a:bodyPr/>
-                    <a:lstStyle/>
-                    <a:p>
-                      <a:r>
-                        <a:rPr lang="en-US" sz="2000" dirty="0" smtClean="0">
-                          <a:latin typeface="Segoe UI Light" panose="020B0502040204020203" pitchFamily="34" charset="0"/>
-                          <a:cs typeface="Segoe UI Light" panose="020B0502040204020203" pitchFamily="34" charset="0"/>
-                        </a:rPr>
-                        <a:t>Wide list</a:t>
-                      </a:r>
-                      <a:r>
-                        <a:rPr lang="en-US" sz="2000" baseline="0" dirty="0" smtClean="0">
-                          <a:latin typeface="Segoe UI Light" panose="020B0502040204020203" pitchFamily="34" charset="0"/>
-                          <a:cs typeface="Segoe UI Light" panose="020B0502040204020203" pitchFamily="34" charset="0"/>
-                        </a:rPr>
-                        <a:t> of deployment options</a:t>
-                      </a:r>
-                      <a:endParaRPr lang="en-US" sz="2000" dirty="0">
-                        <a:latin typeface="Segoe UI Light" panose="020B0502040204020203" pitchFamily="34" charset="0"/>
-                        <a:cs typeface="Segoe UI Light" panose="020B0502040204020203" pitchFamily="34" charset="0"/>
-                      </a:endParaRPr>
-                    </a:p>
-                  </a:txBody>
-                  <a:tcPr/>
-                </a:tc>
-                <a:tc>
-                  <a:txBody>
-                    <a:bodyPr/>
-                    <a:lstStyle/>
-                    <a:p>
-                      <a:pPr marL="0" marR="0" lvl="0" indent="0" algn="ctr" defTabSz="914400" rtl="0" eaLnBrk="1" fontAlgn="auto" latinLnBrk="0" hangingPunct="1">
-                        <a:lnSpc>
-                          <a:spcPct val="100000"/>
-                        </a:lnSpc>
-                        <a:spcBef>
-                          <a:spcPts val="0"/>
-                        </a:spcBef>
-                        <a:spcAft>
-                          <a:spcPts val="0"/>
-                        </a:spcAft>
-                        <a:buClrTx/>
-                        <a:buSzTx/>
-                        <a:buFontTx/>
-                        <a:buNone/>
-                        <a:tabLst/>
-                        <a:defRPr/>
-                      </a:pPr>
-                      <a:r>
-                        <a:rPr lang="en-US" sz="1000" dirty="0" smtClean="0">
-                          <a:latin typeface="Segoe UI Light" panose="020B0502040204020203" pitchFamily="34" charset="0"/>
-                          <a:cs typeface="Segoe UI Light" panose="020B0502040204020203" pitchFamily="34" charset="0"/>
-                        </a:rPr>
-                        <a:t>+</a:t>
-                      </a:r>
-                    </a:p>
-                    <a:p>
-                      <a:pPr algn="ctr"/>
-                      <a:endParaRPr lang="en-US" sz="1000" dirty="0">
-                        <a:latin typeface="Segoe UI Light" panose="020B0502040204020203" pitchFamily="34" charset="0"/>
-                        <a:cs typeface="Segoe UI Light" panose="020B0502040204020203" pitchFamily="34" charset="0"/>
-                      </a:endParaRPr>
-                    </a:p>
-                  </a:txBody>
-                  <a:tcPr/>
-                </a:tc>
-                <a:tc>
-                  <a:txBody>
-                    <a:bodyPr/>
-                    <a:lstStyle/>
-                    <a:p>
-                      <a:pPr algn="ctr"/>
-                      <a:r>
-                        <a:rPr lang="en-US" sz="1000" dirty="0" smtClean="0">
-                          <a:latin typeface="Segoe UI Light" panose="020B0502040204020203" pitchFamily="34" charset="0"/>
-                          <a:cs typeface="Segoe UI Light" panose="020B0502040204020203" pitchFamily="34" charset="0"/>
-                        </a:rPr>
-                        <a:t>-</a:t>
-                      </a:r>
-                      <a:endParaRPr lang="en-US" sz="1000" dirty="0">
-                        <a:latin typeface="Segoe UI Light" panose="020B0502040204020203" pitchFamily="34" charset="0"/>
-                        <a:cs typeface="Segoe UI Light" panose="020B0502040204020203" pitchFamily="34" charset="0"/>
-                      </a:endParaRPr>
-                    </a:p>
-                  </a:txBody>
-                  <a:tcPr/>
-                </a:tc>
-                <a:extLst>
-                  <a:ext uri="{0D108BD9-81ED-4DB2-BD59-A6C34878D82A}">
-                    <a16:rowId xmlns:a16="http://schemas.microsoft.com/office/drawing/2014/main" val="1773022761"/>
-                  </a:ext>
-                </a:extLst>
-              </a:tr>
-              <a:tr h="424323">
-                <a:tc>
-                  <a:txBody>
-                    <a:bodyPr/>
-                    <a:lstStyle/>
-                    <a:p>
-                      <a:r>
-                        <a:rPr lang="en-US" sz="2000" dirty="0" smtClean="0">
-                          <a:latin typeface="Segoe UI Light" panose="020B0502040204020203" pitchFamily="34" charset="0"/>
-                          <a:cs typeface="Segoe UI Light" panose="020B0502040204020203" pitchFamily="34" charset="0"/>
-                        </a:rPr>
-                        <a:t>Debugging</a:t>
-                      </a:r>
-                      <a:endParaRPr lang="en-US" sz="2000" dirty="0">
-                        <a:latin typeface="Segoe UI Light" panose="020B0502040204020203" pitchFamily="34" charset="0"/>
-                        <a:cs typeface="Segoe UI Light" panose="020B0502040204020203" pitchFamily="34" charset="0"/>
-                      </a:endParaRPr>
-                    </a:p>
-                  </a:txBody>
-                  <a:tcPr/>
-                </a:tc>
-                <a:tc>
-                  <a:txBody>
-                    <a:bodyPr/>
-                    <a:lstStyle/>
-                    <a:p>
-                      <a:pPr algn="ctr"/>
-                      <a:r>
-                        <a:rPr lang="en-US" sz="2000" dirty="0" smtClean="0">
-                          <a:latin typeface="Segoe UI Light" panose="020B0502040204020203" pitchFamily="34" charset="0"/>
-                          <a:cs typeface="Segoe UI Light" panose="020B0502040204020203" pitchFamily="34" charset="0"/>
-                        </a:rPr>
-                        <a:t>Remote</a:t>
-                      </a:r>
-                      <a:endParaRPr lang="en-US" sz="1200" dirty="0">
-                        <a:latin typeface="Segoe UI Light" panose="020B0502040204020203" pitchFamily="34" charset="0"/>
-                        <a:cs typeface="Segoe UI Light" panose="020B0502040204020203" pitchFamily="34" charset="0"/>
-                      </a:endParaRPr>
-                    </a:p>
-                  </a:txBody>
-                  <a:tcPr/>
-                </a:tc>
-                <a:tc>
-                  <a:txBody>
-                    <a:bodyPr/>
-                    <a:lstStyle/>
-                    <a:p>
-                      <a:pPr algn="ctr"/>
-                      <a:r>
-                        <a:rPr lang="en-US" sz="2000" dirty="0" smtClean="0">
-                          <a:latin typeface="Segoe UI Light" panose="020B0502040204020203" pitchFamily="34" charset="0"/>
-                          <a:cs typeface="Segoe UI Light" panose="020B0502040204020203" pitchFamily="34" charset="0"/>
-                        </a:rPr>
-                        <a:t>Local</a:t>
-                      </a:r>
-                      <a:endParaRPr lang="en-US" sz="2000" dirty="0">
-                        <a:latin typeface="Segoe UI Light" panose="020B0502040204020203" pitchFamily="34" charset="0"/>
-                        <a:cs typeface="Segoe UI Light" panose="020B0502040204020203" pitchFamily="34" charset="0"/>
-                      </a:endParaRPr>
-                    </a:p>
-                  </a:txBody>
-                  <a:tcPr/>
-                </a:tc>
-                <a:extLst>
-                  <a:ext uri="{0D108BD9-81ED-4DB2-BD59-A6C34878D82A}">
-                    <a16:rowId xmlns:a16="http://schemas.microsoft.com/office/drawing/2014/main" val="2623230153"/>
-                  </a:ext>
-                </a:extLst>
-              </a:tr>
-              <a:tr h="424323">
-                <a:tc>
-                  <a:txBody>
-                    <a:bodyPr/>
-                    <a:lstStyle/>
-                    <a:p>
-                      <a:r>
-                        <a:rPr lang="en-US" sz="2000" dirty="0" smtClean="0">
-                          <a:latin typeface="Segoe UI Light" panose="020B0502040204020203" pitchFamily="34" charset="0"/>
-                          <a:cs typeface="Segoe UI Light" panose="020B0502040204020203" pitchFamily="34" charset="0"/>
-                        </a:rPr>
-                        <a:t>Testing</a:t>
-                      </a:r>
-                      <a:endParaRPr lang="en-US" sz="2000" dirty="0">
-                        <a:latin typeface="Segoe UI Light" panose="020B0502040204020203" pitchFamily="34" charset="0"/>
-                        <a:cs typeface="Segoe UI Light" panose="020B0502040204020203" pitchFamily="34" charset="0"/>
-                      </a:endParaRPr>
-                    </a:p>
-                  </a:txBody>
-                  <a:tcPr/>
-                </a:tc>
-                <a:tc>
-                  <a:txBody>
-                    <a:bodyPr/>
-                    <a:lstStyle/>
-                    <a:p>
-                      <a:pPr algn="ctr"/>
-                      <a:r>
-                        <a:rPr lang="en-US" sz="2000" dirty="0" smtClean="0">
-                          <a:latin typeface="Segoe UI Light" panose="020B0502040204020203" pitchFamily="34" charset="0"/>
-                          <a:cs typeface="Segoe UI Light" panose="020B0502040204020203" pitchFamily="34" charset="0"/>
-                        </a:rPr>
-                        <a:t>Remote</a:t>
-                      </a:r>
-                      <a:endParaRPr lang="en-US" sz="2000" dirty="0">
-                        <a:latin typeface="Segoe UI Light" panose="020B0502040204020203" pitchFamily="34" charset="0"/>
-                        <a:cs typeface="Segoe UI Light" panose="020B0502040204020203" pitchFamily="34" charset="0"/>
-                      </a:endParaRPr>
-                    </a:p>
-                  </a:txBody>
-                  <a:tcPr/>
-                </a:tc>
-                <a:tc>
-                  <a:txBody>
-                    <a:bodyPr/>
-                    <a:lstStyle/>
-                    <a:p>
-                      <a:pPr algn="ctr"/>
-                      <a:r>
-                        <a:rPr lang="en-US" sz="2000" dirty="0" smtClean="0">
-                          <a:latin typeface="Segoe UI Light" panose="020B0502040204020203" pitchFamily="34" charset="0"/>
-                          <a:cs typeface="Segoe UI Light" panose="020B0502040204020203" pitchFamily="34" charset="0"/>
-                        </a:rPr>
-                        <a:t>Local/Remote</a:t>
-                      </a:r>
-                      <a:endParaRPr lang="en-US" sz="1000" dirty="0">
-                        <a:latin typeface="Segoe UI Light" panose="020B0502040204020203" pitchFamily="34" charset="0"/>
-                        <a:cs typeface="Segoe UI Light" panose="020B0502040204020203" pitchFamily="34" charset="0"/>
-                      </a:endParaRPr>
-                    </a:p>
-                  </a:txBody>
-                  <a:tcPr/>
-                </a:tc>
-                <a:extLst>
-                  <a:ext uri="{0D108BD9-81ED-4DB2-BD59-A6C34878D82A}">
-                    <a16:rowId xmlns:a16="http://schemas.microsoft.com/office/drawing/2014/main" val="1301821712"/>
-                  </a:ext>
-                </a:extLst>
-              </a:tr>
-            </a:tbl>
-          </a:graphicData>
-        </a:graphic>
-      </p:graphicFrame>
-      <p:pic>
-        <p:nvPicPr>
-          <p:cNvPr id="17" name="Picture 16"/>
-          <p:cNvPicPr>
-            <a:picLocks noChangeAspect="1"/>
-          </p:cNvPicPr>
-          <p:nvPr/>
-        </p:nvPicPr>
-        <p:blipFill>
-          <a:blip r:embed="rId2" cstate="print">
-            <a:extLst>
-              <a:ext uri="{28A0092B-C50C-407E-A947-70E740481C1C}">
-                <a14:useLocalDpi xmlns:a14="http://schemas.microsoft.com/office/drawing/2010/main" val="0"/>
-              </a:ext>
-            </a:extLst>
-          </a:blip>
-          <a:stretch>
-            <a:fillRect/>
-          </a:stretch>
-        </p:blipFill>
-        <p:spPr>
-          <a:xfrm>
-            <a:off x="7897950" y="3243415"/>
-            <a:ext cx="417367" cy="417367"/>
-          </a:xfrm>
-          <a:prstGeom prst="rect">
-            <a:avLst/>
-          </a:prstGeom>
-        </p:spPr>
-      </p:pic>
-      <p:pic>
-        <p:nvPicPr>
-          <p:cNvPr id="21" name="Picture 20"/>
-          <p:cNvPicPr>
-            <a:picLocks noChangeAspect="1"/>
-          </p:cNvPicPr>
-          <p:nvPr/>
-        </p:nvPicPr>
-        <p:blipFill>
-          <a:blip r:embed="rId2" cstate="print">
-            <a:extLst>
-              <a:ext uri="{28A0092B-C50C-407E-A947-70E740481C1C}">
-                <a14:useLocalDpi xmlns:a14="http://schemas.microsoft.com/office/drawing/2010/main" val="0"/>
-              </a:ext>
-            </a:extLst>
-          </a:blip>
-          <a:stretch>
-            <a:fillRect/>
-          </a:stretch>
-        </p:blipFill>
-        <p:spPr>
-          <a:xfrm>
-            <a:off x="7897630" y="1478399"/>
-            <a:ext cx="417367" cy="417367"/>
-          </a:xfrm>
-          <a:prstGeom prst="rect">
-            <a:avLst/>
-          </a:prstGeom>
-        </p:spPr>
-      </p:pic>
-      <p:pic>
-        <p:nvPicPr>
-          <p:cNvPr id="22" name="Picture 21"/>
-          <p:cNvPicPr>
-            <a:picLocks noChangeAspect="1"/>
-          </p:cNvPicPr>
-          <p:nvPr/>
-        </p:nvPicPr>
-        <p:blipFill>
-          <a:blip r:embed="rId2" cstate="print">
-            <a:extLst>
-              <a:ext uri="{28A0092B-C50C-407E-A947-70E740481C1C}">
-                <a14:useLocalDpi xmlns:a14="http://schemas.microsoft.com/office/drawing/2010/main" val="0"/>
-              </a:ext>
-            </a:extLst>
-          </a:blip>
-          <a:stretch>
-            <a:fillRect/>
-          </a:stretch>
-        </p:blipFill>
-        <p:spPr>
-          <a:xfrm>
-            <a:off x="10395588" y="1899967"/>
-            <a:ext cx="417367" cy="417367"/>
-          </a:xfrm>
-          <a:prstGeom prst="rect">
-            <a:avLst/>
-          </a:prstGeom>
-        </p:spPr>
-      </p:pic>
-      <p:pic>
-        <p:nvPicPr>
-          <p:cNvPr id="23" name="Picture 22"/>
-          <p:cNvPicPr>
-            <a:picLocks noChangeAspect="1"/>
-          </p:cNvPicPr>
-          <p:nvPr/>
-        </p:nvPicPr>
-        <p:blipFill>
-          <a:blip r:embed="rId2" cstate="print">
-            <a:extLst>
-              <a:ext uri="{28A0092B-C50C-407E-A947-70E740481C1C}">
-                <a14:useLocalDpi xmlns:a14="http://schemas.microsoft.com/office/drawing/2010/main" val="0"/>
-              </a:ext>
-            </a:extLst>
-          </a:blip>
-          <a:stretch>
-            <a:fillRect/>
-          </a:stretch>
-        </p:blipFill>
-        <p:spPr>
-          <a:xfrm>
-            <a:off x="7897951" y="2826955"/>
-            <a:ext cx="417367" cy="417367"/>
-          </a:xfrm>
-          <a:prstGeom prst="rect">
-            <a:avLst/>
-          </a:prstGeom>
-        </p:spPr>
-      </p:pic>
-      <p:pic>
-        <p:nvPicPr>
-          <p:cNvPr id="29" name="Picture 28"/>
-          <p:cNvPicPr>
-            <a:picLocks noChangeAspect="1"/>
-          </p:cNvPicPr>
-          <p:nvPr/>
-        </p:nvPicPr>
-        <p:blipFill>
-          <a:blip r:embed="rId2" cstate="print">
-            <a:extLst>
-              <a:ext uri="{28A0092B-C50C-407E-A947-70E740481C1C}">
-                <a14:useLocalDpi xmlns:a14="http://schemas.microsoft.com/office/drawing/2010/main" val="0"/>
-              </a:ext>
-            </a:extLst>
-          </a:blip>
-          <a:stretch>
-            <a:fillRect/>
-          </a:stretch>
-        </p:blipFill>
-        <p:spPr>
-          <a:xfrm>
-            <a:off x="7897949" y="4087280"/>
-            <a:ext cx="417367" cy="417367"/>
-          </a:xfrm>
-          <a:prstGeom prst="rect">
-            <a:avLst/>
-          </a:prstGeom>
-        </p:spPr>
-      </p:pic>
-      <p:pic>
-        <p:nvPicPr>
-          <p:cNvPr id="30" name="Picture 29"/>
-          <p:cNvPicPr>
-            <a:picLocks noChangeAspect="1"/>
-          </p:cNvPicPr>
-          <p:nvPr/>
-        </p:nvPicPr>
-        <p:blipFill>
-          <a:blip r:embed="rId2" cstate="print">
-            <a:extLst>
-              <a:ext uri="{28A0092B-C50C-407E-A947-70E740481C1C}">
-                <a14:useLocalDpi xmlns:a14="http://schemas.microsoft.com/office/drawing/2010/main" val="0"/>
-              </a:ext>
-            </a:extLst>
-          </a:blip>
-          <a:stretch>
-            <a:fillRect/>
-          </a:stretch>
-        </p:blipFill>
-        <p:spPr>
-          <a:xfrm>
-            <a:off x="7897949" y="3659875"/>
-            <a:ext cx="417367" cy="417367"/>
-          </a:xfrm>
-          <a:prstGeom prst="rect">
-            <a:avLst/>
-          </a:prstGeom>
-        </p:spPr>
-      </p:pic>
-      <p:pic>
-        <p:nvPicPr>
-          <p:cNvPr id="31" name="Picture 30"/>
-          <p:cNvPicPr>
-            <a:picLocks noChangeAspect="1"/>
-          </p:cNvPicPr>
-          <p:nvPr/>
-        </p:nvPicPr>
-        <p:blipFill>
-          <a:blip r:embed="rId2" cstate="print">
-            <a:extLst>
-              <a:ext uri="{28A0092B-C50C-407E-A947-70E740481C1C}">
-                <a14:useLocalDpi xmlns:a14="http://schemas.microsoft.com/office/drawing/2010/main" val="0"/>
-              </a:ext>
-            </a:extLst>
-          </a:blip>
-          <a:stretch>
-            <a:fillRect/>
-          </a:stretch>
-        </p:blipFill>
-        <p:spPr>
-          <a:xfrm>
-            <a:off x="7897629" y="5366001"/>
-            <a:ext cx="417367" cy="417367"/>
-          </a:xfrm>
-          <a:prstGeom prst="rect">
-            <a:avLst/>
-          </a:prstGeom>
-        </p:spPr>
-      </p:pic>
-      <p:pic>
-        <p:nvPicPr>
-          <p:cNvPr id="33" name="Picture 32"/>
-          <p:cNvPicPr>
-            <a:picLocks noChangeAspect="1"/>
-          </p:cNvPicPr>
-          <p:nvPr/>
-        </p:nvPicPr>
-        <p:blipFill>
-          <a:blip r:embed="rId2" cstate="print">
-            <a:extLst>
-              <a:ext uri="{28A0092B-C50C-407E-A947-70E740481C1C}">
-                <a14:useLocalDpi xmlns:a14="http://schemas.microsoft.com/office/drawing/2010/main" val="0"/>
-              </a:ext>
-            </a:extLst>
-          </a:blip>
-          <a:stretch>
-            <a:fillRect/>
-          </a:stretch>
-        </p:blipFill>
-        <p:spPr>
-          <a:xfrm>
-            <a:off x="10390189" y="4076901"/>
-            <a:ext cx="417367" cy="417367"/>
-          </a:xfrm>
-          <a:prstGeom prst="rect">
-            <a:avLst/>
-          </a:prstGeom>
-        </p:spPr>
-      </p:pic>
-      <p:pic>
-        <p:nvPicPr>
-          <p:cNvPr id="34" name="Picture 33"/>
-          <p:cNvPicPr>
-            <a:picLocks noChangeAspect="1"/>
-          </p:cNvPicPr>
-          <p:nvPr/>
-        </p:nvPicPr>
-        <p:blipFill>
-          <a:blip r:embed="rId2" cstate="print">
-            <a:extLst>
-              <a:ext uri="{28A0092B-C50C-407E-A947-70E740481C1C}">
-                <a14:useLocalDpi xmlns:a14="http://schemas.microsoft.com/office/drawing/2010/main" val="0"/>
-              </a:ext>
-            </a:extLst>
-          </a:blip>
-          <a:stretch>
-            <a:fillRect/>
-          </a:stretch>
-        </p:blipFill>
-        <p:spPr>
-          <a:xfrm>
-            <a:off x="10390188" y="4504048"/>
-            <a:ext cx="417367" cy="417367"/>
-          </a:xfrm>
-          <a:prstGeom prst="rect">
-            <a:avLst/>
-          </a:prstGeom>
-        </p:spPr>
-      </p:pic>
-      <p:pic>
-        <p:nvPicPr>
-          <p:cNvPr id="7" name="Picture 6"/>
-          <p:cNvPicPr>
-            <a:picLocks noChangeAspect="1"/>
-          </p:cNvPicPr>
-          <p:nvPr/>
-        </p:nvPicPr>
-        <p:blipFill>
-          <a:blip r:embed="rId3" cstate="print">
-            <a:extLst>
-              <a:ext uri="{28A0092B-C50C-407E-A947-70E740481C1C}">
-                <a14:useLocalDpi xmlns:a14="http://schemas.microsoft.com/office/drawing/2010/main" val="0"/>
-              </a:ext>
-            </a:extLst>
-          </a:blip>
-          <a:stretch>
-            <a:fillRect/>
-          </a:stretch>
-        </p:blipFill>
-        <p:spPr>
-          <a:xfrm>
-            <a:off x="10418224" y="1496268"/>
-            <a:ext cx="372099" cy="372099"/>
-          </a:xfrm>
-          <a:prstGeom prst="rect">
-            <a:avLst/>
-          </a:prstGeom>
-        </p:spPr>
-      </p:pic>
-      <p:pic>
-        <p:nvPicPr>
-          <p:cNvPr id="35" name="Picture 34"/>
-          <p:cNvPicPr>
-            <a:picLocks noChangeAspect="1"/>
-          </p:cNvPicPr>
-          <p:nvPr/>
-        </p:nvPicPr>
-        <p:blipFill>
-          <a:blip r:embed="rId3" cstate="print">
-            <a:extLst>
-              <a:ext uri="{28A0092B-C50C-407E-A947-70E740481C1C}">
-                <a14:useLocalDpi xmlns:a14="http://schemas.microsoft.com/office/drawing/2010/main" val="0"/>
-              </a:ext>
-            </a:extLst>
-          </a:blip>
-          <a:stretch>
-            <a:fillRect/>
-          </a:stretch>
-        </p:blipFill>
-        <p:spPr>
-          <a:xfrm>
-            <a:off x="7920265" y="1953003"/>
-            <a:ext cx="372099" cy="372099"/>
-          </a:xfrm>
-          <a:prstGeom prst="rect">
-            <a:avLst/>
-          </a:prstGeom>
-        </p:spPr>
-      </p:pic>
-      <p:pic>
-        <p:nvPicPr>
-          <p:cNvPr id="36" name="Picture 35"/>
-          <p:cNvPicPr>
-            <a:picLocks noChangeAspect="1"/>
-          </p:cNvPicPr>
-          <p:nvPr/>
-        </p:nvPicPr>
-        <p:blipFill>
-          <a:blip r:embed="rId3" cstate="print">
-            <a:extLst>
-              <a:ext uri="{28A0092B-C50C-407E-A947-70E740481C1C}">
-                <a14:useLocalDpi xmlns:a14="http://schemas.microsoft.com/office/drawing/2010/main" val="0"/>
-              </a:ext>
-            </a:extLst>
-          </a:blip>
-          <a:stretch>
-            <a:fillRect/>
-          </a:stretch>
-        </p:blipFill>
-        <p:spPr>
-          <a:xfrm>
-            <a:off x="10412824" y="3690999"/>
-            <a:ext cx="372099" cy="372099"/>
-          </a:xfrm>
-          <a:prstGeom prst="rect">
-            <a:avLst/>
-          </a:prstGeom>
-        </p:spPr>
-      </p:pic>
-      <p:pic>
-        <p:nvPicPr>
-          <p:cNvPr id="37" name="Picture 36"/>
-          <p:cNvPicPr>
-            <a:picLocks noChangeAspect="1"/>
-          </p:cNvPicPr>
-          <p:nvPr/>
-        </p:nvPicPr>
-        <p:blipFill>
-          <a:blip r:embed="rId3" cstate="print">
-            <a:extLst>
-              <a:ext uri="{28A0092B-C50C-407E-A947-70E740481C1C}">
-                <a14:useLocalDpi xmlns:a14="http://schemas.microsoft.com/office/drawing/2010/main" val="0"/>
-              </a:ext>
-            </a:extLst>
-          </a:blip>
-          <a:stretch>
-            <a:fillRect/>
-          </a:stretch>
-        </p:blipFill>
-        <p:spPr>
-          <a:xfrm>
-            <a:off x="10418224" y="2843847"/>
-            <a:ext cx="372099" cy="372099"/>
-          </a:xfrm>
-          <a:prstGeom prst="rect">
-            <a:avLst/>
-          </a:prstGeom>
-        </p:spPr>
-      </p:pic>
-      <p:pic>
-        <p:nvPicPr>
-          <p:cNvPr id="38" name="Picture 37"/>
-          <p:cNvPicPr>
-            <a:picLocks noChangeAspect="1"/>
-          </p:cNvPicPr>
-          <p:nvPr/>
-        </p:nvPicPr>
-        <p:blipFill>
-          <a:blip r:embed="rId3" cstate="print">
-            <a:extLst>
-              <a:ext uri="{28A0092B-C50C-407E-A947-70E740481C1C}">
-                <a14:useLocalDpi xmlns:a14="http://schemas.microsoft.com/office/drawing/2010/main" val="0"/>
-              </a:ext>
-            </a:extLst>
-          </a:blip>
-          <a:stretch>
-            <a:fillRect/>
-          </a:stretch>
-        </p:blipFill>
-        <p:spPr>
-          <a:xfrm>
-            <a:off x="10412825" y="3267252"/>
-            <a:ext cx="372099" cy="372099"/>
-          </a:xfrm>
-          <a:prstGeom prst="rect">
-            <a:avLst/>
-          </a:prstGeom>
-        </p:spPr>
-      </p:pic>
-      <p:pic>
-        <p:nvPicPr>
-          <p:cNvPr id="39" name="Picture 38"/>
-          <p:cNvPicPr>
-            <a:picLocks noChangeAspect="1"/>
-          </p:cNvPicPr>
-          <p:nvPr/>
-        </p:nvPicPr>
-        <p:blipFill>
-          <a:blip r:embed="rId3" cstate="print">
-            <a:extLst>
-              <a:ext uri="{28A0092B-C50C-407E-A947-70E740481C1C}">
-                <a14:useLocalDpi xmlns:a14="http://schemas.microsoft.com/office/drawing/2010/main" val="0"/>
-              </a:ext>
-            </a:extLst>
-          </a:blip>
-          <a:stretch>
-            <a:fillRect/>
-          </a:stretch>
-        </p:blipFill>
-        <p:spPr>
-          <a:xfrm>
-            <a:off x="7920266" y="4544060"/>
-            <a:ext cx="372099" cy="372099"/>
-          </a:xfrm>
-          <a:prstGeom prst="rect">
-            <a:avLst/>
-          </a:prstGeom>
-        </p:spPr>
-      </p:pic>
-      <p:pic>
-        <p:nvPicPr>
-          <p:cNvPr id="40" name="Picture 39"/>
-          <p:cNvPicPr>
-            <a:picLocks noChangeAspect="1"/>
-          </p:cNvPicPr>
-          <p:nvPr/>
-        </p:nvPicPr>
-        <p:blipFill>
-          <a:blip r:embed="rId3" cstate="print">
-            <a:extLst>
-              <a:ext uri="{28A0092B-C50C-407E-A947-70E740481C1C}">
-                <a14:useLocalDpi xmlns:a14="http://schemas.microsoft.com/office/drawing/2010/main" val="0"/>
-              </a:ext>
-            </a:extLst>
-          </a:blip>
-          <a:stretch>
-            <a:fillRect/>
-          </a:stretch>
-        </p:blipFill>
-        <p:spPr>
-          <a:xfrm>
-            <a:off x="10413684" y="5405354"/>
-            <a:ext cx="372099" cy="372099"/>
-          </a:xfrm>
-          <a:prstGeom prst="rect">
-            <a:avLst/>
-          </a:prstGeom>
-        </p:spPr>
-      </p:pic>
-      <p:pic>
-        <p:nvPicPr>
-          <p:cNvPr id="26" name="Picture 25"/>
-          <p:cNvPicPr>
-            <a:picLocks noChangeAspect="1"/>
-          </p:cNvPicPr>
-          <p:nvPr/>
-        </p:nvPicPr>
-        <p:blipFill>
-          <a:blip r:embed="rId3" cstate="print">
-            <a:extLst>
-              <a:ext uri="{28A0092B-C50C-407E-A947-70E740481C1C}">
-                <a14:useLocalDpi xmlns:a14="http://schemas.microsoft.com/office/drawing/2010/main" val="0"/>
-              </a:ext>
-            </a:extLst>
-          </a:blip>
-          <a:stretch>
-            <a:fillRect/>
-          </a:stretch>
-        </p:blipFill>
-        <p:spPr>
-          <a:xfrm>
-            <a:off x="7920586" y="2407104"/>
-            <a:ext cx="372099" cy="372099"/>
-          </a:xfrm>
-          <a:prstGeom prst="rect">
-            <a:avLst/>
-          </a:prstGeom>
-        </p:spPr>
-      </p:pic>
-      <p:pic>
-        <p:nvPicPr>
-          <p:cNvPr id="27" name="Picture 26"/>
-          <p:cNvPicPr>
-            <a:picLocks noChangeAspect="1"/>
-          </p:cNvPicPr>
-          <p:nvPr/>
-        </p:nvPicPr>
-        <p:blipFill>
-          <a:blip r:embed="rId2" cstate="print">
-            <a:extLst>
-              <a:ext uri="{28A0092B-C50C-407E-A947-70E740481C1C}">
-                <a14:useLocalDpi xmlns:a14="http://schemas.microsoft.com/office/drawing/2010/main" val="0"/>
-              </a:ext>
-            </a:extLst>
-          </a:blip>
-          <a:stretch>
-            <a:fillRect/>
-          </a:stretch>
-        </p:blipFill>
-        <p:spPr>
-          <a:xfrm>
-            <a:off x="10395587" y="2349612"/>
-            <a:ext cx="417367" cy="417367"/>
-          </a:xfrm>
-          <a:prstGeom prst="rect">
-            <a:avLst/>
-          </a:prstGeom>
-        </p:spPr>
-      </p:pic>
-    </p:spTree>
-    <p:extLst>
-      <p:ext uri="{BB962C8B-B14F-4D97-AF65-F5344CB8AC3E}">
-        <p14:creationId xmlns:p14="http://schemas.microsoft.com/office/powerpoint/2010/main" val="2278593507"/>
-      </p:ext>
-    </p:extLst>
-  </p:cSld>
-  <p:clrMapOvr>
-    <a:masterClrMapping/>
-  </p:clrMapOvr>
-  <mc:AlternateContent xmlns:mc="http://schemas.openxmlformats.org/markup-compatibility/2006" xmlns:p14="http://schemas.microsoft.com/office/powerpoint/2010/main">
-    <mc:Choice Requires="p14">
-      <p:transition spd="slow" p14:dur="2000"/>
-    </mc:Choice>
-    <mc:Fallback xmlns="">
-      <p:transition spd="slow"/>
-    </mc:Fallback>
-  </mc:AlternateContent>
-  <p:timing>
-    <p:tnLst>
-      <p:par>
-        <p:cTn id="1" dur="indefinite" restart="never" nodeType="tmRoot"/>
-      </p:par>
-    </p:tnLst>
-  </p:timing>
-</p:sld>
-</file>
-
-<file path=ppt/slides/slide28.xml><?xml version="1.0" encoding="utf-8"?>
-<p:sld xmlns:a="http://schemas.openxmlformats.org/drawingml/2006/main" xmlns:r="http://schemas.openxmlformats.org/officeDocument/2006/relationships" xmlns:p="http://schemas.openxmlformats.org/presentationml/2006/main">
-  <p:cSld>
-    <p:spTree>
-      <p:nvGrpSpPr>
-        <p:cNvPr id="1" name=""/>
-        <p:cNvGrpSpPr/>
-        <p:nvPr/>
-      </p:nvGrpSpPr>
-      <p:grpSpPr>
-        <a:xfrm>
-          <a:off x="0" y="0"/>
-          <a:ext cx="0" cy="0"/>
-          <a:chOff x="0" y="0"/>
-          <a:chExt cx="0" cy="0"/>
-        </a:xfrm>
-      </p:grpSpPr>
-      <p:sp>
-        <p:nvSpPr>
           <p:cNvPr id="4" name="Title 3"/>
           <p:cNvSpPr>
             <a:spLocks noGrp="1"/>
@@ -9114,7 +7579,7 @@
 </p:sld>
 </file>
 
-<file path=ppt/slides/slide29.xml><?xml version="1.0" encoding="utf-8"?>
+<file path=ppt/slides/slide28.xml><?xml version="1.0" encoding="utf-8"?>
 <p:sld xmlns:a="http://schemas.openxmlformats.org/drawingml/2006/main" xmlns:r="http://schemas.openxmlformats.org/officeDocument/2006/relationships" xmlns:p="http://schemas.openxmlformats.org/presentationml/2006/main">
   <p:cSld>
     <p:spTree>
@@ -10298,6 +8763,67 @@
 </p:sld>
 </file>
 
+<file path=ppt/slides/slide29.xml><?xml version="1.0" encoding="utf-8"?>
+<p:sld xmlns:a="http://schemas.openxmlformats.org/drawingml/2006/main" xmlns:r="http://schemas.openxmlformats.org/officeDocument/2006/relationships" xmlns:p="http://schemas.openxmlformats.org/presentationml/2006/main">
+  <p:cSld>
+    <p:spTree>
+      <p:nvGrpSpPr>
+        <p:cNvPr id="1" name=""/>
+        <p:cNvGrpSpPr/>
+        <p:nvPr/>
+      </p:nvGrpSpPr>
+      <p:grpSpPr>
+        <a:xfrm>
+          <a:off x="0" y="0"/>
+          <a:ext cx="0" cy="0"/>
+          <a:chOff x="0" y="0"/>
+          <a:chExt cx="0" cy="0"/>
+        </a:xfrm>
+      </p:grpSpPr>
+      <p:pic>
+        <p:nvPicPr>
+          <p:cNvPr id="6" name="Picture 5"/>
+          <p:cNvPicPr>
+            <a:picLocks noChangeAspect="1"/>
+          </p:cNvPicPr>
+          <p:nvPr/>
+        </p:nvPicPr>
+        <p:blipFill>
+          <a:blip r:embed="rId2"/>
+          <a:stretch>
+            <a:fillRect/>
+          </a:stretch>
+        </p:blipFill>
+        <p:spPr>
+          <a:xfrm>
+            <a:off x="1108659" y="225710"/>
+            <a:ext cx="9419524" cy="6498555"/>
+          </a:xfrm>
+          <a:prstGeom prst="rect">
+            <a:avLst/>
+          </a:prstGeom>
+        </p:spPr>
+      </p:pic>
+    </p:spTree>
+    <p:extLst>
+      <p:ext uri="{BB962C8B-B14F-4D97-AF65-F5344CB8AC3E}">
+        <p14:creationId xmlns:p14="http://schemas.microsoft.com/office/powerpoint/2010/main" val="96540709"/>
+      </p:ext>
+    </p:extLst>
+  </p:cSld>
+  <p:clrMapOvr>
+    <a:masterClrMapping/>
+  </p:clrMapOvr>
+  <p:timing>
+    <p:tnLst>
+      <p:par>
+        <p:cTn id="1" dur="indefinite" restart="never" nodeType="tmRoot"/>
+      </p:par>
+    </p:tnLst>
+  </p:timing>
+</p:sld>
+</file>
+
 <file path=ppt/slides/slide3.xml><?xml version="1.0" encoding="utf-8"?>
 <p:sld xmlns:a="http://schemas.openxmlformats.org/drawingml/2006/main" xmlns:r="http://schemas.openxmlformats.org/officeDocument/2006/relationships" xmlns:p="http://schemas.openxmlformats.org/presentationml/2006/main">
   <p:cSld>
@@ -10842,67 +9368,6 @@
 </file>
 
 <file path=ppt/slides/slide30.xml><?xml version="1.0" encoding="utf-8"?>
-<p:sld xmlns:a="http://schemas.openxmlformats.org/drawingml/2006/main" xmlns:r="http://schemas.openxmlformats.org/officeDocument/2006/relationships" xmlns:p="http://schemas.openxmlformats.org/presentationml/2006/main">
-  <p:cSld>
-    <p:spTree>
-      <p:nvGrpSpPr>
-        <p:cNvPr id="1" name=""/>
-        <p:cNvGrpSpPr/>
-        <p:nvPr/>
-      </p:nvGrpSpPr>
-      <p:grpSpPr>
-        <a:xfrm>
-          <a:off x="0" y="0"/>
-          <a:ext cx="0" cy="0"/>
-          <a:chOff x="0" y="0"/>
-          <a:chExt cx="0" cy="0"/>
-        </a:xfrm>
-      </p:grpSpPr>
-      <p:pic>
-        <p:nvPicPr>
-          <p:cNvPr id="6" name="Picture 5"/>
-          <p:cNvPicPr>
-            <a:picLocks noChangeAspect="1"/>
-          </p:cNvPicPr>
-          <p:nvPr/>
-        </p:nvPicPr>
-        <p:blipFill>
-          <a:blip r:embed="rId2"/>
-          <a:stretch>
-            <a:fillRect/>
-          </a:stretch>
-        </p:blipFill>
-        <p:spPr>
-          <a:xfrm>
-            <a:off x="1108659" y="225710"/>
-            <a:ext cx="9419524" cy="6498555"/>
-          </a:xfrm>
-          <a:prstGeom prst="rect">
-            <a:avLst/>
-          </a:prstGeom>
-        </p:spPr>
-      </p:pic>
-    </p:spTree>
-    <p:extLst>
-      <p:ext uri="{BB962C8B-B14F-4D97-AF65-F5344CB8AC3E}">
-        <p14:creationId xmlns:p14="http://schemas.microsoft.com/office/powerpoint/2010/main" val="96540709"/>
-      </p:ext>
-    </p:extLst>
-  </p:cSld>
-  <p:clrMapOvr>
-    <a:masterClrMapping/>
-  </p:clrMapOvr>
-  <p:timing>
-    <p:tnLst>
-      <p:par>
-        <p:cTn id="1" dur="indefinite" restart="never" nodeType="tmRoot"/>
-      </p:par>
-    </p:tnLst>
-  </p:timing>
-</p:sld>
-</file>
-
-<file path=ppt/slides/slide31.xml><?xml version="1.0" encoding="utf-8"?>
 <p:sld xmlns:a="http://schemas.openxmlformats.org/drawingml/2006/main" xmlns:r="http://schemas.openxmlformats.org/officeDocument/2006/relationships" xmlns:p="http://schemas.openxmlformats.org/presentationml/2006/main">
   <p:cSld>
     <p:spTree>
@@ -11362,7 +9827,7 @@
 </p:sld>
 </file>
 
-<file path=ppt/slides/slide32.xml><?xml version="1.0" encoding="utf-8"?>
+<file path=ppt/slides/slide31.xml><?xml version="1.0" encoding="utf-8"?>
 <p:sld xmlns:a="http://schemas.openxmlformats.org/drawingml/2006/main" xmlns:r="http://schemas.openxmlformats.org/officeDocument/2006/relationships" xmlns:p="http://schemas.openxmlformats.org/presentationml/2006/main">
   <p:cSld>
     <p:spTree>
@@ -11494,6 +9959,154 @@
     <p:extLst>
       <p:ext uri="{BB962C8B-B14F-4D97-AF65-F5344CB8AC3E}">
         <p14:creationId xmlns:p14="http://schemas.microsoft.com/office/powerpoint/2010/main" val="1192886765"/>
+      </p:ext>
+    </p:extLst>
+  </p:cSld>
+  <p:clrMapOvr>
+    <a:masterClrMapping/>
+  </p:clrMapOvr>
+  <p:timing>
+    <p:tnLst>
+      <p:par>
+        <p:cTn id="1" dur="indefinite" restart="never" nodeType="tmRoot"/>
+      </p:par>
+    </p:tnLst>
+  </p:timing>
+</p:sld>
+</file>
+
+<file path=ppt/slides/slide32.xml><?xml version="1.0" encoding="utf-8"?>
+<p:sld xmlns:a="http://schemas.openxmlformats.org/drawingml/2006/main" xmlns:r="http://schemas.openxmlformats.org/officeDocument/2006/relationships" xmlns:p="http://schemas.openxmlformats.org/presentationml/2006/main">
+  <p:cSld>
+    <p:spTree>
+      <p:nvGrpSpPr>
+        <p:cNvPr id="1" name=""/>
+        <p:cNvGrpSpPr/>
+        <p:nvPr/>
+      </p:nvGrpSpPr>
+      <p:grpSpPr>
+        <a:xfrm>
+          <a:off x="0" y="0"/>
+          <a:ext cx="0" cy="0"/>
+          <a:chOff x="0" y="0"/>
+          <a:chExt cx="0" cy="0"/>
+        </a:xfrm>
+      </p:grpSpPr>
+      <p:sp>
+        <p:nvSpPr>
+          <p:cNvPr id="5" name="TextBox 4"/>
+          <p:cNvSpPr txBox="1"/>
+          <p:nvPr/>
+        </p:nvSpPr>
+        <p:spPr>
+          <a:xfrm>
+            <a:off x="454702" y="2027883"/>
+            <a:ext cx="2460930" cy="646331"/>
+          </a:xfrm>
+          <a:prstGeom prst="rect">
+            <a:avLst/>
+          </a:prstGeom>
+          <a:noFill/>
+        </p:spPr>
+        <p:txBody>
+          <a:bodyPr wrap="none" rtlCol="0">
+            <a:spAutoFit/>
+          </a:bodyPr>
+          <a:lstStyle/>
+          <a:p>
+            <a:r>
+              <a:rPr lang="en-US" sz="3600" dirty="0" smtClean="0">
+                <a:latin typeface="Segoe UI Light" panose="020B0502040204020203" pitchFamily="34" charset="0"/>
+                <a:cs typeface="Segoe UI Light" panose="020B0502040204020203" pitchFamily="34" charset="0"/>
+              </a:rPr>
+              <a:t>Push model</a:t>
+            </a:r>
+            <a:endParaRPr lang="en-US" sz="3600" dirty="0">
+              <a:latin typeface="Segoe UI Light" panose="020B0502040204020203" pitchFamily="34" charset="0"/>
+              <a:cs typeface="Segoe UI Light" panose="020B0502040204020203" pitchFamily="34" charset="0"/>
+            </a:endParaRPr>
+          </a:p>
+        </p:txBody>
+      </p:sp>
+      <p:pic>
+        <p:nvPicPr>
+          <p:cNvPr id="6" name="Picture 5"/>
+          <p:cNvPicPr>
+            <a:picLocks noChangeAspect="1"/>
+          </p:cNvPicPr>
+          <p:nvPr/>
+        </p:nvPicPr>
+        <p:blipFill>
+          <a:blip r:embed="rId2"/>
+          <a:stretch>
+            <a:fillRect/>
+          </a:stretch>
+        </p:blipFill>
+        <p:spPr>
+          <a:xfrm>
+            <a:off x="4019550" y="1413241"/>
+            <a:ext cx="5327325" cy="5128956"/>
+          </a:xfrm>
+          <a:prstGeom prst="rect">
+            <a:avLst/>
+          </a:prstGeom>
+        </p:spPr>
+      </p:pic>
+      <p:sp>
+        <p:nvSpPr>
+          <p:cNvPr id="7" name="Title 1"/>
+          <p:cNvSpPr txBox="1">
+            <a:spLocks/>
+          </p:cNvSpPr>
+          <p:nvPr/>
+        </p:nvSpPr>
+        <p:spPr>
+          <a:xfrm>
+            <a:off x="276836" y="349915"/>
+            <a:ext cx="10238763" cy="956345"/>
+          </a:xfrm>
+          <a:prstGeom prst="rect">
+            <a:avLst/>
+          </a:prstGeom>
+        </p:spPr>
+        <p:txBody>
+          <a:bodyPr vert="horz" lIns="91440" tIns="45720" rIns="91440" bIns="45720" rtlCol="0" anchor="ctr">
+            <a:normAutofit/>
+          </a:bodyPr>
+          <a:lstStyle>
+            <a:lvl1pPr algn="l" defTabSz="914400" rtl="0" eaLnBrk="1" latinLnBrk="0" hangingPunct="1">
+              <a:lnSpc>
+                <a:spcPct val="90000"/>
+              </a:lnSpc>
+              <a:spcBef>
+                <a:spcPct val="0"/>
+              </a:spcBef>
+              <a:buNone/>
+              <a:defRPr sz="4400" kern="1200">
+                <a:solidFill>
+                  <a:schemeClr val="tx1"/>
+                </a:solidFill>
+                <a:latin typeface="+mj-lt"/>
+                <a:ea typeface="+mj-ea"/>
+                <a:cs typeface="+mj-cs"/>
+              </a:defRPr>
+            </a:lvl1pPr>
+          </a:lstStyle>
+          <a:p>
+            <a:r>
+              <a:rPr lang="en-US" sz="4800" dirty="0">
+                <a:latin typeface="Segoe UI Light" panose="020B0502040204020203" pitchFamily="34" charset="0"/>
+                <a:cs typeface="Segoe UI Light" panose="020B0502040204020203" pitchFamily="34" charset="0"/>
+              </a:rPr>
+              <a:t>Event models: Azure way</a:t>
+            </a:r>
+          </a:p>
+        </p:txBody>
+      </p:sp>
+    </p:spTree>
+    <p:extLst>
+      <p:ext uri="{BB962C8B-B14F-4D97-AF65-F5344CB8AC3E}">
+        <p14:creationId xmlns:p14="http://schemas.microsoft.com/office/powerpoint/2010/main" val="1674751534"/>
       </p:ext>
     </p:extLst>
   </p:cSld>
@@ -11529,13 +10142,13 @@
       </p:grpSpPr>
       <p:sp>
         <p:nvSpPr>
-          <p:cNvPr id="5" name="TextBox 4"/>
+          <p:cNvPr id="7" name="TextBox 6"/>
           <p:cNvSpPr txBox="1"/>
           <p:nvPr/>
         </p:nvSpPr>
         <p:spPr>
           <a:xfrm>
-            <a:off x="454702" y="2027883"/>
+            <a:off x="9557771" y="2027883"/>
             <a:ext cx="2460930" cy="646331"/>
           </a:xfrm>
           <a:prstGeom prst="rect">
@@ -11563,33 +10176,9 @@
           </a:p>
         </p:txBody>
       </p:sp>
-      <p:pic>
-        <p:nvPicPr>
-          <p:cNvPr id="6" name="Picture 5"/>
-          <p:cNvPicPr>
-            <a:picLocks noChangeAspect="1"/>
-          </p:cNvPicPr>
-          <p:nvPr/>
-        </p:nvPicPr>
-        <p:blipFill>
-          <a:blip r:embed="rId2"/>
-          <a:stretch>
-            <a:fillRect/>
-          </a:stretch>
-        </p:blipFill>
-        <p:spPr>
-          <a:xfrm>
-            <a:off x="4019550" y="1413241"/>
-            <a:ext cx="5327325" cy="5128956"/>
-          </a:xfrm>
-          <a:prstGeom prst="rect">
-            <a:avLst/>
-          </a:prstGeom>
-        </p:spPr>
-      </p:pic>
       <p:sp>
         <p:nvSpPr>
-          <p:cNvPr id="7" name="Title 1"/>
+          <p:cNvPr id="6" name="Title 1"/>
           <p:cNvSpPr txBox="1">
             <a:spLocks/>
           </p:cNvSpPr>
@@ -11633,15 +10222,86 @@
                 <a:latin typeface="Segoe UI Light" panose="020B0502040204020203" pitchFamily="34" charset="0"/>
                 <a:cs typeface="Segoe UI Light" panose="020B0502040204020203" pitchFamily="34" charset="0"/>
               </a:rPr>
-              <a:t>Event models: Azure way</a:t>
-            </a:r>
+              <a:t>Event models: </a:t>
+            </a:r>
+            <a:r>
+              <a:rPr lang="en-US" sz="4800" dirty="0" smtClean="0">
+                <a:latin typeface="Segoe UI Light" panose="020B0502040204020203" pitchFamily="34" charset="0"/>
+                <a:cs typeface="Segoe UI Light" panose="020B0502040204020203" pitchFamily="34" charset="0"/>
+              </a:rPr>
+              <a:t>Lambda way</a:t>
+            </a:r>
+            <a:endParaRPr lang="en-US" sz="4800" dirty="0">
+              <a:latin typeface="Segoe UI Light" panose="020B0502040204020203" pitchFamily="34" charset="0"/>
+              <a:cs typeface="Segoe UI Light" panose="020B0502040204020203" pitchFamily="34" charset="0"/>
+            </a:endParaRPr>
+          </a:p>
+        </p:txBody>
+      </p:sp>
+      <p:pic>
+        <p:nvPicPr>
+          <p:cNvPr id="2" name="Picture 1"/>
+          <p:cNvPicPr>
+            <a:picLocks noChangeAspect="1"/>
+          </p:cNvPicPr>
+          <p:nvPr/>
+        </p:nvPicPr>
+        <p:blipFill>
+          <a:blip r:embed="rId2"/>
+          <a:stretch>
+            <a:fillRect/>
+          </a:stretch>
+        </p:blipFill>
+        <p:spPr>
+          <a:xfrm>
+            <a:off x="2212392" y="1306260"/>
+            <a:ext cx="7345379" cy="5457096"/>
+          </a:xfrm>
+          <a:prstGeom prst="rect">
+            <a:avLst/>
+          </a:prstGeom>
+        </p:spPr>
+      </p:pic>
+      <p:sp>
+        <p:nvSpPr>
+          <p:cNvPr id="9" name="TextBox 8"/>
+          <p:cNvSpPr txBox="1"/>
+          <p:nvPr/>
+        </p:nvSpPr>
+        <p:spPr>
+          <a:xfrm>
+            <a:off x="454702" y="2027883"/>
+            <a:ext cx="2223686" cy="646331"/>
+          </a:xfrm>
+          <a:prstGeom prst="rect">
+            <a:avLst/>
+          </a:prstGeom>
+          <a:noFill/>
+        </p:spPr>
+        <p:txBody>
+          <a:bodyPr wrap="none" rtlCol="0">
+            <a:spAutoFit/>
+          </a:bodyPr>
+          <a:lstStyle/>
+          <a:p>
+            <a:r>
+              <a:rPr lang="en-US" sz="3600" dirty="0" smtClean="0">
+                <a:latin typeface="Segoe UI Light" panose="020B0502040204020203" pitchFamily="34" charset="0"/>
+                <a:cs typeface="Segoe UI Light" panose="020B0502040204020203" pitchFamily="34" charset="0"/>
+              </a:rPr>
+              <a:t>Pull model</a:t>
+            </a:r>
+            <a:endParaRPr lang="en-US" sz="3600" dirty="0">
+              <a:latin typeface="Segoe UI Light" panose="020B0502040204020203" pitchFamily="34" charset="0"/>
+              <a:cs typeface="Segoe UI Light" panose="020B0502040204020203" pitchFamily="34" charset="0"/>
+            </a:endParaRPr>
           </a:p>
         </p:txBody>
       </p:sp>
     </p:spTree>
     <p:extLst>
       <p:ext uri="{BB962C8B-B14F-4D97-AF65-F5344CB8AC3E}">
-        <p14:creationId xmlns:p14="http://schemas.microsoft.com/office/powerpoint/2010/main" val="1674751534"/>
+        <p14:creationId xmlns:p14="http://schemas.microsoft.com/office/powerpoint/2010/main" val="3011745585"/>
       </p:ext>
     </p:extLst>
   </p:cSld>
@@ -11675,81 +10335,33 @@
           <a:chExt cx="0" cy="0"/>
         </a:xfrm>
       </p:grpSpPr>
-      <p:sp>
-        <p:nvSpPr>
-          <p:cNvPr id="7" name="TextBox 6"/>
-          <p:cNvSpPr txBox="1"/>
+      <p:pic>
+        <p:nvPicPr>
+          <p:cNvPr id="8" name="Picture 7"/>
+          <p:cNvPicPr>
+            <a:picLocks noChangeAspect="1"/>
+          </p:cNvPicPr>
           <p:nvPr/>
-        </p:nvSpPr>
-        <p:spPr>
-          <a:xfrm>
-            <a:off x="9557771" y="1913583"/>
-            <a:ext cx="2460930" cy="646331"/>
+        </p:nvPicPr>
+        <p:blipFill>
+          <a:blip r:embed="rId2"/>
+          <a:stretch>
+            <a:fillRect/>
+          </a:stretch>
+        </p:blipFill>
+        <p:spPr>
+          <a:xfrm>
+            <a:off x="2291442" y="1372439"/>
+            <a:ext cx="7810501" cy="5485561"/>
           </a:xfrm>
           <a:prstGeom prst="rect">
             <a:avLst/>
           </a:prstGeom>
-          <a:noFill/>
-        </p:spPr>
-        <p:txBody>
-          <a:bodyPr wrap="none" rtlCol="0">
-            <a:spAutoFit/>
-          </a:bodyPr>
-          <a:lstStyle/>
-          <a:p>
-            <a:r>
-              <a:rPr lang="en-US" sz="3600" dirty="0" smtClean="0">
-                <a:latin typeface="Segoe UI Light" panose="020B0502040204020203" pitchFamily="34" charset="0"/>
-                <a:cs typeface="Segoe UI Light" panose="020B0502040204020203" pitchFamily="34" charset="0"/>
-              </a:rPr>
-              <a:t>Push model</a:t>
-            </a:r>
-            <a:endParaRPr lang="en-US" sz="3600" dirty="0">
-              <a:latin typeface="Segoe UI Light" panose="020B0502040204020203" pitchFamily="34" charset="0"/>
-              <a:cs typeface="Segoe UI Light" panose="020B0502040204020203" pitchFamily="34" charset="0"/>
-            </a:endParaRPr>
-          </a:p>
-        </p:txBody>
-      </p:sp>
+        </p:spPr>
+      </p:pic>
       <p:sp>
         <p:nvSpPr>
-          <p:cNvPr id="8" name="TextBox 7"/>
-          <p:cNvSpPr txBox="1"/>
-          <p:nvPr/>
-        </p:nvSpPr>
-        <p:spPr>
-          <a:xfrm>
-            <a:off x="227968" y="1913583"/>
-            <a:ext cx="2223686" cy="646331"/>
-          </a:xfrm>
-          <a:prstGeom prst="rect">
-            <a:avLst/>
-          </a:prstGeom>
-          <a:noFill/>
-        </p:spPr>
-        <p:txBody>
-          <a:bodyPr wrap="none" rtlCol="0">
-            <a:spAutoFit/>
-          </a:bodyPr>
-          <a:lstStyle/>
-          <a:p>
-            <a:r>
-              <a:rPr lang="en-US" sz="3600" dirty="0" smtClean="0">
-                <a:latin typeface="Segoe UI Light" panose="020B0502040204020203" pitchFamily="34" charset="0"/>
-                <a:cs typeface="Segoe UI Light" panose="020B0502040204020203" pitchFamily="34" charset="0"/>
-              </a:rPr>
-              <a:t>Pull model</a:t>
-            </a:r>
-            <a:endParaRPr lang="en-US" sz="3600" dirty="0">
-              <a:latin typeface="Segoe UI Light" panose="020B0502040204020203" pitchFamily="34" charset="0"/>
-              <a:cs typeface="Segoe UI Light" panose="020B0502040204020203" pitchFamily="34" charset="0"/>
-            </a:endParaRPr>
-          </a:p>
-        </p:txBody>
-      </p:sp>
-      <p:sp>
-        <p:nvSpPr>
-          <p:cNvPr id="6" name="Title 1"/>
+          <p:cNvPr id="4" name="Title 1"/>
           <p:cNvSpPr txBox="1">
             <a:spLocks/>
           </p:cNvSpPr>
@@ -11793,14 +10405,7 @@
                 <a:latin typeface="Segoe UI Light" panose="020B0502040204020203" pitchFamily="34" charset="0"/>
                 <a:cs typeface="Segoe UI Light" panose="020B0502040204020203" pitchFamily="34" charset="0"/>
               </a:rPr>
-              <a:t>Event models: </a:t>
-            </a:r>
-            <a:r>
-              <a:rPr lang="en-US" sz="4800" dirty="0" smtClean="0">
-                <a:latin typeface="Segoe UI Light" panose="020B0502040204020203" pitchFamily="34" charset="0"/>
-                <a:cs typeface="Segoe UI Light" panose="020B0502040204020203" pitchFamily="34" charset="0"/>
-              </a:rPr>
-              <a:t>Lambda way</a:t>
+              <a:t>AWS Role-based authorization</a:t>
             </a:r>
             <a:endParaRPr lang="en-US" sz="4800" dirty="0">
               <a:latin typeface="Segoe UI Light" panose="020B0502040204020203" pitchFamily="34" charset="0"/>
@@ -11809,34 +10414,10 @@
           </a:p>
         </p:txBody>
       </p:sp>
-      <p:pic>
-        <p:nvPicPr>
-          <p:cNvPr id="2" name="Picture 1"/>
-          <p:cNvPicPr>
-            <a:picLocks noChangeAspect="1"/>
-          </p:cNvPicPr>
-          <p:nvPr/>
-        </p:nvPicPr>
-        <p:blipFill>
-          <a:blip r:embed="rId2"/>
-          <a:stretch>
-            <a:fillRect/>
-          </a:stretch>
-        </p:blipFill>
-        <p:spPr>
-          <a:xfrm>
-            <a:off x="2212392" y="1306260"/>
-            <a:ext cx="7345379" cy="5457096"/>
-          </a:xfrm>
-          <a:prstGeom prst="rect">
-            <a:avLst/>
-          </a:prstGeom>
-        </p:spPr>
-      </p:pic>
     </p:spTree>
     <p:extLst>
       <p:ext uri="{BB962C8B-B14F-4D97-AF65-F5344CB8AC3E}">
-        <p14:creationId xmlns:p14="http://schemas.microsoft.com/office/powerpoint/2010/main" val="3011745585"/>
+        <p14:creationId xmlns:p14="http://schemas.microsoft.com/office/powerpoint/2010/main" val="1739359597"/>
       </p:ext>
     </p:extLst>
   </p:cSld>
@@ -11872,104 +10453,6 @@
       </p:grpSpPr>
       <p:pic>
         <p:nvPicPr>
-          <p:cNvPr id="8" name="Picture 7"/>
-          <p:cNvPicPr>
-            <a:picLocks noChangeAspect="1"/>
-          </p:cNvPicPr>
-          <p:nvPr/>
-        </p:nvPicPr>
-        <p:blipFill>
-          <a:blip r:embed="rId2"/>
-          <a:stretch>
-            <a:fillRect/>
-          </a:stretch>
-        </p:blipFill>
-        <p:spPr>
-          <a:xfrm>
-            <a:off x="1943100" y="997816"/>
-            <a:ext cx="8343900" cy="5860184"/>
-          </a:xfrm>
-          <a:prstGeom prst="rect">
-            <a:avLst/>
-          </a:prstGeom>
-        </p:spPr>
-      </p:pic>
-      <p:sp>
-        <p:nvSpPr>
-          <p:cNvPr id="10" name="Title 3"/>
-          <p:cNvSpPr>
-            <a:spLocks noGrp="1"/>
-          </p:cNvSpPr>
-          <p:nvPr>
-            <p:ph type="title"/>
-          </p:nvPr>
-        </p:nvSpPr>
-        <p:spPr>
-          <a:xfrm>
-            <a:off x="0" y="0"/>
-            <a:ext cx="12192000" cy="1030115"/>
-          </a:xfrm>
-        </p:spPr>
-        <p:txBody>
-          <a:bodyPr>
-            <a:normAutofit/>
-          </a:bodyPr>
-          <a:lstStyle/>
-          <a:p>
-            <a:pPr algn="ctr"/>
-            <a:r>
-              <a:rPr lang="en-US" sz="6000" dirty="0" smtClean="0">
-                <a:latin typeface="Segoe UI Light" panose="020B0502040204020203" pitchFamily="34" charset="0"/>
-                <a:cs typeface="Segoe UI Light" panose="020B0502040204020203" pitchFamily="34" charset="0"/>
-              </a:rPr>
-              <a:t>AWS Role-based authorization</a:t>
-            </a:r>
-            <a:endParaRPr lang="en-US" sz="6000" dirty="0">
-              <a:latin typeface="Segoe UI Light" panose="020B0502040204020203" pitchFamily="34" charset="0"/>
-              <a:cs typeface="Segoe UI Light" panose="020B0502040204020203" pitchFamily="34" charset="0"/>
-            </a:endParaRPr>
-          </a:p>
-        </p:txBody>
-      </p:sp>
-    </p:spTree>
-    <p:extLst>
-      <p:ext uri="{BB962C8B-B14F-4D97-AF65-F5344CB8AC3E}">
-        <p14:creationId xmlns:p14="http://schemas.microsoft.com/office/powerpoint/2010/main" val="1739359597"/>
-      </p:ext>
-    </p:extLst>
-  </p:cSld>
-  <p:clrMapOvr>
-    <a:masterClrMapping/>
-  </p:clrMapOvr>
-  <p:timing>
-    <p:tnLst>
-      <p:par>
-        <p:cTn id="1" dur="indefinite" restart="never" nodeType="tmRoot"/>
-      </p:par>
-    </p:tnLst>
-  </p:timing>
-</p:sld>
-</file>
-
-<file path=ppt/slides/slide36.xml><?xml version="1.0" encoding="utf-8"?>
-<p:sld xmlns:a="http://schemas.openxmlformats.org/drawingml/2006/main" xmlns:r="http://schemas.openxmlformats.org/officeDocument/2006/relationships" xmlns:p="http://schemas.openxmlformats.org/presentationml/2006/main">
-  <p:cSld>
-    <p:spTree>
-      <p:nvGrpSpPr>
-        <p:cNvPr id="1" name=""/>
-        <p:cNvGrpSpPr/>
-        <p:nvPr/>
-      </p:nvGrpSpPr>
-      <p:grpSpPr>
-        <a:xfrm>
-          <a:off x="0" y="0"/>
-          <a:ext cx="0" cy="0"/>
-          <a:chOff x="0" y="0"/>
-          <a:chExt cx="0" cy="0"/>
-        </a:xfrm>
-      </p:grpSpPr>
-      <p:pic>
-        <p:nvPicPr>
           <p:cNvPr id="4" name="Picture 3"/>
           <p:cNvPicPr>
             <a:picLocks noChangeAspect="1"/>
@@ -11984,8 +10467,8 @@
         </p:blipFill>
         <p:spPr>
           <a:xfrm>
-            <a:off x="1724025" y="1056134"/>
-            <a:ext cx="8362950" cy="5887591"/>
+            <a:off x="1724025" y="1306260"/>
+            <a:ext cx="8362950" cy="5710036"/>
           </a:xfrm>
           <a:prstGeom prst="rect">
             <a:avLst/>
@@ -11994,35 +10477,67 @@
       </p:pic>
       <p:sp>
         <p:nvSpPr>
-          <p:cNvPr id="5" name="Title 3"/>
-          <p:cNvSpPr>
-            <a:spLocks noGrp="1"/>
+          <p:cNvPr id="6" name="Title 1"/>
+          <p:cNvSpPr txBox="1">
+            <a:spLocks/>
           </p:cNvSpPr>
-          <p:nvPr>
-            <p:ph type="title"/>
-          </p:nvPr>
+          <p:nvPr/>
         </p:nvSpPr>
         <p:spPr>
           <a:xfrm>
-            <a:off x="0" y="0"/>
-            <a:ext cx="12192000" cy="1030115"/>
-          </a:xfrm>
+            <a:off x="276836" y="349915"/>
+            <a:ext cx="10238763" cy="956345"/>
+          </a:xfrm>
+          <a:prstGeom prst="rect">
+            <a:avLst/>
+          </a:prstGeom>
         </p:spPr>
         <p:txBody>
-          <a:bodyPr>
+          <a:bodyPr vert="horz" lIns="91440" tIns="45720" rIns="91440" bIns="45720" rtlCol="0" anchor="ctr">
             <a:normAutofit/>
           </a:bodyPr>
-          <a:lstStyle/>
-          <a:p>
-            <a:pPr algn="ctr"/>
-            <a:r>
-              <a:rPr lang="en-US" sz="6000" dirty="0" smtClean="0">
+          <a:lstStyle>
+            <a:lvl1pPr algn="l" defTabSz="914400" rtl="0" eaLnBrk="1" latinLnBrk="0" hangingPunct="1">
+              <a:lnSpc>
+                <a:spcPct val="90000"/>
+              </a:lnSpc>
+              <a:spcBef>
+                <a:spcPct val="0"/>
+              </a:spcBef>
+              <a:buNone/>
+              <a:defRPr sz="4400" kern="1200">
+                <a:solidFill>
+                  <a:schemeClr val="tx1"/>
+                </a:solidFill>
+                <a:latin typeface="+mj-lt"/>
+                <a:ea typeface="+mj-ea"/>
+                <a:cs typeface="+mj-cs"/>
+              </a:defRPr>
+            </a:lvl1pPr>
+          </a:lstStyle>
+          <a:p>
+            <a:r>
+              <a:rPr lang="en-US" sz="4800" dirty="0">
                 <a:latin typeface="Segoe UI Light" panose="020B0502040204020203" pitchFamily="34" charset="0"/>
                 <a:cs typeface="Segoe UI Light" panose="020B0502040204020203" pitchFamily="34" charset="0"/>
               </a:rPr>
-              <a:t>AWS Identity-based authorization</a:t>
-            </a:r>
-            <a:endParaRPr lang="en-US" sz="6000" dirty="0">
+              <a:t>AWS </a:t>
+            </a:r>
+            <a:r>
+              <a:rPr lang="en-US" sz="4800" dirty="0" smtClean="0">
+                <a:latin typeface="Segoe UI Light" panose="020B0502040204020203" pitchFamily="34" charset="0"/>
+                <a:cs typeface="Segoe UI Light" panose="020B0502040204020203" pitchFamily="34" charset="0"/>
+              </a:rPr>
+              <a:t>Identity-based </a:t>
+            </a:r>
+            <a:r>
+              <a:rPr lang="en-US" sz="4800" dirty="0">
+                <a:latin typeface="Segoe UI Light" panose="020B0502040204020203" pitchFamily="34" charset="0"/>
+                <a:cs typeface="Segoe UI Light" panose="020B0502040204020203" pitchFamily="34" charset="0"/>
+              </a:rPr>
+              <a:t>authorization</a:t>
+            </a:r>
+            <a:endParaRPr lang="en-US" sz="4800" dirty="0">
               <a:latin typeface="Segoe UI Light" panose="020B0502040204020203" pitchFamily="34" charset="0"/>
               <a:cs typeface="Segoe UI Light" panose="020B0502040204020203" pitchFamily="34" charset="0"/>
             </a:endParaRPr>
@@ -12049,7 +10564,7 @@
 </p:sld>
 </file>
 
-<file path=ppt/slides/slide37.xml><?xml version="1.0" encoding="utf-8"?>
+<file path=ppt/slides/slide36.xml><?xml version="1.0" encoding="utf-8"?>
 <p:sld xmlns:a="http://schemas.openxmlformats.org/drawingml/2006/main" xmlns:r="http://schemas.openxmlformats.org/officeDocument/2006/relationships" xmlns:p="http://schemas.openxmlformats.org/presentationml/2006/main">
   <p:cSld>
     <p:spTree>
@@ -12115,7 +10630,7 @@
 </p:sld>
 </file>
 
-<file path=ppt/slides/slide38.xml><?xml version="1.0" encoding="utf-8"?>
+<file path=ppt/slides/slide37.xml><?xml version="1.0" encoding="utf-8"?>
 <p:sld xmlns:a="http://schemas.openxmlformats.org/drawingml/2006/main" xmlns:r="http://schemas.openxmlformats.org/officeDocument/2006/relationships" xmlns:p="http://schemas.openxmlformats.org/presentationml/2006/main" show="0">
   <p:cSld>
     <p:spTree>
@@ -12228,11 +10743,142 @@
   <p:clrMapOvr>
     <a:masterClrMapping/>
   </p:clrMapOvr>
-  <mc:AlternateContent xmlns:mc="http://schemas.openxmlformats.org/markup-compatibility/2006">
-    <mc:Choice xmlns:p14="http://schemas.microsoft.com/office/powerpoint/2010/main" Requires="p14">
+  <mc:AlternateContent xmlns:mc="http://schemas.openxmlformats.org/markup-compatibility/2006" xmlns:p14="http://schemas.microsoft.com/office/powerpoint/2010/main">
+    <mc:Choice Requires="p14">
       <p:transition spd="slow" p14:dur="2000"/>
     </mc:Choice>
-    <mc:Fallback>
+    <mc:Fallback xmlns="">
+      <p:transition spd="slow"/>
+    </mc:Fallback>
+  </mc:AlternateContent>
+  <p:timing>
+    <p:tnLst>
+      <p:par>
+        <p:cTn id="1" dur="indefinite" restart="never" nodeType="tmRoot"/>
+      </p:par>
+    </p:tnLst>
+  </p:timing>
+</p:sld>
+</file>
+
+<file path=ppt/slides/slide38.xml><?xml version="1.0" encoding="utf-8"?>
+<p:sld xmlns:a="http://schemas.openxmlformats.org/drawingml/2006/main" xmlns:r="http://schemas.openxmlformats.org/officeDocument/2006/relationships" xmlns:p="http://schemas.openxmlformats.org/presentationml/2006/main">
+  <p:cSld>
+    <p:spTree>
+      <p:nvGrpSpPr>
+        <p:cNvPr id="1" name=""/>
+        <p:cNvGrpSpPr/>
+        <p:nvPr/>
+      </p:nvGrpSpPr>
+      <p:grpSpPr>
+        <a:xfrm>
+          <a:off x="0" y="0"/>
+          <a:ext cx="0" cy="0"/>
+          <a:chOff x="0" y="0"/>
+          <a:chExt cx="0" cy="0"/>
+        </a:xfrm>
+      </p:grpSpPr>
+      <p:sp>
+        <p:nvSpPr>
+          <p:cNvPr id="4" name="Title 1"/>
+          <p:cNvSpPr txBox="1">
+            <a:spLocks/>
+          </p:cNvSpPr>
+          <p:nvPr/>
+        </p:nvSpPr>
+        <p:spPr>
+          <a:xfrm>
+            <a:off x="276836" y="291859"/>
+            <a:ext cx="10238763" cy="956345"/>
+          </a:xfrm>
+          <a:prstGeom prst="rect">
+            <a:avLst/>
+          </a:prstGeom>
+        </p:spPr>
+        <p:txBody>
+          <a:bodyPr vert="horz" lIns="91440" tIns="45720" rIns="91440" bIns="45720" rtlCol="0" anchor="ctr">
+            <a:normAutofit/>
+          </a:bodyPr>
+          <a:lstStyle>
+            <a:lvl1pPr algn="l" defTabSz="914400" rtl="0" eaLnBrk="1" latinLnBrk="0" hangingPunct="1">
+              <a:lnSpc>
+                <a:spcPct val="90000"/>
+              </a:lnSpc>
+              <a:spcBef>
+                <a:spcPct val="0"/>
+              </a:spcBef>
+              <a:buNone/>
+              <a:defRPr sz="4400" kern="1200">
+                <a:solidFill>
+                  <a:schemeClr val="tx1"/>
+                </a:solidFill>
+                <a:latin typeface="+mj-lt"/>
+                <a:ea typeface="+mj-ea"/>
+                <a:cs typeface="+mj-cs"/>
+              </a:defRPr>
+            </a:lvl1pPr>
+          </a:lstStyle>
+          <a:p>
+            <a:r>
+              <a:rPr lang="en-US" sz="4800" dirty="0">
+                <a:latin typeface="Segoe UI Light" panose="020B0502040204020203" pitchFamily="34" charset="0"/>
+                <a:cs typeface="Segoe UI Light" panose="020B0502040204020203" pitchFamily="34" charset="0"/>
+              </a:rPr>
+              <a:t>Architecture: </a:t>
+            </a:r>
+            <a:r>
+              <a:rPr lang="en-US" sz="4800" dirty="0" smtClean="0">
+                <a:latin typeface="Segoe UI Light" panose="020B0502040204020203" pitchFamily="34" charset="0"/>
+                <a:cs typeface="Segoe UI Light" panose="020B0502040204020203" pitchFamily="34" charset="0"/>
+              </a:rPr>
+              <a:t>Azure Functions</a:t>
+            </a:r>
+            <a:endParaRPr lang="en-US" sz="4800" dirty="0">
+              <a:latin typeface="Segoe UI Light" panose="020B0502040204020203" pitchFamily="34" charset="0"/>
+              <a:cs typeface="Segoe UI Light" panose="020B0502040204020203" pitchFamily="34" charset="0"/>
+            </a:endParaRPr>
+          </a:p>
+        </p:txBody>
+      </p:sp>
+      <p:pic>
+        <p:nvPicPr>
+          <p:cNvPr id="3" name="Picture 2"/>
+          <p:cNvPicPr>
+            <a:picLocks noChangeAspect="1"/>
+          </p:cNvPicPr>
+          <p:nvPr/>
+        </p:nvPicPr>
+        <p:blipFill>
+          <a:blip r:embed="rId2"/>
+          <a:stretch>
+            <a:fillRect/>
+          </a:stretch>
+        </p:blipFill>
+        <p:spPr>
+          <a:xfrm>
+            <a:off x="652444" y="1306260"/>
+            <a:ext cx="10815306" cy="5209130"/>
+          </a:xfrm>
+          <a:prstGeom prst="rect">
+            <a:avLst/>
+          </a:prstGeom>
+        </p:spPr>
+      </p:pic>
+    </p:spTree>
+    <p:extLst>
+      <p:ext uri="{BB962C8B-B14F-4D97-AF65-F5344CB8AC3E}">
+        <p14:creationId xmlns:p14="http://schemas.microsoft.com/office/powerpoint/2010/main" val="696983461"/>
+      </p:ext>
+    </p:extLst>
+  </p:cSld>
+  <p:clrMapOvr>
+    <a:masterClrMapping/>
+  </p:clrMapOvr>
+  <mc:AlternateContent xmlns:mc="http://schemas.openxmlformats.org/markup-compatibility/2006" xmlns:p14="http://schemas.microsoft.com/office/powerpoint/2010/main">
+    <mc:Choice Requires="p14">
+      <p:transition spd="slow" p14:dur="2000"/>
+    </mc:Choice>
+    <mc:Fallback xmlns="">
       <p:transition spd="slow"/>
     </mc:Fallback>
   </mc:AlternateContent>
@@ -12263,6 +10909,30 @@
           <a:chExt cx="0" cy="0"/>
         </a:xfrm>
       </p:grpSpPr>
+      <p:pic>
+        <p:nvPicPr>
+          <p:cNvPr id="2" name="Picture 1"/>
+          <p:cNvPicPr>
+            <a:picLocks noChangeAspect="1"/>
+          </p:cNvPicPr>
+          <p:nvPr/>
+        </p:nvPicPr>
+        <p:blipFill>
+          <a:blip r:embed="rId2"/>
+          <a:stretch>
+            <a:fillRect/>
+          </a:stretch>
+        </p:blipFill>
+        <p:spPr>
+          <a:xfrm>
+            <a:off x="318538" y="1030115"/>
+            <a:ext cx="11554923" cy="5447972"/>
+          </a:xfrm>
+          <a:prstGeom prst="rect">
+            <a:avLst/>
+          </a:prstGeom>
+        </p:spPr>
+      </p:pic>
       <p:sp>
         <p:nvSpPr>
           <p:cNvPr id="4" name="Title 1"/>
@@ -12273,7 +10943,7 @@
         </p:nvSpPr>
         <p:spPr>
           <a:xfrm>
-            <a:off x="276836" y="349915"/>
+            <a:off x="226502" y="73770"/>
             <a:ext cx="10238763" cy="956345"/>
           </a:xfrm>
           <a:prstGeom prst="rect">
@@ -12305,18 +10975,11 @@
           </a:lstStyle>
           <a:p>
             <a:r>
-              <a:rPr lang="en-US" sz="4800" dirty="0">
-                <a:latin typeface="Segoe UI Light" panose="020B0502040204020203" pitchFamily="34" charset="0"/>
-                <a:cs typeface="Segoe UI Light" panose="020B0502040204020203" pitchFamily="34" charset="0"/>
-              </a:rPr>
-              <a:t>Architecture: </a:t>
-            </a:r>
-            <a:r>
               <a:rPr lang="en-US" sz="4800" dirty="0" smtClean="0">
                 <a:latin typeface="Segoe UI Light" panose="020B0502040204020203" pitchFamily="34" charset="0"/>
                 <a:cs typeface="Segoe UI Light" panose="020B0502040204020203" pitchFamily="34" charset="0"/>
               </a:rPr>
-              <a:t>Azure Functions</a:t>
+              <a:t>Architecture: AWS Lambda</a:t>
             </a:r>
             <a:endParaRPr lang="en-US" sz="4800" dirty="0">
               <a:latin typeface="Segoe UI Light" panose="020B0502040204020203" pitchFamily="34" charset="0"/>
@@ -12325,48 +10988,16 @@
           </a:p>
         </p:txBody>
       </p:sp>
-      <p:pic>
-        <p:nvPicPr>
-          <p:cNvPr id="3" name="Picture 2"/>
-          <p:cNvPicPr>
-            <a:picLocks noChangeAspect="1"/>
-          </p:cNvPicPr>
-          <p:nvPr/>
-        </p:nvPicPr>
-        <p:blipFill>
-          <a:blip r:embed="rId2"/>
-          <a:stretch>
-            <a:fillRect/>
-          </a:stretch>
-        </p:blipFill>
-        <p:spPr>
-          <a:xfrm>
-            <a:off x="652444" y="1306260"/>
-            <a:ext cx="10815306" cy="5209130"/>
-          </a:xfrm>
-          <a:prstGeom prst="rect">
-            <a:avLst/>
-          </a:prstGeom>
-        </p:spPr>
-      </p:pic>
     </p:spTree>
     <p:extLst>
       <p:ext uri="{BB962C8B-B14F-4D97-AF65-F5344CB8AC3E}">
-        <p14:creationId xmlns:p14="http://schemas.microsoft.com/office/powerpoint/2010/main" val="696983461"/>
+        <p14:creationId xmlns:p14="http://schemas.microsoft.com/office/powerpoint/2010/main" val="3424254032"/>
       </p:ext>
     </p:extLst>
   </p:cSld>
   <p:clrMapOvr>
     <a:masterClrMapping/>
   </p:clrMapOvr>
-  <mc:AlternateContent xmlns:mc="http://schemas.openxmlformats.org/markup-compatibility/2006">
-    <mc:Choice xmlns:p14="http://schemas.microsoft.com/office/powerpoint/2010/main" Requires="p14">
-      <p:transition spd="slow" p14:dur="2000"/>
-    </mc:Choice>
-    <mc:Fallback>
-      <p:transition spd="slow"/>
-    </mc:Fallback>
-  </mc:AlternateContent>
   <p:timing>
     <p:tnLst>
       <p:par>
@@ -12422,7 +11053,14 @@
                 <a:latin typeface="Segoe UI Light" panose="020B0502040204020203" pitchFamily="34" charset="0"/>
                 <a:cs typeface="Segoe UI Light" panose="020B0502040204020203" pitchFamily="34" charset="0"/>
               </a:rPr>
-              <a:t>‘As-a-Service’ model</a:t>
+              <a:t>‘As-a-Service</a:t>
+            </a:r>
+            <a:r>
+              <a:rPr lang="en-US" sz="6000" dirty="0" smtClean="0">
+                <a:latin typeface="Segoe UI Light" panose="020B0502040204020203" pitchFamily="34" charset="0"/>
+                <a:cs typeface="Segoe UI Light" panose="020B0502040204020203" pitchFamily="34" charset="0"/>
+              </a:rPr>
+              <a:t>’</a:t>
             </a:r>
             <a:endParaRPr lang="en-US" sz="6000" dirty="0">
               <a:latin typeface="Segoe UI Light" panose="020B0502040204020203" pitchFamily="34" charset="0"/>
@@ -12452,122 +11090,6 @@
 </file>
 
 <file path=ppt/slides/slide40.xml><?xml version="1.0" encoding="utf-8"?>
-<p:sld xmlns:a="http://schemas.openxmlformats.org/drawingml/2006/main" xmlns:r="http://schemas.openxmlformats.org/officeDocument/2006/relationships" xmlns:p="http://schemas.openxmlformats.org/presentationml/2006/main">
-  <p:cSld>
-    <p:spTree>
-      <p:nvGrpSpPr>
-        <p:cNvPr id="1" name=""/>
-        <p:cNvGrpSpPr/>
-        <p:nvPr/>
-      </p:nvGrpSpPr>
-      <p:grpSpPr>
-        <a:xfrm>
-          <a:off x="0" y="0"/>
-          <a:ext cx="0" cy="0"/>
-          <a:chOff x="0" y="0"/>
-          <a:chExt cx="0" cy="0"/>
-        </a:xfrm>
-      </p:grpSpPr>
-      <p:pic>
-        <p:nvPicPr>
-          <p:cNvPr id="2" name="Picture 1"/>
-          <p:cNvPicPr>
-            <a:picLocks noChangeAspect="1"/>
-          </p:cNvPicPr>
-          <p:nvPr/>
-        </p:nvPicPr>
-        <p:blipFill>
-          <a:blip r:embed="rId2"/>
-          <a:stretch>
-            <a:fillRect/>
-          </a:stretch>
-        </p:blipFill>
-        <p:spPr>
-          <a:xfrm>
-            <a:off x="318538" y="1030115"/>
-            <a:ext cx="11554923" cy="5447972"/>
-          </a:xfrm>
-          <a:prstGeom prst="rect">
-            <a:avLst/>
-          </a:prstGeom>
-        </p:spPr>
-      </p:pic>
-      <p:sp>
-        <p:nvSpPr>
-          <p:cNvPr id="4" name="Title 1"/>
-          <p:cNvSpPr txBox="1">
-            <a:spLocks/>
-          </p:cNvSpPr>
-          <p:nvPr/>
-        </p:nvSpPr>
-        <p:spPr>
-          <a:xfrm>
-            <a:off x="226502" y="73770"/>
-            <a:ext cx="10238763" cy="956345"/>
-          </a:xfrm>
-          <a:prstGeom prst="rect">
-            <a:avLst/>
-          </a:prstGeom>
-        </p:spPr>
-        <p:txBody>
-          <a:bodyPr vert="horz" lIns="91440" tIns="45720" rIns="91440" bIns="45720" rtlCol="0" anchor="ctr">
-            <a:normAutofit/>
-          </a:bodyPr>
-          <a:lstStyle>
-            <a:lvl1pPr algn="l" defTabSz="914400" rtl="0" eaLnBrk="1" latinLnBrk="0" hangingPunct="1">
-              <a:lnSpc>
-                <a:spcPct val="90000"/>
-              </a:lnSpc>
-              <a:spcBef>
-                <a:spcPct val="0"/>
-              </a:spcBef>
-              <a:buNone/>
-              <a:defRPr sz="4400" kern="1200">
-                <a:solidFill>
-                  <a:schemeClr val="tx1"/>
-                </a:solidFill>
-                <a:latin typeface="+mj-lt"/>
-                <a:ea typeface="+mj-ea"/>
-                <a:cs typeface="+mj-cs"/>
-              </a:defRPr>
-            </a:lvl1pPr>
-          </a:lstStyle>
-          <a:p>
-            <a:r>
-              <a:rPr lang="en-US" sz="4800" dirty="0" smtClean="0">
-                <a:latin typeface="Segoe UI Light" panose="020B0502040204020203" pitchFamily="34" charset="0"/>
-                <a:cs typeface="Segoe UI Light" panose="020B0502040204020203" pitchFamily="34" charset="0"/>
-              </a:rPr>
-              <a:t>Architecture: AWS Lambda</a:t>
-            </a:r>
-            <a:endParaRPr lang="en-US" sz="4800" dirty="0">
-              <a:latin typeface="Segoe UI Light" panose="020B0502040204020203" pitchFamily="34" charset="0"/>
-              <a:cs typeface="Segoe UI Light" panose="020B0502040204020203" pitchFamily="34" charset="0"/>
-            </a:endParaRPr>
-          </a:p>
-        </p:txBody>
-      </p:sp>
-    </p:spTree>
-    <p:extLst>
-      <p:ext uri="{BB962C8B-B14F-4D97-AF65-F5344CB8AC3E}">
-        <p14:creationId xmlns:p14="http://schemas.microsoft.com/office/powerpoint/2010/main" val="3424254032"/>
-      </p:ext>
-    </p:extLst>
-  </p:cSld>
-  <p:clrMapOvr>
-    <a:masterClrMapping/>
-  </p:clrMapOvr>
-  <p:timing>
-    <p:tnLst>
-      <p:par>
-        <p:cTn id="1" dur="indefinite" restart="never" nodeType="tmRoot"/>
-      </p:par>
-    </p:tnLst>
-  </p:timing>
-</p:sld>
-</file>
-
-<file path=ppt/slides/slide41.xml><?xml version="1.0" encoding="utf-8"?>
 <p:sld xmlns:a="http://schemas.openxmlformats.org/drawingml/2006/main" xmlns:r="http://schemas.openxmlformats.org/officeDocument/2006/relationships" xmlns:p="http://schemas.openxmlformats.org/presentationml/2006/main" show="0">
   <p:cSld>
     <p:spTree>
@@ -12623,11 +11145,11 @@
   <p:clrMapOvr>
     <a:masterClrMapping/>
   </p:clrMapOvr>
-  <mc:AlternateContent xmlns:mc="http://schemas.openxmlformats.org/markup-compatibility/2006">
-    <mc:Choice xmlns:p14="http://schemas.microsoft.com/office/powerpoint/2010/main" Requires="p14">
+  <mc:AlternateContent xmlns:mc="http://schemas.openxmlformats.org/markup-compatibility/2006" xmlns:p14="http://schemas.microsoft.com/office/powerpoint/2010/main">
+    <mc:Choice Requires="p14">
       <p:transition spd="slow" p14:dur="2000"/>
     </mc:Choice>
-    <mc:Fallback>
+    <mc:Fallback xmlns="">
       <p:transition spd="slow"/>
     </mc:Fallback>
   </mc:AlternateContent>
@@ -12641,7 +11163,7 @@
 </p:sld>
 </file>
 
-<file path=ppt/slides/slide42.xml><?xml version="1.0" encoding="utf-8"?>
+<file path=ppt/slides/slide41.xml><?xml version="1.0" encoding="utf-8"?>
 <p:sld xmlns:a="http://schemas.openxmlformats.org/drawingml/2006/main" xmlns:r="http://schemas.openxmlformats.org/officeDocument/2006/relationships" xmlns:p="http://schemas.openxmlformats.org/presentationml/2006/main" show="0">
   <p:cSld>
     <p:spTree>
@@ -13515,11 +12037,1546 @@
   <p:clrMapOvr>
     <a:masterClrMapping/>
   </p:clrMapOvr>
-  <mc:AlternateContent xmlns:mc="http://schemas.openxmlformats.org/markup-compatibility/2006">
-    <mc:Choice xmlns:p14="http://schemas.microsoft.com/office/powerpoint/2010/main" Requires="p14">
+  <mc:AlternateContent xmlns:mc="http://schemas.openxmlformats.org/markup-compatibility/2006" xmlns:p14="http://schemas.microsoft.com/office/powerpoint/2010/main">
+    <mc:Choice Requires="p14">
       <p:transition spd="slow" p14:dur="2000"/>
     </mc:Choice>
-    <mc:Fallback>
+    <mc:Fallback xmlns="">
+      <p:transition spd="slow"/>
+    </mc:Fallback>
+  </mc:AlternateContent>
+  <p:timing>
+    <p:tnLst>
+      <p:par>
+        <p:cTn id="1" dur="indefinite" restart="never" nodeType="tmRoot"/>
+      </p:par>
+    </p:tnLst>
+  </p:timing>
+</p:sld>
+</file>
+
+<file path=ppt/slides/slide42.xml><?xml version="1.0" encoding="utf-8"?>
+<p:sld xmlns:a="http://schemas.openxmlformats.org/drawingml/2006/main" xmlns:r="http://schemas.openxmlformats.org/officeDocument/2006/relationships" xmlns:p="http://schemas.openxmlformats.org/presentationml/2006/main">
+  <p:cSld>
+    <p:spTree>
+      <p:nvGrpSpPr>
+        <p:cNvPr id="1" name=""/>
+        <p:cNvGrpSpPr/>
+        <p:nvPr/>
+      </p:nvGrpSpPr>
+      <p:grpSpPr>
+        <a:xfrm>
+          <a:off x="0" y="0"/>
+          <a:ext cx="0" cy="0"/>
+          <a:chOff x="0" y="0"/>
+          <a:chExt cx="0" cy="0"/>
+        </a:xfrm>
+      </p:grpSpPr>
+      <p:sp>
+        <p:nvSpPr>
+          <p:cNvPr id="24" name="TextBox 23"/>
+          <p:cNvSpPr txBox="1"/>
+          <p:nvPr/>
+        </p:nvSpPr>
+        <p:spPr>
+          <a:xfrm>
+            <a:off x="1" y="-7575"/>
+            <a:ext cx="12191999" cy="923330"/>
+          </a:xfrm>
+          <a:prstGeom prst="rect">
+            <a:avLst/>
+          </a:prstGeom>
+          <a:noFill/>
+        </p:spPr>
+        <p:txBody>
+          <a:bodyPr wrap="square" rtlCol="0">
+            <a:spAutoFit/>
+          </a:bodyPr>
+          <a:lstStyle/>
+          <a:p>
+            <a:pPr algn="ctr"/>
+            <a:r>
+              <a:rPr lang="en-US" sz="5400" dirty="0" smtClean="0">
+                <a:latin typeface="Segoe UI Light" panose="020B0502040204020203" pitchFamily="34" charset="0"/>
+                <a:cs typeface="Segoe UI Light" panose="020B0502040204020203" pitchFamily="34" charset="0"/>
+              </a:rPr>
+              <a:t>Features comparison</a:t>
+            </a:r>
+            <a:endParaRPr lang="en-US" sz="5400" dirty="0">
+              <a:latin typeface="Segoe UI Light" panose="020B0502040204020203" pitchFamily="34" charset="0"/>
+              <a:cs typeface="Segoe UI Light" panose="020B0502040204020203" pitchFamily="34" charset="0"/>
+            </a:endParaRPr>
+          </a:p>
+        </p:txBody>
+      </p:sp>
+      <p:graphicFrame>
+        <p:nvGraphicFramePr>
+          <p:cNvPr id="4" name="Table 3"/>
+          <p:cNvGraphicFramePr>
+            <a:graphicFrameLocks noGrp="1"/>
+          </p:cNvGraphicFramePr>
+          <p:nvPr>
+            <p:extLst>
+              <p:ext uri="{D42A27DB-BD31-4B8C-83A1-F6EECF244321}">
+                <p14:modId xmlns:p14="http://schemas.microsoft.com/office/powerpoint/2010/main" val="3048184101"/>
+              </p:ext>
+            </p:extLst>
+          </p:nvPr>
+        </p:nvGraphicFramePr>
+        <p:xfrm>
+          <a:off x="278702" y="967061"/>
+          <a:ext cx="11499442" cy="5671863"/>
+        </p:xfrm>
+        <a:graphic>
+          <a:graphicData uri="http://schemas.openxmlformats.org/drawingml/2006/table">
+            <a:tbl>
+              <a:tblPr firstRow="1" bandRow="1">
+                <a:tableStyleId>{5C22544A-7EE6-4342-B048-85BDC9FD1C3A}</a:tableStyleId>
+              </a:tblPr>
+              <a:tblGrid>
+                <a:gridCol w="6572619">
+                  <a:extLst>
+                    <a:ext uri="{9D8B030D-6E8A-4147-A177-3AD203B41FA5}">
+                      <a16:colId xmlns:a16="http://schemas.microsoft.com/office/drawing/2014/main" val="3304647566"/>
+                    </a:ext>
+                  </a:extLst>
+                </a:gridCol>
+                <a:gridCol w="2504293">
+                  <a:extLst>
+                    <a:ext uri="{9D8B030D-6E8A-4147-A177-3AD203B41FA5}">
+                      <a16:colId xmlns:a16="http://schemas.microsoft.com/office/drawing/2014/main" val="2843535823"/>
+                    </a:ext>
+                  </a:extLst>
+                </a:gridCol>
+                <a:gridCol w="2422530">
+                  <a:extLst>
+                    <a:ext uri="{9D8B030D-6E8A-4147-A177-3AD203B41FA5}">
+                      <a16:colId xmlns:a16="http://schemas.microsoft.com/office/drawing/2014/main" val="309433460"/>
+                    </a:ext>
+                  </a:extLst>
+                </a:gridCol>
+              </a:tblGrid>
+              <a:tr h="474480">
+                <a:tc>
+                  <a:txBody>
+                    <a:bodyPr/>
+                    <a:lstStyle/>
+                    <a:p>
+                      <a:endParaRPr lang="en-US" sz="1600" dirty="0"/>
+                    </a:p>
+                  </a:txBody>
+                  <a:tcPr/>
+                </a:tc>
+                <a:tc>
+                  <a:txBody>
+                    <a:bodyPr/>
+                    <a:lstStyle/>
+                    <a:p>
+                      <a:pPr algn="ctr"/>
+                      <a:r>
+                        <a:rPr lang="en-US" sz="2000" dirty="0" smtClean="0"/>
+                        <a:t>Azure Functions</a:t>
+                      </a:r>
+                      <a:endParaRPr lang="en-US" sz="2000" dirty="0"/>
+                    </a:p>
+                  </a:txBody>
+                  <a:tcPr/>
+                </a:tc>
+                <a:tc>
+                  <a:txBody>
+                    <a:bodyPr/>
+                    <a:lstStyle/>
+                    <a:p>
+                      <a:pPr algn="ctr"/>
+                      <a:r>
+                        <a:rPr lang="en-US" sz="2000" dirty="0" smtClean="0"/>
+                        <a:t>AWS Lambda</a:t>
+                      </a:r>
+                      <a:endParaRPr lang="en-US" sz="2000" dirty="0"/>
+                    </a:p>
+                  </a:txBody>
+                  <a:tcPr/>
+                </a:tc>
+                <a:extLst>
+                  <a:ext uri="{0D108BD9-81ED-4DB2-BD59-A6C34878D82A}">
+                    <a16:rowId xmlns:a16="http://schemas.microsoft.com/office/drawing/2014/main" val="1286652462"/>
+                  </a:ext>
+                </a:extLst>
+              </a:tr>
+              <a:tr h="459492">
+                <a:tc>
+                  <a:txBody>
+                    <a:bodyPr/>
+                    <a:lstStyle/>
+                    <a:p>
+                      <a:r>
+                        <a:rPr lang="en-US" sz="2000" dirty="0" err="1" smtClean="0">
+                          <a:latin typeface="Segoe UI Light" panose="020B0502040204020203" pitchFamily="34" charset="0"/>
+                          <a:cs typeface="Segoe UI Light" panose="020B0502040204020203" pitchFamily="34" charset="0"/>
+                        </a:rPr>
+                        <a:t>Input</a:t>
+                      </a:r>
+                      <a:r>
+                        <a:rPr lang="en-US" sz="2000" baseline="0" dirty="0" err="1" smtClean="0">
+                          <a:latin typeface="Segoe UI Light" panose="020B0502040204020203" pitchFamily="34" charset="0"/>
+                          <a:cs typeface="Segoe UI Light" panose="020B0502040204020203" pitchFamily="34" charset="0"/>
+                        </a:rPr>
+                        <a:t>/Output</a:t>
+                      </a:r>
+                      <a:r>
+                        <a:rPr lang="en-US" sz="2000" baseline="0" dirty="0" smtClean="0">
+                          <a:latin typeface="Segoe UI Light" panose="020B0502040204020203" pitchFamily="34" charset="0"/>
+                          <a:cs typeface="Segoe UI Light" panose="020B0502040204020203" pitchFamily="34" charset="0"/>
+                        </a:rPr>
+                        <a:t> binding</a:t>
+                      </a:r>
+                      <a:endParaRPr lang="en-US" sz="2000" dirty="0">
+                        <a:latin typeface="Segoe UI Light" panose="020B0502040204020203" pitchFamily="34" charset="0"/>
+                        <a:cs typeface="Segoe UI Light" panose="020B0502040204020203" pitchFamily="34" charset="0"/>
+                      </a:endParaRPr>
+                    </a:p>
+                  </a:txBody>
+                  <a:tcPr/>
+                </a:tc>
+                <a:tc>
+                  <a:txBody>
+                    <a:bodyPr/>
+                    <a:lstStyle/>
+                    <a:p>
+                      <a:pPr algn="ctr"/>
+                      <a:endParaRPr lang="en-US" sz="2400" dirty="0">
+                        <a:latin typeface="Segoe UI Light" panose="020B0502040204020203" pitchFamily="34" charset="0"/>
+                        <a:cs typeface="Segoe UI Light" panose="020B0502040204020203" pitchFamily="34" charset="0"/>
+                      </a:endParaRPr>
+                    </a:p>
+                  </a:txBody>
+                  <a:tcPr/>
+                </a:tc>
+                <a:tc>
+                  <a:txBody>
+                    <a:bodyPr/>
+                    <a:lstStyle/>
+                    <a:p>
+                      <a:pPr algn="ctr"/>
+                      <a:r>
+                        <a:rPr lang="en-US" sz="2400" dirty="0" smtClean="0">
+                          <a:latin typeface="Segoe UI Light" panose="020B0502040204020203" pitchFamily="34" charset="0"/>
+                          <a:cs typeface="Segoe UI Light" panose="020B0502040204020203" pitchFamily="34" charset="0"/>
+                        </a:rPr>
+                        <a:t>-</a:t>
+                      </a:r>
+                      <a:endParaRPr lang="en-US" sz="2400" dirty="0">
+                        <a:latin typeface="Segoe UI Light" panose="020B0502040204020203" pitchFamily="34" charset="0"/>
+                        <a:cs typeface="Segoe UI Light" panose="020B0502040204020203" pitchFamily="34" charset="0"/>
+                      </a:endParaRPr>
+                    </a:p>
+                  </a:txBody>
+                  <a:tcPr/>
+                </a:tc>
+                <a:extLst>
+                  <a:ext uri="{0D108BD9-81ED-4DB2-BD59-A6C34878D82A}">
+                    <a16:rowId xmlns:a16="http://schemas.microsoft.com/office/drawing/2014/main" val="766900583"/>
+                  </a:ext>
+                </a:extLst>
+              </a:tr>
+              <a:tr h="459492">
+                <a:tc>
+                  <a:txBody>
+                    <a:bodyPr/>
+                    <a:lstStyle/>
+                    <a:p>
+                      <a:r>
+                        <a:rPr lang="en-US" sz="2000" dirty="0" smtClean="0">
+                          <a:latin typeface="Segoe UI Light" panose="020B0502040204020203" pitchFamily="34" charset="0"/>
+                          <a:cs typeface="Segoe UI Light" panose="020B0502040204020203" pitchFamily="34" charset="0"/>
+                        </a:rPr>
+                        <a:t>Deep</a:t>
+                      </a:r>
+                      <a:r>
+                        <a:rPr lang="en-US" sz="2000" baseline="0" dirty="0" smtClean="0">
+                          <a:latin typeface="Segoe UI Light" panose="020B0502040204020203" pitchFamily="34" charset="0"/>
+                          <a:cs typeface="Segoe UI Light" panose="020B0502040204020203" pitchFamily="34" charset="0"/>
+                        </a:rPr>
+                        <a:t> integration with other services</a:t>
+                      </a:r>
+                      <a:endParaRPr lang="en-US" sz="2000" dirty="0">
+                        <a:latin typeface="Segoe UI Light" panose="020B0502040204020203" pitchFamily="34" charset="0"/>
+                        <a:cs typeface="Segoe UI Light" panose="020B0502040204020203" pitchFamily="34" charset="0"/>
+                      </a:endParaRPr>
+                    </a:p>
+                  </a:txBody>
+                  <a:tcPr/>
+                </a:tc>
+                <a:tc>
+                  <a:txBody>
+                    <a:bodyPr/>
+                    <a:lstStyle/>
+                    <a:p>
+                      <a:pPr algn="ctr"/>
+                      <a:endParaRPr lang="en-US" sz="2400" dirty="0">
+                        <a:latin typeface="Segoe UI Light" panose="020B0502040204020203" pitchFamily="34" charset="0"/>
+                        <a:cs typeface="Segoe UI Light" panose="020B0502040204020203" pitchFamily="34" charset="0"/>
+                      </a:endParaRPr>
+                    </a:p>
+                  </a:txBody>
+                  <a:tcPr/>
+                </a:tc>
+                <a:tc>
+                  <a:txBody>
+                    <a:bodyPr/>
+                    <a:lstStyle/>
+                    <a:p>
+                      <a:pPr algn="ctr"/>
+                      <a:endParaRPr lang="en-US" sz="2400" dirty="0">
+                        <a:latin typeface="Segoe UI Light" panose="020B0502040204020203" pitchFamily="34" charset="0"/>
+                        <a:cs typeface="Segoe UI Light" panose="020B0502040204020203" pitchFamily="34" charset="0"/>
+                      </a:endParaRPr>
+                    </a:p>
+                  </a:txBody>
+                  <a:tcPr/>
+                </a:tc>
+                <a:extLst>
+                  <a:ext uri="{0D108BD9-81ED-4DB2-BD59-A6C34878D82A}">
+                    <a16:rowId xmlns:a16="http://schemas.microsoft.com/office/drawing/2014/main" val="3850091329"/>
+                  </a:ext>
+                </a:extLst>
+              </a:tr>
+              <a:tr h="459492">
+                <a:tc>
+                  <a:txBody>
+                    <a:bodyPr/>
+                    <a:lstStyle/>
+                    <a:p>
+                      <a:r>
+                        <a:rPr lang="en-US" sz="2000" dirty="0" smtClean="0">
+                          <a:latin typeface="Segoe UI Light" panose="020B0502040204020203" pitchFamily="34" charset="0"/>
+                          <a:cs typeface="Segoe UI Light" panose="020B0502040204020203" pitchFamily="34" charset="0"/>
+                        </a:rPr>
+                        <a:t>Multiple</a:t>
+                      </a:r>
+                      <a:r>
+                        <a:rPr lang="en-US" sz="2000" baseline="0" dirty="0" smtClean="0">
+                          <a:latin typeface="Segoe UI Light" panose="020B0502040204020203" pitchFamily="34" charset="0"/>
+                          <a:cs typeface="Segoe UI Light" panose="020B0502040204020203" pitchFamily="34" charset="0"/>
+                        </a:rPr>
+                        <a:t> trigger source</a:t>
+                      </a:r>
+                      <a:endParaRPr lang="en-US" sz="2000" dirty="0">
+                        <a:latin typeface="Segoe UI Light" panose="020B0502040204020203" pitchFamily="34" charset="0"/>
+                        <a:cs typeface="Segoe UI Light" panose="020B0502040204020203" pitchFamily="34" charset="0"/>
+                      </a:endParaRPr>
+                    </a:p>
+                  </a:txBody>
+                  <a:tcPr/>
+                </a:tc>
+                <a:tc>
+                  <a:txBody>
+                    <a:bodyPr/>
+                    <a:lstStyle/>
+                    <a:p>
+                      <a:pPr algn="ctr"/>
+                      <a:endParaRPr lang="en-US" sz="2400" dirty="0">
+                        <a:latin typeface="Segoe UI Light" panose="020B0502040204020203" pitchFamily="34" charset="0"/>
+                        <a:cs typeface="Segoe UI Light" panose="020B0502040204020203" pitchFamily="34" charset="0"/>
+                      </a:endParaRPr>
+                    </a:p>
+                  </a:txBody>
+                  <a:tcPr/>
+                </a:tc>
+                <a:tc>
+                  <a:txBody>
+                    <a:bodyPr/>
+                    <a:lstStyle/>
+                    <a:p>
+                      <a:pPr algn="ctr"/>
+                      <a:endParaRPr lang="en-US" sz="2400" dirty="0">
+                        <a:latin typeface="Segoe UI Light" panose="020B0502040204020203" pitchFamily="34" charset="0"/>
+                        <a:cs typeface="Segoe UI Light" panose="020B0502040204020203" pitchFamily="34" charset="0"/>
+                      </a:endParaRPr>
+                    </a:p>
+                  </a:txBody>
+                  <a:tcPr/>
+                </a:tc>
+                <a:extLst>
+                  <a:ext uri="{0D108BD9-81ED-4DB2-BD59-A6C34878D82A}">
+                    <a16:rowId xmlns:a16="http://schemas.microsoft.com/office/drawing/2014/main" val="4051771774"/>
+                  </a:ext>
+                </a:extLst>
+              </a:tr>
+              <a:tr h="424323">
+                <a:tc>
+                  <a:txBody>
+                    <a:bodyPr/>
+                    <a:lstStyle/>
+                    <a:p>
+                      <a:r>
+                        <a:rPr lang="en-US" sz="2000" dirty="0" smtClean="0">
+                          <a:latin typeface="Segoe UI Light" panose="020B0502040204020203" pitchFamily="34" charset="0"/>
+                          <a:cs typeface="Segoe UI Light" panose="020B0502040204020203" pitchFamily="34" charset="0"/>
+                        </a:rPr>
+                        <a:t>HTTP functions</a:t>
+                      </a:r>
+                      <a:r>
+                        <a:rPr lang="en-US" sz="2000" baseline="0" dirty="0" smtClean="0">
+                          <a:latin typeface="Segoe UI Light" panose="020B0502040204020203" pitchFamily="34" charset="0"/>
+                          <a:cs typeface="Segoe UI Light" panose="020B0502040204020203" pitchFamily="34" charset="0"/>
+                        </a:rPr>
+                        <a:t> out-of-the box</a:t>
+                      </a:r>
+                    </a:p>
+                  </a:txBody>
+                  <a:tcPr/>
+                </a:tc>
+                <a:tc>
+                  <a:txBody>
+                    <a:bodyPr/>
+                    <a:lstStyle/>
+                    <a:p>
+                      <a:pPr algn="ctr"/>
+                      <a:endParaRPr lang="en-US" sz="1000" dirty="0">
+                        <a:latin typeface="Segoe UI Light" panose="020B0502040204020203" pitchFamily="34" charset="0"/>
+                        <a:cs typeface="Segoe UI Light" panose="020B0502040204020203" pitchFamily="34" charset="0"/>
+                      </a:endParaRPr>
+                    </a:p>
+                  </a:txBody>
+                  <a:tcPr/>
+                </a:tc>
+                <a:tc>
+                  <a:txBody>
+                    <a:bodyPr/>
+                    <a:lstStyle/>
+                    <a:p>
+                      <a:pPr algn="ctr"/>
+                      <a:endParaRPr lang="en-US" sz="1000" dirty="0">
+                        <a:latin typeface="Segoe UI Light" panose="020B0502040204020203" pitchFamily="34" charset="0"/>
+                        <a:cs typeface="Segoe UI Light" panose="020B0502040204020203" pitchFamily="34" charset="0"/>
+                      </a:endParaRPr>
+                    </a:p>
+                  </a:txBody>
+                  <a:tcPr/>
+                </a:tc>
+                <a:extLst>
+                  <a:ext uri="{0D108BD9-81ED-4DB2-BD59-A6C34878D82A}">
+                    <a16:rowId xmlns:a16="http://schemas.microsoft.com/office/drawing/2014/main" val="931529504"/>
+                  </a:ext>
+                </a:extLst>
+              </a:tr>
+              <a:tr h="424323">
+                <a:tc>
+                  <a:txBody>
+                    <a:bodyPr/>
+                    <a:lstStyle/>
+                    <a:p>
+                      <a:r>
+                        <a:rPr lang="en-US" sz="2000" dirty="0" smtClean="0">
+                          <a:latin typeface="Segoe UI Light" panose="020B0502040204020203" pitchFamily="34" charset="0"/>
+                          <a:cs typeface="Segoe UI Light" panose="020B0502040204020203" pitchFamily="34" charset="0"/>
+                        </a:rPr>
+                        <a:t>Automatic package restore</a:t>
+                      </a:r>
+                      <a:r>
+                        <a:rPr lang="en-US" sz="2000" baseline="0" dirty="0" smtClean="0">
+                          <a:latin typeface="Segoe UI Light" panose="020B0502040204020203" pitchFamily="34" charset="0"/>
+                          <a:cs typeface="Segoe UI Light" panose="020B0502040204020203" pitchFamily="34" charset="0"/>
+                        </a:rPr>
+                        <a:t> support</a:t>
+                      </a:r>
+                      <a:endParaRPr lang="en-US" sz="2000" dirty="0">
+                        <a:latin typeface="Segoe UI Light" panose="020B0502040204020203" pitchFamily="34" charset="0"/>
+                        <a:cs typeface="Segoe UI Light" panose="020B0502040204020203" pitchFamily="34" charset="0"/>
+                      </a:endParaRPr>
+                    </a:p>
+                  </a:txBody>
+                  <a:tcPr/>
+                </a:tc>
+                <a:tc>
+                  <a:txBody>
+                    <a:bodyPr/>
+                    <a:lstStyle/>
+                    <a:p>
+                      <a:pPr algn="ctr"/>
+                      <a:endParaRPr lang="en-US" sz="1000" dirty="0">
+                        <a:latin typeface="Segoe UI Light" panose="020B0502040204020203" pitchFamily="34" charset="0"/>
+                        <a:cs typeface="Segoe UI Light" panose="020B0502040204020203" pitchFamily="34" charset="0"/>
+                      </a:endParaRPr>
+                    </a:p>
+                  </a:txBody>
+                  <a:tcPr/>
+                </a:tc>
+                <a:tc>
+                  <a:txBody>
+                    <a:bodyPr/>
+                    <a:lstStyle/>
+                    <a:p>
+                      <a:pPr algn="ctr"/>
+                      <a:endParaRPr lang="en-US" sz="1000" dirty="0">
+                        <a:latin typeface="Segoe UI Light" panose="020B0502040204020203" pitchFamily="34" charset="0"/>
+                        <a:cs typeface="Segoe UI Light" panose="020B0502040204020203" pitchFamily="34" charset="0"/>
+                      </a:endParaRPr>
+                    </a:p>
+                  </a:txBody>
+                  <a:tcPr/>
+                </a:tc>
+                <a:extLst>
+                  <a:ext uri="{0D108BD9-81ED-4DB2-BD59-A6C34878D82A}">
+                    <a16:rowId xmlns:a16="http://schemas.microsoft.com/office/drawing/2014/main" val="1962715313"/>
+                  </a:ext>
+                </a:extLst>
+              </a:tr>
+              <a:tr h="424323">
+                <a:tc>
+                  <a:txBody>
+                    <a:bodyPr/>
+                    <a:lstStyle/>
+                    <a:p>
+                      <a:r>
+                        <a:rPr lang="en-US" sz="2000" dirty="0" smtClean="0">
+                          <a:latin typeface="Segoe UI Light" panose="020B0502040204020203" pitchFamily="34" charset="0"/>
+                          <a:cs typeface="Segoe UI Light" panose="020B0502040204020203" pitchFamily="34" charset="0"/>
+                        </a:rPr>
+                        <a:t>Code sharing</a:t>
+                      </a:r>
+                      <a:endParaRPr lang="en-US" sz="2000" dirty="0">
+                        <a:latin typeface="Segoe UI Light" panose="020B0502040204020203" pitchFamily="34" charset="0"/>
+                        <a:cs typeface="Segoe UI Light" panose="020B0502040204020203" pitchFamily="34" charset="0"/>
+                      </a:endParaRPr>
+                    </a:p>
+                  </a:txBody>
+                  <a:tcPr/>
+                </a:tc>
+                <a:tc>
+                  <a:txBody>
+                    <a:bodyPr/>
+                    <a:lstStyle/>
+                    <a:p>
+                      <a:pPr algn="ctr"/>
+                      <a:endParaRPr lang="en-US" sz="1000" dirty="0">
+                        <a:latin typeface="Segoe UI Light" panose="020B0502040204020203" pitchFamily="34" charset="0"/>
+                        <a:cs typeface="Segoe UI Light" panose="020B0502040204020203" pitchFamily="34" charset="0"/>
+                      </a:endParaRPr>
+                    </a:p>
+                  </a:txBody>
+                  <a:tcPr/>
+                </a:tc>
+                <a:tc>
+                  <a:txBody>
+                    <a:bodyPr/>
+                    <a:lstStyle/>
+                    <a:p>
+                      <a:pPr algn="ctr"/>
+                      <a:endParaRPr lang="en-US" sz="1000" dirty="0">
+                        <a:latin typeface="Segoe UI Light" panose="020B0502040204020203" pitchFamily="34" charset="0"/>
+                        <a:cs typeface="Segoe UI Light" panose="020B0502040204020203" pitchFamily="34" charset="0"/>
+                      </a:endParaRPr>
+                    </a:p>
+                  </a:txBody>
+                  <a:tcPr/>
+                </a:tc>
+                <a:extLst>
+                  <a:ext uri="{0D108BD9-81ED-4DB2-BD59-A6C34878D82A}">
+                    <a16:rowId xmlns:a16="http://schemas.microsoft.com/office/drawing/2014/main" val="841386853"/>
+                  </a:ext>
+                </a:extLst>
+              </a:tr>
+              <a:tr h="424323">
+                <a:tc>
+                  <a:txBody>
+                    <a:bodyPr/>
+                    <a:lstStyle/>
+                    <a:p>
+                      <a:r>
+                        <a:rPr lang="en-US" sz="2000" dirty="0" smtClean="0">
+                          <a:latin typeface="Segoe UI Light" panose="020B0502040204020203" pitchFamily="34" charset="0"/>
+                          <a:cs typeface="Segoe UI Light" panose="020B0502040204020203" pitchFamily="34" charset="0"/>
+                        </a:rPr>
+                        <a:t>Call function from another function</a:t>
+                      </a:r>
+                      <a:endParaRPr lang="en-US" sz="2000" dirty="0">
+                        <a:latin typeface="Segoe UI Light" panose="020B0502040204020203" pitchFamily="34" charset="0"/>
+                        <a:cs typeface="Segoe UI Light" panose="020B0502040204020203" pitchFamily="34" charset="0"/>
+                      </a:endParaRPr>
+                    </a:p>
+                  </a:txBody>
+                  <a:tcPr/>
+                </a:tc>
+                <a:tc>
+                  <a:txBody>
+                    <a:bodyPr/>
+                    <a:lstStyle/>
+                    <a:p>
+                      <a:pPr algn="ctr"/>
+                      <a:endParaRPr lang="en-US" sz="1000" dirty="0">
+                        <a:latin typeface="Segoe UI Light" panose="020B0502040204020203" pitchFamily="34" charset="0"/>
+                        <a:cs typeface="Segoe UI Light" panose="020B0502040204020203" pitchFamily="34" charset="0"/>
+                      </a:endParaRPr>
+                    </a:p>
+                  </a:txBody>
+                  <a:tcPr/>
+                </a:tc>
+                <a:tc>
+                  <a:txBody>
+                    <a:bodyPr/>
+                    <a:lstStyle/>
+                    <a:p>
+                      <a:pPr algn="ctr"/>
+                      <a:r>
+                        <a:rPr lang="en-US" sz="1000" dirty="0" smtClean="0">
+                          <a:latin typeface="Segoe UI Light" panose="020B0502040204020203" pitchFamily="34" charset="0"/>
+                          <a:cs typeface="Segoe UI Light" panose="020B0502040204020203" pitchFamily="34" charset="0"/>
+                        </a:rPr>
+                        <a:t>+</a:t>
+                      </a:r>
+                      <a:endParaRPr lang="en-US" sz="1000" dirty="0">
+                        <a:latin typeface="Segoe UI Light" panose="020B0502040204020203" pitchFamily="34" charset="0"/>
+                        <a:cs typeface="Segoe UI Light" panose="020B0502040204020203" pitchFamily="34" charset="0"/>
+                      </a:endParaRPr>
+                    </a:p>
+                  </a:txBody>
+                  <a:tcPr/>
+                </a:tc>
+                <a:extLst>
+                  <a:ext uri="{0D108BD9-81ED-4DB2-BD59-A6C34878D82A}">
+                    <a16:rowId xmlns:a16="http://schemas.microsoft.com/office/drawing/2014/main" val="3754963662"/>
+                  </a:ext>
+                </a:extLst>
+              </a:tr>
+              <a:tr h="424323">
+                <a:tc>
+                  <a:txBody>
+                    <a:bodyPr/>
+                    <a:lstStyle/>
+                    <a:p>
+                      <a:r>
+                        <a:rPr lang="en-US" sz="2000" dirty="0" smtClean="0">
+                          <a:latin typeface="Segoe UI Light" panose="020B0502040204020203" pitchFamily="34" charset="0"/>
+                          <a:cs typeface="Segoe UI Light" panose="020B0502040204020203" pitchFamily="34" charset="0"/>
+                        </a:rPr>
+                        <a:t>IDE support</a:t>
+                      </a:r>
+                      <a:endParaRPr lang="en-US" sz="2000" dirty="0">
+                        <a:latin typeface="Segoe UI Light" panose="020B0502040204020203" pitchFamily="34" charset="0"/>
+                        <a:cs typeface="Segoe UI Light" panose="020B0502040204020203" pitchFamily="34" charset="0"/>
+                      </a:endParaRPr>
+                    </a:p>
+                  </a:txBody>
+                  <a:tcPr/>
+                </a:tc>
+                <a:tc>
+                  <a:txBody>
+                    <a:bodyPr/>
+                    <a:lstStyle/>
+                    <a:p>
+                      <a:pPr algn="ctr"/>
+                      <a:r>
+                        <a:rPr lang="en-US" sz="1000" dirty="0" smtClean="0">
+                          <a:latin typeface="Segoe UI Light" panose="020B0502040204020203" pitchFamily="34" charset="0"/>
+                          <a:cs typeface="Segoe UI Light" panose="020B0502040204020203" pitchFamily="34" charset="0"/>
+                        </a:rPr>
+                        <a:t>-</a:t>
+                      </a:r>
+                      <a:endParaRPr lang="en-US" sz="1000" dirty="0">
+                        <a:latin typeface="Segoe UI Light" panose="020B0502040204020203" pitchFamily="34" charset="0"/>
+                        <a:cs typeface="Segoe UI Light" panose="020B0502040204020203" pitchFamily="34" charset="0"/>
+                      </a:endParaRPr>
+                    </a:p>
+                  </a:txBody>
+                  <a:tcPr/>
+                </a:tc>
+                <a:tc>
+                  <a:txBody>
+                    <a:bodyPr/>
+                    <a:lstStyle/>
+                    <a:p>
+                      <a:pPr algn="ctr"/>
+                      <a:r>
+                        <a:rPr lang="en-US" sz="1000" dirty="0" smtClean="0">
+                          <a:latin typeface="Segoe UI Light" panose="020B0502040204020203" pitchFamily="34" charset="0"/>
+                          <a:cs typeface="Segoe UI Light" panose="020B0502040204020203" pitchFamily="34" charset="0"/>
+                        </a:rPr>
+                        <a:t>+</a:t>
+                      </a:r>
+                      <a:endParaRPr lang="en-US" sz="1000" dirty="0">
+                        <a:latin typeface="Segoe UI Light" panose="020B0502040204020203" pitchFamily="34" charset="0"/>
+                        <a:cs typeface="Segoe UI Light" panose="020B0502040204020203" pitchFamily="34" charset="0"/>
+                      </a:endParaRPr>
+                    </a:p>
+                  </a:txBody>
+                  <a:tcPr/>
+                </a:tc>
+                <a:extLst>
+                  <a:ext uri="{0D108BD9-81ED-4DB2-BD59-A6C34878D82A}">
+                    <a16:rowId xmlns:a16="http://schemas.microsoft.com/office/drawing/2014/main" val="2795056940"/>
+                  </a:ext>
+                </a:extLst>
+              </a:tr>
+              <a:tr h="424323">
+                <a:tc>
+                  <a:txBody>
+                    <a:bodyPr/>
+                    <a:lstStyle/>
+                    <a:p>
+                      <a:r>
+                        <a:rPr lang="en-US" sz="2000" dirty="0" smtClean="0">
+                          <a:latin typeface="Segoe UI Light" panose="020B0502040204020203" pitchFamily="34" charset="0"/>
+                          <a:cs typeface="Segoe UI Light" panose="020B0502040204020203" pitchFamily="34" charset="0"/>
+                        </a:rPr>
+                        <a:t>Number</a:t>
+                      </a:r>
+                      <a:r>
+                        <a:rPr lang="en-US" sz="2000" baseline="0" dirty="0" smtClean="0">
+                          <a:latin typeface="Segoe UI Light" panose="020B0502040204020203" pitchFamily="34" charset="0"/>
+                          <a:cs typeface="Segoe UI Light" panose="020B0502040204020203" pitchFamily="34" charset="0"/>
+                        </a:rPr>
+                        <a:t> of supported languages</a:t>
+                      </a:r>
+                      <a:endParaRPr lang="en-US" sz="2000" dirty="0">
+                        <a:latin typeface="Segoe UI Light" panose="020B0502040204020203" pitchFamily="34" charset="0"/>
+                        <a:cs typeface="Segoe UI Light" panose="020B0502040204020203" pitchFamily="34" charset="0"/>
+                      </a:endParaRPr>
+                    </a:p>
+                  </a:txBody>
+                  <a:tcPr/>
+                </a:tc>
+                <a:tc>
+                  <a:txBody>
+                    <a:bodyPr/>
+                    <a:lstStyle/>
+                    <a:p>
+                      <a:pPr algn="ctr"/>
+                      <a:r>
+                        <a:rPr lang="en-US" sz="2000" dirty="0" smtClean="0">
+                          <a:latin typeface="Segoe UI Light" panose="020B0502040204020203" pitchFamily="34" charset="0"/>
+                          <a:cs typeface="Segoe UI Light" panose="020B0502040204020203" pitchFamily="34" charset="0"/>
+                        </a:rPr>
+                        <a:t>7</a:t>
+                      </a:r>
+                      <a:endParaRPr lang="en-US" sz="2000" dirty="0">
+                        <a:latin typeface="Segoe UI Light" panose="020B0502040204020203" pitchFamily="34" charset="0"/>
+                        <a:cs typeface="Segoe UI Light" panose="020B0502040204020203" pitchFamily="34" charset="0"/>
+                      </a:endParaRPr>
+                    </a:p>
+                  </a:txBody>
+                  <a:tcPr/>
+                </a:tc>
+                <a:tc>
+                  <a:txBody>
+                    <a:bodyPr/>
+                    <a:lstStyle/>
+                    <a:p>
+                      <a:pPr algn="ctr"/>
+                      <a:r>
+                        <a:rPr lang="en-US" sz="2000" dirty="0" smtClean="0">
+                          <a:latin typeface="Segoe UI Light" panose="020B0502040204020203" pitchFamily="34" charset="0"/>
+                          <a:cs typeface="Segoe UI Light" panose="020B0502040204020203" pitchFamily="34" charset="0"/>
+                        </a:rPr>
+                        <a:t>3</a:t>
+                      </a:r>
+                      <a:endParaRPr lang="en-US" sz="2000" dirty="0">
+                        <a:latin typeface="Segoe UI Light" panose="020B0502040204020203" pitchFamily="34" charset="0"/>
+                        <a:cs typeface="Segoe UI Light" panose="020B0502040204020203" pitchFamily="34" charset="0"/>
+                      </a:endParaRPr>
+                    </a:p>
+                  </a:txBody>
+                  <a:tcPr/>
+                </a:tc>
+                <a:extLst>
+                  <a:ext uri="{0D108BD9-81ED-4DB2-BD59-A6C34878D82A}">
+                    <a16:rowId xmlns:a16="http://schemas.microsoft.com/office/drawing/2014/main" val="2216276280"/>
+                  </a:ext>
+                </a:extLst>
+              </a:tr>
+              <a:tr h="424323">
+                <a:tc>
+                  <a:txBody>
+                    <a:bodyPr/>
+                    <a:lstStyle/>
+                    <a:p>
+                      <a:r>
+                        <a:rPr lang="en-US" sz="2000" dirty="0" smtClean="0">
+                          <a:latin typeface="Segoe UI Light" panose="020B0502040204020203" pitchFamily="34" charset="0"/>
+                          <a:cs typeface="Segoe UI Light" panose="020B0502040204020203" pitchFamily="34" charset="0"/>
+                        </a:rPr>
+                        <a:t>Wide list</a:t>
+                      </a:r>
+                      <a:r>
+                        <a:rPr lang="en-US" sz="2000" baseline="0" dirty="0" smtClean="0">
+                          <a:latin typeface="Segoe UI Light" panose="020B0502040204020203" pitchFamily="34" charset="0"/>
+                          <a:cs typeface="Segoe UI Light" panose="020B0502040204020203" pitchFamily="34" charset="0"/>
+                        </a:rPr>
+                        <a:t> of deployment options</a:t>
+                      </a:r>
+                      <a:endParaRPr lang="en-US" sz="2000" dirty="0">
+                        <a:latin typeface="Segoe UI Light" panose="020B0502040204020203" pitchFamily="34" charset="0"/>
+                        <a:cs typeface="Segoe UI Light" panose="020B0502040204020203" pitchFamily="34" charset="0"/>
+                      </a:endParaRPr>
+                    </a:p>
+                  </a:txBody>
+                  <a:tcPr/>
+                </a:tc>
+                <a:tc>
+                  <a:txBody>
+                    <a:bodyPr/>
+                    <a:lstStyle/>
+                    <a:p>
+                      <a:pPr marL="0" marR="0" lvl="0" indent="0" algn="ctr" defTabSz="914400" rtl="0" eaLnBrk="1" fontAlgn="auto" latinLnBrk="0" hangingPunct="1">
+                        <a:lnSpc>
+                          <a:spcPct val="100000"/>
+                        </a:lnSpc>
+                        <a:spcBef>
+                          <a:spcPts val="0"/>
+                        </a:spcBef>
+                        <a:spcAft>
+                          <a:spcPts val="0"/>
+                        </a:spcAft>
+                        <a:buClrTx/>
+                        <a:buSzTx/>
+                        <a:buFontTx/>
+                        <a:buNone/>
+                        <a:tabLst/>
+                        <a:defRPr/>
+                      </a:pPr>
+                      <a:r>
+                        <a:rPr lang="en-US" sz="1000" dirty="0" smtClean="0">
+                          <a:latin typeface="Segoe UI Light" panose="020B0502040204020203" pitchFamily="34" charset="0"/>
+                          <a:cs typeface="Segoe UI Light" panose="020B0502040204020203" pitchFamily="34" charset="0"/>
+                        </a:rPr>
+                        <a:t>+</a:t>
+                      </a:r>
+                    </a:p>
+                    <a:p>
+                      <a:pPr algn="ctr"/>
+                      <a:endParaRPr lang="en-US" sz="1000" dirty="0">
+                        <a:latin typeface="Segoe UI Light" panose="020B0502040204020203" pitchFamily="34" charset="0"/>
+                        <a:cs typeface="Segoe UI Light" panose="020B0502040204020203" pitchFamily="34" charset="0"/>
+                      </a:endParaRPr>
+                    </a:p>
+                  </a:txBody>
+                  <a:tcPr/>
+                </a:tc>
+                <a:tc>
+                  <a:txBody>
+                    <a:bodyPr/>
+                    <a:lstStyle/>
+                    <a:p>
+                      <a:pPr algn="ctr"/>
+                      <a:r>
+                        <a:rPr lang="en-US" sz="1000" dirty="0" smtClean="0">
+                          <a:latin typeface="Segoe UI Light" panose="020B0502040204020203" pitchFamily="34" charset="0"/>
+                          <a:cs typeface="Segoe UI Light" panose="020B0502040204020203" pitchFamily="34" charset="0"/>
+                        </a:rPr>
+                        <a:t>-</a:t>
+                      </a:r>
+                      <a:endParaRPr lang="en-US" sz="1000" dirty="0">
+                        <a:latin typeface="Segoe UI Light" panose="020B0502040204020203" pitchFamily="34" charset="0"/>
+                        <a:cs typeface="Segoe UI Light" panose="020B0502040204020203" pitchFamily="34" charset="0"/>
+                      </a:endParaRPr>
+                    </a:p>
+                  </a:txBody>
+                  <a:tcPr/>
+                </a:tc>
+                <a:extLst>
+                  <a:ext uri="{0D108BD9-81ED-4DB2-BD59-A6C34878D82A}">
+                    <a16:rowId xmlns:a16="http://schemas.microsoft.com/office/drawing/2014/main" val="1773022761"/>
+                  </a:ext>
+                </a:extLst>
+              </a:tr>
+              <a:tr h="424323">
+                <a:tc>
+                  <a:txBody>
+                    <a:bodyPr/>
+                    <a:lstStyle/>
+                    <a:p>
+                      <a:r>
+                        <a:rPr lang="en-US" sz="2000" dirty="0" smtClean="0">
+                          <a:latin typeface="Segoe UI Light" panose="020B0502040204020203" pitchFamily="34" charset="0"/>
+                          <a:cs typeface="Segoe UI Light" panose="020B0502040204020203" pitchFamily="34" charset="0"/>
+                        </a:rPr>
+                        <a:t>Debugging</a:t>
+                      </a:r>
+                      <a:endParaRPr lang="en-US" sz="2000" dirty="0">
+                        <a:latin typeface="Segoe UI Light" panose="020B0502040204020203" pitchFamily="34" charset="0"/>
+                        <a:cs typeface="Segoe UI Light" panose="020B0502040204020203" pitchFamily="34" charset="0"/>
+                      </a:endParaRPr>
+                    </a:p>
+                  </a:txBody>
+                  <a:tcPr/>
+                </a:tc>
+                <a:tc>
+                  <a:txBody>
+                    <a:bodyPr/>
+                    <a:lstStyle/>
+                    <a:p>
+                      <a:pPr algn="ctr"/>
+                      <a:r>
+                        <a:rPr lang="en-US" sz="2000" dirty="0" smtClean="0">
+                          <a:latin typeface="Segoe UI Light" panose="020B0502040204020203" pitchFamily="34" charset="0"/>
+                          <a:cs typeface="Segoe UI Light" panose="020B0502040204020203" pitchFamily="34" charset="0"/>
+                        </a:rPr>
+                        <a:t>Local/Remote</a:t>
+                      </a:r>
+                      <a:endParaRPr lang="en-US" sz="1200" dirty="0">
+                        <a:latin typeface="Segoe UI Light" panose="020B0502040204020203" pitchFamily="34" charset="0"/>
+                        <a:cs typeface="Segoe UI Light" panose="020B0502040204020203" pitchFamily="34" charset="0"/>
+                      </a:endParaRPr>
+                    </a:p>
+                  </a:txBody>
+                  <a:tcPr/>
+                </a:tc>
+                <a:tc>
+                  <a:txBody>
+                    <a:bodyPr/>
+                    <a:lstStyle/>
+                    <a:p>
+                      <a:pPr algn="ctr"/>
+                      <a:r>
+                        <a:rPr lang="en-US" sz="2000" dirty="0" smtClean="0">
+                          <a:latin typeface="Segoe UI Light" panose="020B0502040204020203" pitchFamily="34" charset="0"/>
+                          <a:cs typeface="Segoe UI Light" panose="020B0502040204020203" pitchFamily="34" charset="0"/>
+                        </a:rPr>
+                        <a:t>Local</a:t>
+                      </a:r>
+                      <a:endParaRPr lang="en-US" sz="2000" dirty="0">
+                        <a:latin typeface="Segoe UI Light" panose="020B0502040204020203" pitchFamily="34" charset="0"/>
+                        <a:cs typeface="Segoe UI Light" panose="020B0502040204020203" pitchFamily="34" charset="0"/>
+                      </a:endParaRPr>
+                    </a:p>
+                  </a:txBody>
+                  <a:tcPr/>
+                </a:tc>
+                <a:extLst>
+                  <a:ext uri="{0D108BD9-81ED-4DB2-BD59-A6C34878D82A}">
+                    <a16:rowId xmlns:a16="http://schemas.microsoft.com/office/drawing/2014/main" val="2623230153"/>
+                  </a:ext>
+                </a:extLst>
+              </a:tr>
+              <a:tr h="424323">
+                <a:tc>
+                  <a:txBody>
+                    <a:bodyPr/>
+                    <a:lstStyle/>
+                    <a:p>
+                      <a:r>
+                        <a:rPr lang="en-US" sz="2000" dirty="0" smtClean="0">
+                          <a:latin typeface="Segoe UI Light" panose="020B0502040204020203" pitchFamily="34" charset="0"/>
+                          <a:cs typeface="Segoe UI Light" panose="020B0502040204020203" pitchFamily="34" charset="0"/>
+                        </a:rPr>
+                        <a:t>Testing</a:t>
+                      </a:r>
+                      <a:endParaRPr lang="en-US" sz="2000" dirty="0">
+                        <a:latin typeface="Segoe UI Light" panose="020B0502040204020203" pitchFamily="34" charset="0"/>
+                        <a:cs typeface="Segoe UI Light" panose="020B0502040204020203" pitchFamily="34" charset="0"/>
+                      </a:endParaRPr>
+                    </a:p>
+                  </a:txBody>
+                  <a:tcPr/>
+                </a:tc>
+                <a:tc>
+                  <a:txBody>
+                    <a:bodyPr/>
+                    <a:lstStyle/>
+                    <a:p>
+                      <a:pPr algn="ctr"/>
+                      <a:r>
+                        <a:rPr lang="en-US" sz="2000" dirty="0" smtClean="0">
+                          <a:latin typeface="Segoe UI Light" panose="020B0502040204020203" pitchFamily="34" charset="0"/>
+                          <a:cs typeface="Segoe UI Light" panose="020B0502040204020203" pitchFamily="34" charset="0"/>
+                        </a:rPr>
+                        <a:t>Local/Remote</a:t>
+                      </a:r>
+                      <a:endParaRPr lang="en-US" sz="2000" dirty="0">
+                        <a:latin typeface="Segoe UI Light" panose="020B0502040204020203" pitchFamily="34" charset="0"/>
+                        <a:cs typeface="Segoe UI Light" panose="020B0502040204020203" pitchFamily="34" charset="0"/>
+                      </a:endParaRPr>
+                    </a:p>
+                  </a:txBody>
+                  <a:tcPr/>
+                </a:tc>
+                <a:tc>
+                  <a:txBody>
+                    <a:bodyPr/>
+                    <a:lstStyle/>
+                    <a:p>
+                      <a:pPr algn="ctr"/>
+                      <a:r>
+                        <a:rPr lang="en-US" sz="2000" dirty="0" smtClean="0">
+                          <a:latin typeface="Segoe UI Light" panose="020B0502040204020203" pitchFamily="34" charset="0"/>
+                          <a:cs typeface="Segoe UI Light" panose="020B0502040204020203" pitchFamily="34" charset="0"/>
+                        </a:rPr>
+                        <a:t>Local/Remote</a:t>
+                      </a:r>
+                      <a:endParaRPr lang="en-US" sz="1000" dirty="0">
+                        <a:latin typeface="Segoe UI Light" panose="020B0502040204020203" pitchFamily="34" charset="0"/>
+                        <a:cs typeface="Segoe UI Light" panose="020B0502040204020203" pitchFamily="34" charset="0"/>
+                      </a:endParaRPr>
+                    </a:p>
+                  </a:txBody>
+                  <a:tcPr/>
+                </a:tc>
+                <a:extLst>
+                  <a:ext uri="{0D108BD9-81ED-4DB2-BD59-A6C34878D82A}">
+                    <a16:rowId xmlns:a16="http://schemas.microsoft.com/office/drawing/2014/main" val="1301821712"/>
+                  </a:ext>
+                </a:extLst>
+              </a:tr>
+            </a:tbl>
+          </a:graphicData>
+        </a:graphic>
+      </p:graphicFrame>
+      <p:pic>
+        <p:nvPicPr>
+          <p:cNvPr id="17" name="Picture 16"/>
+          <p:cNvPicPr>
+            <a:picLocks noChangeAspect="1"/>
+          </p:cNvPicPr>
+          <p:nvPr/>
+        </p:nvPicPr>
+        <p:blipFill>
+          <a:blip r:embed="rId2" cstate="print">
+            <a:extLst>
+              <a:ext uri="{28A0092B-C50C-407E-A947-70E740481C1C}">
+                <a14:useLocalDpi xmlns:a14="http://schemas.microsoft.com/office/drawing/2010/main" val="0"/>
+              </a:ext>
+            </a:extLst>
+          </a:blip>
+          <a:stretch>
+            <a:fillRect/>
+          </a:stretch>
+        </p:blipFill>
+        <p:spPr>
+          <a:xfrm>
+            <a:off x="7897950" y="3243415"/>
+            <a:ext cx="417367" cy="417367"/>
+          </a:xfrm>
+          <a:prstGeom prst="rect">
+            <a:avLst/>
+          </a:prstGeom>
+        </p:spPr>
+      </p:pic>
+      <p:pic>
+        <p:nvPicPr>
+          <p:cNvPr id="21" name="Picture 20"/>
+          <p:cNvPicPr>
+            <a:picLocks noChangeAspect="1"/>
+          </p:cNvPicPr>
+          <p:nvPr/>
+        </p:nvPicPr>
+        <p:blipFill>
+          <a:blip r:embed="rId2" cstate="print">
+            <a:extLst>
+              <a:ext uri="{28A0092B-C50C-407E-A947-70E740481C1C}">
+                <a14:useLocalDpi xmlns:a14="http://schemas.microsoft.com/office/drawing/2010/main" val="0"/>
+              </a:ext>
+            </a:extLst>
+          </a:blip>
+          <a:stretch>
+            <a:fillRect/>
+          </a:stretch>
+        </p:blipFill>
+        <p:spPr>
+          <a:xfrm>
+            <a:off x="7897630" y="1478399"/>
+            <a:ext cx="417367" cy="417367"/>
+          </a:xfrm>
+          <a:prstGeom prst="rect">
+            <a:avLst/>
+          </a:prstGeom>
+        </p:spPr>
+      </p:pic>
+      <p:pic>
+        <p:nvPicPr>
+          <p:cNvPr id="22" name="Picture 21"/>
+          <p:cNvPicPr>
+            <a:picLocks noChangeAspect="1"/>
+          </p:cNvPicPr>
+          <p:nvPr/>
+        </p:nvPicPr>
+        <p:blipFill>
+          <a:blip r:embed="rId2" cstate="print">
+            <a:extLst>
+              <a:ext uri="{28A0092B-C50C-407E-A947-70E740481C1C}">
+                <a14:useLocalDpi xmlns:a14="http://schemas.microsoft.com/office/drawing/2010/main" val="0"/>
+              </a:ext>
+            </a:extLst>
+          </a:blip>
+          <a:stretch>
+            <a:fillRect/>
+          </a:stretch>
+        </p:blipFill>
+        <p:spPr>
+          <a:xfrm>
+            <a:off x="10395588" y="1899967"/>
+            <a:ext cx="417367" cy="417367"/>
+          </a:xfrm>
+          <a:prstGeom prst="rect">
+            <a:avLst/>
+          </a:prstGeom>
+        </p:spPr>
+      </p:pic>
+      <p:pic>
+        <p:nvPicPr>
+          <p:cNvPr id="23" name="Picture 22"/>
+          <p:cNvPicPr>
+            <a:picLocks noChangeAspect="1"/>
+          </p:cNvPicPr>
+          <p:nvPr/>
+        </p:nvPicPr>
+        <p:blipFill>
+          <a:blip r:embed="rId2" cstate="print">
+            <a:extLst>
+              <a:ext uri="{28A0092B-C50C-407E-A947-70E740481C1C}">
+                <a14:useLocalDpi xmlns:a14="http://schemas.microsoft.com/office/drawing/2010/main" val="0"/>
+              </a:ext>
+            </a:extLst>
+          </a:blip>
+          <a:stretch>
+            <a:fillRect/>
+          </a:stretch>
+        </p:blipFill>
+        <p:spPr>
+          <a:xfrm>
+            <a:off x="7897951" y="2826955"/>
+            <a:ext cx="417367" cy="417367"/>
+          </a:xfrm>
+          <a:prstGeom prst="rect">
+            <a:avLst/>
+          </a:prstGeom>
+        </p:spPr>
+      </p:pic>
+      <p:pic>
+        <p:nvPicPr>
+          <p:cNvPr id="30" name="Picture 29"/>
+          <p:cNvPicPr>
+            <a:picLocks noChangeAspect="1"/>
+          </p:cNvPicPr>
+          <p:nvPr/>
+        </p:nvPicPr>
+        <p:blipFill>
+          <a:blip r:embed="rId2" cstate="print">
+            <a:extLst>
+              <a:ext uri="{28A0092B-C50C-407E-A947-70E740481C1C}">
+                <a14:useLocalDpi xmlns:a14="http://schemas.microsoft.com/office/drawing/2010/main" val="0"/>
+              </a:ext>
+            </a:extLst>
+          </a:blip>
+          <a:stretch>
+            <a:fillRect/>
+          </a:stretch>
+        </p:blipFill>
+        <p:spPr>
+          <a:xfrm>
+            <a:off x="7897949" y="3659875"/>
+            <a:ext cx="417367" cy="417367"/>
+          </a:xfrm>
+          <a:prstGeom prst="rect">
+            <a:avLst/>
+          </a:prstGeom>
+        </p:spPr>
+      </p:pic>
+      <p:pic>
+        <p:nvPicPr>
+          <p:cNvPr id="31" name="Picture 30"/>
+          <p:cNvPicPr>
+            <a:picLocks noChangeAspect="1"/>
+          </p:cNvPicPr>
+          <p:nvPr/>
+        </p:nvPicPr>
+        <p:blipFill>
+          <a:blip r:embed="rId2" cstate="print">
+            <a:extLst>
+              <a:ext uri="{28A0092B-C50C-407E-A947-70E740481C1C}">
+                <a14:useLocalDpi xmlns:a14="http://schemas.microsoft.com/office/drawing/2010/main" val="0"/>
+              </a:ext>
+            </a:extLst>
+          </a:blip>
+          <a:stretch>
+            <a:fillRect/>
+          </a:stretch>
+        </p:blipFill>
+        <p:spPr>
+          <a:xfrm>
+            <a:off x="7897629" y="5366001"/>
+            <a:ext cx="417367" cy="417367"/>
+          </a:xfrm>
+          <a:prstGeom prst="rect">
+            <a:avLst/>
+          </a:prstGeom>
+        </p:spPr>
+      </p:pic>
+      <p:pic>
+        <p:nvPicPr>
+          <p:cNvPr id="33" name="Picture 32"/>
+          <p:cNvPicPr>
+            <a:picLocks noChangeAspect="1"/>
+          </p:cNvPicPr>
+          <p:nvPr/>
+        </p:nvPicPr>
+        <p:blipFill>
+          <a:blip r:embed="rId2" cstate="print">
+            <a:extLst>
+              <a:ext uri="{28A0092B-C50C-407E-A947-70E740481C1C}">
+                <a14:useLocalDpi xmlns:a14="http://schemas.microsoft.com/office/drawing/2010/main" val="0"/>
+              </a:ext>
+            </a:extLst>
+          </a:blip>
+          <a:stretch>
+            <a:fillRect/>
+          </a:stretch>
+        </p:blipFill>
+        <p:spPr>
+          <a:xfrm>
+            <a:off x="10390189" y="4076901"/>
+            <a:ext cx="417367" cy="417367"/>
+          </a:xfrm>
+          <a:prstGeom prst="rect">
+            <a:avLst/>
+          </a:prstGeom>
+        </p:spPr>
+      </p:pic>
+      <p:pic>
+        <p:nvPicPr>
+          <p:cNvPr id="34" name="Picture 33"/>
+          <p:cNvPicPr>
+            <a:picLocks noChangeAspect="1"/>
+          </p:cNvPicPr>
+          <p:nvPr/>
+        </p:nvPicPr>
+        <p:blipFill>
+          <a:blip r:embed="rId2" cstate="print">
+            <a:extLst>
+              <a:ext uri="{28A0092B-C50C-407E-A947-70E740481C1C}">
+                <a14:useLocalDpi xmlns:a14="http://schemas.microsoft.com/office/drawing/2010/main" val="0"/>
+              </a:ext>
+            </a:extLst>
+          </a:blip>
+          <a:stretch>
+            <a:fillRect/>
+          </a:stretch>
+        </p:blipFill>
+        <p:spPr>
+          <a:xfrm>
+            <a:off x="10390188" y="4504048"/>
+            <a:ext cx="417367" cy="417367"/>
+          </a:xfrm>
+          <a:prstGeom prst="rect">
+            <a:avLst/>
+          </a:prstGeom>
+        </p:spPr>
+      </p:pic>
+      <p:pic>
+        <p:nvPicPr>
+          <p:cNvPr id="7" name="Picture 6"/>
+          <p:cNvPicPr>
+            <a:picLocks noChangeAspect="1"/>
+          </p:cNvPicPr>
+          <p:nvPr/>
+        </p:nvPicPr>
+        <p:blipFill>
+          <a:blip r:embed="rId3" cstate="print">
+            <a:extLst>
+              <a:ext uri="{28A0092B-C50C-407E-A947-70E740481C1C}">
+                <a14:useLocalDpi xmlns:a14="http://schemas.microsoft.com/office/drawing/2010/main" val="0"/>
+              </a:ext>
+            </a:extLst>
+          </a:blip>
+          <a:stretch>
+            <a:fillRect/>
+          </a:stretch>
+        </p:blipFill>
+        <p:spPr>
+          <a:xfrm>
+            <a:off x="10418224" y="1496268"/>
+            <a:ext cx="372099" cy="372099"/>
+          </a:xfrm>
+          <a:prstGeom prst="rect">
+            <a:avLst/>
+          </a:prstGeom>
+        </p:spPr>
+      </p:pic>
+      <p:pic>
+        <p:nvPicPr>
+          <p:cNvPr id="35" name="Picture 34"/>
+          <p:cNvPicPr>
+            <a:picLocks noChangeAspect="1"/>
+          </p:cNvPicPr>
+          <p:nvPr/>
+        </p:nvPicPr>
+        <p:blipFill>
+          <a:blip r:embed="rId3" cstate="print">
+            <a:extLst>
+              <a:ext uri="{28A0092B-C50C-407E-A947-70E740481C1C}">
+                <a14:useLocalDpi xmlns:a14="http://schemas.microsoft.com/office/drawing/2010/main" val="0"/>
+              </a:ext>
+            </a:extLst>
+          </a:blip>
+          <a:stretch>
+            <a:fillRect/>
+          </a:stretch>
+        </p:blipFill>
+        <p:spPr>
+          <a:xfrm>
+            <a:off x="7920265" y="1953003"/>
+            <a:ext cx="372099" cy="372099"/>
+          </a:xfrm>
+          <a:prstGeom prst="rect">
+            <a:avLst/>
+          </a:prstGeom>
+        </p:spPr>
+      </p:pic>
+      <p:pic>
+        <p:nvPicPr>
+          <p:cNvPr id="36" name="Picture 35"/>
+          <p:cNvPicPr>
+            <a:picLocks noChangeAspect="1"/>
+          </p:cNvPicPr>
+          <p:nvPr/>
+        </p:nvPicPr>
+        <p:blipFill>
+          <a:blip r:embed="rId3" cstate="print">
+            <a:extLst>
+              <a:ext uri="{28A0092B-C50C-407E-A947-70E740481C1C}">
+                <a14:useLocalDpi xmlns:a14="http://schemas.microsoft.com/office/drawing/2010/main" val="0"/>
+              </a:ext>
+            </a:extLst>
+          </a:blip>
+          <a:stretch>
+            <a:fillRect/>
+          </a:stretch>
+        </p:blipFill>
+        <p:spPr>
+          <a:xfrm>
+            <a:off x="10412824" y="3690999"/>
+            <a:ext cx="372099" cy="372099"/>
+          </a:xfrm>
+          <a:prstGeom prst="rect">
+            <a:avLst/>
+          </a:prstGeom>
+        </p:spPr>
+      </p:pic>
+      <p:pic>
+        <p:nvPicPr>
+          <p:cNvPr id="37" name="Picture 36"/>
+          <p:cNvPicPr>
+            <a:picLocks noChangeAspect="1"/>
+          </p:cNvPicPr>
+          <p:nvPr/>
+        </p:nvPicPr>
+        <p:blipFill>
+          <a:blip r:embed="rId3" cstate="print">
+            <a:extLst>
+              <a:ext uri="{28A0092B-C50C-407E-A947-70E740481C1C}">
+                <a14:useLocalDpi xmlns:a14="http://schemas.microsoft.com/office/drawing/2010/main" val="0"/>
+              </a:ext>
+            </a:extLst>
+          </a:blip>
+          <a:stretch>
+            <a:fillRect/>
+          </a:stretch>
+        </p:blipFill>
+        <p:spPr>
+          <a:xfrm>
+            <a:off x="10418224" y="2843847"/>
+            <a:ext cx="372099" cy="372099"/>
+          </a:xfrm>
+          <a:prstGeom prst="rect">
+            <a:avLst/>
+          </a:prstGeom>
+        </p:spPr>
+      </p:pic>
+      <p:pic>
+        <p:nvPicPr>
+          <p:cNvPr id="38" name="Picture 37"/>
+          <p:cNvPicPr>
+            <a:picLocks noChangeAspect="1"/>
+          </p:cNvPicPr>
+          <p:nvPr/>
+        </p:nvPicPr>
+        <p:blipFill>
+          <a:blip r:embed="rId3" cstate="print">
+            <a:extLst>
+              <a:ext uri="{28A0092B-C50C-407E-A947-70E740481C1C}">
+                <a14:useLocalDpi xmlns:a14="http://schemas.microsoft.com/office/drawing/2010/main" val="0"/>
+              </a:ext>
+            </a:extLst>
+          </a:blip>
+          <a:stretch>
+            <a:fillRect/>
+          </a:stretch>
+        </p:blipFill>
+        <p:spPr>
+          <a:xfrm>
+            <a:off x="10412825" y="3267252"/>
+            <a:ext cx="372099" cy="372099"/>
+          </a:xfrm>
+          <a:prstGeom prst="rect">
+            <a:avLst/>
+          </a:prstGeom>
+        </p:spPr>
+      </p:pic>
+      <p:pic>
+        <p:nvPicPr>
+          <p:cNvPr id="39" name="Picture 38"/>
+          <p:cNvPicPr>
+            <a:picLocks noChangeAspect="1"/>
+          </p:cNvPicPr>
+          <p:nvPr/>
+        </p:nvPicPr>
+        <p:blipFill>
+          <a:blip r:embed="rId3" cstate="print">
+            <a:extLst>
+              <a:ext uri="{28A0092B-C50C-407E-A947-70E740481C1C}">
+                <a14:useLocalDpi xmlns:a14="http://schemas.microsoft.com/office/drawing/2010/main" val="0"/>
+              </a:ext>
+            </a:extLst>
+          </a:blip>
+          <a:stretch>
+            <a:fillRect/>
+          </a:stretch>
+        </p:blipFill>
+        <p:spPr>
+          <a:xfrm>
+            <a:off x="7920266" y="4544060"/>
+            <a:ext cx="372099" cy="372099"/>
+          </a:xfrm>
+          <a:prstGeom prst="rect">
+            <a:avLst/>
+          </a:prstGeom>
+        </p:spPr>
+      </p:pic>
+      <p:pic>
+        <p:nvPicPr>
+          <p:cNvPr id="40" name="Picture 39"/>
+          <p:cNvPicPr>
+            <a:picLocks noChangeAspect="1"/>
+          </p:cNvPicPr>
+          <p:nvPr/>
+        </p:nvPicPr>
+        <p:blipFill>
+          <a:blip r:embed="rId3" cstate="print">
+            <a:extLst>
+              <a:ext uri="{28A0092B-C50C-407E-A947-70E740481C1C}">
+                <a14:useLocalDpi xmlns:a14="http://schemas.microsoft.com/office/drawing/2010/main" val="0"/>
+              </a:ext>
+            </a:extLst>
+          </a:blip>
+          <a:stretch>
+            <a:fillRect/>
+          </a:stretch>
+        </p:blipFill>
+        <p:spPr>
+          <a:xfrm>
+            <a:off x="10413684" y="5405354"/>
+            <a:ext cx="372099" cy="372099"/>
+          </a:xfrm>
+          <a:prstGeom prst="rect">
+            <a:avLst/>
+          </a:prstGeom>
+        </p:spPr>
+      </p:pic>
+      <p:pic>
+        <p:nvPicPr>
+          <p:cNvPr id="26" name="Picture 25"/>
+          <p:cNvPicPr>
+            <a:picLocks noChangeAspect="1"/>
+          </p:cNvPicPr>
+          <p:nvPr/>
+        </p:nvPicPr>
+        <p:blipFill>
+          <a:blip r:embed="rId3" cstate="print">
+            <a:extLst>
+              <a:ext uri="{28A0092B-C50C-407E-A947-70E740481C1C}">
+                <a14:useLocalDpi xmlns:a14="http://schemas.microsoft.com/office/drawing/2010/main" val="0"/>
+              </a:ext>
+            </a:extLst>
+          </a:blip>
+          <a:stretch>
+            <a:fillRect/>
+          </a:stretch>
+        </p:blipFill>
+        <p:spPr>
+          <a:xfrm>
+            <a:off x="7920586" y="2407104"/>
+            <a:ext cx="372099" cy="372099"/>
+          </a:xfrm>
+          <a:prstGeom prst="rect">
+            <a:avLst/>
+          </a:prstGeom>
+        </p:spPr>
+      </p:pic>
+      <p:pic>
+        <p:nvPicPr>
+          <p:cNvPr id="27" name="Picture 26"/>
+          <p:cNvPicPr>
+            <a:picLocks noChangeAspect="1"/>
+          </p:cNvPicPr>
+          <p:nvPr/>
+        </p:nvPicPr>
+        <p:blipFill>
+          <a:blip r:embed="rId2" cstate="print">
+            <a:extLst>
+              <a:ext uri="{28A0092B-C50C-407E-A947-70E740481C1C}">
+                <a14:useLocalDpi xmlns:a14="http://schemas.microsoft.com/office/drawing/2010/main" val="0"/>
+              </a:ext>
+            </a:extLst>
+          </a:blip>
+          <a:stretch>
+            <a:fillRect/>
+          </a:stretch>
+        </p:blipFill>
+        <p:spPr>
+          <a:xfrm>
+            <a:off x="10395587" y="2349612"/>
+            <a:ext cx="417367" cy="417367"/>
+          </a:xfrm>
+          <a:prstGeom prst="rect">
+            <a:avLst/>
+          </a:prstGeom>
+        </p:spPr>
+      </p:pic>
+      <p:pic>
+        <p:nvPicPr>
+          <p:cNvPr id="25" name="Picture 24"/>
+          <p:cNvPicPr>
+            <a:picLocks noChangeAspect="1"/>
+          </p:cNvPicPr>
+          <p:nvPr/>
+        </p:nvPicPr>
+        <p:blipFill>
+          <a:blip r:embed="rId3" cstate="print">
+            <a:extLst>
+              <a:ext uri="{28A0092B-C50C-407E-A947-70E740481C1C}">
+                <a14:useLocalDpi xmlns:a14="http://schemas.microsoft.com/office/drawing/2010/main" val="0"/>
+              </a:ext>
+            </a:extLst>
+          </a:blip>
+          <a:stretch>
+            <a:fillRect/>
+          </a:stretch>
+        </p:blipFill>
+        <p:spPr>
+          <a:xfrm>
+            <a:off x="7920262" y="4120696"/>
+            <a:ext cx="372099" cy="372099"/>
+          </a:xfrm>
+          <a:prstGeom prst="rect">
+            <a:avLst/>
+          </a:prstGeom>
+        </p:spPr>
+      </p:pic>
+    </p:spTree>
+    <p:extLst>
+      <p:ext uri="{BB962C8B-B14F-4D97-AF65-F5344CB8AC3E}">
+        <p14:creationId xmlns:p14="http://schemas.microsoft.com/office/powerpoint/2010/main" val="2278593507"/>
+      </p:ext>
+    </p:extLst>
+  </p:cSld>
+  <p:clrMapOvr>
+    <a:masterClrMapping/>
+  </p:clrMapOvr>
+  <mc:AlternateContent xmlns:mc="http://schemas.openxmlformats.org/markup-compatibility/2006" xmlns:p14="http://schemas.microsoft.com/office/powerpoint/2010/main">
+    <mc:Choice Requires="p14">
+      <p:transition spd="slow" p14:dur="2000"/>
+    </mc:Choice>
+    <mc:Fallback xmlns="">
       <p:transition spd="slow"/>
     </mc:Fallback>
   </mc:AlternateContent>
@@ -14327,7 +14384,7 @@
         </p:blipFill>
         <p:spPr bwMode="auto">
           <a:xfrm>
-            <a:off x="883618" y="2076372"/>
+            <a:off x="948943" y="2406572"/>
             <a:ext cx="3030329" cy="1919707"/>
           </a:xfrm>
           <a:prstGeom prst="rect">
@@ -14336,7 +14393,7 @@
           <a:noFill/>
           <a:extLst>
             <a:ext uri="{909E8E84-426E-40dd-AFC4-6F175D3DCCD1}">
-              <a14:hiddenFill xmlns:a14="http://schemas.microsoft.com/office/drawing/2010/main" xmlns="">
+              <a14:hiddenFill xmlns="" xmlns:a14="http://schemas.microsoft.com/office/drawing/2010/main">
                 <a:solidFill>
                   <a:srgbClr val="FFFFFF"/>
                 </a:solidFill>
@@ -14403,7 +14460,7 @@
         </p:blipFill>
         <p:spPr>
           <a:xfrm>
-            <a:off x="4772104" y="1726928"/>
+            <a:off x="4772104" y="2243832"/>
             <a:ext cx="2850276" cy="2082447"/>
           </a:xfrm>
           <a:prstGeom prst="rect">
@@ -14433,7 +14490,7 @@
         </p:blipFill>
         <p:spPr>
           <a:xfrm>
-            <a:off x="8485682" y="1607594"/>
+            <a:off x="8551007" y="1937794"/>
             <a:ext cx="2982715" cy="2493185"/>
           </a:xfrm>
           <a:prstGeom prst="rect">
@@ -14954,10 +15011,6 @@
               </a:rPr>
               <a:t> websites</a:t>
             </a:r>
-            <a:endParaRPr lang="en-US" sz="4400" dirty="0" smtClean="0">
-              <a:latin typeface="Segoe UI Light" panose="020B0502040204020203" pitchFamily="34" charset="0"/>
-              <a:cs typeface="Segoe UI Light" panose="020B0502040204020203" pitchFamily="34" charset="0"/>
-            </a:endParaRPr>
           </a:p>
           <a:p>
             <a:pPr marL="685800" indent="-685800">

--- a/Presentation/Presentation.pptx
+++ b/Presentation/Presentation.pptx
@@ -41,7 +41,7 @@
     <p:sldId id="424" r:id="rId32"/>
     <p:sldId id="425" r:id="rId33"/>
     <p:sldId id="426" r:id="rId34"/>
-    <p:sldId id="432" r:id="rId35"/>
+    <p:sldId id="464" r:id="rId35"/>
     <p:sldId id="434" r:id="rId36"/>
     <p:sldId id="433" r:id="rId37"/>
     <p:sldId id="427" r:id="rId38"/>
@@ -10335,30 +10335,6 @@
           <a:chExt cx="0" cy="0"/>
         </a:xfrm>
       </p:grpSpPr>
-      <p:pic>
-        <p:nvPicPr>
-          <p:cNvPr id="8" name="Picture 7"/>
-          <p:cNvPicPr>
-            <a:picLocks noChangeAspect="1"/>
-          </p:cNvPicPr>
-          <p:nvPr/>
-        </p:nvPicPr>
-        <p:blipFill>
-          <a:blip r:embed="rId2"/>
-          <a:stretch>
-            <a:fillRect/>
-          </a:stretch>
-        </p:blipFill>
-        <p:spPr>
-          <a:xfrm>
-            <a:off x="2291442" y="1372439"/>
-            <a:ext cx="7810501" cy="5485561"/>
-          </a:xfrm>
-          <a:prstGeom prst="rect">
-            <a:avLst/>
-          </a:prstGeom>
-        </p:spPr>
-      </p:pic>
       <p:sp>
         <p:nvSpPr>
           <p:cNvPr id="4" name="Title 1"/>
@@ -10401,13 +10377,101 @@
           </a:lstStyle>
           <a:p>
             <a:r>
-              <a:rPr lang="en-US" sz="4800" dirty="0">
+              <a:rPr lang="en-US" sz="4800" dirty="0" smtClean="0">
                 <a:latin typeface="Segoe UI Light" panose="020B0502040204020203" pitchFamily="34" charset="0"/>
                 <a:cs typeface="Segoe UI Light" panose="020B0502040204020203" pitchFamily="34" charset="0"/>
               </a:rPr>
-              <a:t>AWS Role-based authorization</a:t>
+              <a:t>Lambda function:</a:t>
             </a:r>
             <a:endParaRPr lang="en-US" sz="4800" dirty="0">
+              <a:latin typeface="Segoe UI Light" panose="020B0502040204020203" pitchFamily="34" charset="0"/>
+              <a:cs typeface="Segoe UI Light" panose="020B0502040204020203" pitchFamily="34" charset="0"/>
+            </a:endParaRPr>
+          </a:p>
+        </p:txBody>
+      </p:sp>
+      <p:sp>
+        <p:nvSpPr>
+          <p:cNvPr id="5" name="Rectangle 4"/>
+          <p:cNvSpPr/>
+          <p:nvPr/>
+        </p:nvSpPr>
+        <p:spPr>
+          <a:xfrm>
+            <a:off x="523876" y="2038044"/>
+            <a:ext cx="11668124" cy="2369880"/>
+          </a:xfrm>
+          <a:prstGeom prst="rect">
+            <a:avLst/>
+          </a:prstGeom>
+        </p:spPr>
+        <p:txBody>
+          <a:bodyPr wrap="square">
+            <a:spAutoFit/>
+          </a:bodyPr>
+          <a:lstStyle/>
+          <a:p>
+            <a:pPr marL="685800" indent="-685800">
+              <a:buFont typeface="Arial" panose="020B0604020202020204" pitchFamily="34" charset="0"/>
+              <a:buChar char="•"/>
+            </a:pPr>
+            <a:r>
+              <a:rPr lang="en-US" sz="4000" dirty="0" smtClean="0">
+                <a:latin typeface="Segoe UI Light" panose="020B0502040204020203" pitchFamily="34" charset="0"/>
+                <a:cs typeface="Segoe UI Light" panose="020B0502040204020203" pitchFamily="34" charset="0"/>
+              </a:rPr>
+              <a:t>Has its own unique id (ARN)</a:t>
+            </a:r>
+          </a:p>
+          <a:p>
+            <a:r>
+              <a:rPr lang="en-US" sz="4000" smtClean="0">
+                <a:latin typeface="Segoe UI Light" panose="020B0502040204020203" pitchFamily="34" charset="0"/>
+                <a:cs typeface="Segoe UI Light" panose="020B0502040204020203" pitchFamily="34" charset="0"/>
+              </a:rPr>
+              <a:t>	</a:t>
+            </a:r>
+            <a:r>
+              <a:rPr lang="en-US" sz="2800" smtClean="0">
+                <a:latin typeface="Segoe UI Light" panose="020B0502040204020203" pitchFamily="34" charset="0"/>
+                <a:cs typeface="Segoe UI Light" panose="020B0502040204020203" pitchFamily="34" charset="0"/>
+              </a:rPr>
+              <a:t>arn:aws:lambda:eu-central-1:854958518097:function:QueuePoller</a:t>
+            </a:r>
+          </a:p>
+          <a:p>
+            <a:endParaRPr lang="en-US" sz="2800" dirty="0" smtClean="0">
+              <a:latin typeface="Segoe UI Light" panose="020B0502040204020203" pitchFamily="34" charset="0"/>
+              <a:cs typeface="Segoe UI Light" panose="020B0502040204020203" pitchFamily="34" charset="0"/>
+            </a:endParaRPr>
+          </a:p>
+          <a:p>
+            <a:pPr marL="685800" indent="-685800">
+              <a:buFont typeface="Arial" panose="020B0604020202020204" pitchFamily="34" charset="0"/>
+              <a:buChar char="•"/>
+            </a:pPr>
+            <a:r>
+              <a:rPr lang="en-US" sz="4000" dirty="0" smtClean="0">
+                <a:latin typeface="Segoe UI Light" panose="020B0502040204020203" pitchFamily="34" charset="0"/>
+                <a:cs typeface="Segoe UI Light" panose="020B0502040204020203" pitchFamily="34" charset="0"/>
+              </a:rPr>
+              <a:t>Has rol</a:t>
+            </a:r>
+            <a:r>
+              <a:rPr lang="en-US" sz="4000" dirty="0" smtClean="0">
+                <a:latin typeface="Segoe UI Light" panose="020B0502040204020203" pitchFamily="34" charset="0"/>
+                <a:cs typeface="Segoe UI Light" panose="020B0502040204020203" pitchFamily="34" charset="0"/>
+              </a:rPr>
+              <a:t>e with</a:t>
+            </a:r>
+            <a:r>
+              <a:rPr lang="en-US" sz="4000" dirty="0" smtClean="0">
+                <a:latin typeface="Segoe UI Light" panose="020B0502040204020203" pitchFamily="34" charset="0"/>
+                <a:cs typeface="Segoe UI Light" panose="020B0502040204020203" pitchFamily="34" charset="0"/>
+              </a:rPr>
+              <a:t> permissions</a:t>
+            </a:r>
+            <a:endParaRPr lang="en-US" sz="4000" dirty="0" smtClean="0">
               <a:latin typeface="Segoe UI Light" panose="020B0502040204020203" pitchFamily="34" charset="0"/>
               <a:cs typeface="Segoe UI Light" panose="020B0502040204020203" pitchFamily="34" charset="0"/>
             </a:endParaRPr>
@@ -10417,7 +10481,7 @@
     </p:spTree>
     <p:extLst>
       <p:ext uri="{BB962C8B-B14F-4D97-AF65-F5344CB8AC3E}">
-        <p14:creationId xmlns:p14="http://schemas.microsoft.com/office/powerpoint/2010/main" val="1739359597"/>
+        <p14:creationId xmlns:p14="http://schemas.microsoft.com/office/powerpoint/2010/main" val="1344826200"/>
       </p:ext>
     </p:extLst>
   </p:cSld>
@@ -10427,7 +10491,195 @@
   <p:timing>
     <p:tnLst>
       <p:par>
-        <p:cTn id="1" dur="indefinite" restart="never" nodeType="tmRoot"/>
+        <p:cTn id="1" dur="indefinite" restart="never" nodeType="tmRoot">
+          <p:childTnLst>
+            <p:seq concurrent="1" nextAc="seek">
+              <p:cTn id="2" dur="indefinite" nodeType="mainSeq">
+                <p:childTnLst>
+                  <p:par>
+                    <p:cTn id="3" fill="hold">
+                      <p:stCondLst>
+                        <p:cond delay="indefinite"/>
+                      </p:stCondLst>
+                      <p:childTnLst>
+                        <p:par>
+                          <p:cTn id="4" fill="hold">
+                            <p:stCondLst>
+                              <p:cond delay="0"/>
+                            </p:stCondLst>
+                            <p:childTnLst>
+                              <p:par>
+                                <p:cTn id="5" presetID="10" presetClass="entr" presetSubtype="0" fill="hold" nodeType="clickEffect">
+                                  <p:stCondLst>
+                                    <p:cond delay="0"/>
+                                  </p:stCondLst>
+                                  <p:childTnLst>
+                                    <p:set>
+                                      <p:cBhvr>
+                                        <p:cTn id="6" dur="1" fill="hold">
+                                          <p:stCondLst>
+                                            <p:cond delay="0"/>
+                                          </p:stCondLst>
+                                        </p:cTn>
+                                        <p:tgtEl>
+                                          <p:spTgt spid="5">
+                                            <p:txEl>
+                                              <p:pRg st="0" end="0"/>
+                                            </p:txEl>
+                                          </p:spTgt>
+                                        </p:tgtEl>
+                                        <p:attrNameLst>
+                                          <p:attrName>style.visibility</p:attrName>
+                                        </p:attrNameLst>
+                                      </p:cBhvr>
+                                      <p:to>
+                                        <p:strVal val="visible"/>
+                                      </p:to>
+                                    </p:set>
+                                    <p:animEffect transition="in" filter="fade">
+                                      <p:cBhvr>
+                                        <p:cTn id="7" dur="500"/>
+                                        <p:tgtEl>
+                                          <p:spTgt spid="5">
+                                            <p:txEl>
+                                              <p:pRg st="0" end="0"/>
+                                            </p:txEl>
+                                          </p:spTgt>
+                                        </p:tgtEl>
+                                      </p:cBhvr>
+                                    </p:animEffect>
+                                  </p:childTnLst>
+                                </p:cTn>
+                              </p:par>
+                              <p:par>
+                                <p:cTn id="8" presetID="10" presetClass="entr" presetSubtype="0" fill="hold" nodeType="withEffect">
+                                  <p:stCondLst>
+                                    <p:cond delay="0"/>
+                                  </p:stCondLst>
+                                  <p:childTnLst>
+                                    <p:set>
+                                      <p:cBhvr>
+                                        <p:cTn id="9" dur="1" fill="hold">
+                                          <p:stCondLst>
+                                            <p:cond delay="0"/>
+                                          </p:stCondLst>
+                                        </p:cTn>
+                                        <p:tgtEl>
+                                          <p:spTgt spid="5">
+                                            <p:txEl>
+                                              <p:pRg st="1" end="1"/>
+                                            </p:txEl>
+                                          </p:spTgt>
+                                        </p:tgtEl>
+                                        <p:attrNameLst>
+                                          <p:attrName>style.visibility</p:attrName>
+                                        </p:attrNameLst>
+                                      </p:cBhvr>
+                                      <p:to>
+                                        <p:strVal val="visible"/>
+                                      </p:to>
+                                    </p:set>
+                                    <p:animEffect transition="in" filter="fade">
+                                      <p:cBhvr>
+                                        <p:cTn id="10" dur="500"/>
+                                        <p:tgtEl>
+                                          <p:spTgt spid="5">
+                                            <p:txEl>
+                                              <p:pRg st="1" end="1"/>
+                                            </p:txEl>
+                                          </p:spTgt>
+                                        </p:tgtEl>
+                                      </p:cBhvr>
+                                    </p:animEffect>
+                                  </p:childTnLst>
+                                </p:cTn>
+                              </p:par>
+                            </p:childTnLst>
+                          </p:cTn>
+                        </p:par>
+                      </p:childTnLst>
+                    </p:cTn>
+                  </p:par>
+                  <p:par>
+                    <p:cTn id="11" fill="hold">
+                      <p:stCondLst>
+                        <p:cond delay="indefinite"/>
+                      </p:stCondLst>
+                      <p:childTnLst>
+                        <p:par>
+                          <p:cTn id="12" fill="hold">
+                            <p:stCondLst>
+                              <p:cond delay="0"/>
+                            </p:stCondLst>
+                            <p:childTnLst>
+                              <p:par>
+                                <p:cTn id="13" presetID="10" presetClass="entr" presetSubtype="0" fill="hold" nodeType="clickEffect">
+                                  <p:stCondLst>
+                                    <p:cond delay="0"/>
+                                  </p:stCondLst>
+                                  <p:childTnLst>
+                                    <p:set>
+                                      <p:cBhvr>
+                                        <p:cTn id="14" dur="1" fill="hold">
+                                          <p:stCondLst>
+                                            <p:cond delay="0"/>
+                                          </p:stCondLst>
+                                        </p:cTn>
+                                        <p:tgtEl>
+                                          <p:spTgt spid="5">
+                                            <p:txEl>
+                                              <p:pRg st="3" end="3"/>
+                                            </p:txEl>
+                                          </p:spTgt>
+                                        </p:tgtEl>
+                                        <p:attrNameLst>
+                                          <p:attrName>style.visibility</p:attrName>
+                                        </p:attrNameLst>
+                                      </p:cBhvr>
+                                      <p:to>
+                                        <p:strVal val="visible"/>
+                                      </p:to>
+                                    </p:set>
+                                    <p:animEffect transition="in" filter="fade">
+                                      <p:cBhvr>
+                                        <p:cTn id="15" dur="500"/>
+                                        <p:tgtEl>
+                                          <p:spTgt spid="5">
+                                            <p:txEl>
+                                              <p:pRg st="3" end="3"/>
+                                            </p:txEl>
+                                          </p:spTgt>
+                                        </p:tgtEl>
+                                      </p:cBhvr>
+                                    </p:animEffect>
+                                  </p:childTnLst>
+                                </p:cTn>
+                              </p:par>
+                            </p:childTnLst>
+                          </p:cTn>
+                        </p:par>
+                      </p:childTnLst>
+                    </p:cTn>
+                  </p:par>
+                </p:childTnLst>
+              </p:cTn>
+              <p:prevCondLst>
+                <p:cond evt="onPrev" delay="0">
+                  <p:tgtEl>
+                    <p:sldTgt/>
+                  </p:tgtEl>
+                </p:cond>
+              </p:prevCondLst>
+              <p:nextCondLst>
+                <p:cond evt="onNext" delay="0">
+                  <p:tgtEl>
+                    <p:sldTgt/>
+                  </p:tgtEl>
+                </p:cond>
+              </p:nextCondLst>
+            </p:seq>
+          </p:childTnLst>
+        </p:cTn>
       </p:par>
     </p:tnLst>
   </p:timing>
@@ -10451,30 +10703,6 @@
           <a:chExt cx="0" cy="0"/>
         </a:xfrm>
       </p:grpSpPr>
-      <p:pic>
-        <p:nvPicPr>
-          <p:cNvPr id="4" name="Picture 3"/>
-          <p:cNvPicPr>
-            <a:picLocks noChangeAspect="1"/>
-          </p:cNvPicPr>
-          <p:nvPr/>
-        </p:nvPicPr>
-        <p:blipFill>
-          <a:blip r:embed="rId2"/>
-          <a:stretch>
-            <a:fillRect/>
-          </a:stretch>
-        </p:blipFill>
-        <p:spPr>
-          <a:xfrm>
-            <a:off x="1724025" y="1306260"/>
-            <a:ext cx="8362950" cy="5710036"/>
-          </a:xfrm>
-          <a:prstGeom prst="rect">
-            <a:avLst/>
-          </a:prstGeom>
-        </p:spPr>
-      </p:pic>
       <p:sp>
         <p:nvSpPr>
           <p:cNvPr id="6" name="Title 1"/>
@@ -10517,25 +10745,11 @@
           </a:lstStyle>
           <a:p>
             <a:r>
-              <a:rPr lang="en-US" sz="4800" dirty="0">
-                <a:latin typeface="Segoe UI Light" panose="020B0502040204020203" pitchFamily="34" charset="0"/>
-                <a:cs typeface="Segoe UI Light" panose="020B0502040204020203" pitchFamily="34" charset="0"/>
-              </a:rPr>
-              <a:t>AWS </a:t>
-            </a:r>
-            <a:r>
               <a:rPr lang="en-US" sz="4800" dirty="0" smtClean="0">
                 <a:latin typeface="Segoe UI Light" panose="020B0502040204020203" pitchFamily="34" charset="0"/>
                 <a:cs typeface="Segoe UI Light" panose="020B0502040204020203" pitchFamily="34" charset="0"/>
               </a:rPr>
-              <a:t>Identity-based </a:t>
-            </a:r>
-            <a:r>
-              <a:rPr lang="en-US" sz="4800" dirty="0">
-                <a:latin typeface="Segoe UI Light" panose="020B0502040204020203" pitchFamily="34" charset="0"/>
-                <a:cs typeface="Segoe UI Light" panose="020B0502040204020203" pitchFamily="34" charset="0"/>
-              </a:rPr>
-              <a:t>authorization</a:t>
+              <a:t>AWS Authorization types</a:t>
             </a:r>
             <a:endParaRPr lang="en-US" sz="4800" dirty="0">
               <a:latin typeface="Segoe UI Light" panose="020B0502040204020203" pitchFamily="34" charset="0"/>
@@ -10544,6 +10758,106 @@
           </a:p>
         </p:txBody>
       </p:sp>
+      <p:sp>
+        <p:nvSpPr>
+          <p:cNvPr id="7" name="Rectangle 6"/>
+          <p:cNvSpPr/>
+          <p:nvPr/>
+        </p:nvSpPr>
+        <p:spPr>
+          <a:xfrm>
+            <a:off x="523876" y="1834844"/>
+            <a:ext cx="11668124" cy="1446550"/>
+          </a:xfrm>
+          <a:prstGeom prst="rect">
+            <a:avLst/>
+          </a:prstGeom>
+        </p:spPr>
+        <p:txBody>
+          <a:bodyPr wrap="square">
+            <a:spAutoFit/>
+          </a:bodyPr>
+          <a:lstStyle/>
+          <a:p>
+            <a:pPr marL="685800" indent="-685800">
+              <a:buFont typeface="Arial" panose="020B0604020202020204" pitchFamily="34" charset="0"/>
+              <a:buChar char="•"/>
+            </a:pPr>
+            <a:r>
+              <a:rPr lang="en-US" sz="4400" dirty="0" smtClean="0">
+                <a:latin typeface="Segoe UI Light" panose="020B0502040204020203" pitchFamily="34" charset="0"/>
+                <a:cs typeface="Segoe UI Light" panose="020B0502040204020203" pitchFamily="34" charset="0"/>
+              </a:rPr>
+              <a:t>Role-based</a:t>
+            </a:r>
+          </a:p>
+          <a:p>
+            <a:pPr marL="685800" indent="-685800">
+              <a:buFont typeface="Arial" panose="020B0604020202020204" pitchFamily="34" charset="0"/>
+              <a:buChar char="•"/>
+            </a:pPr>
+            <a:r>
+              <a:rPr lang="en-US" sz="4400" dirty="0" smtClean="0">
+                <a:latin typeface="Segoe UI Light" panose="020B0502040204020203" pitchFamily="34" charset="0"/>
+                <a:cs typeface="Segoe UI Light" panose="020B0502040204020203" pitchFamily="34" charset="0"/>
+              </a:rPr>
+              <a:t>Identity-based</a:t>
+            </a:r>
+            <a:endParaRPr lang="en-US" sz="4400" dirty="0" smtClean="0">
+              <a:latin typeface="Segoe UI Light" panose="020B0502040204020203" pitchFamily="34" charset="0"/>
+              <a:cs typeface="Segoe UI Light" panose="020B0502040204020203" pitchFamily="34" charset="0"/>
+            </a:endParaRPr>
+          </a:p>
+        </p:txBody>
+      </p:sp>
+      <p:pic>
+        <p:nvPicPr>
+          <p:cNvPr id="9" name="Picture 8"/>
+          <p:cNvPicPr>
+            <a:picLocks noChangeAspect="1"/>
+          </p:cNvPicPr>
+          <p:nvPr/>
+        </p:nvPicPr>
+        <p:blipFill>
+          <a:blip r:embed="rId2"/>
+          <a:stretch>
+            <a:fillRect/>
+          </a:stretch>
+        </p:blipFill>
+        <p:spPr>
+          <a:xfrm>
+            <a:off x="4897266" y="1874728"/>
+            <a:ext cx="6940018" cy="4874194"/>
+          </a:xfrm>
+          <a:prstGeom prst="rect">
+            <a:avLst/>
+          </a:prstGeom>
+        </p:spPr>
+      </p:pic>
+      <p:pic>
+        <p:nvPicPr>
+          <p:cNvPr id="3" name="Picture 2"/>
+          <p:cNvPicPr>
+            <a:picLocks noChangeAspect="1"/>
+          </p:cNvPicPr>
+          <p:nvPr/>
+        </p:nvPicPr>
+        <p:blipFill>
+          <a:blip r:embed="rId3"/>
+          <a:stretch>
+            <a:fillRect/>
+          </a:stretch>
+        </p:blipFill>
+        <p:spPr>
+          <a:xfrm>
+            <a:off x="5848693" y="1765651"/>
+            <a:ext cx="5617173" cy="5092349"/>
+          </a:xfrm>
+          <a:prstGeom prst="rect">
+            <a:avLst/>
+          </a:prstGeom>
+        </p:spPr>
+      </p:pic>
     </p:spTree>
     <p:extLst>
       <p:ext uri="{BB962C8B-B14F-4D97-AF65-F5344CB8AC3E}">
@@ -10557,7 +10871,249 @@
   <p:timing>
     <p:tnLst>
       <p:par>
-        <p:cTn id="1" dur="indefinite" restart="never" nodeType="tmRoot"/>
+        <p:cTn id="1" dur="indefinite" restart="never" nodeType="tmRoot">
+          <p:childTnLst>
+            <p:seq concurrent="1" nextAc="seek">
+              <p:cTn id="2" dur="indefinite" nodeType="mainSeq">
+                <p:childTnLst>
+                  <p:par>
+                    <p:cTn id="3" fill="hold">
+                      <p:stCondLst>
+                        <p:cond delay="indefinite"/>
+                      </p:stCondLst>
+                      <p:childTnLst>
+                        <p:par>
+                          <p:cTn id="4" fill="hold">
+                            <p:stCondLst>
+                              <p:cond delay="0"/>
+                            </p:stCondLst>
+                            <p:childTnLst>
+                              <p:par>
+                                <p:cTn id="5" presetID="10" presetClass="entr" presetSubtype="0" fill="hold" nodeType="clickEffect">
+                                  <p:stCondLst>
+                                    <p:cond delay="0"/>
+                                  </p:stCondLst>
+                                  <p:childTnLst>
+                                    <p:set>
+                                      <p:cBhvr>
+                                        <p:cTn id="6" dur="1" fill="hold">
+                                          <p:stCondLst>
+                                            <p:cond delay="0"/>
+                                          </p:stCondLst>
+                                        </p:cTn>
+                                        <p:tgtEl>
+                                          <p:spTgt spid="7">
+                                            <p:txEl>
+                                              <p:pRg st="0" end="0"/>
+                                            </p:txEl>
+                                          </p:spTgt>
+                                        </p:tgtEl>
+                                        <p:attrNameLst>
+                                          <p:attrName>style.visibility</p:attrName>
+                                        </p:attrNameLst>
+                                      </p:cBhvr>
+                                      <p:to>
+                                        <p:strVal val="visible"/>
+                                      </p:to>
+                                    </p:set>
+                                    <p:animEffect transition="in" filter="fade">
+                                      <p:cBhvr>
+                                        <p:cTn id="7" dur="500"/>
+                                        <p:tgtEl>
+                                          <p:spTgt spid="7">
+                                            <p:txEl>
+                                              <p:pRg st="0" end="0"/>
+                                            </p:txEl>
+                                          </p:spTgt>
+                                        </p:tgtEl>
+                                      </p:cBhvr>
+                                    </p:animEffect>
+                                  </p:childTnLst>
+                                </p:cTn>
+                              </p:par>
+                              <p:par>
+                                <p:cTn id="8" presetID="10" presetClass="entr" presetSubtype="0" fill="hold" nodeType="withEffect">
+                                  <p:stCondLst>
+                                    <p:cond delay="0"/>
+                                  </p:stCondLst>
+                                  <p:childTnLst>
+                                    <p:set>
+                                      <p:cBhvr>
+                                        <p:cTn id="9" dur="1" fill="hold">
+                                          <p:stCondLst>
+                                            <p:cond delay="0"/>
+                                          </p:stCondLst>
+                                        </p:cTn>
+                                        <p:tgtEl>
+                                          <p:spTgt spid="9"/>
+                                        </p:tgtEl>
+                                        <p:attrNameLst>
+                                          <p:attrName>style.visibility</p:attrName>
+                                        </p:attrNameLst>
+                                      </p:cBhvr>
+                                      <p:to>
+                                        <p:strVal val="visible"/>
+                                      </p:to>
+                                    </p:set>
+                                    <p:animEffect transition="in" filter="fade">
+                                      <p:cBhvr>
+                                        <p:cTn id="10" dur="500"/>
+                                        <p:tgtEl>
+                                          <p:spTgt spid="9"/>
+                                        </p:tgtEl>
+                                      </p:cBhvr>
+                                    </p:animEffect>
+                                  </p:childTnLst>
+                                </p:cTn>
+                              </p:par>
+                            </p:childTnLst>
+                          </p:cTn>
+                        </p:par>
+                      </p:childTnLst>
+                    </p:cTn>
+                  </p:par>
+                  <p:par>
+                    <p:cTn id="11" fill="hold">
+                      <p:stCondLst>
+                        <p:cond delay="indefinite"/>
+                      </p:stCondLst>
+                      <p:childTnLst>
+                        <p:par>
+                          <p:cTn id="12" fill="hold">
+                            <p:stCondLst>
+                              <p:cond delay="0"/>
+                            </p:stCondLst>
+                            <p:childTnLst>
+                              <p:par>
+                                <p:cTn id="13" presetID="10" presetClass="entr" presetSubtype="0" fill="hold" nodeType="clickEffect">
+                                  <p:stCondLst>
+                                    <p:cond delay="0"/>
+                                  </p:stCondLst>
+                                  <p:childTnLst>
+                                    <p:set>
+                                      <p:cBhvr>
+                                        <p:cTn id="14" dur="1" fill="hold">
+                                          <p:stCondLst>
+                                            <p:cond delay="0"/>
+                                          </p:stCondLst>
+                                        </p:cTn>
+                                        <p:tgtEl>
+                                          <p:spTgt spid="7">
+                                            <p:txEl>
+                                              <p:pRg st="1" end="1"/>
+                                            </p:txEl>
+                                          </p:spTgt>
+                                        </p:tgtEl>
+                                        <p:attrNameLst>
+                                          <p:attrName>style.visibility</p:attrName>
+                                        </p:attrNameLst>
+                                      </p:cBhvr>
+                                      <p:to>
+                                        <p:strVal val="visible"/>
+                                      </p:to>
+                                    </p:set>
+                                    <p:animEffect transition="in" filter="fade">
+                                      <p:cBhvr>
+                                        <p:cTn id="15" dur="500"/>
+                                        <p:tgtEl>
+                                          <p:spTgt spid="7">
+                                            <p:txEl>
+                                              <p:pRg st="1" end="1"/>
+                                            </p:txEl>
+                                          </p:spTgt>
+                                        </p:tgtEl>
+                                      </p:cBhvr>
+                                    </p:animEffect>
+                                  </p:childTnLst>
+                                </p:cTn>
+                              </p:par>
+                              <p:par>
+                                <p:cTn id="16" presetID="1" presetClass="exit" presetSubtype="0" fill="hold" nodeType="withEffect">
+                                  <p:stCondLst>
+                                    <p:cond delay="0"/>
+                                  </p:stCondLst>
+                                  <p:childTnLst>
+                                    <p:set>
+                                      <p:cBhvr>
+                                        <p:cTn id="17" dur="1" fill="hold">
+                                          <p:stCondLst>
+                                            <p:cond delay="0"/>
+                                          </p:stCondLst>
+                                        </p:cTn>
+                                        <p:tgtEl>
+                                          <p:spTgt spid="9"/>
+                                        </p:tgtEl>
+                                        <p:attrNameLst>
+                                          <p:attrName>style.visibility</p:attrName>
+                                        </p:attrNameLst>
+                                      </p:cBhvr>
+                                      <p:to>
+                                        <p:strVal val="hidden"/>
+                                      </p:to>
+                                    </p:set>
+                                  </p:childTnLst>
+                                </p:cTn>
+                              </p:par>
+                              <p:par>
+                                <p:cTn id="18" presetID="10" presetClass="entr" presetSubtype="0" fill="hold" nodeType="withEffect">
+                                  <p:stCondLst>
+                                    <p:cond delay="0"/>
+                                  </p:stCondLst>
+                                  <p:childTnLst>
+                                    <p:set>
+                                      <p:cBhvr>
+                                        <p:cTn id="19" dur="1" fill="hold">
+                                          <p:stCondLst>
+                                            <p:cond delay="0"/>
+                                          </p:stCondLst>
+                                        </p:cTn>
+                                        <p:tgtEl>
+                                          <p:spTgt spid="3"/>
+                                        </p:tgtEl>
+                                        <p:attrNameLst>
+                                          <p:attrName>style.visibility</p:attrName>
+                                        </p:attrNameLst>
+                                      </p:cBhvr>
+                                      <p:to>
+                                        <p:strVal val="visible"/>
+                                      </p:to>
+                                    </p:set>
+                                    <p:animEffect transition="in" filter="fade">
+                                      <p:cBhvr>
+                                        <p:cTn id="20" dur="500"/>
+                                        <p:tgtEl>
+                                          <p:spTgt spid="3"/>
+                                        </p:tgtEl>
+                                      </p:cBhvr>
+                                    </p:animEffect>
+                                  </p:childTnLst>
+                                </p:cTn>
+                              </p:par>
+                            </p:childTnLst>
+                          </p:cTn>
+                        </p:par>
+                      </p:childTnLst>
+                    </p:cTn>
+                  </p:par>
+                </p:childTnLst>
+              </p:cTn>
+              <p:prevCondLst>
+                <p:cond evt="onPrev" delay="0">
+                  <p:tgtEl>
+                    <p:sldTgt/>
+                  </p:tgtEl>
+                </p:cond>
+              </p:prevCondLst>
+              <p:nextCondLst>
+                <p:cond evt="onNext" delay="0">
+                  <p:tgtEl>
+                    <p:sldTgt/>
+                  </p:tgtEl>
+                </p:cond>
+              </p:nextCondLst>
+            </p:seq>
+          </p:childTnLst>
+        </p:cTn>
       </p:par>
     </p:tnLst>
   </p:timing>

--- a/Presentation/Presentation.pptx
+++ b/Presentation/Presentation.pptx
@@ -5,7 +5,7 @@
     <p:sldMasterId id="2147483648" r:id="rId1"/>
   </p:sldMasterIdLst>
   <p:notesMasterIdLst>
-    <p:notesMasterId r:id="rId46"/>
+    <p:notesMasterId r:id="rId45"/>
   </p:notesMasterIdLst>
   <p:sldIdLst>
     <p:sldId id="412" r:id="rId2"/>
@@ -26,32 +26,31 @@
     <p:sldId id="421" r:id="rId17"/>
     <p:sldId id="420" r:id="rId18"/>
     <p:sldId id="414" r:id="rId19"/>
-    <p:sldId id="461" r:id="rId20"/>
-    <p:sldId id="435" r:id="rId21"/>
-    <p:sldId id="438" r:id="rId22"/>
-    <p:sldId id="439" r:id="rId23"/>
-    <p:sldId id="462" r:id="rId24"/>
-    <p:sldId id="422" r:id="rId25"/>
-    <p:sldId id="418" r:id="rId26"/>
-    <p:sldId id="413" r:id="rId27"/>
-    <p:sldId id="430" r:id="rId28"/>
-    <p:sldId id="449" r:id="rId29"/>
-    <p:sldId id="431" r:id="rId30"/>
-    <p:sldId id="423" r:id="rId31"/>
-    <p:sldId id="424" r:id="rId32"/>
-    <p:sldId id="425" r:id="rId33"/>
-    <p:sldId id="426" r:id="rId34"/>
-    <p:sldId id="464" r:id="rId35"/>
-    <p:sldId id="434" r:id="rId36"/>
-    <p:sldId id="433" r:id="rId37"/>
-    <p:sldId id="427" r:id="rId38"/>
-    <p:sldId id="463" r:id="rId39"/>
-    <p:sldId id="428" r:id="rId40"/>
-    <p:sldId id="451" r:id="rId41"/>
-    <p:sldId id="452" r:id="rId42"/>
-    <p:sldId id="450" r:id="rId43"/>
-    <p:sldId id="417" r:id="rId44"/>
-    <p:sldId id="416" r:id="rId45"/>
+    <p:sldId id="435" r:id="rId20"/>
+    <p:sldId id="438" r:id="rId21"/>
+    <p:sldId id="439" r:id="rId22"/>
+    <p:sldId id="462" r:id="rId23"/>
+    <p:sldId id="422" r:id="rId24"/>
+    <p:sldId id="418" r:id="rId25"/>
+    <p:sldId id="413" r:id="rId26"/>
+    <p:sldId id="430" r:id="rId27"/>
+    <p:sldId id="449" r:id="rId28"/>
+    <p:sldId id="431" r:id="rId29"/>
+    <p:sldId id="423" r:id="rId30"/>
+    <p:sldId id="424" r:id="rId31"/>
+    <p:sldId id="425" r:id="rId32"/>
+    <p:sldId id="426" r:id="rId33"/>
+    <p:sldId id="464" r:id="rId34"/>
+    <p:sldId id="434" r:id="rId35"/>
+    <p:sldId id="433" r:id="rId36"/>
+    <p:sldId id="427" r:id="rId37"/>
+    <p:sldId id="463" r:id="rId38"/>
+    <p:sldId id="428" r:id="rId39"/>
+    <p:sldId id="451" r:id="rId40"/>
+    <p:sldId id="452" r:id="rId41"/>
+    <p:sldId id="450" r:id="rId42"/>
+    <p:sldId id="417" r:id="rId43"/>
+    <p:sldId id="416" r:id="rId44"/>
   </p:sldIdLst>
   <p:sldSz cx="12192000" cy="6858000"/>
   <p:notesSz cx="6858000" cy="9144000"/>
@@ -240,7 +239,7 @@
           <a:p>
             <a:fld id="{18E3B14B-A991-4B7D-87D2-534C72B4DD1E}" type="datetimeFigureOut">
               <a:rPr lang="en-US" smtClean="0"/>
-              <a:t>20/11/2016</a:t>
+              <a:t>23/11/2016</a:t>
             </a:fld>
             <a:endParaRPr lang="en-US"/>
           </a:p>
@@ -639,7 +638,7 @@
           <a:p>
             <a:fld id="{F6CA6145-69E7-472E-B21C-39D67529C392}" type="datetimeFigureOut">
               <a:rPr lang="en-US" smtClean="0"/>
-              <a:t>20/11/2016</a:t>
+              <a:t>23/11/2016</a:t>
             </a:fld>
             <a:endParaRPr lang="en-US"/>
           </a:p>
@@ -809,7 +808,7 @@
           <a:p>
             <a:fld id="{F6CA6145-69E7-472E-B21C-39D67529C392}" type="datetimeFigureOut">
               <a:rPr lang="en-US" smtClean="0"/>
-              <a:t>20/11/2016</a:t>
+              <a:t>23/11/2016</a:t>
             </a:fld>
             <a:endParaRPr lang="en-US"/>
           </a:p>
@@ -989,7 +988,7 @@
           <a:p>
             <a:fld id="{F6CA6145-69E7-472E-B21C-39D67529C392}" type="datetimeFigureOut">
               <a:rPr lang="en-US" smtClean="0"/>
-              <a:t>20/11/2016</a:t>
+              <a:t>23/11/2016</a:t>
             </a:fld>
             <a:endParaRPr lang="en-US"/>
           </a:p>
@@ -1159,7 +1158,7 @@
           <a:p>
             <a:fld id="{F6CA6145-69E7-472E-B21C-39D67529C392}" type="datetimeFigureOut">
               <a:rPr lang="en-US" smtClean="0"/>
-              <a:t>20/11/2016</a:t>
+              <a:t>23/11/2016</a:t>
             </a:fld>
             <a:endParaRPr lang="en-US"/>
           </a:p>
@@ -1405,7 +1404,7 @@
           <a:p>
             <a:fld id="{F6CA6145-69E7-472E-B21C-39D67529C392}" type="datetimeFigureOut">
               <a:rPr lang="en-US" smtClean="0"/>
-              <a:t>20/11/2016</a:t>
+              <a:t>23/11/2016</a:t>
             </a:fld>
             <a:endParaRPr lang="en-US"/>
           </a:p>
@@ -1637,7 +1636,7 @@
           <a:p>
             <a:fld id="{F6CA6145-69E7-472E-B21C-39D67529C392}" type="datetimeFigureOut">
               <a:rPr lang="en-US" smtClean="0"/>
-              <a:t>20/11/2016</a:t>
+              <a:t>23/11/2016</a:t>
             </a:fld>
             <a:endParaRPr lang="en-US"/>
           </a:p>
@@ -2004,7 +2003,7 @@
           <a:p>
             <a:fld id="{F6CA6145-69E7-472E-B21C-39D67529C392}" type="datetimeFigureOut">
               <a:rPr lang="en-US" smtClean="0"/>
-              <a:t>20/11/2016</a:t>
+              <a:t>23/11/2016</a:t>
             </a:fld>
             <a:endParaRPr lang="en-US"/>
           </a:p>
@@ -2122,7 +2121,7 @@
           <a:p>
             <a:fld id="{F6CA6145-69E7-472E-B21C-39D67529C392}" type="datetimeFigureOut">
               <a:rPr lang="en-US" smtClean="0"/>
-              <a:t>20/11/2016</a:t>
+              <a:t>23/11/2016</a:t>
             </a:fld>
             <a:endParaRPr lang="en-US"/>
           </a:p>
@@ -2217,7 +2216,7 @@
           <a:p>
             <a:fld id="{F6CA6145-69E7-472E-B21C-39D67529C392}" type="datetimeFigureOut">
               <a:rPr lang="en-US" smtClean="0"/>
-              <a:t>20/11/2016</a:t>
+              <a:t>23/11/2016</a:t>
             </a:fld>
             <a:endParaRPr lang="en-US"/>
           </a:p>
@@ -2494,7 +2493,7 @@
           <a:p>
             <a:fld id="{F6CA6145-69E7-472E-B21C-39D67529C392}" type="datetimeFigureOut">
               <a:rPr lang="en-US" smtClean="0"/>
-              <a:t>20/11/2016</a:t>
+              <a:t>23/11/2016</a:t>
             </a:fld>
             <a:endParaRPr lang="en-US"/>
           </a:p>
@@ -2747,7 +2746,7 @@
           <a:p>
             <a:fld id="{F6CA6145-69E7-472E-B21C-39D67529C392}" type="datetimeFigureOut">
               <a:rPr lang="en-US" smtClean="0"/>
-              <a:t>20/11/2016</a:t>
+              <a:t>23/11/2016</a:t>
             </a:fld>
             <a:endParaRPr lang="en-US"/>
           </a:p>
@@ -2960,7 +2959,7 @@
           <a:p>
             <a:fld id="{F6CA6145-69E7-472E-B21C-39D67529C392}" type="datetimeFigureOut">
               <a:rPr lang="en-US" smtClean="0"/>
-              <a:t>20/11/2016</a:t>
+              <a:t>23/11/2016</a:t>
             </a:fld>
             <a:endParaRPr lang="en-US"/>
           </a:p>
@@ -6205,6 +6204,30 @@
           </a:p>
         </p:txBody>
       </p:sp>
+      <p:pic>
+        <p:nvPicPr>
+          <p:cNvPr id="5" name="Picture 4"/>
+          <p:cNvPicPr>
+            <a:picLocks noChangeAspect="1"/>
+          </p:cNvPicPr>
+          <p:nvPr/>
+        </p:nvPicPr>
+        <p:blipFill>
+          <a:blip r:embed="rId2"/>
+          <a:stretch>
+            <a:fillRect/>
+          </a:stretch>
+        </p:blipFill>
+        <p:spPr>
+          <a:xfrm>
+            <a:off x="1032996" y="1123207"/>
+            <a:ext cx="10277008" cy="5629013"/>
+          </a:xfrm>
+          <a:prstGeom prst="rect">
+            <a:avLst/>
+          </a:prstGeom>
+        </p:spPr>
+      </p:pic>
     </p:spTree>
     <p:extLst>
       <p:ext uri="{BB962C8B-B14F-4D97-AF65-F5344CB8AC3E}">
@@ -6218,9 +6241,122 @@
   <p:timing>
     <p:tnLst>
       <p:par>
-        <p:cTn id="1" dur="indefinite" restart="never" nodeType="tmRoot"/>
+        <p:cTn id="1" dur="indefinite" restart="never" nodeType="tmRoot">
+          <p:childTnLst>
+            <p:seq concurrent="1" nextAc="seek">
+              <p:cTn id="2" dur="indefinite" nodeType="mainSeq">
+                <p:childTnLst>
+                  <p:par>
+                    <p:cTn id="3" fill="hold">
+                      <p:stCondLst>
+                        <p:cond delay="indefinite"/>
+                        <p:cond evt="onBegin" delay="0">
+                          <p:tn val="2"/>
+                        </p:cond>
+                      </p:stCondLst>
+                      <p:childTnLst>
+                        <p:par>
+                          <p:cTn id="4" fill="hold">
+                            <p:stCondLst>
+                              <p:cond delay="0"/>
+                            </p:stCondLst>
+                            <p:childTnLst>
+                              <p:par>
+                                <p:cTn id="5" presetID="42" presetClass="path" presetSubtype="0" accel="50000" decel="50000" fill="hold" grpId="0" nodeType="afterEffect">
+                                  <p:stCondLst>
+                                    <p:cond delay="500"/>
+                                  </p:stCondLst>
+                                  <p:childTnLst>
+                                    <p:animMotion origin="layout" path="M 0 -7.40741E-7 L 0.00169 -0.42222 " pathEditMode="relative" rAng="0" ptsTypes="AA">
+                                      <p:cBhvr>
+                                        <p:cTn id="6" dur="1000" fill="hold"/>
+                                        <p:tgtEl>
+                                          <p:spTgt spid="4"/>
+                                        </p:tgtEl>
+                                        <p:attrNameLst>
+                                          <p:attrName>ppt_x</p:attrName>
+                                          <p:attrName>ppt_y</p:attrName>
+                                        </p:attrNameLst>
+                                      </p:cBhvr>
+                                      <p:rCtr x="78" y="-21111"/>
+                                    </p:animMotion>
+                                  </p:childTnLst>
+                                </p:cTn>
+                              </p:par>
+                            </p:childTnLst>
+                          </p:cTn>
+                        </p:par>
+                        <p:par>
+                          <p:cTn id="7" fill="hold">
+                            <p:stCondLst>
+                              <p:cond delay="1500"/>
+                            </p:stCondLst>
+                            <p:childTnLst>
+                              <p:par>
+                                <p:cTn id="8" presetID="10" presetClass="entr" presetSubtype="0" fill="hold" nodeType="afterEffect">
+                                  <p:stCondLst>
+                                    <p:cond delay="0"/>
+                                  </p:stCondLst>
+                                  <p:childTnLst>
+                                    <p:set>
+                                      <p:cBhvr>
+                                        <p:cTn id="9" dur="1" fill="hold">
+                                          <p:stCondLst>
+                                            <p:cond delay="0"/>
+                                          </p:stCondLst>
+                                        </p:cTn>
+                                        <p:tgtEl>
+                                          <p:spTgt spid="5"/>
+                                        </p:tgtEl>
+                                        <p:attrNameLst>
+                                          <p:attrName>style.visibility</p:attrName>
+                                        </p:attrNameLst>
+                                      </p:cBhvr>
+                                      <p:to>
+                                        <p:strVal val="visible"/>
+                                      </p:to>
+                                    </p:set>
+                                    <p:animEffect transition="in" filter="fade">
+                                      <p:cBhvr>
+                                        <p:cTn id="10" dur="500"/>
+                                        <p:tgtEl>
+                                          <p:spTgt spid="5"/>
+                                        </p:tgtEl>
+                                      </p:cBhvr>
+                                    </p:animEffect>
+                                  </p:childTnLst>
+                                </p:cTn>
+                              </p:par>
+                            </p:childTnLst>
+                          </p:cTn>
+                        </p:par>
+                      </p:childTnLst>
+                    </p:cTn>
+                  </p:par>
+                </p:childTnLst>
+              </p:cTn>
+              <p:prevCondLst>
+                <p:cond evt="onPrev" delay="0">
+                  <p:tgtEl>
+                    <p:sldTgt/>
+                  </p:tgtEl>
+                </p:cond>
+              </p:prevCondLst>
+              <p:nextCondLst>
+                <p:cond evt="onNext" delay="0">
+                  <p:tgtEl>
+                    <p:sldTgt/>
+                  </p:tgtEl>
+                </p:cond>
+              </p:nextCondLst>
+            </p:seq>
+          </p:childTnLst>
+        </p:cTn>
       </p:par>
     </p:tnLst>
+    <p:bldLst>
+      <p:bldP spid="4" grpId="0"/>
+    </p:bldLst>
   </p:timing>
 </p:sld>
 </file>
@@ -6295,134 +6431,6 @@
 </file>
 
 <file path=ppt/slides/slide19.xml><?xml version="1.0" encoding="utf-8"?>
-<p:sld xmlns:a="http://schemas.openxmlformats.org/drawingml/2006/main" xmlns:r="http://schemas.openxmlformats.org/officeDocument/2006/relationships" xmlns:p="http://schemas.openxmlformats.org/presentationml/2006/main">
-  <p:cSld>
-    <p:spTree>
-      <p:nvGrpSpPr>
-        <p:cNvPr id="1" name=""/>
-        <p:cNvGrpSpPr/>
-        <p:nvPr/>
-      </p:nvGrpSpPr>
-      <p:grpSpPr>
-        <a:xfrm>
-          <a:off x="0" y="0"/>
-          <a:ext cx="0" cy="0"/>
-          <a:chOff x="0" y="0"/>
-          <a:chExt cx="0" cy="0"/>
-        </a:xfrm>
-      </p:grpSpPr>
-      <p:pic>
-        <p:nvPicPr>
-          <p:cNvPr id="4" name="Picture 3"/>
-          <p:cNvPicPr>
-            <a:picLocks noChangeAspect="1"/>
-          </p:cNvPicPr>
-          <p:nvPr/>
-        </p:nvPicPr>
-        <p:blipFill>
-          <a:blip r:embed="rId2"/>
-          <a:stretch>
-            <a:fillRect/>
-          </a:stretch>
-        </p:blipFill>
-        <p:spPr>
-          <a:xfrm>
-            <a:off x="684864" y="553673"/>
-            <a:ext cx="10818740" cy="5925735"/>
-          </a:xfrm>
-          <a:prstGeom prst="rect">
-            <a:avLst/>
-          </a:prstGeom>
-        </p:spPr>
-      </p:pic>
-    </p:spTree>
-    <p:extLst>
-      <p:ext uri="{BB962C8B-B14F-4D97-AF65-F5344CB8AC3E}">
-        <p14:creationId xmlns:p14="http://schemas.microsoft.com/office/powerpoint/2010/main" val="833449720"/>
-      </p:ext>
-    </p:extLst>
-  </p:cSld>
-  <p:clrMapOvr>
-    <a:masterClrMapping/>
-  </p:clrMapOvr>
-  <p:timing>
-    <p:tnLst>
-      <p:par>
-        <p:cTn id="1" dur="indefinite" restart="never" nodeType="tmRoot"/>
-      </p:par>
-    </p:tnLst>
-  </p:timing>
-</p:sld>
-</file>
-
-<file path=ppt/slides/slide2.xml><?xml version="1.0" encoding="utf-8"?>
-<p:sld xmlns:a="http://schemas.openxmlformats.org/drawingml/2006/main" xmlns:r="http://schemas.openxmlformats.org/officeDocument/2006/relationships" xmlns:p="http://schemas.openxmlformats.org/presentationml/2006/main">
-  <p:cSld>
-    <p:spTree>
-      <p:nvGrpSpPr>
-        <p:cNvPr id="1" name=""/>
-        <p:cNvGrpSpPr/>
-        <p:nvPr/>
-      </p:nvGrpSpPr>
-      <p:grpSpPr>
-        <a:xfrm>
-          <a:off x="0" y="0"/>
-          <a:ext cx="0" cy="0"/>
-          <a:chOff x="0" y="0"/>
-          <a:chExt cx="0" cy="0"/>
-        </a:xfrm>
-      </p:grpSpPr>
-      <p:pic>
-        <p:nvPicPr>
-          <p:cNvPr id="4" name="Picture 3"/>
-          <p:cNvPicPr>
-            <a:picLocks noChangeAspect="1"/>
-          </p:cNvPicPr>
-          <p:nvPr/>
-        </p:nvPicPr>
-        <p:blipFill>
-          <a:blip r:embed="rId2">
-            <a:extLst>
-              <a:ext uri="{28A0092B-C50C-407E-A947-70E740481C1C}">
-                <a14:useLocalDpi xmlns:a14="http://schemas.microsoft.com/office/drawing/2010/main" val="0"/>
-              </a:ext>
-            </a:extLst>
-          </a:blip>
-          <a:stretch>
-            <a:fillRect/>
-          </a:stretch>
-        </p:blipFill>
-        <p:spPr>
-          <a:xfrm>
-            <a:off x="0" y="-749300"/>
-            <a:ext cx="12192000" cy="8013700"/>
-          </a:xfrm>
-          <a:prstGeom prst="rect">
-            <a:avLst/>
-          </a:prstGeom>
-        </p:spPr>
-      </p:pic>
-    </p:spTree>
-    <p:extLst>
-      <p:ext uri="{BB962C8B-B14F-4D97-AF65-F5344CB8AC3E}">
-        <p14:creationId xmlns:p14="http://schemas.microsoft.com/office/powerpoint/2010/main" val="1631621944"/>
-      </p:ext>
-    </p:extLst>
-  </p:cSld>
-  <p:clrMapOvr>
-    <a:masterClrMapping/>
-  </p:clrMapOvr>
-  <p:timing>
-    <p:tnLst>
-      <p:par>
-        <p:cTn id="1" dur="indefinite" restart="never" nodeType="tmRoot"/>
-      </p:par>
-    </p:tnLst>
-  </p:timing>
-</p:sld>
-</file>
-
-<file path=ppt/slides/slide20.xml><?xml version="1.0" encoding="utf-8"?>
 <p:sld xmlns:a="http://schemas.openxmlformats.org/drawingml/2006/main" xmlns:r="http://schemas.openxmlformats.org/officeDocument/2006/relationships" xmlns:p="http://schemas.openxmlformats.org/presentationml/2006/main">
   <p:cSld>
     <p:spTree>
@@ -6638,7 +6646,74 @@
 </p:sld>
 </file>
 
-<file path=ppt/slides/slide21.xml><?xml version="1.0" encoding="utf-8"?>
+<file path=ppt/slides/slide2.xml><?xml version="1.0" encoding="utf-8"?>
+<p:sld xmlns:a="http://schemas.openxmlformats.org/drawingml/2006/main" xmlns:r="http://schemas.openxmlformats.org/officeDocument/2006/relationships" xmlns:p="http://schemas.openxmlformats.org/presentationml/2006/main">
+  <p:cSld>
+    <p:spTree>
+      <p:nvGrpSpPr>
+        <p:cNvPr id="1" name=""/>
+        <p:cNvGrpSpPr/>
+        <p:nvPr/>
+      </p:nvGrpSpPr>
+      <p:grpSpPr>
+        <a:xfrm>
+          <a:off x="0" y="0"/>
+          <a:ext cx="0" cy="0"/>
+          <a:chOff x="0" y="0"/>
+          <a:chExt cx="0" cy="0"/>
+        </a:xfrm>
+      </p:grpSpPr>
+      <p:pic>
+        <p:nvPicPr>
+          <p:cNvPr id="4" name="Picture 3"/>
+          <p:cNvPicPr>
+            <a:picLocks noChangeAspect="1"/>
+          </p:cNvPicPr>
+          <p:nvPr/>
+        </p:nvPicPr>
+        <p:blipFill>
+          <a:blip r:embed="rId2">
+            <a:extLst>
+              <a:ext uri="{28A0092B-C50C-407E-A947-70E740481C1C}">
+                <a14:useLocalDpi xmlns:a14="http://schemas.microsoft.com/office/drawing/2010/main" val="0"/>
+              </a:ext>
+            </a:extLst>
+          </a:blip>
+          <a:stretch>
+            <a:fillRect/>
+          </a:stretch>
+        </p:blipFill>
+        <p:spPr>
+          <a:xfrm>
+            <a:off x="0" y="-749300"/>
+            <a:ext cx="12192000" cy="8013700"/>
+          </a:xfrm>
+          <a:prstGeom prst="rect">
+            <a:avLst/>
+          </a:prstGeom>
+        </p:spPr>
+      </p:pic>
+    </p:spTree>
+    <p:extLst>
+      <p:ext uri="{BB962C8B-B14F-4D97-AF65-F5344CB8AC3E}">
+        <p14:creationId xmlns:p14="http://schemas.microsoft.com/office/powerpoint/2010/main" val="1631621944"/>
+      </p:ext>
+    </p:extLst>
+  </p:cSld>
+  <p:clrMapOvr>
+    <a:masterClrMapping/>
+  </p:clrMapOvr>
+  <p:timing>
+    <p:tnLst>
+      <p:par>
+        <p:cTn id="1" dur="indefinite" restart="never" nodeType="tmRoot"/>
+      </p:par>
+    </p:tnLst>
+  </p:timing>
+</p:sld>
+</file>
+
+<file path=ppt/slides/slide20.xml><?xml version="1.0" encoding="utf-8"?>
 <p:sld xmlns:a="http://schemas.openxmlformats.org/drawingml/2006/main" xmlns:r="http://schemas.openxmlformats.org/officeDocument/2006/relationships" xmlns:p="http://schemas.openxmlformats.org/presentationml/2006/main" show="0">
   <p:cSld>
     <p:spTree>
@@ -6707,7 +6782,7 @@
 </p:sld>
 </file>
 
-<file path=ppt/slides/slide22.xml><?xml version="1.0" encoding="utf-8"?>
+<file path=ppt/slides/slide21.xml><?xml version="1.0" encoding="utf-8"?>
 <p:sld xmlns:a="http://schemas.openxmlformats.org/drawingml/2006/main" xmlns:r="http://schemas.openxmlformats.org/officeDocument/2006/relationships" xmlns:p="http://schemas.openxmlformats.org/presentationml/2006/main" show="0">
   <p:cSld>
     <p:spTree>
@@ -6776,7 +6851,7 @@
 </p:sld>
 </file>
 
-<file path=ppt/slides/slide23.xml><?xml version="1.0" encoding="utf-8"?>
+<file path=ppt/slides/slide22.xml><?xml version="1.0" encoding="utf-8"?>
 <p:sld xmlns:a="http://schemas.openxmlformats.org/drawingml/2006/main" xmlns:r="http://schemas.openxmlformats.org/officeDocument/2006/relationships" xmlns:p="http://schemas.openxmlformats.org/presentationml/2006/main">
   <p:cSld>
     <p:spTree>
@@ -6837,8 +6912,8 @@
 </p:sld>
 </file>
 
-<file path=ppt/slides/slide24.xml><?xml version="1.0" encoding="utf-8"?>
-<p:sld xmlns:a="http://schemas.openxmlformats.org/drawingml/2006/main" xmlns:r="http://schemas.openxmlformats.org/officeDocument/2006/relationships" xmlns:p="http://schemas.openxmlformats.org/presentationml/2006/main">
+<file path=ppt/slides/slide23.xml><?xml version="1.0" encoding="utf-8"?>
+<p:sld xmlns:a="http://schemas.openxmlformats.org/drawingml/2006/main" xmlns:r="http://schemas.openxmlformats.org/officeDocument/2006/relationships" xmlns:p="http://schemas.openxmlformats.org/presentationml/2006/main" show="0">
   <p:cSld>
     <p:spTree>
       <p:nvGrpSpPr>
@@ -6901,6 +6976,14 @@
   <p:clrMapOvr>
     <a:masterClrMapping/>
   </p:clrMapOvr>
+  <mc:AlternateContent xmlns:mc="http://schemas.openxmlformats.org/markup-compatibility/2006" xmlns:p14="http://schemas.microsoft.com/office/powerpoint/2010/main">
+    <mc:Choice Requires="p14">
+      <p:transition spd="slow" p14:dur="2000"/>
+    </mc:Choice>
+    <mc:Fallback xmlns="">
+      <p:transition spd="slow"/>
+    </mc:Fallback>
+  </mc:AlternateContent>
   <p:timing>
     <p:tnLst>
       <p:par>
@@ -6911,8 +6994,8 @@
 </p:sld>
 </file>
 
-<file path=ppt/slides/slide25.xml><?xml version="1.0" encoding="utf-8"?>
-<p:sld xmlns:a="http://schemas.openxmlformats.org/drawingml/2006/main" xmlns:r="http://schemas.openxmlformats.org/officeDocument/2006/relationships" xmlns:p="http://schemas.openxmlformats.org/presentationml/2006/main">
+<file path=ppt/slides/slide24.xml><?xml version="1.0" encoding="utf-8"?>
+<p:sld xmlns:a="http://schemas.openxmlformats.org/drawingml/2006/main" xmlns:r="http://schemas.openxmlformats.org/officeDocument/2006/relationships" xmlns:p="http://schemas.openxmlformats.org/presentationml/2006/main" show="0">
   <p:cSld>
     <p:spTree>
       <p:nvGrpSpPr>
@@ -7010,6 +7093,14 @@
   <p:clrMapOvr>
     <a:masterClrMapping/>
   </p:clrMapOvr>
+  <mc:AlternateContent xmlns:mc="http://schemas.openxmlformats.org/markup-compatibility/2006" xmlns:p14="http://schemas.microsoft.com/office/powerpoint/2010/main">
+    <mc:Choice Requires="p14">
+      <p:transition spd="slow" p14:dur="2000"/>
+    </mc:Choice>
+    <mc:Fallback xmlns="">
+      <p:transition spd="slow"/>
+    </mc:Fallback>
+  </mc:AlternateContent>
   <p:timing>
     <p:tnLst>
       <p:par>
@@ -7020,7 +7111,7 @@
 </p:sld>
 </file>
 
-<file path=ppt/slides/slide26.xml><?xml version="1.0" encoding="utf-8"?>
+<file path=ppt/slides/slide25.xml><?xml version="1.0" encoding="utf-8"?>
 <p:sld xmlns:a="http://schemas.openxmlformats.org/drawingml/2006/main" xmlns:r="http://schemas.openxmlformats.org/officeDocument/2006/relationships" xmlns:p="http://schemas.openxmlformats.org/presentationml/2006/main" show="0">
   <p:cSld>
     <p:spTree>
@@ -7505,7 +7596,7 @@
 </p:sld>
 </file>
 
-<file path=ppt/slides/slide27.xml><?xml version="1.0" encoding="utf-8"?>
+<file path=ppt/slides/slide26.xml><?xml version="1.0" encoding="utf-8"?>
 <p:sld xmlns:a="http://schemas.openxmlformats.org/drawingml/2006/main" xmlns:r="http://schemas.openxmlformats.org/officeDocument/2006/relationships" xmlns:p="http://schemas.openxmlformats.org/presentationml/2006/main">
   <p:cSld>
     <p:spTree>
@@ -7579,7 +7670,7 @@
 </p:sld>
 </file>
 
-<file path=ppt/slides/slide28.xml><?xml version="1.0" encoding="utf-8"?>
+<file path=ppt/slides/slide27.xml><?xml version="1.0" encoding="utf-8"?>
 <p:sld xmlns:a="http://schemas.openxmlformats.org/drawingml/2006/main" xmlns:r="http://schemas.openxmlformats.org/officeDocument/2006/relationships" xmlns:p="http://schemas.openxmlformats.org/presentationml/2006/main">
   <p:cSld>
     <p:spTree>
@@ -8763,7 +8854,7 @@
 </p:sld>
 </file>
 
-<file path=ppt/slides/slide29.xml><?xml version="1.0" encoding="utf-8"?>
+<file path=ppt/slides/slide28.xml><?xml version="1.0" encoding="utf-8"?>
 <p:sld xmlns:a="http://schemas.openxmlformats.org/drawingml/2006/main" xmlns:r="http://schemas.openxmlformats.org/officeDocument/2006/relationships" xmlns:p="http://schemas.openxmlformats.org/presentationml/2006/main">
   <p:cSld>
     <p:spTree>
@@ -8824,550 +8915,7 @@
 </p:sld>
 </file>
 
-<file path=ppt/slides/slide3.xml><?xml version="1.0" encoding="utf-8"?>
-<p:sld xmlns:a="http://schemas.openxmlformats.org/drawingml/2006/main" xmlns:r="http://schemas.openxmlformats.org/officeDocument/2006/relationships" xmlns:p="http://schemas.openxmlformats.org/presentationml/2006/main">
-  <p:cSld>
-    <p:spTree>
-      <p:nvGrpSpPr>
-        <p:cNvPr id="1" name=""/>
-        <p:cNvGrpSpPr/>
-        <p:nvPr/>
-      </p:nvGrpSpPr>
-      <p:grpSpPr>
-        <a:xfrm>
-          <a:off x="0" y="0"/>
-          <a:ext cx="0" cy="0"/>
-          <a:chOff x="0" y="0"/>
-          <a:chExt cx="0" cy="0"/>
-        </a:xfrm>
-      </p:grpSpPr>
-      <p:pic>
-        <p:nvPicPr>
-          <p:cNvPr id="4" name="Picture 3"/>
-          <p:cNvPicPr>
-            <a:picLocks noChangeAspect="1"/>
-          </p:cNvPicPr>
-          <p:nvPr/>
-        </p:nvPicPr>
-        <p:blipFill>
-          <a:blip r:embed="rId2" cstate="print">
-            <a:extLst>
-              <a:ext uri="{28A0092B-C50C-407E-A947-70E740481C1C}">
-                <a14:useLocalDpi xmlns:a14="http://schemas.microsoft.com/office/drawing/2010/main" val="0"/>
-              </a:ext>
-            </a:extLst>
-          </a:blip>
-          <a:stretch>
-            <a:fillRect/>
-          </a:stretch>
-        </p:blipFill>
-        <p:spPr>
-          <a:xfrm>
-            <a:off x="6801758" y="551542"/>
-            <a:ext cx="4151086" cy="4151086"/>
-          </a:xfrm>
-          <a:prstGeom prst="rect">
-            <a:avLst/>
-          </a:prstGeom>
-        </p:spPr>
-      </p:pic>
-      <p:sp>
-        <p:nvSpPr>
-          <p:cNvPr id="5" name="Title 1"/>
-          <p:cNvSpPr>
-            <a:spLocks noGrp="1"/>
-          </p:cNvSpPr>
-          <p:nvPr/>
-        </p:nvSpPr>
-        <p:spPr>
-          <a:xfrm>
-            <a:off x="969532" y="1828800"/>
-            <a:ext cx="4925281" cy="1325563"/>
-          </a:xfrm>
-          <a:prstGeom prst="rect">
-            <a:avLst/>
-          </a:prstGeom>
-        </p:spPr>
-        <p:txBody>
-          <a:bodyPr vert="horz" lIns="91440" tIns="45720" rIns="91440" bIns="45720" rtlCol="0" anchor="ctr">
-            <a:noAutofit/>
-          </a:bodyPr>
-          <a:lstStyle>
-            <a:lvl1pPr algn="l" defTabSz="914400" rtl="0" eaLnBrk="1" latinLnBrk="0" hangingPunct="1">
-              <a:lnSpc>
-                <a:spcPct val="90000"/>
-              </a:lnSpc>
-              <a:spcBef>
-                <a:spcPct val="0"/>
-              </a:spcBef>
-              <a:buNone/>
-              <a:defRPr sz="4400" kern="1200">
-                <a:solidFill>
-                  <a:schemeClr val="tx1"/>
-                </a:solidFill>
-                <a:latin typeface="+mj-lt"/>
-                <a:ea typeface="+mj-ea"/>
-                <a:cs typeface="+mj-cs"/>
-              </a:defRPr>
-            </a:lvl1pPr>
-          </a:lstStyle>
-          <a:p>
-            <a:r>
-              <a:rPr lang="en-US" sz="6000" dirty="0" smtClean="0">
-                <a:cs typeface="Segoe UI Light" panose="020B0502040204020203" pitchFamily="34" charset="0"/>
-              </a:rPr>
-              <a:t>Alexander Zyl</a:t>
-            </a:r>
-            <a:endParaRPr lang="en-US" sz="6000" dirty="0">
-              <a:cs typeface="Segoe UI Light" panose="020B0502040204020203" pitchFamily="34" charset="0"/>
-            </a:endParaRPr>
-          </a:p>
-        </p:txBody>
-      </p:sp>
-      <p:sp>
-        <p:nvSpPr>
-          <p:cNvPr id="6" name="TextBox 5"/>
-          <p:cNvSpPr txBox="1"/>
-          <p:nvPr/>
-        </p:nvSpPr>
-        <p:spPr>
-          <a:xfrm>
-            <a:off x="969532" y="2833142"/>
-            <a:ext cx="5908284" cy="769441"/>
-          </a:xfrm>
-          <a:prstGeom prst="rect">
-            <a:avLst/>
-          </a:prstGeom>
-          <a:noFill/>
-        </p:spPr>
-        <p:txBody>
-          <a:bodyPr wrap="none" rtlCol="0">
-            <a:spAutoFit/>
-          </a:bodyPr>
-          <a:lstStyle>
-            <a:defPPr>
-              <a:defRPr lang="en-US"/>
-            </a:defPPr>
-            <a:lvl1pPr marL="0" algn="l" defTabSz="914400" rtl="0" eaLnBrk="1" latinLnBrk="0" hangingPunct="1">
-              <a:defRPr sz="1800" kern="1200">
-                <a:solidFill>
-                  <a:schemeClr val="tx1"/>
-                </a:solidFill>
-                <a:latin typeface="+mn-lt"/>
-                <a:ea typeface="+mn-ea"/>
-                <a:cs typeface="+mn-cs"/>
-              </a:defRPr>
-            </a:lvl1pPr>
-            <a:lvl2pPr marL="457200" algn="l" defTabSz="914400" rtl="0" eaLnBrk="1" latinLnBrk="0" hangingPunct="1">
-              <a:defRPr sz="1800" kern="1200">
-                <a:solidFill>
-                  <a:schemeClr val="tx1"/>
-                </a:solidFill>
-                <a:latin typeface="+mn-lt"/>
-                <a:ea typeface="+mn-ea"/>
-                <a:cs typeface="+mn-cs"/>
-              </a:defRPr>
-            </a:lvl2pPr>
-            <a:lvl3pPr marL="914400" algn="l" defTabSz="914400" rtl="0" eaLnBrk="1" latinLnBrk="0" hangingPunct="1">
-              <a:defRPr sz="1800" kern="1200">
-                <a:solidFill>
-                  <a:schemeClr val="tx1"/>
-                </a:solidFill>
-                <a:latin typeface="+mn-lt"/>
-                <a:ea typeface="+mn-ea"/>
-                <a:cs typeface="+mn-cs"/>
-              </a:defRPr>
-            </a:lvl3pPr>
-            <a:lvl4pPr marL="1371600" algn="l" defTabSz="914400" rtl="0" eaLnBrk="1" latinLnBrk="0" hangingPunct="1">
-              <a:defRPr sz="1800" kern="1200">
-                <a:solidFill>
-                  <a:schemeClr val="tx1"/>
-                </a:solidFill>
-                <a:latin typeface="+mn-lt"/>
-                <a:ea typeface="+mn-ea"/>
-                <a:cs typeface="+mn-cs"/>
-              </a:defRPr>
-            </a:lvl4pPr>
-            <a:lvl5pPr marL="1828800" algn="l" defTabSz="914400" rtl="0" eaLnBrk="1" latinLnBrk="0" hangingPunct="1">
-              <a:defRPr sz="1800" kern="1200">
-                <a:solidFill>
-                  <a:schemeClr val="tx1"/>
-                </a:solidFill>
-                <a:latin typeface="+mn-lt"/>
-                <a:ea typeface="+mn-ea"/>
-                <a:cs typeface="+mn-cs"/>
-              </a:defRPr>
-            </a:lvl5pPr>
-            <a:lvl6pPr marL="2286000" algn="l" defTabSz="914400" rtl="0" eaLnBrk="1" latinLnBrk="0" hangingPunct="1">
-              <a:defRPr sz="1800" kern="1200">
-                <a:solidFill>
-                  <a:schemeClr val="tx1"/>
-                </a:solidFill>
-                <a:latin typeface="+mn-lt"/>
-                <a:ea typeface="+mn-ea"/>
-                <a:cs typeface="+mn-cs"/>
-              </a:defRPr>
-            </a:lvl6pPr>
-            <a:lvl7pPr marL="2743200" algn="l" defTabSz="914400" rtl="0" eaLnBrk="1" latinLnBrk="0" hangingPunct="1">
-              <a:defRPr sz="1800" kern="1200">
-                <a:solidFill>
-                  <a:schemeClr val="tx1"/>
-                </a:solidFill>
-                <a:latin typeface="+mn-lt"/>
-                <a:ea typeface="+mn-ea"/>
-                <a:cs typeface="+mn-cs"/>
-              </a:defRPr>
-            </a:lvl7pPr>
-            <a:lvl8pPr marL="3200400" algn="l" defTabSz="914400" rtl="0" eaLnBrk="1" latinLnBrk="0" hangingPunct="1">
-              <a:defRPr sz="1800" kern="1200">
-                <a:solidFill>
-                  <a:schemeClr val="tx1"/>
-                </a:solidFill>
-                <a:latin typeface="+mn-lt"/>
-                <a:ea typeface="+mn-ea"/>
-                <a:cs typeface="+mn-cs"/>
-              </a:defRPr>
-            </a:lvl8pPr>
-            <a:lvl9pPr marL="3657600" algn="l" defTabSz="914400" rtl="0" eaLnBrk="1" latinLnBrk="0" hangingPunct="1">
-              <a:defRPr sz="1800" kern="1200">
-                <a:solidFill>
-                  <a:schemeClr val="tx1"/>
-                </a:solidFill>
-                <a:latin typeface="+mn-lt"/>
-                <a:ea typeface="+mn-ea"/>
-                <a:cs typeface="+mn-cs"/>
-              </a:defRPr>
-            </a:lvl9pPr>
-          </a:lstStyle>
-          <a:p>
-            <a:r>
-              <a:rPr lang="en-US" sz="4400" dirty="0" smtClean="0">
-                <a:latin typeface="Calibri Light" panose="020F0302020204030204" pitchFamily="34" charset="0"/>
-                <a:cs typeface="Segoe UI Light" panose="020B0502040204020203" pitchFamily="34" charset="0"/>
-              </a:rPr>
-              <a:t>Senior Software Engineer</a:t>
-            </a:r>
-            <a:endParaRPr lang="en-US" sz="4400" dirty="0">
-              <a:latin typeface="Calibri Light" panose="020F0302020204030204" pitchFamily="34" charset="0"/>
-              <a:cs typeface="Segoe UI Light" panose="020B0502040204020203" pitchFamily="34" charset="0"/>
-            </a:endParaRPr>
-          </a:p>
-        </p:txBody>
-      </p:sp>
-      <p:sp>
-        <p:nvSpPr>
-          <p:cNvPr id="10" name="TextBox 9"/>
-          <p:cNvSpPr txBox="1"/>
-          <p:nvPr/>
-        </p:nvSpPr>
-        <p:spPr>
-          <a:xfrm>
-            <a:off x="969532" y="3602583"/>
-            <a:ext cx="5167890" cy="769441"/>
-          </a:xfrm>
-          <a:prstGeom prst="rect">
-            <a:avLst/>
-          </a:prstGeom>
-          <a:noFill/>
-        </p:spPr>
-        <p:txBody>
-          <a:bodyPr wrap="none" rtlCol="0">
-            <a:spAutoFit/>
-          </a:bodyPr>
-          <a:lstStyle>
-            <a:defPPr>
-              <a:defRPr lang="en-US"/>
-            </a:defPPr>
-            <a:lvl1pPr marL="0" algn="l" defTabSz="914400" rtl="0" eaLnBrk="1" latinLnBrk="0" hangingPunct="1">
-              <a:defRPr sz="1800" kern="1200">
-                <a:solidFill>
-                  <a:schemeClr val="tx1"/>
-                </a:solidFill>
-                <a:latin typeface="+mn-lt"/>
-                <a:ea typeface="+mn-ea"/>
-                <a:cs typeface="+mn-cs"/>
-              </a:defRPr>
-            </a:lvl1pPr>
-            <a:lvl2pPr marL="457200" algn="l" defTabSz="914400" rtl="0" eaLnBrk="1" latinLnBrk="0" hangingPunct="1">
-              <a:defRPr sz="1800" kern="1200">
-                <a:solidFill>
-                  <a:schemeClr val="tx1"/>
-                </a:solidFill>
-                <a:latin typeface="+mn-lt"/>
-                <a:ea typeface="+mn-ea"/>
-                <a:cs typeface="+mn-cs"/>
-              </a:defRPr>
-            </a:lvl2pPr>
-            <a:lvl3pPr marL="914400" algn="l" defTabSz="914400" rtl="0" eaLnBrk="1" latinLnBrk="0" hangingPunct="1">
-              <a:defRPr sz="1800" kern="1200">
-                <a:solidFill>
-                  <a:schemeClr val="tx1"/>
-                </a:solidFill>
-                <a:latin typeface="+mn-lt"/>
-                <a:ea typeface="+mn-ea"/>
-                <a:cs typeface="+mn-cs"/>
-              </a:defRPr>
-            </a:lvl3pPr>
-            <a:lvl4pPr marL="1371600" algn="l" defTabSz="914400" rtl="0" eaLnBrk="1" latinLnBrk="0" hangingPunct="1">
-              <a:defRPr sz="1800" kern="1200">
-                <a:solidFill>
-                  <a:schemeClr val="tx1"/>
-                </a:solidFill>
-                <a:latin typeface="+mn-lt"/>
-                <a:ea typeface="+mn-ea"/>
-                <a:cs typeface="+mn-cs"/>
-              </a:defRPr>
-            </a:lvl4pPr>
-            <a:lvl5pPr marL="1828800" algn="l" defTabSz="914400" rtl="0" eaLnBrk="1" latinLnBrk="0" hangingPunct="1">
-              <a:defRPr sz="1800" kern="1200">
-                <a:solidFill>
-                  <a:schemeClr val="tx1"/>
-                </a:solidFill>
-                <a:latin typeface="+mn-lt"/>
-                <a:ea typeface="+mn-ea"/>
-                <a:cs typeface="+mn-cs"/>
-              </a:defRPr>
-            </a:lvl5pPr>
-            <a:lvl6pPr marL="2286000" algn="l" defTabSz="914400" rtl="0" eaLnBrk="1" latinLnBrk="0" hangingPunct="1">
-              <a:defRPr sz="1800" kern="1200">
-                <a:solidFill>
-                  <a:schemeClr val="tx1"/>
-                </a:solidFill>
-                <a:latin typeface="+mn-lt"/>
-                <a:ea typeface="+mn-ea"/>
-                <a:cs typeface="+mn-cs"/>
-              </a:defRPr>
-            </a:lvl6pPr>
-            <a:lvl7pPr marL="2743200" algn="l" defTabSz="914400" rtl="0" eaLnBrk="1" latinLnBrk="0" hangingPunct="1">
-              <a:defRPr sz="1800" kern="1200">
-                <a:solidFill>
-                  <a:schemeClr val="tx1"/>
-                </a:solidFill>
-                <a:latin typeface="+mn-lt"/>
-                <a:ea typeface="+mn-ea"/>
-                <a:cs typeface="+mn-cs"/>
-              </a:defRPr>
-            </a:lvl7pPr>
-            <a:lvl8pPr marL="3200400" algn="l" defTabSz="914400" rtl="0" eaLnBrk="1" latinLnBrk="0" hangingPunct="1">
-              <a:defRPr sz="1800" kern="1200">
-                <a:solidFill>
-                  <a:schemeClr val="tx1"/>
-                </a:solidFill>
-                <a:latin typeface="+mn-lt"/>
-                <a:ea typeface="+mn-ea"/>
-                <a:cs typeface="+mn-cs"/>
-              </a:defRPr>
-            </a:lvl8pPr>
-            <a:lvl9pPr marL="3657600" algn="l" defTabSz="914400" rtl="0" eaLnBrk="1" latinLnBrk="0" hangingPunct="1">
-              <a:defRPr sz="1800" kern="1200">
-                <a:solidFill>
-                  <a:schemeClr val="tx1"/>
-                </a:solidFill>
-                <a:latin typeface="+mn-lt"/>
-                <a:ea typeface="+mn-ea"/>
-                <a:cs typeface="+mn-cs"/>
-              </a:defRPr>
-            </a:lvl9pPr>
-          </a:lstStyle>
-          <a:p>
-            <a:r>
-              <a:rPr lang="en-US" sz="4400" dirty="0" smtClean="0">
-                <a:latin typeface="Calibri Light" panose="020F0302020204030204" pitchFamily="34" charset="0"/>
-                <a:cs typeface="Segoe UI Light" panose="020B0502040204020203" pitchFamily="34" charset="0"/>
-              </a:rPr>
-              <a:t>alex.zyl@outlook.com</a:t>
-            </a:r>
-            <a:endParaRPr lang="en-US" sz="4400" dirty="0">
-              <a:latin typeface="Calibri Light" panose="020F0302020204030204" pitchFamily="34" charset="0"/>
-              <a:cs typeface="Segoe UI Light" panose="020B0502040204020203" pitchFamily="34" charset="0"/>
-            </a:endParaRPr>
-          </a:p>
-        </p:txBody>
-      </p:sp>
-      <p:pic>
-        <p:nvPicPr>
-          <p:cNvPr id="3" name="Picture 2"/>
-          <p:cNvPicPr>
-            <a:picLocks noChangeAspect="1"/>
-          </p:cNvPicPr>
-          <p:nvPr/>
-        </p:nvPicPr>
-        <p:blipFill>
-          <a:blip r:embed="rId3"/>
-          <a:stretch>
-            <a:fillRect/>
-          </a:stretch>
-        </p:blipFill>
-        <p:spPr>
-          <a:xfrm>
-            <a:off x="969532" y="551542"/>
-            <a:ext cx="4044343" cy="827166"/>
-          </a:xfrm>
-          <a:prstGeom prst="rect">
-            <a:avLst/>
-          </a:prstGeom>
-        </p:spPr>
-      </p:pic>
-      <p:sp>
-        <p:nvSpPr>
-          <p:cNvPr id="8" name="TextBox 7"/>
-          <p:cNvSpPr txBox="1"/>
-          <p:nvPr/>
-        </p:nvSpPr>
-        <p:spPr>
-          <a:xfrm>
-            <a:off x="969531" y="5499462"/>
-            <a:ext cx="6920356" cy="769441"/>
-          </a:xfrm>
-          <a:prstGeom prst="rect">
-            <a:avLst/>
-          </a:prstGeom>
-          <a:noFill/>
-        </p:spPr>
-        <p:txBody>
-          <a:bodyPr wrap="none" rtlCol="0">
-            <a:spAutoFit/>
-          </a:bodyPr>
-          <a:lstStyle>
-            <a:defPPr>
-              <a:defRPr lang="en-US"/>
-            </a:defPPr>
-            <a:lvl1pPr marL="0" algn="l" defTabSz="914400" rtl="0" eaLnBrk="1" latinLnBrk="0" hangingPunct="1">
-              <a:defRPr sz="1800" kern="1200">
-                <a:solidFill>
-                  <a:schemeClr val="tx1"/>
-                </a:solidFill>
-                <a:latin typeface="+mn-lt"/>
-                <a:ea typeface="+mn-ea"/>
-                <a:cs typeface="+mn-cs"/>
-              </a:defRPr>
-            </a:lvl1pPr>
-            <a:lvl2pPr marL="457200" algn="l" defTabSz="914400" rtl="0" eaLnBrk="1" latinLnBrk="0" hangingPunct="1">
-              <a:defRPr sz="1800" kern="1200">
-                <a:solidFill>
-                  <a:schemeClr val="tx1"/>
-                </a:solidFill>
-                <a:latin typeface="+mn-lt"/>
-                <a:ea typeface="+mn-ea"/>
-                <a:cs typeface="+mn-cs"/>
-              </a:defRPr>
-            </a:lvl2pPr>
-            <a:lvl3pPr marL="914400" algn="l" defTabSz="914400" rtl="0" eaLnBrk="1" latinLnBrk="0" hangingPunct="1">
-              <a:defRPr sz="1800" kern="1200">
-                <a:solidFill>
-                  <a:schemeClr val="tx1"/>
-                </a:solidFill>
-                <a:latin typeface="+mn-lt"/>
-                <a:ea typeface="+mn-ea"/>
-                <a:cs typeface="+mn-cs"/>
-              </a:defRPr>
-            </a:lvl3pPr>
-            <a:lvl4pPr marL="1371600" algn="l" defTabSz="914400" rtl="0" eaLnBrk="1" latinLnBrk="0" hangingPunct="1">
-              <a:defRPr sz="1800" kern="1200">
-                <a:solidFill>
-                  <a:schemeClr val="tx1"/>
-                </a:solidFill>
-                <a:latin typeface="+mn-lt"/>
-                <a:ea typeface="+mn-ea"/>
-                <a:cs typeface="+mn-cs"/>
-              </a:defRPr>
-            </a:lvl4pPr>
-            <a:lvl5pPr marL="1828800" algn="l" defTabSz="914400" rtl="0" eaLnBrk="1" latinLnBrk="0" hangingPunct="1">
-              <a:defRPr sz="1800" kern="1200">
-                <a:solidFill>
-                  <a:schemeClr val="tx1"/>
-                </a:solidFill>
-                <a:latin typeface="+mn-lt"/>
-                <a:ea typeface="+mn-ea"/>
-                <a:cs typeface="+mn-cs"/>
-              </a:defRPr>
-            </a:lvl5pPr>
-            <a:lvl6pPr marL="2286000" algn="l" defTabSz="914400" rtl="0" eaLnBrk="1" latinLnBrk="0" hangingPunct="1">
-              <a:defRPr sz="1800" kern="1200">
-                <a:solidFill>
-                  <a:schemeClr val="tx1"/>
-                </a:solidFill>
-                <a:latin typeface="+mn-lt"/>
-                <a:ea typeface="+mn-ea"/>
-                <a:cs typeface="+mn-cs"/>
-              </a:defRPr>
-            </a:lvl6pPr>
-            <a:lvl7pPr marL="2743200" algn="l" defTabSz="914400" rtl="0" eaLnBrk="1" latinLnBrk="0" hangingPunct="1">
-              <a:defRPr sz="1800" kern="1200">
-                <a:solidFill>
-                  <a:schemeClr val="tx1"/>
-                </a:solidFill>
-                <a:latin typeface="+mn-lt"/>
-                <a:ea typeface="+mn-ea"/>
-                <a:cs typeface="+mn-cs"/>
-              </a:defRPr>
-            </a:lvl7pPr>
-            <a:lvl8pPr marL="3200400" algn="l" defTabSz="914400" rtl="0" eaLnBrk="1" latinLnBrk="0" hangingPunct="1">
-              <a:defRPr sz="1800" kern="1200">
-                <a:solidFill>
-                  <a:schemeClr val="tx1"/>
-                </a:solidFill>
-                <a:latin typeface="+mn-lt"/>
-                <a:ea typeface="+mn-ea"/>
-                <a:cs typeface="+mn-cs"/>
-              </a:defRPr>
-            </a:lvl8pPr>
-            <a:lvl9pPr marL="3657600" algn="l" defTabSz="914400" rtl="0" eaLnBrk="1" latinLnBrk="0" hangingPunct="1">
-              <a:defRPr sz="1800" kern="1200">
-                <a:solidFill>
-                  <a:schemeClr val="tx1"/>
-                </a:solidFill>
-                <a:latin typeface="+mn-lt"/>
-                <a:ea typeface="+mn-ea"/>
-                <a:cs typeface="+mn-cs"/>
-              </a:defRPr>
-            </a:lvl9pPr>
-          </a:lstStyle>
-          <a:p>
-            <a:r>
-              <a:rPr lang="en-US" sz="4400" dirty="0">
-                <a:latin typeface="Calibri Light" panose="020F0302020204030204" pitchFamily="34" charset="0"/>
-                <a:cs typeface="Segoe UI Light" panose="020B0502040204020203" pitchFamily="34" charset="0"/>
-                <a:hlinkClick r:id="rId4"/>
-              </a:rPr>
-              <a:t>https</a:t>
-            </a:r>
-            <a:r>
-              <a:rPr lang="en-US" sz="4400" dirty="0" smtClean="0">
-                <a:latin typeface="Calibri Light" panose="020F0302020204030204" pitchFamily="34" charset="0"/>
-                <a:cs typeface="Segoe UI Light" panose="020B0502040204020203" pitchFamily="34" charset="0"/>
-                <a:hlinkClick r:id="rId4"/>
-              </a:rPr>
-              <a:t>://facebook.com/zyl.alex</a:t>
-            </a:r>
-            <a:endParaRPr lang="en-US" sz="4400" dirty="0">
-              <a:latin typeface="Calibri Light" panose="020F0302020204030204" pitchFamily="34" charset="0"/>
-              <a:cs typeface="Segoe UI Light" panose="020B0502040204020203" pitchFamily="34" charset="0"/>
-            </a:endParaRPr>
-          </a:p>
-        </p:txBody>
-      </p:sp>
-    </p:spTree>
-    <p:extLst>
-      <p:ext uri="{BB962C8B-B14F-4D97-AF65-F5344CB8AC3E}">
-        <p14:creationId xmlns:p14="http://schemas.microsoft.com/office/powerpoint/2010/main" val="971823305"/>
-      </p:ext>
-    </p:extLst>
-  </p:cSld>
-  <p:clrMapOvr>
-    <a:masterClrMapping/>
-  </p:clrMapOvr>
-  <p:timing>
-    <p:tnLst>
-      <p:par>
-        <p:cTn id="1" dur="indefinite" restart="never" nodeType="tmRoot"/>
-      </p:par>
-    </p:tnLst>
-  </p:timing>
-</p:sld>
-</file>
-
-<file path=ppt/slides/slide30.xml><?xml version="1.0" encoding="utf-8"?>
+<file path=ppt/slides/slide29.xml><?xml version="1.0" encoding="utf-8"?>
 <p:sld xmlns:a="http://schemas.openxmlformats.org/drawingml/2006/main" xmlns:r="http://schemas.openxmlformats.org/officeDocument/2006/relationships" xmlns:p="http://schemas.openxmlformats.org/presentationml/2006/main">
   <p:cSld>
     <p:spTree>
@@ -9827,7 +9375,550 @@
 </p:sld>
 </file>
 
-<file path=ppt/slides/slide31.xml><?xml version="1.0" encoding="utf-8"?>
+<file path=ppt/slides/slide3.xml><?xml version="1.0" encoding="utf-8"?>
+<p:sld xmlns:a="http://schemas.openxmlformats.org/drawingml/2006/main" xmlns:r="http://schemas.openxmlformats.org/officeDocument/2006/relationships" xmlns:p="http://schemas.openxmlformats.org/presentationml/2006/main">
+  <p:cSld>
+    <p:spTree>
+      <p:nvGrpSpPr>
+        <p:cNvPr id="1" name=""/>
+        <p:cNvGrpSpPr/>
+        <p:nvPr/>
+      </p:nvGrpSpPr>
+      <p:grpSpPr>
+        <a:xfrm>
+          <a:off x="0" y="0"/>
+          <a:ext cx="0" cy="0"/>
+          <a:chOff x="0" y="0"/>
+          <a:chExt cx="0" cy="0"/>
+        </a:xfrm>
+      </p:grpSpPr>
+      <p:pic>
+        <p:nvPicPr>
+          <p:cNvPr id="4" name="Picture 3"/>
+          <p:cNvPicPr>
+            <a:picLocks noChangeAspect="1"/>
+          </p:cNvPicPr>
+          <p:nvPr/>
+        </p:nvPicPr>
+        <p:blipFill>
+          <a:blip r:embed="rId2" cstate="print">
+            <a:extLst>
+              <a:ext uri="{28A0092B-C50C-407E-A947-70E740481C1C}">
+                <a14:useLocalDpi xmlns:a14="http://schemas.microsoft.com/office/drawing/2010/main" val="0"/>
+              </a:ext>
+            </a:extLst>
+          </a:blip>
+          <a:stretch>
+            <a:fillRect/>
+          </a:stretch>
+        </p:blipFill>
+        <p:spPr>
+          <a:xfrm>
+            <a:off x="6801758" y="551542"/>
+            <a:ext cx="4151086" cy="4151086"/>
+          </a:xfrm>
+          <a:prstGeom prst="rect">
+            <a:avLst/>
+          </a:prstGeom>
+        </p:spPr>
+      </p:pic>
+      <p:sp>
+        <p:nvSpPr>
+          <p:cNvPr id="5" name="Title 1"/>
+          <p:cNvSpPr>
+            <a:spLocks noGrp="1"/>
+          </p:cNvSpPr>
+          <p:nvPr/>
+        </p:nvSpPr>
+        <p:spPr>
+          <a:xfrm>
+            <a:off x="969532" y="1828800"/>
+            <a:ext cx="4925281" cy="1325563"/>
+          </a:xfrm>
+          <a:prstGeom prst="rect">
+            <a:avLst/>
+          </a:prstGeom>
+        </p:spPr>
+        <p:txBody>
+          <a:bodyPr vert="horz" lIns="91440" tIns="45720" rIns="91440" bIns="45720" rtlCol="0" anchor="ctr">
+            <a:noAutofit/>
+          </a:bodyPr>
+          <a:lstStyle>
+            <a:lvl1pPr algn="l" defTabSz="914400" rtl="0" eaLnBrk="1" latinLnBrk="0" hangingPunct="1">
+              <a:lnSpc>
+                <a:spcPct val="90000"/>
+              </a:lnSpc>
+              <a:spcBef>
+                <a:spcPct val="0"/>
+              </a:spcBef>
+              <a:buNone/>
+              <a:defRPr sz="4400" kern="1200">
+                <a:solidFill>
+                  <a:schemeClr val="tx1"/>
+                </a:solidFill>
+                <a:latin typeface="+mj-lt"/>
+                <a:ea typeface="+mj-ea"/>
+                <a:cs typeface="+mj-cs"/>
+              </a:defRPr>
+            </a:lvl1pPr>
+          </a:lstStyle>
+          <a:p>
+            <a:r>
+              <a:rPr lang="en-US" sz="6000" dirty="0" smtClean="0">
+                <a:cs typeface="Segoe UI Light" panose="020B0502040204020203" pitchFamily="34" charset="0"/>
+              </a:rPr>
+              <a:t>Alexander Zyl</a:t>
+            </a:r>
+            <a:endParaRPr lang="en-US" sz="6000" dirty="0">
+              <a:cs typeface="Segoe UI Light" panose="020B0502040204020203" pitchFamily="34" charset="0"/>
+            </a:endParaRPr>
+          </a:p>
+        </p:txBody>
+      </p:sp>
+      <p:sp>
+        <p:nvSpPr>
+          <p:cNvPr id="6" name="TextBox 5"/>
+          <p:cNvSpPr txBox="1"/>
+          <p:nvPr/>
+        </p:nvSpPr>
+        <p:spPr>
+          <a:xfrm>
+            <a:off x="969532" y="2833142"/>
+            <a:ext cx="5908284" cy="769441"/>
+          </a:xfrm>
+          <a:prstGeom prst="rect">
+            <a:avLst/>
+          </a:prstGeom>
+          <a:noFill/>
+        </p:spPr>
+        <p:txBody>
+          <a:bodyPr wrap="none" rtlCol="0">
+            <a:spAutoFit/>
+          </a:bodyPr>
+          <a:lstStyle>
+            <a:defPPr>
+              <a:defRPr lang="en-US"/>
+            </a:defPPr>
+            <a:lvl1pPr marL="0" algn="l" defTabSz="914400" rtl="0" eaLnBrk="1" latinLnBrk="0" hangingPunct="1">
+              <a:defRPr sz="1800" kern="1200">
+                <a:solidFill>
+                  <a:schemeClr val="tx1"/>
+                </a:solidFill>
+                <a:latin typeface="+mn-lt"/>
+                <a:ea typeface="+mn-ea"/>
+                <a:cs typeface="+mn-cs"/>
+              </a:defRPr>
+            </a:lvl1pPr>
+            <a:lvl2pPr marL="457200" algn="l" defTabSz="914400" rtl="0" eaLnBrk="1" latinLnBrk="0" hangingPunct="1">
+              <a:defRPr sz="1800" kern="1200">
+                <a:solidFill>
+                  <a:schemeClr val="tx1"/>
+                </a:solidFill>
+                <a:latin typeface="+mn-lt"/>
+                <a:ea typeface="+mn-ea"/>
+                <a:cs typeface="+mn-cs"/>
+              </a:defRPr>
+            </a:lvl2pPr>
+            <a:lvl3pPr marL="914400" algn="l" defTabSz="914400" rtl="0" eaLnBrk="1" latinLnBrk="0" hangingPunct="1">
+              <a:defRPr sz="1800" kern="1200">
+                <a:solidFill>
+                  <a:schemeClr val="tx1"/>
+                </a:solidFill>
+                <a:latin typeface="+mn-lt"/>
+                <a:ea typeface="+mn-ea"/>
+                <a:cs typeface="+mn-cs"/>
+              </a:defRPr>
+            </a:lvl3pPr>
+            <a:lvl4pPr marL="1371600" algn="l" defTabSz="914400" rtl="0" eaLnBrk="1" latinLnBrk="0" hangingPunct="1">
+              <a:defRPr sz="1800" kern="1200">
+                <a:solidFill>
+                  <a:schemeClr val="tx1"/>
+                </a:solidFill>
+                <a:latin typeface="+mn-lt"/>
+                <a:ea typeface="+mn-ea"/>
+                <a:cs typeface="+mn-cs"/>
+              </a:defRPr>
+            </a:lvl4pPr>
+            <a:lvl5pPr marL="1828800" algn="l" defTabSz="914400" rtl="0" eaLnBrk="1" latinLnBrk="0" hangingPunct="1">
+              <a:defRPr sz="1800" kern="1200">
+                <a:solidFill>
+                  <a:schemeClr val="tx1"/>
+                </a:solidFill>
+                <a:latin typeface="+mn-lt"/>
+                <a:ea typeface="+mn-ea"/>
+                <a:cs typeface="+mn-cs"/>
+              </a:defRPr>
+            </a:lvl5pPr>
+            <a:lvl6pPr marL="2286000" algn="l" defTabSz="914400" rtl="0" eaLnBrk="1" latinLnBrk="0" hangingPunct="1">
+              <a:defRPr sz="1800" kern="1200">
+                <a:solidFill>
+                  <a:schemeClr val="tx1"/>
+                </a:solidFill>
+                <a:latin typeface="+mn-lt"/>
+                <a:ea typeface="+mn-ea"/>
+                <a:cs typeface="+mn-cs"/>
+              </a:defRPr>
+            </a:lvl6pPr>
+            <a:lvl7pPr marL="2743200" algn="l" defTabSz="914400" rtl="0" eaLnBrk="1" latinLnBrk="0" hangingPunct="1">
+              <a:defRPr sz="1800" kern="1200">
+                <a:solidFill>
+                  <a:schemeClr val="tx1"/>
+                </a:solidFill>
+                <a:latin typeface="+mn-lt"/>
+                <a:ea typeface="+mn-ea"/>
+                <a:cs typeface="+mn-cs"/>
+              </a:defRPr>
+            </a:lvl7pPr>
+            <a:lvl8pPr marL="3200400" algn="l" defTabSz="914400" rtl="0" eaLnBrk="1" latinLnBrk="0" hangingPunct="1">
+              <a:defRPr sz="1800" kern="1200">
+                <a:solidFill>
+                  <a:schemeClr val="tx1"/>
+                </a:solidFill>
+                <a:latin typeface="+mn-lt"/>
+                <a:ea typeface="+mn-ea"/>
+                <a:cs typeface="+mn-cs"/>
+              </a:defRPr>
+            </a:lvl8pPr>
+            <a:lvl9pPr marL="3657600" algn="l" defTabSz="914400" rtl="0" eaLnBrk="1" latinLnBrk="0" hangingPunct="1">
+              <a:defRPr sz="1800" kern="1200">
+                <a:solidFill>
+                  <a:schemeClr val="tx1"/>
+                </a:solidFill>
+                <a:latin typeface="+mn-lt"/>
+                <a:ea typeface="+mn-ea"/>
+                <a:cs typeface="+mn-cs"/>
+              </a:defRPr>
+            </a:lvl9pPr>
+          </a:lstStyle>
+          <a:p>
+            <a:r>
+              <a:rPr lang="en-US" sz="4400" dirty="0" smtClean="0">
+                <a:latin typeface="Calibri Light" panose="020F0302020204030204" pitchFamily="34" charset="0"/>
+                <a:cs typeface="Segoe UI Light" panose="020B0502040204020203" pitchFamily="34" charset="0"/>
+              </a:rPr>
+              <a:t>Senior Software Engineer</a:t>
+            </a:r>
+            <a:endParaRPr lang="en-US" sz="4400" dirty="0">
+              <a:latin typeface="Calibri Light" panose="020F0302020204030204" pitchFamily="34" charset="0"/>
+              <a:cs typeface="Segoe UI Light" panose="020B0502040204020203" pitchFamily="34" charset="0"/>
+            </a:endParaRPr>
+          </a:p>
+        </p:txBody>
+      </p:sp>
+      <p:sp>
+        <p:nvSpPr>
+          <p:cNvPr id="10" name="TextBox 9"/>
+          <p:cNvSpPr txBox="1"/>
+          <p:nvPr/>
+        </p:nvSpPr>
+        <p:spPr>
+          <a:xfrm>
+            <a:off x="969532" y="3602583"/>
+            <a:ext cx="5167890" cy="769441"/>
+          </a:xfrm>
+          <a:prstGeom prst="rect">
+            <a:avLst/>
+          </a:prstGeom>
+          <a:noFill/>
+        </p:spPr>
+        <p:txBody>
+          <a:bodyPr wrap="none" rtlCol="0">
+            <a:spAutoFit/>
+          </a:bodyPr>
+          <a:lstStyle>
+            <a:defPPr>
+              <a:defRPr lang="en-US"/>
+            </a:defPPr>
+            <a:lvl1pPr marL="0" algn="l" defTabSz="914400" rtl="0" eaLnBrk="1" latinLnBrk="0" hangingPunct="1">
+              <a:defRPr sz="1800" kern="1200">
+                <a:solidFill>
+                  <a:schemeClr val="tx1"/>
+                </a:solidFill>
+                <a:latin typeface="+mn-lt"/>
+                <a:ea typeface="+mn-ea"/>
+                <a:cs typeface="+mn-cs"/>
+              </a:defRPr>
+            </a:lvl1pPr>
+            <a:lvl2pPr marL="457200" algn="l" defTabSz="914400" rtl="0" eaLnBrk="1" latinLnBrk="0" hangingPunct="1">
+              <a:defRPr sz="1800" kern="1200">
+                <a:solidFill>
+                  <a:schemeClr val="tx1"/>
+                </a:solidFill>
+                <a:latin typeface="+mn-lt"/>
+                <a:ea typeface="+mn-ea"/>
+                <a:cs typeface="+mn-cs"/>
+              </a:defRPr>
+            </a:lvl2pPr>
+            <a:lvl3pPr marL="914400" algn="l" defTabSz="914400" rtl="0" eaLnBrk="1" latinLnBrk="0" hangingPunct="1">
+              <a:defRPr sz="1800" kern="1200">
+                <a:solidFill>
+                  <a:schemeClr val="tx1"/>
+                </a:solidFill>
+                <a:latin typeface="+mn-lt"/>
+                <a:ea typeface="+mn-ea"/>
+                <a:cs typeface="+mn-cs"/>
+              </a:defRPr>
+            </a:lvl3pPr>
+            <a:lvl4pPr marL="1371600" algn="l" defTabSz="914400" rtl="0" eaLnBrk="1" latinLnBrk="0" hangingPunct="1">
+              <a:defRPr sz="1800" kern="1200">
+                <a:solidFill>
+                  <a:schemeClr val="tx1"/>
+                </a:solidFill>
+                <a:latin typeface="+mn-lt"/>
+                <a:ea typeface="+mn-ea"/>
+                <a:cs typeface="+mn-cs"/>
+              </a:defRPr>
+            </a:lvl4pPr>
+            <a:lvl5pPr marL="1828800" algn="l" defTabSz="914400" rtl="0" eaLnBrk="1" latinLnBrk="0" hangingPunct="1">
+              <a:defRPr sz="1800" kern="1200">
+                <a:solidFill>
+                  <a:schemeClr val="tx1"/>
+                </a:solidFill>
+                <a:latin typeface="+mn-lt"/>
+                <a:ea typeface="+mn-ea"/>
+                <a:cs typeface="+mn-cs"/>
+              </a:defRPr>
+            </a:lvl5pPr>
+            <a:lvl6pPr marL="2286000" algn="l" defTabSz="914400" rtl="0" eaLnBrk="1" latinLnBrk="0" hangingPunct="1">
+              <a:defRPr sz="1800" kern="1200">
+                <a:solidFill>
+                  <a:schemeClr val="tx1"/>
+                </a:solidFill>
+                <a:latin typeface="+mn-lt"/>
+                <a:ea typeface="+mn-ea"/>
+                <a:cs typeface="+mn-cs"/>
+              </a:defRPr>
+            </a:lvl6pPr>
+            <a:lvl7pPr marL="2743200" algn="l" defTabSz="914400" rtl="0" eaLnBrk="1" latinLnBrk="0" hangingPunct="1">
+              <a:defRPr sz="1800" kern="1200">
+                <a:solidFill>
+                  <a:schemeClr val="tx1"/>
+                </a:solidFill>
+                <a:latin typeface="+mn-lt"/>
+                <a:ea typeface="+mn-ea"/>
+                <a:cs typeface="+mn-cs"/>
+              </a:defRPr>
+            </a:lvl7pPr>
+            <a:lvl8pPr marL="3200400" algn="l" defTabSz="914400" rtl="0" eaLnBrk="1" latinLnBrk="0" hangingPunct="1">
+              <a:defRPr sz="1800" kern="1200">
+                <a:solidFill>
+                  <a:schemeClr val="tx1"/>
+                </a:solidFill>
+                <a:latin typeface="+mn-lt"/>
+                <a:ea typeface="+mn-ea"/>
+                <a:cs typeface="+mn-cs"/>
+              </a:defRPr>
+            </a:lvl8pPr>
+            <a:lvl9pPr marL="3657600" algn="l" defTabSz="914400" rtl="0" eaLnBrk="1" latinLnBrk="0" hangingPunct="1">
+              <a:defRPr sz="1800" kern="1200">
+                <a:solidFill>
+                  <a:schemeClr val="tx1"/>
+                </a:solidFill>
+                <a:latin typeface="+mn-lt"/>
+                <a:ea typeface="+mn-ea"/>
+                <a:cs typeface="+mn-cs"/>
+              </a:defRPr>
+            </a:lvl9pPr>
+          </a:lstStyle>
+          <a:p>
+            <a:r>
+              <a:rPr lang="en-US" sz="4400" dirty="0" smtClean="0">
+                <a:latin typeface="Calibri Light" panose="020F0302020204030204" pitchFamily="34" charset="0"/>
+                <a:cs typeface="Segoe UI Light" panose="020B0502040204020203" pitchFamily="34" charset="0"/>
+              </a:rPr>
+              <a:t>alex.zyl@outlook.com</a:t>
+            </a:r>
+            <a:endParaRPr lang="en-US" sz="4400" dirty="0">
+              <a:latin typeface="Calibri Light" panose="020F0302020204030204" pitchFamily="34" charset="0"/>
+              <a:cs typeface="Segoe UI Light" panose="020B0502040204020203" pitchFamily="34" charset="0"/>
+            </a:endParaRPr>
+          </a:p>
+        </p:txBody>
+      </p:sp>
+      <p:pic>
+        <p:nvPicPr>
+          <p:cNvPr id="3" name="Picture 2"/>
+          <p:cNvPicPr>
+            <a:picLocks noChangeAspect="1"/>
+          </p:cNvPicPr>
+          <p:nvPr/>
+        </p:nvPicPr>
+        <p:blipFill>
+          <a:blip r:embed="rId3"/>
+          <a:stretch>
+            <a:fillRect/>
+          </a:stretch>
+        </p:blipFill>
+        <p:spPr>
+          <a:xfrm>
+            <a:off x="969532" y="551542"/>
+            <a:ext cx="4044343" cy="827166"/>
+          </a:xfrm>
+          <a:prstGeom prst="rect">
+            <a:avLst/>
+          </a:prstGeom>
+        </p:spPr>
+      </p:pic>
+      <p:sp>
+        <p:nvSpPr>
+          <p:cNvPr id="8" name="TextBox 7"/>
+          <p:cNvSpPr txBox="1"/>
+          <p:nvPr/>
+        </p:nvSpPr>
+        <p:spPr>
+          <a:xfrm>
+            <a:off x="969531" y="5499462"/>
+            <a:ext cx="6920356" cy="769441"/>
+          </a:xfrm>
+          <a:prstGeom prst="rect">
+            <a:avLst/>
+          </a:prstGeom>
+          <a:noFill/>
+        </p:spPr>
+        <p:txBody>
+          <a:bodyPr wrap="none" rtlCol="0">
+            <a:spAutoFit/>
+          </a:bodyPr>
+          <a:lstStyle>
+            <a:defPPr>
+              <a:defRPr lang="en-US"/>
+            </a:defPPr>
+            <a:lvl1pPr marL="0" algn="l" defTabSz="914400" rtl="0" eaLnBrk="1" latinLnBrk="0" hangingPunct="1">
+              <a:defRPr sz="1800" kern="1200">
+                <a:solidFill>
+                  <a:schemeClr val="tx1"/>
+                </a:solidFill>
+                <a:latin typeface="+mn-lt"/>
+                <a:ea typeface="+mn-ea"/>
+                <a:cs typeface="+mn-cs"/>
+              </a:defRPr>
+            </a:lvl1pPr>
+            <a:lvl2pPr marL="457200" algn="l" defTabSz="914400" rtl="0" eaLnBrk="1" latinLnBrk="0" hangingPunct="1">
+              <a:defRPr sz="1800" kern="1200">
+                <a:solidFill>
+                  <a:schemeClr val="tx1"/>
+                </a:solidFill>
+                <a:latin typeface="+mn-lt"/>
+                <a:ea typeface="+mn-ea"/>
+                <a:cs typeface="+mn-cs"/>
+              </a:defRPr>
+            </a:lvl2pPr>
+            <a:lvl3pPr marL="914400" algn="l" defTabSz="914400" rtl="0" eaLnBrk="1" latinLnBrk="0" hangingPunct="1">
+              <a:defRPr sz="1800" kern="1200">
+                <a:solidFill>
+                  <a:schemeClr val="tx1"/>
+                </a:solidFill>
+                <a:latin typeface="+mn-lt"/>
+                <a:ea typeface="+mn-ea"/>
+                <a:cs typeface="+mn-cs"/>
+              </a:defRPr>
+            </a:lvl3pPr>
+            <a:lvl4pPr marL="1371600" algn="l" defTabSz="914400" rtl="0" eaLnBrk="1" latinLnBrk="0" hangingPunct="1">
+              <a:defRPr sz="1800" kern="1200">
+                <a:solidFill>
+                  <a:schemeClr val="tx1"/>
+                </a:solidFill>
+                <a:latin typeface="+mn-lt"/>
+                <a:ea typeface="+mn-ea"/>
+                <a:cs typeface="+mn-cs"/>
+              </a:defRPr>
+            </a:lvl4pPr>
+            <a:lvl5pPr marL="1828800" algn="l" defTabSz="914400" rtl="0" eaLnBrk="1" latinLnBrk="0" hangingPunct="1">
+              <a:defRPr sz="1800" kern="1200">
+                <a:solidFill>
+                  <a:schemeClr val="tx1"/>
+                </a:solidFill>
+                <a:latin typeface="+mn-lt"/>
+                <a:ea typeface="+mn-ea"/>
+                <a:cs typeface="+mn-cs"/>
+              </a:defRPr>
+            </a:lvl5pPr>
+            <a:lvl6pPr marL="2286000" algn="l" defTabSz="914400" rtl="0" eaLnBrk="1" latinLnBrk="0" hangingPunct="1">
+              <a:defRPr sz="1800" kern="1200">
+                <a:solidFill>
+                  <a:schemeClr val="tx1"/>
+                </a:solidFill>
+                <a:latin typeface="+mn-lt"/>
+                <a:ea typeface="+mn-ea"/>
+                <a:cs typeface="+mn-cs"/>
+              </a:defRPr>
+            </a:lvl6pPr>
+            <a:lvl7pPr marL="2743200" algn="l" defTabSz="914400" rtl="0" eaLnBrk="1" latinLnBrk="0" hangingPunct="1">
+              <a:defRPr sz="1800" kern="1200">
+                <a:solidFill>
+                  <a:schemeClr val="tx1"/>
+                </a:solidFill>
+                <a:latin typeface="+mn-lt"/>
+                <a:ea typeface="+mn-ea"/>
+                <a:cs typeface="+mn-cs"/>
+              </a:defRPr>
+            </a:lvl7pPr>
+            <a:lvl8pPr marL="3200400" algn="l" defTabSz="914400" rtl="0" eaLnBrk="1" latinLnBrk="0" hangingPunct="1">
+              <a:defRPr sz="1800" kern="1200">
+                <a:solidFill>
+                  <a:schemeClr val="tx1"/>
+                </a:solidFill>
+                <a:latin typeface="+mn-lt"/>
+                <a:ea typeface="+mn-ea"/>
+                <a:cs typeface="+mn-cs"/>
+              </a:defRPr>
+            </a:lvl8pPr>
+            <a:lvl9pPr marL="3657600" algn="l" defTabSz="914400" rtl="0" eaLnBrk="1" latinLnBrk="0" hangingPunct="1">
+              <a:defRPr sz="1800" kern="1200">
+                <a:solidFill>
+                  <a:schemeClr val="tx1"/>
+                </a:solidFill>
+                <a:latin typeface="+mn-lt"/>
+                <a:ea typeface="+mn-ea"/>
+                <a:cs typeface="+mn-cs"/>
+              </a:defRPr>
+            </a:lvl9pPr>
+          </a:lstStyle>
+          <a:p>
+            <a:r>
+              <a:rPr lang="en-US" sz="4400" dirty="0">
+                <a:latin typeface="Calibri Light" panose="020F0302020204030204" pitchFamily="34" charset="0"/>
+                <a:cs typeface="Segoe UI Light" panose="020B0502040204020203" pitchFamily="34" charset="0"/>
+                <a:hlinkClick r:id="rId4"/>
+              </a:rPr>
+              <a:t>https</a:t>
+            </a:r>
+            <a:r>
+              <a:rPr lang="en-US" sz="4400" dirty="0" smtClean="0">
+                <a:latin typeface="Calibri Light" panose="020F0302020204030204" pitchFamily="34" charset="0"/>
+                <a:cs typeface="Segoe UI Light" panose="020B0502040204020203" pitchFamily="34" charset="0"/>
+                <a:hlinkClick r:id="rId4"/>
+              </a:rPr>
+              <a:t>://facebook.com/zyl.alex</a:t>
+            </a:r>
+            <a:endParaRPr lang="en-US" sz="4400" dirty="0">
+              <a:latin typeface="Calibri Light" panose="020F0302020204030204" pitchFamily="34" charset="0"/>
+              <a:cs typeface="Segoe UI Light" panose="020B0502040204020203" pitchFamily="34" charset="0"/>
+            </a:endParaRPr>
+          </a:p>
+        </p:txBody>
+      </p:sp>
+    </p:spTree>
+    <p:extLst>
+      <p:ext uri="{BB962C8B-B14F-4D97-AF65-F5344CB8AC3E}">
+        <p14:creationId xmlns:p14="http://schemas.microsoft.com/office/powerpoint/2010/main" val="971823305"/>
+      </p:ext>
+    </p:extLst>
+  </p:cSld>
+  <p:clrMapOvr>
+    <a:masterClrMapping/>
+  </p:clrMapOvr>
+  <p:timing>
+    <p:tnLst>
+      <p:par>
+        <p:cTn id="1" dur="indefinite" restart="never" nodeType="tmRoot"/>
+      </p:par>
+    </p:tnLst>
+  </p:timing>
+</p:sld>
+</file>
+
+<file path=ppt/slides/slide30.xml><?xml version="1.0" encoding="utf-8"?>
 <p:sld xmlns:a="http://schemas.openxmlformats.org/drawingml/2006/main" xmlns:r="http://schemas.openxmlformats.org/officeDocument/2006/relationships" xmlns:p="http://schemas.openxmlformats.org/presentationml/2006/main">
   <p:cSld>
     <p:spTree>
@@ -9959,6 +10050,154 @@
     <p:extLst>
       <p:ext uri="{BB962C8B-B14F-4D97-AF65-F5344CB8AC3E}">
         <p14:creationId xmlns:p14="http://schemas.microsoft.com/office/powerpoint/2010/main" val="1192886765"/>
+      </p:ext>
+    </p:extLst>
+  </p:cSld>
+  <p:clrMapOvr>
+    <a:masterClrMapping/>
+  </p:clrMapOvr>
+  <p:timing>
+    <p:tnLst>
+      <p:par>
+        <p:cTn id="1" dur="indefinite" restart="never" nodeType="tmRoot"/>
+      </p:par>
+    </p:tnLst>
+  </p:timing>
+</p:sld>
+</file>
+
+<file path=ppt/slides/slide31.xml><?xml version="1.0" encoding="utf-8"?>
+<p:sld xmlns:a="http://schemas.openxmlformats.org/drawingml/2006/main" xmlns:r="http://schemas.openxmlformats.org/officeDocument/2006/relationships" xmlns:p="http://schemas.openxmlformats.org/presentationml/2006/main">
+  <p:cSld>
+    <p:spTree>
+      <p:nvGrpSpPr>
+        <p:cNvPr id="1" name=""/>
+        <p:cNvGrpSpPr/>
+        <p:nvPr/>
+      </p:nvGrpSpPr>
+      <p:grpSpPr>
+        <a:xfrm>
+          <a:off x="0" y="0"/>
+          <a:ext cx="0" cy="0"/>
+          <a:chOff x="0" y="0"/>
+          <a:chExt cx="0" cy="0"/>
+        </a:xfrm>
+      </p:grpSpPr>
+      <p:sp>
+        <p:nvSpPr>
+          <p:cNvPr id="5" name="TextBox 4"/>
+          <p:cNvSpPr txBox="1"/>
+          <p:nvPr/>
+        </p:nvSpPr>
+        <p:spPr>
+          <a:xfrm>
+            <a:off x="454702" y="2027883"/>
+            <a:ext cx="2460930" cy="646331"/>
+          </a:xfrm>
+          <a:prstGeom prst="rect">
+            <a:avLst/>
+          </a:prstGeom>
+          <a:noFill/>
+        </p:spPr>
+        <p:txBody>
+          <a:bodyPr wrap="none" rtlCol="0">
+            <a:spAutoFit/>
+          </a:bodyPr>
+          <a:lstStyle/>
+          <a:p>
+            <a:r>
+              <a:rPr lang="en-US" sz="3600" dirty="0" smtClean="0">
+                <a:latin typeface="Segoe UI Light" panose="020B0502040204020203" pitchFamily="34" charset="0"/>
+                <a:cs typeface="Segoe UI Light" panose="020B0502040204020203" pitchFamily="34" charset="0"/>
+              </a:rPr>
+              <a:t>Push model</a:t>
+            </a:r>
+            <a:endParaRPr lang="en-US" sz="3600" dirty="0">
+              <a:latin typeface="Segoe UI Light" panose="020B0502040204020203" pitchFamily="34" charset="0"/>
+              <a:cs typeface="Segoe UI Light" panose="020B0502040204020203" pitchFamily="34" charset="0"/>
+            </a:endParaRPr>
+          </a:p>
+        </p:txBody>
+      </p:sp>
+      <p:pic>
+        <p:nvPicPr>
+          <p:cNvPr id="6" name="Picture 5"/>
+          <p:cNvPicPr>
+            <a:picLocks noChangeAspect="1"/>
+          </p:cNvPicPr>
+          <p:nvPr/>
+        </p:nvPicPr>
+        <p:blipFill>
+          <a:blip r:embed="rId2"/>
+          <a:stretch>
+            <a:fillRect/>
+          </a:stretch>
+        </p:blipFill>
+        <p:spPr>
+          <a:xfrm>
+            <a:off x="4019550" y="1413241"/>
+            <a:ext cx="5327325" cy="5128956"/>
+          </a:xfrm>
+          <a:prstGeom prst="rect">
+            <a:avLst/>
+          </a:prstGeom>
+        </p:spPr>
+      </p:pic>
+      <p:sp>
+        <p:nvSpPr>
+          <p:cNvPr id="7" name="Title 1"/>
+          <p:cNvSpPr txBox="1">
+            <a:spLocks/>
+          </p:cNvSpPr>
+          <p:nvPr/>
+        </p:nvSpPr>
+        <p:spPr>
+          <a:xfrm>
+            <a:off x="276836" y="349915"/>
+            <a:ext cx="10238763" cy="956345"/>
+          </a:xfrm>
+          <a:prstGeom prst="rect">
+            <a:avLst/>
+          </a:prstGeom>
+        </p:spPr>
+        <p:txBody>
+          <a:bodyPr vert="horz" lIns="91440" tIns="45720" rIns="91440" bIns="45720" rtlCol="0" anchor="ctr">
+            <a:normAutofit/>
+          </a:bodyPr>
+          <a:lstStyle>
+            <a:lvl1pPr algn="l" defTabSz="914400" rtl="0" eaLnBrk="1" latinLnBrk="0" hangingPunct="1">
+              <a:lnSpc>
+                <a:spcPct val="90000"/>
+              </a:lnSpc>
+              <a:spcBef>
+                <a:spcPct val="0"/>
+              </a:spcBef>
+              <a:buNone/>
+              <a:defRPr sz="4400" kern="1200">
+                <a:solidFill>
+                  <a:schemeClr val="tx1"/>
+                </a:solidFill>
+                <a:latin typeface="+mj-lt"/>
+                <a:ea typeface="+mj-ea"/>
+                <a:cs typeface="+mj-cs"/>
+              </a:defRPr>
+            </a:lvl1pPr>
+          </a:lstStyle>
+          <a:p>
+            <a:r>
+              <a:rPr lang="en-US" sz="4800" dirty="0">
+                <a:latin typeface="Segoe UI Light" panose="020B0502040204020203" pitchFamily="34" charset="0"/>
+                <a:cs typeface="Segoe UI Light" panose="020B0502040204020203" pitchFamily="34" charset="0"/>
+              </a:rPr>
+              <a:t>Event models: Azure way</a:t>
+            </a:r>
+          </a:p>
+        </p:txBody>
+      </p:sp>
+    </p:spTree>
+    <p:extLst>
+      <p:ext uri="{BB962C8B-B14F-4D97-AF65-F5344CB8AC3E}">
+        <p14:creationId xmlns:p14="http://schemas.microsoft.com/office/powerpoint/2010/main" val="1674751534"/>
       </p:ext>
     </p:extLst>
   </p:cSld>
@@ -9994,13 +10233,13 @@
       </p:grpSpPr>
       <p:sp>
         <p:nvSpPr>
-          <p:cNvPr id="5" name="TextBox 4"/>
+          <p:cNvPr id="7" name="TextBox 6"/>
           <p:cNvSpPr txBox="1"/>
           <p:nvPr/>
         </p:nvSpPr>
         <p:spPr>
           <a:xfrm>
-            <a:off x="454702" y="2027883"/>
+            <a:off x="9557771" y="2027883"/>
             <a:ext cx="2460930" cy="646331"/>
           </a:xfrm>
           <a:prstGeom prst="rect">
@@ -10028,33 +10267,9 @@
           </a:p>
         </p:txBody>
       </p:sp>
-      <p:pic>
-        <p:nvPicPr>
-          <p:cNvPr id="6" name="Picture 5"/>
-          <p:cNvPicPr>
-            <a:picLocks noChangeAspect="1"/>
-          </p:cNvPicPr>
-          <p:nvPr/>
-        </p:nvPicPr>
-        <p:blipFill>
-          <a:blip r:embed="rId2"/>
-          <a:stretch>
-            <a:fillRect/>
-          </a:stretch>
-        </p:blipFill>
-        <p:spPr>
-          <a:xfrm>
-            <a:off x="4019550" y="1413241"/>
-            <a:ext cx="5327325" cy="5128956"/>
-          </a:xfrm>
-          <a:prstGeom prst="rect">
-            <a:avLst/>
-          </a:prstGeom>
-        </p:spPr>
-      </p:pic>
       <p:sp>
         <p:nvSpPr>
-          <p:cNvPr id="7" name="Title 1"/>
+          <p:cNvPr id="6" name="Title 1"/>
           <p:cNvSpPr txBox="1">
             <a:spLocks/>
           </p:cNvSpPr>
@@ -10098,15 +10313,86 @@
                 <a:latin typeface="Segoe UI Light" panose="020B0502040204020203" pitchFamily="34" charset="0"/>
                 <a:cs typeface="Segoe UI Light" panose="020B0502040204020203" pitchFamily="34" charset="0"/>
               </a:rPr>
-              <a:t>Event models: Azure way</a:t>
-            </a:r>
+              <a:t>Event models: </a:t>
+            </a:r>
+            <a:r>
+              <a:rPr lang="en-US" sz="4800" dirty="0" smtClean="0">
+                <a:latin typeface="Segoe UI Light" panose="020B0502040204020203" pitchFamily="34" charset="0"/>
+                <a:cs typeface="Segoe UI Light" panose="020B0502040204020203" pitchFamily="34" charset="0"/>
+              </a:rPr>
+              <a:t>Lambda way</a:t>
+            </a:r>
+            <a:endParaRPr lang="en-US" sz="4800" dirty="0">
+              <a:latin typeface="Segoe UI Light" panose="020B0502040204020203" pitchFamily="34" charset="0"/>
+              <a:cs typeface="Segoe UI Light" panose="020B0502040204020203" pitchFamily="34" charset="0"/>
+            </a:endParaRPr>
+          </a:p>
+        </p:txBody>
+      </p:sp>
+      <p:pic>
+        <p:nvPicPr>
+          <p:cNvPr id="2" name="Picture 1"/>
+          <p:cNvPicPr>
+            <a:picLocks noChangeAspect="1"/>
+          </p:cNvPicPr>
+          <p:nvPr/>
+        </p:nvPicPr>
+        <p:blipFill>
+          <a:blip r:embed="rId2"/>
+          <a:stretch>
+            <a:fillRect/>
+          </a:stretch>
+        </p:blipFill>
+        <p:spPr>
+          <a:xfrm>
+            <a:off x="2212392" y="1306260"/>
+            <a:ext cx="7345379" cy="5457096"/>
+          </a:xfrm>
+          <a:prstGeom prst="rect">
+            <a:avLst/>
+          </a:prstGeom>
+        </p:spPr>
+      </p:pic>
+      <p:sp>
+        <p:nvSpPr>
+          <p:cNvPr id="9" name="TextBox 8"/>
+          <p:cNvSpPr txBox="1"/>
+          <p:nvPr/>
+        </p:nvSpPr>
+        <p:spPr>
+          <a:xfrm>
+            <a:off x="454702" y="2027883"/>
+            <a:ext cx="2223686" cy="646331"/>
+          </a:xfrm>
+          <a:prstGeom prst="rect">
+            <a:avLst/>
+          </a:prstGeom>
+          <a:noFill/>
+        </p:spPr>
+        <p:txBody>
+          <a:bodyPr wrap="none" rtlCol="0">
+            <a:spAutoFit/>
+          </a:bodyPr>
+          <a:lstStyle/>
+          <a:p>
+            <a:r>
+              <a:rPr lang="en-US" sz="3600" dirty="0" smtClean="0">
+                <a:latin typeface="Segoe UI Light" panose="020B0502040204020203" pitchFamily="34" charset="0"/>
+                <a:cs typeface="Segoe UI Light" panose="020B0502040204020203" pitchFamily="34" charset="0"/>
+              </a:rPr>
+              <a:t>Pull model</a:t>
+            </a:r>
+            <a:endParaRPr lang="en-US" sz="3600" dirty="0">
+              <a:latin typeface="Segoe UI Light" panose="020B0502040204020203" pitchFamily="34" charset="0"/>
+              <a:cs typeface="Segoe UI Light" panose="020B0502040204020203" pitchFamily="34" charset="0"/>
+            </a:endParaRPr>
           </a:p>
         </p:txBody>
       </p:sp>
     </p:spTree>
     <p:extLst>
       <p:ext uri="{BB962C8B-B14F-4D97-AF65-F5344CB8AC3E}">
-        <p14:creationId xmlns:p14="http://schemas.microsoft.com/office/powerpoint/2010/main" val="1674751534"/>
+        <p14:creationId xmlns:p14="http://schemas.microsoft.com/office/powerpoint/2010/main" val="3011745585"/>
       </p:ext>
     </p:extLst>
   </p:cSld>
@@ -10142,43 +10428,7 @@
       </p:grpSpPr>
       <p:sp>
         <p:nvSpPr>
-          <p:cNvPr id="7" name="TextBox 6"/>
-          <p:cNvSpPr txBox="1"/>
-          <p:nvPr/>
-        </p:nvSpPr>
-        <p:spPr>
-          <a:xfrm>
-            <a:off x="9557771" y="2027883"/>
-            <a:ext cx="2460930" cy="646331"/>
-          </a:xfrm>
-          <a:prstGeom prst="rect">
-            <a:avLst/>
-          </a:prstGeom>
-          <a:noFill/>
-        </p:spPr>
-        <p:txBody>
-          <a:bodyPr wrap="none" rtlCol="0">
-            <a:spAutoFit/>
-          </a:bodyPr>
-          <a:lstStyle/>
-          <a:p>
-            <a:r>
-              <a:rPr lang="en-US" sz="3600" dirty="0" smtClean="0">
-                <a:latin typeface="Segoe UI Light" panose="020B0502040204020203" pitchFamily="34" charset="0"/>
-                <a:cs typeface="Segoe UI Light" panose="020B0502040204020203" pitchFamily="34" charset="0"/>
-              </a:rPr>
-              <a:t>Push model</a:t>
-            </a:r>
-            <a:endParaRPr lang="en-US" sz="3600" dirty="0">
-              <a:latin typeface="Segoe UI Light" panose="020B0502040204020203" pitchFamily="34" charset="0"/>
-              <a:cs typeface="Segoe UI Light" panose="020B0502040204020203" pitchFamily="34" charset="0"/>
-            </a:endParaRPr>
-          </a:p>
-        </p:txBody>
-      </p:sp>
-      <p:sp>
-        <p:nvSpPr>
-          <p:cNvPr id="6" name="Title 1"/>
+          <p:cNvPr id="4" name="Title 1"/>
           <p:cNvSpPr txBox="1">
             <a:spLocks/>
           </p:cNvSpPr>
@@ -10218,165 +10468,6 @@
           </a:lstStyle>
           <a:p>
             <a:r>
-              <a:rPr lang="en-US" sz="4800" dirty="0">
-                <a:latin typeface="Segoe UI Light" panose="020B0502040204020203" pitchFamily="34" charset="0"/>
-                <a:cs typeface="Segoe UI Light" panose="020B0502040204020203" pitchFamily="34" charset="0"/>
-              </a:rPr>
-              <a:t>Event models: </a:t>
-            </a:r>
-            <a:r>
-              <a:rPr lang="en-US" sz="4800" dirty="0" smtClean="0">
-                <a:latin typeface="Segoe UI Light" panose="020B0502040204020203" pitchFamily="34" charset="0"/>
-                <a:cs typeface="Segoe UI Light" panose="020B0502040204020203" pitchFamily="34" charset="0"/>
-              </a:rPr>
-              <a:t>Lambda way</a:t>
-            </a:r>
-            <a:endParaRPr lang="en-US" sz="4800" dirty="0">
-              <a:latin typeface="Segoe UI Light" panose="020B0502040204020203" pitchFamily="34" charset="0"/>
-              <a:cs typeface="Segoe UI Light" panose="020B0502040204020203" pitchFamily="34" charset="0"/>
-            </a:endParaRPr>
-          </a:p>
-        </p:txBody>
-      </p:sp>
-      <p:pic>
-        <p:nvPicPr>
-          <p:cNvPr id="2" name="Picture 1"/>
-          <p:cNvPicPr>
-            <a:picLocks noChangeAspect="1"/>
-          </p:cNvPicPr>
-          <p:nvPr/>
-        </p:nvPicPr>
-        <p:blipFill>
-          <a:blip r:embed="rId2"/>
-          <a:stretch>
-            <a:fillRect/>
-          </a:stretch>
-        </p:blipFill>
-        <p:spPr>
-          <a:xfrm>
-            <a:off x="2212392" y="1306260"/>
-            <a:ext cx="7345379" cy="5457096"/>
-          </a:xfrm>
-          <a:prstGeom prst="rect">
-            <a:avLst/>
-          </a:prstGeom>
-        </p:spPr>
-      </p:pic>
-      <p:sp>
-        <p:nvSpPr>
-          <p:cNvPr id="9" name="TextBox 8"/>
-          <p:cNvSpPr txBox="1"/>
-          <p:nvPr/>
-        </p:nvSpPr>
-        <p:spPr>
-          <a:xfrm>
-            <a:off x="454702" y="2027883"/>
-            <a:ext cx="2223686" cy="646331"/>
-          </a:xfrm>
-          <a:prstGeom prst="rect">
-            <a:avLst/>
-          </a:prstGeom>
-          <a:noFill/>
-        </p:spPr>
-        <p:txBody>
-          <a:bodyPr wrap="none" rtlCol="0">
-            <a:spAutoFit/>
-          </a:bodyPr>
-          <a:lstStyle/>
-          <a:p>
-            <a:r>
-              <a:rPr lang="en-US" sz="3600" dirty="0" smtClean="0">
-                <a:latin typeface="Segoe UI Light" panose="020B0502040204020203" pitchFamily="34" charset="0"/>
-                <a:cs typeface="Segoe UI Light" panose="020B0502040204020203" pitchFamily="34" charset="0"/>
-              </a:rPr>
-              <a:t>Pull model</a:t>
-            </a:r>
-            <a:endParaRPr lang="en-US" sz="3600" dirty="0">
-              <a:latin typeface="Segoe UI Light" panose="020B0502040204020203" pitchFamily="34" charset="0"/>
-              <a:cs typeface="Segoe UI Light" panose="020B0502040204020203" pitchFamily="34" charset="0"/>
-            </a:endParaRPr>
-          </a:p>
-        </p:txBody>
-      </p:sp>
-    </p:spTree>
-    <p:extLst>
-      <p:ext uri="{BB962C8B-B14F-4D97-AF65-F5344CB8AC3E}">
-        <p14:creationId xmlns:p14="http://schemas.microsoft.com/office/powerpoint/2010/main" val="3011745585"/>
-      </p:ext>
-    </p:extLst>
-  </p:cSld>
-  <p:clrMapOvr>
-    <a:masterClrMapping/>
-  </p:clrMapOvr>
-  <p:timing>
-    <p:tnLst>
-      <p:par>
-        <p:cTn id="1" dur="indefinite" restart="never" nodeType="tmRoot"/>
-      </p:par>
-    </p:tnLst>
-  </p:timing>
-</p:sld>
-</file>
-
-<file path=ppt/slides/slide34.xml><?xml version="1.0" encoding="utf-8"?>
-<p:sld xmlns:a="http://schemas.openxmlformats.org/drawingml/2006/main" xmlns:r="http://schemas.openxmlformats.org/officeDocument/2006/relationships" xmlns:p="http://schemas.openxmlformats.org/presentationml/2006/main">
-  <p:cSld>
-    <p:spTree>
-      <p:nvGrpSpPr>
-        <p:cNvPr id="1" name=""/>
-        <p:cNvGrpSpPr/>
-        <p:nvPr/>
-      </p:nvGrpSpPr>
-      <p:grpSpPr>
-        <a:xfrm>
-          <a:off x="0" y="0"/>
-          <a:ext cx="0" cy="0"/>
-          <a:chOff x="0" y="0"/>
-          <a:chExt cx="0" cy="0"/>
-        </a:xfrm>
-      </p:grpSpPr>
-      <p:sp>
-        <p:nvSpPr>
-          <p:cNvPr id="4" name="Title 1"/>
-          <p:cNvSpPr txBox="1">
-            <a:spLocks/>
-          </p:cNvSpPr>
-          <p:nvPr/>
-        </p:nvSpPr>
-        <p:spPr>
-          <a:xfrm>
-            <a:off x="276836" y="349915"/>
-            <a:ext cx="10238763" cy="956345"/>
-          </a:xfrm>
-          <a:prstGeom prst="rect">
-            <a:avLst/>
-          </a:prstGeom>
-        </p:spPr>
-        <p:txBody>
-          <a:bodyPr vert="horz" lIns="91440" tIns="45720" rIns="91440" bIns="45720" rtlCol="0" anchor="ctr">
-            <a:normAutofit/>
-          </a:bodyPr>
-          <a:lstStyle>
-            <a:lvl1pPr algn="l" defTabSz="914400" rtl="0" eaLnBrk="1" latinLnBrk="0" hangingPunct="1">
-              <a:lnSpc>
-                <a:spcPct val="90000"/>
-              </a:lnSpc>
-              <a:spcBef>
-                <a:spcPct val="0"/>
-              </a:spcBef>
-              <a:buNone/>
-              <a:defRPr sz="4400" kern="1200">
-                <a:solidFill>
-                  <a:schemeClr val="tx1"/>
-                </a:solidFill>
-                <a:latin typeface="+mj-lt"/>
-                <a:ea typeface="+mj-ea"/>
-                <a:cs typeface="+mj-cs"/>
-              </a:defRPr>
-            </a:lvl1pPr>
-          </a:lstStyle>
-          <a:p>
-            <a:r>
               <a:rPr lang="en-US" sz="4800" dirty="0" smtClean="0">
                 <a:latin typeface="Segoe UI Light" panose="020B0502040204020203" pitchFamily="34" charset="0"/>
                 <a:cs typeface="Segoe UI Light" panose="020B0502040204020203" pitchFamily="34" charset="0"/>
@@ -10455,26 +10546,8 @@
                 <a:latin typeface="Segoe UI Light" panose="020B0502040204020203" pitchFamily="34" charset="0"/>
                 <a:cs typeface="Segoe UI Light" panose="020B0502040204020203" pitchFamily="34" charset="0"/>
               </a:rPr>
-              <a:t>Has rol</a:t>
-            </a:r>
-            <a:r>
-              <a:rPr lang="en-US" sz="4000" dirty="0" smtClean="0">
-                <a:latin typeface="Segoe UI Light" panose="020B0502040204020203" pitchFamily="34" charset="0"/>
-                <a:cs typeface="Segoe UI Light" panose="020B0502040204020203" pitchFamily="34" charset="0"/>
-              </a:rPr>
-              <a:t>e with</a:t>
-            </a:r>
-            <a:r>
-              <a:rPr lang="en-US" sz="4000" dirty="0" smtClean="0">
-                <a:latin typeface="Segoe UI Light" panose="020B0502040204020203" pitchFamily="34" charset="0"/>
-                <a:cs typeface="Segoe UI Light" panose="020B0502040204020203" pitchFamily="34" charset="0"/>
-              </a:rPr>
-              <a:t> permissions</a:t>
-            </a:r>
-            <a:endParaRPr lang="en-US" sz="4000" dirty="0" smtClean="0">
-              <a:latin typeface="Segoe UI Light" panose="020B0502040204020203" pitchFamily="34" charset="0"/>
-              <a:cs typeface="Segoe UI Light" panose="020B0502040204020203" pitchFamily="34" charset="0"/>
-            </a:endParaRPr>
+              <a:t>Has role with permissions</a:t>
+            </a:r>
           </a:p>
         </p:txBody>
       </p:sp>
@@ -10686,7 +10759,7 @@
 </p:sld>
 </file>
 
-<file path=ppt/slides/slide35.xml><?xml version="1.0" encoding="utf-8"?>
+<file path=ppt/slides/slide34.xml><?xml version="1.0" encoding="utf-8"?>
 <p:sld xmlns:a="http://schemas.openxmlformats.org/drawingml/2006/main" xmlns:r="http://schemas.openxmlformats.org/officeDocument/2006/relationships" xmlns:p="http://schemas.openxmlformats.org/presentationml/2006/main">
   <p:cSld>
     <p:spTree>
@@ -10803,10 +10876,6 @@
               </a:rPr>
               <a:t>Identity-based</a:t>
             </a:r>
-            <a:endParaRPr lang="en-US" sz="4400" dirty="0" smtClean="0">
-              <a:latin typeface="Segoe UI Light" panose="020B0502040204020203" pitchFamily="34" charset="0"/>
-              <a:cs typeface="Segoe UI Light" panose="020B0502040204020203" pitchFamily="34" charset="0"/>
-            </a:endParaRPr>
           </a:p>
         </p:txBody>
       </p:sp>
@@ -11120,7 +11189,7 @@
 </p:sld>
 </file>
 
-<file path=ppt/slides/slide36.xml><?xml version="1.0" encoding="utf-8"?>
+<file path=ppt/slides/slide35.xml><?xml version="1.0" encoding="utf-8"?>
 <p:sld xmlns:a="http://schemas.openxmlformats.org/drawingml/2006/main" xmlns:r="http://schemas.openxmlformats.org/officeDocument/2006/relationships" xmlns:p="http://schemas.openxmlformats.org/presentationml/2006/main">
   <p:cSld>
     <p:spTree>
@@ -11186,7 +11255,7 @@
 </p:sld>
 </file>
 
-<file path=ppt/slides/slide37.xml><?xml version="1.0" encoding="utf-8"?>
+<file path=ppt/slides/slide36.xml><?xml version="1.0" encoding="utf-8"?>
 <p:sld xmlns:a="http://schemas.openxmlformats.org/drawingml/2006/main" xmlns:r="http://schemas.openxmlformats.org/officeDocument/2006/relationships" xmlns:p="http://schemas.openxmlformats.org/presentationml/2006/main" show="0">
   <p:cSld>
     <p:spTree>
@@ -11293,6 +11362,137 @@
     <p:extLst>
       <p:ext uri="{BB962C8B-B14F-4D97-AF65-F5344CB8AC3E}">
         <p14:creationId xmlns:p14="http://schemas.microsoft.com/office/powerpoint/2010/main" val="2767391352"/>
+      </p:ext>
+    </p:extLst>
+  </p:cSld>
+  <p:clrMapOvr>
+    <a:masterClrMapping/>
+  </p:clrMapOvr>
+  <mc:AlternateContent xmlns:mc="http://schemas.openxmlformats.org/markup-compatibility/2006" xmlns:p14="http://schemas.microsoft.com/office/powerpoint/2010/main">
+    <mc:Choice Requires="p14">
+      <p:transition spd="slow" p14:dur="2000"/>
+    </mc:Choice>
+    <mc:Fallback xmlns="">
+      <p:transition spd="slow"/>
+    </mc:Fallback>
+  </mc:AlternateContent>
+  <p:timing>
+    <p:tnLst>
+      <p:par>
+        <p:cTn id="1" dur="indefinite" restart="never" nodeType="tmRoot"/>
+      </p:par>
+    </p:tnLst>
+  </p:timing>
+</p:sld>
+</file>
+
+<file path=ppt/slides/slide37.xml><?xml version="1.0" encoding="utf-8"?>
+<p:sld xmlns:a="http://schemas.openxmlformats.org/drawingml/2006/main" xmlns:r="http://schemas.openxmlformats.org/officeDocument/2006/relationships" xmlns:p="http://schemas.openxmlformats.org/presentationml/2006/main">
+  <p:cSld>
+    <p:spTree>
+      <p:nvGrpSpPr>
+        <p:cNvPr id="1" name=""/>
+        <p:cNvGrpSpPr/>
+        <p:nvPr/>
+      </p:nvGrpSpPr>
+      <p:grpSpPr>
+        <a:xfrm>
+          <a:off x="0" y="0"/>
+          <a:ext cx="0" cy="0"/>
+          <a:chOff x="0" y="0"/>
+          <a:chExt cx="0" cy="0"/>
+        </a:xfrm>
+      </p:grpSpPr>
+      <p:sp>
+        <p:nvSpPr>
+          <p:cNvPr id="4" name="Title 1"/>
+          <p:cNvSpPr txBox="1">
+            <a:spLocks/>
+          </p:cNvSpPr>
+          <p:nvPr/>
+        </p:nvSpPr>
+        <p:spPr>
+          <a:xfrm>
+            <a:off x="276836" y="291859"/>
+            <a:ext cx="10238763" cy="956345"/>
+          </a:xfrm>
+          <a:prstGeom prst="rect">
+            <a:avLst/>
+          </a:prstGeom>
+        </p:spPr>
+        <p:txBody>
+          <a:bodyPr vert="horz" lIns="91440" tIns="45720" rIns="91440" bIns="45720" rtlCol="0" anchor="ctr">
+            <a:normAutofit/>
+          </a:bodyPr>
+          <a:lstStyle>
+            <a:lvl1pPr algn="l" defTabSz="914400" rtl="0" eaLnBrk="1" latinLnBrk="0" hangingPunct="1">
+              <a:lnSpc>
+                <a:spcPct val="90000"/>
+              </a:lnSpc>
+              <a:spcBef>
+                <a:spcPct val="0"/>
+              </a:spcBef>
+              <a:buNone/>
+              <a:defRPr sz="4400" kern="1200">
+                <a:solidFill>
+                  <a:schemeClr val="tx1"/>
+                </a:solidFill>
+                <a:latin typeface="+mj-lt"/>
+                <a:ea typeface="+mj-ea"/>
+                <a:cs typeface="+mj-cs"/>
+              </a:defRPr>
+            </a:lvl1pPr>
+          </a:lstStyle>
+          <a:p>
+            <a:r>
+              <a:rPr lang="en-US" sz="4800" dirty="0">
+                <a:latin typeface="Segoe UI Light" panose="020B0502040204020203" pitchFamily="34" charset="0"/>
+                <a:cs typeface="Segoe UI Light" panose="020B0502040204020203" pitchFamily="34" charset="0"/>
+              </a:rPr>
+              <a:t>Architecture: </a:t>
+            </a:r>
+            <a:r>
+              <a:rPr lang="en-US" sz="4800" dirty="0" smtClean="0">
+                <a:latin typeface="Segoe UI Light" panose="020B0502040204020203" pitchFamily="34" charset="0"/>
+                <a:cs typeface="Segoe UI Light" panose="020B0502040204020203" pitchFamily="34" charset="0"/>
+              </a:rPr>
+              <a:t>Azure Functions</a:t>
+            </a:r>
+            <a:endParaRPr lang="en-US" sz="4800" dirty="0">
+              <a:latin typeface="Segoe UI Light" panose="020B0502040204020203" pitchFamily="34" charset="0"/>
+              <a:cs typeface="Segoe UI Light" panose="020B0502040204020203" pitchFamily="34" charset="0"/>
+            </a:endParaRPr>
+          </a:p>
+        </p:txBody>
+      </p:sp>
+      <p:pic>
+        <p:nvPicPr>
+          <p:cNvPr id="3" name="Picture 2"/>
+          <p:cNvPicPr>
+            <a:picLocks noChangeAspect="1"/>
+          </p:cNvPicPr>
+          <p:nvPr/>
+        </p:nvPicPr>
+        <p:blipFill>
+          <a:blip r:embed="rId2"/>
+          <a:stretch>
+            <a:fillRect/>
+          </a:stretch>
+        </p:blipFill>
+        <p:spPr>
+          <a:xfrm>
+            <a:off x="652444" y="1306260"/>
+            <a:ext cx="10815306" cy="5209130"/>
+          </a:xfrm>
+          <a:prstGeom prst="rect">
+            <a:avLst/>
+          </a:prstGeom>
+        </p:spPr>
+      </p:pic>
+    </p:spTree>
+    <p:extLst>
+      <p:ext uri="{BB962C8B-B14F-4D97-AF65-F5344CB8AC3E}">
+        <p14:creationId xmlns:p14="http://schemas.microsoft.com/office/powerpoint/2010/main" val="696983461"/>
       </p:ext>
     </p:extLst>
   </p:cSld>
@@ -11334,6 +11534,30 @@
           <a:chExt cx="0" cy="0"/>
         </a:xfrm>
       </p:grpSpPr>
+      <p:pic>
+        <p:nvPicPr>
+          <p:cNvPr id="2" name="Picture 1"/>
+          <p:cNvPicPr>
+            <a:picLocks noChangeAspect="1"/>
+          </p:cNvPicPr>
+          <p:nvPr/>
+        </p:nvPicPr>
+        <p:blipFill>
+          <a:blip r:embed="rId2"/>
+          <a:stretch>
+            <a:fillRect/>
+          </a:stretch>
+        </p:blipFill>
+        <p:spPr>
+          <a:xfrm>
+            <a:off x="318538" y="1030115"/>
+            <a:ext cx="11554923" cy="5447972"/>
+          </a:xfrm>
+          <a:prstGeom prst="rect">
+            <a:avLst/>
+          </a:prstGeom>
+        </p:spPr>
+      </p:pic>
       <p:sp>
         <p:nvSpPr>
           <p:cNvPr id="4" name="Title 1"/>
@@ -11344,7 +11568,7 @@
         </p:nvSpPr>
         <p:spPr>
           <a:xfrm>
-            <a:off x="276836" y="291859"/>
+            <a:off x="226502" y="73770"/>
             <a:ext cx="10238763" cy="956345"/>
           </a:xfrm>
           <a:prstGeom prst="rect">
@@ -11376,18 +11600,11 @@
           </a:lstStyle>
           <a:p>
             <a:r>
-              <a:rPr lang="en-US" sz="4800" dirty="0">
-                <a:latin typeface="Segoe UI Light" panose="020B0502040204020203" pitchFamily="34" charset="0"/>
-                <a:cs typeface="Segoe UI Light" panose="020B0502040204020203" pitchFamily="34" charset="0"/>
-              </a:rPr>
-              <a:t>Architecture: </a:t>
-            </a:r>
-            <a:r>
               <a:rPr lang="en-US" sz="4800" dirty="0" smtClean="0">
                 <a:latin typeface="Segoe UI Light" panose="020B0502040204020203" pitchFamily="34" charset="0"/>
                 <a:cs typeface="Segoe UI Light" panose="020B0502040204020203" pitchFamily="34" charset="0"/>
               </a:rPr>
-              <a:t>Azure Functions</a:t>
+              <a:t>Architecture: AWS Lambda</a:t>
             </a:r>
             <a:endParaRPr lang="en-US" sz="4800" dirty="0">
               <a:latin typeface="Segoe UI Light" panose="020B0502040204020203" pitchFamily="34" charset="0"/>
@@ -11396,48 +11613,16 @@
           </a:p>
         </p:txBody>
       </p:sp>
-      <p:pic>
-        <p:nvPicPr>
-          <p:cNvPr id="3" name="Picture 2"/>
-          <p:cNvPicPr>
-            <a:picLocks noChangeAspect="1"/>
-          </p:cNvPicPr>
-          <p:nvPr/>
-        </p:nvPicPr>
-        <p:blipFill>
-          <a:blip r:embed="rId2"/>
-          <a:stretch>
-            <a:fillRect/>
-          </a:stretch>
-        </p:blipFill>
-        <p:spPr>
-          <a:xfrm>
-            <a:off x="652444" y="1306260"/>
-            <a:ext cx="10815306" cy="5209130"/>
-          </a:xfrm>
-          <a:prstGeom prst="rect">
-            <a:avLst/>
-          </a:prstGeom>
-        </p:spPr>
-      </p:pic>
     </p:spTree>
     <p:extLst>
       <p:ext uri="{BB962C8B-B14F-4D97-AF65-F5344CB8AC3E}">
-        <p14:creationId xmlns:p14="http://schemas.microsoft.com/office/powerpoint/2010/main" val="696983461"/>
+        <p14:creationId xmlns:p14="http://schemas.microsoft.com/office/powerpoint/2010/main" val="3424254032"/>
       </p:ext>
     </p:extLst>
   </p:cSld>
   <p:clrMapOvr>
     <a:masterClrMapping/>
   </p:clrMapOvr>
-  <mc:AlternateContent xmlns:mc="http://schemas.openxmlformats.org/markup-compatibility/2006" xmlns:p14="http://schemas.microsoft.com/office/powerpoint/2010/main">
-    <mc:Choice Requires="p14">
-      <p:transition spd="slow" p14:dur="2000"/>
-    </mc:Choice>
-    <mc:Fallback xmlns="">
-      <p:transition spd="slow"/>
-    </mc:Fallback>
-  </mc:AlternateContent>
   <p:timing>
     <p:tnLst>
       <p:par>
@@ -11449,7 +11634,7 @@
 </file>
 
 <file path=ppt/slides/slide39.xml><?xml version="1.0" encoding="utf-8"?>
-<p:sld xmlns:a="http://schemas.openxmlformats.org/drawingml/2006/main" xmlns:r="http://schemas.openxmlformats.org/officeDocument/2006/relationships" xmlns:p="http://schemas.openxmlformats.org/presentationml/2006/main">
+<p:sld xmlns:a="http://schemas.openxmlformats.org/drawingml/2006/main" xmlns:r="http://schemas.openxmlformats.org/officeDocument/2006/relationships" xmlns:p="http://schemas.openxmlformats.org/presentationml/2006/main" show="0">
   <p:cSld>
     <p:spTree>
       <p:nvGrpSpPr>
@@ -11465,79 +11650,29 @@
           <a:chExt cx="0" cy="0"/>
         </a:xfrm>
       </p:grpSpPr>
-      <p:pic>
-        <p:nvPicPr>
-          <p:cNvPr id="2" name="Picture 1"/>
-          <p:cNvPicPr>
-            <a:picLocks noChangeAspect="1"/>
-          </p:cNvPicPr>
-          <p:nvPr/>
-        </p:nvPicPr>
-        <p:blipFill>
-          <a:blip r:embed="rId2"/>
-          <a:stretch>
-            <a:fillRect/>
-          </a:stretch>
-        </p:blipFill>
-        <p:spPr>
-          <a:xfrm>
-            <a:off x="318538" y="1030115"/>
-            <a:ext cx="11554923" cy="5447972"/>
-          </a:xfrm>
-          <a:prstGeom prst="rect">
-            <a:avLst/>
-          </a:prstGeom>
-        </p:spPr>
-      </p:pic>
       <p:sp>
         <p:nvSpPr>
-          <p:cNvPr id="4" name="Title 1"/>
-          <p:cNvSpPr txBox="1">
-            <a:spLocks/>
+          <p:cNvPr id="2" name="Title 1"/>
+          <p:cNvSpPr>
+            <a:spLocks noGrp="1"/>
           </p:cNvSpPr>
-          <p:nvPr/>
+          <p:nvPr>
+            <p:ph type="ctrTitle"/>
+          </p:nvPr>
         </p:nvSpPr>
-        <p:spPr>
-          <a:xfrm>
-            <a:off x="226502" y="73770"/>
-            <a:ext cx="10238763" cy="956345"/>
-          </a:xfrm>
-          <a:prstGeom prst="rect">
-            <a:avLst/>
-          </a:prstGeom>
-        </p:spPr>
+        <p:spPr/>
         <p:txBody>
-          <a:bodyPr vert="horz" lIns="91440" tIns="45720" rIns="91440" bIns="45720" rtlCol="0" anchor="ctr">
-            <a:normAutofit/>
-          </a:bodyPr>
-          <a:lstStyle>
-            <a:lvl1pPr algn="l" defTabSz="914400" rtl="0" eaLnBrk="1" latinLnBrk="0" hangingPunct="1">
-              <a:lnSpc>
-                <a:spcPct val="90000"/>
-              </a:lnSpc>
-              <a:spcBef>
-                <a:spcPct val="0"/>
-              </a:spcBef>
-              <a:buNone/>
-              <a:defRPr sz="4400" kern="1200">
-                <a:solidFill>
-                  <a:schemeClr val="tx1"/>
-                </a:solidFill>
-                <a:latin typeface="+mj-lt"/>
-                <a:ea typeface="+mj-ea"/>
-                <a:cs typeface="+mj-cs"/>
-              </a:defRPr>
-            </a:lvl1pPr>
-          </a:lstStyle>
-          <a:p>
-            <a:r>
-              <a:rPr lang="en-US" sz="4800" dirty="0" smtClean="0">
+          <a:bodyPr/>
+          <a:lstStyle/>
+          <a:p>
+            <a:r>
+              <a:rPr lang="en-US" dirty="0" smtClean="0">
                 <a:latin typeface="Segoe UI Light" panose="020B0502040204020203" pitchFamily="34" charset="0"/>
                 <a:cs typeface="Segoe UI Light" panose="020B0502040204020203" pitchFamily="34" charset="0"/>
               </a:rPr>
-              <a:t>Architecture: AWS Lambda</a:t>
-            </a:r>
-            <a:endParaRPr lang="en-US" sz="4800" dirty="0">
+              <a:t>What about cost?</a:t>
+            </a:r>
+            <a:endParaRPr lang="en-US" dirty="0">
               <a:latin typeface="Segoe UI Light" panose="020B0502040204020203" pitchFamily="34" charset="0"/>
               <a:cs typeface="Segoe UI Light" panose="020B0502040204020203" pitchFamily="34" charset="0"/>
             </a:endParaRPr>
@@ -11547,13 +11682,21 @@
     </p:spTree>
     <p:extLst>
       <p:ext uri="{BB962C8B-B14F-4D97-AF65-F5344CB8AC3E}">
-        <p14:creationId xmlns:p14="http://schemas.microsoft.com/office/powerpoint/2010/main" val="3424254032"/>
+        <p14:creationId xmlns:p14="http://schemas.microsoft.com/office/powerpoint/2010/main" val="948780111"/>
       </p:ext>
     </p:extLst>
   </p:cSld>
   <p:clrMapOvr>
     <a:masterClrMapping/>
   </p:clrMapOvr>
+  <mc:AlternateContent xmlns:mc="http://schemas.openxmlformats.org/markup-compatibility/2006" xmlns:p14="http://schemas.microsoft.com/office/powerpoint/2010/main">
+    <mc:Choice Requires="p14">
+      <p:transition spd="slow" p14:dur="2000"/>
+    </mc:Choice>
+    <mc:Fallback xmlns="">
+      <p:transition spd="slow"/>
+    </mc:Fallback>
+  </mc:AlternateContent>
   <p:timing>
     <p:tnLst>
       <p:par>
@@ -11609,14 +11752,7 @@
                 <a:latin typeface="Segoe UI Light" panose="020B0502040204020203" pitchFamily="34" charset="0"/>
                 <a:cs typeface="Segoe UI Light" panose="020B0502040204020203" pitchFamily="34" charset="0"/>
               </a:rPr>
-              <a:t>‘As-a-Service</a:t>
-            </a:r>
-            <a:r>
-              <a:rPr lang="en-US" sz="6000" dirty="0" smtClean="0">
-                <a:latin typeface="Segoe UI Light" panose="020B0502040204020203" pitchFamily="34" charset="0"/>
-                <a:cs typeface="Segoe UI Light" panose="020B0502040204020203" pitchFamily="34" charset="0"/>
-              </a:rPr>
-              <a:t>’</a:t>
+              <a:t>‘As-a-Service’</a:t>
             </a:r>
             <a:endParaRPr lang="en-US" sz="6000" dirty="0">
               <a:latin typeface="Segoe UI Light" panose="020B0502040204020203" pitchFamily="34" charset="0"/>
@@ -11646,80 +11782,6 @@
 </file>
 
 <file path=ppt/slides/slide40.xml><?xml version="1.0" encoding="utf-8"?>
-<p:sld xmlns:a="http://schemas.openxmlformats.org/drawingml/2006/main" xmlns:r="http://schemas.openxmlformats.org/officeDocument/2006/relationships" xmlns:p="http://schemas.openxmlformats.org/presentationml/2006/main" show="0">
-  <p:cSld>
-    <p:spTree>
-      <p:nvGrpSpPr>
-        <p:cNvPr id="1" name=""/>
-        <p:cNvGrpSpPr/>
-        <p:nvPr/>
-      </p:nvGrpSpPr>
-      <p:grpSpPr>
-        <a:xfrm>
-          <a:off x="0" y="0"/>
-          <a:ext cx="0" cy="0"/>
-          <a:chOff x="0" y="0"/>
-          <a:chExt cx="0" cy="0"/>
-        </a:xfrm>
-      </p:grpSpPr>
-      <p:sp>
-        <p:nvSpPr>
-          <p:cNvPr id="2" name="Title 1"/>
-          <p:cNvSpPr>
-            <a:spLocks noGrp="1"/>
-          </p:cNvSpPr>
-          <p:nvPr>
-            <p:ph type="ctrTitle"/>
-          </p:nvPr>
-        </p:nvSpPr>
-        <p:spPr/>
-        <p:txBody>
-          <a:bodyPr/>
-          <a:lstStyle/>
-          <a:p>
-            <a:r>
-              <a:rPr lang="en-US" dirty="0" smtClean="0">
-                <a:latin typeface="Segoe UI Light" panose="020B0502040204020203" pitchFamily="34" charset="0"/>
-                <a:cs typeface="Segoe UI Light" panose="020B0502040204020203" pitchFamily="34" charset="0"/>
-              </a:rPr>
-              <a:t>What about cost?</a:t>
-            </a:r>
-            <a:endParaRPr lang="en-US" dirty="0">
-              <a:latin typeface="Segoe UI Light" panose="020B0502040204020203" pitchFamily="34" charset="0"/>
-              <a:cs typeface="Segoe UI Light" panose="020B0502040204020203" pitchFamily="34" charset="0"/>
-            </a:endParaRPr>
-          </a:p>
-        </p:txBody>
-      </p:sp>
-    </p:spTree>
-    <p:extLst>
-      <p:ext uri="{BB962C8B-B14F-4D97-AF65-F5344CB8AC3E}">
-        <p14:creationId xmlns:p14="http://schemas.microsoft.com/office/powerpoint/2010/main" val="948780111"/>
-      </p:ext>
-    </p:extLst>
-  </p:cSld>
-  <p:clrMapOvr>
-    <a:masterClrMapping/>
-  </p:clrMapOvr>
-  <mc:AlternateContent xmlns:mc="http://schemas.openxmlformats.org/markup-compatibility/2006" xmlns:p14="http://schemas.microsoft.com/office/powerpoint/2010/main">
-    <mc:Choice Requires="p14">
-      <p:transition spd="slow" p14:dur="2000"/>
-    </mc:Choice>
-    <mc:Fallback xmlns="">
-      <p:transition spd="slow"/>
-    </mc:Fallback>
-  </mc:AlternateContent>
-  <p:timing>
-    <p:tnLst>
-      <p:par>
-        <p:cTn id="1" dur="indefinite" restart="never" nodeType="tmRoot"/>
-      </p:par>
-    </p:tnLst>
-  </p:timing>
-</p:sld>
-</file>
-
-<file path=ppt/slides/slide41.xml><?xml version="1.0" encoding="utf-8"?>
 <p:sld xmlns:a="http://schemas.openxmlformats.org/drawingml/2006/main" xmlns:r="http://schemas.openxmlformats.org/officeDocument/2006/relationships" xmlns:p="http://schemas.openxmlformats.org/presentationml/2006/main" show="0">
   <p:cSld>
     <p:spTree>
@@ -12611,7 +12673,7 @@
 </p:sld>
 </file>
 
-<file path=ppt/slides/slide42.xml><?xml version="1.0" encoding="utf-8"?>
+<file path=ppt/slides/slide41.xml><?xml version="1.0" encoding="utf-8"?>
 <p:sld xmlns:a="http://schemas.openxmlformats.org/drawingml/2006/main" xmlns:r="http://schemas.openxmlformats.org/officeDocument/2006/relationships" xmlns:p="http://schemas.openxmlformats.org/presentationml/2006/main">
   <p:cSld>
     <p:spTree>
@@ -14146,7 +14208,7 @@
 </p:sld>
 </file>
 
-<file path=ppt/slides/slide43.xml><?xml version="1.0" encoding="utf-8"?>
+<file path=ppt/slides/slide42.xml><?xml version="1.0" encoding="utf-8"?>
 <p:sld xmlns:a="http://schemas.openxmlformats.org/drawingml/2006/main" xmlns:r="http://schemas.openxmlformats.org/officeDocument/2006/relationships" xmlns:p="http://schemas.openxmlformats.org/presentationml/2006/main">
   <p:cSld>
     <p:spTree>
@@ -14523,7 +14585,7 @@
 </p:sld>
 </file>
 
-<file path=ppt/slides/slide44.xml><?xml version="1.0" encoding="utf-8"?>
+<file path=ppt/slides/slide43.xml><?xml version="1.0" encoding="utf-8"?>
 <p:sld xmlns:a="http://schemas.openxmlformats.org/drawingml/2006/main" xmlns:r="http://schemas.openxmlformats.org/officeDocument/2006/relationships" xmlns:p="http://schemas.openxmlformats.org/presentationml/2006/main">
   <p:cSld>
     <p:spTree>
